--- a/Slides/10 - Scikit-learn.pptx
+++ b/Slides/10 - Scikit-learn.pptx
@@ -1,63 +1,63 @@
 
 <file path=ppt/presentation.xml><?xml version="1.0" encoding="utf-8"?>
-<p:presentation xmlns:a="http://schemas.openxmlformats.org/drawingml/2006/main" xmlns:r="http://schemas.openxmlformats.org/officeDocument/2006/relationships" xmlns:mc="http://schemas.openxmlformats.org/markup-compatibility/2006" xmlns:mv="urn:schemas-microsoft-com:mac:vml" xmlns:p="http://schemas.openxmlformats.org/presentationml/2006/main" xmlns:c="http://schemas.openxmlformats.org/drawingml/2006/chart" xmlns:dgm="http://schemas.openxmlformats.org/drawingml/2006/diagram" xmlns:o="urn:schemas-microsoft-com:office:office" xmlns:v="urn:schemas-microsoft-com:vml" xmlns:pvml="urn:schemas-microsoft-com:office:powerpoint" xmlns:com="http://schemas.openxmlformats.org/drawingml/2006/compatibility" xmlns:p14="http://schemas.microsoft.com/office/powerpoint/2010/main" xmlns:p15="http://schemas.microsoft.com/office/powerpoint/2012/main" autoCompressPictures="0" embedTrueTypeFonts="1" strictFirstAndLastChars="0" saveSubsetFonts="1">
+<p:presentation xmlns:a="http://schemas.openxmlformats.org/drawingml/2006/main" xmlns:r="http://schemas.openxmlformats.org/officeDocument/2006/relationships" xmlns:p="http://schemas.openxmlformats.org/presentationml/2006/main" strictFirstAndLastChars="0" embedTrueTypeFonts="1" saveSubsetFonts="1" autoCompressPictures="0">
   <p:sldMasterIdLst>
-    <p:sldMasterId id="2147483659" r:id="rId4"/>
+    <p:sldMasterId id="2147483659" r:id="rId1"/>
   </p:sldMasterIdLst>
   <p:notesMasterIdLst>
-    <p:notesMasterId r:id="rId5"/>
+    <p:notesMasterId r:id="rId24"/>
   </p:notesMasterIdLst>
   <p:sldIdLst>
-    <p:sldId id="256" r:id="rId6"/>
-    <p:sldId id="257" r:id="rId7"/>
-    <p:sldId id="258" r:id="rId8"/>
-    <p:sldId id="259" r:id="rId9"/>
-    <p:sldId id="260" r:id="rId10"/>
-    <p:sldId id="261" r:id="rId11"/>
-    <p:sldId id="262" r:id="rId12"/>
-    <p:sldId id="263" r:id="rId13"/>
-    <p:sldId id="264" r:id="rId14"/>
-    <p:sldId id="265" r:id="rId15"/>
-    <p:sldId id="266" r:id="rId16"/>
-    <p:sldId id="267" r:id="rId17"/>
-    <p:sldId id="268" r:id="rId18"/>
-    <p:sldId id="269" r:id="rId19"/>
-    <p:sldId id="270" r:id="rId20"/>
-    <p:sldId id="271" r:id="rId21"/>
-    <p:sldId id="272" r:id="rId22"/>
-    <p:sldId id="273" r:id="rId23"/>
-    <p:sldId id="274" r:id="rId24"/>
-    <p:sldId id="275" r:id="rId25"/>
-    <p:sldId id="276" r:id="rId26"/>
-    <p:sldId id="277" r:id="rId27"/>
+    <p:sldId id="256" r:id="rId2"/>
+    <p:sldId id="257" r:id="rId3"/>
+    <p:sldId id="258" r:id="rId4"/>
+    <p:sldId id="259" r:id="rId5"/>
+    <p:sldId id="260" r:id="rId6"/>
+    <p:sldId id="261" r:id="rId7"/>
+    <p:sldId id="262" r:id="rId8"/>
+    <p:sldId id="263" r:id="rId9"/>
+    <p:sldId id="264" r:id="rId10"/>
+    <p:sldId id="265" r:id="rId11"/>
+    <p:sldId id="266" r:id="rId12"/>
+    <p:sldId id="267" r:id="rId13"/>
+    <p:sldId id="268" r:id="rId14"/>
+    <p:sldId id="269" r:id="rId15"/>
+    <p:sldId id="270" r:id="rId16"/>
+    <p:sldId id="271" r:id="rId17"/>
+    <p:sldId id="272" r:id="rId18"/>
+    <p:sldId id="273" r:id="rId19"/>
+    <p:sldId id="274" r:id="rId20"/>
+    <p:sldId id="275" r:id="rId21"/>
+    <p:sldId id="276" r:id="rId22"/>
+    <p:sldId id="277" r:id="rId23"/>
   </p:sldIdLst>
-  <p:sldSz cy="5143500" cx="9144000"/>
+  <p:sldSz cx="9144000" cy="5143500" type="screen16x9"/>
   <p:notesSz cx="6858000" cy="9144000"/>
   <p:embeddedFontLst>
     <p:embeddedFont>
-      <p:font typeface="Raleway"/>
-      <p:regular r:id="rId28"/>
-      <p:bold r:id="rId29"/>
-      <p:italic r:id="rId30"/>
-      <p:boldItalic r:id="rId31"/>
+      <p:font typeface="Lato" panose="020B0604020202020204" charset="0"/>
+      <p:regular r:id="rId25"/>
+      <p:bold r:id="rId26"/>
+      <p:italic r:id="rId27"/>
+      <p:boldItalic r:id="rId28"/>
     </p:embeddedFont>
     <p:embeddedFont>
-      <p:font typeface="Lato"/>
-      <p:regular r:id="rId32"/>
-      <p:bold r:id="rId33"/>
-      <p:italic r:id="rId34"/>
-      <p:boldItalic r:id="rId35"/>
+      <p:font typeface="Raleway" panose="020B0604020202020204" charset="0"/>
+      <p:regular r:id="rId29"/>
+      <p:bold r:id="rId30"/>
+      <p:italic r:id="rId31"/>
+      <p:boldItalic r:id="rId32"/>
     </p:embeddedFont>
     <p:embeddedFont>
-      <p:font typeface="Roboto Mono"/>
-      <p:regular r:id="rId36"/>
-      <p:bold r:id="rId37"/>
-      <p:italic r:id="rId38"/>
-      <p:boldItalic r:id="rId39"/>
+      <p:font typeface="Roboto Mono" panose="020B0604020202020204" charset="0"/>
+      <p:regular r:id="rId33"/>
+      <p:bold r:id="rId34"/>
+      <p:italic r:id="rId35"/>
+      <p:boldItalic r:id="rId36"/>
     </p:embeddedFont>
   </p:embeddedFontLst>
   <p:defaultTextStyle>
-    <a:defPPr lvl="0" marR="0" rtl="0" algn="l">
+    <a:defPPr marR="0" lvl="0" algn="l" rtl="0">
       <a:lnSpc>
         <a:spcPct val="100000"/>
       </a:lnSpc>
@@ -68,7 +68,7 @@
         <a:spcPts val="0"/>
       </a:spcAft>
     </a:defPPr>
-    <a:lvl1pPr lvl="0" marR="0" rtl="0" algn="l">
+    <a:lvl1pPr marR="0" lvl="0" algn="l" rtl="0">
       <a:lnSpc>
         <a:spcPct val="100000"/>
       </a:lnSpc>
@@ -82,7 +82,7 @@
         <a:srgbClr val="000000"/>
       </a:buClr>
       <a:buFont typeface="Arial"/>
-      <a:defRPr b="0" i="0" sz="1400" u="none" cap="none" strike="noStrike">
+      <a:defRPr sz="1400" b="0" i="0" u="none" strike="noStrike" cap="none">
         <a:solidFill>
           <a:srgbClr val="000000"/>
         </a:solidFill>
@@ -92,7 +92,7 @@
         <a:sym typeface="Arial"/>
       </a:defRPr>
     </a:lvl1pPr>
-    <a:lvl2pPr lvl="1" marR="0" rtl="0" algn="l">
+    <a:lvl2pPr marR="0" lvl="1" algn="l" rtl="0">
       <a:lnSpc>
         <a:spcPct val="100000"/>
       </a:lnSpc>
@@ -106,7 +106,7 @@
         <a:srgbClr val="000000"/>
       </a:buClr>
       <a:buFont typeface="Arial"/>
-      <a:defRPr b="0" i="0" sz="1400" u="none" cap="none" strike="noStrike">
+      <a:defRPr sz="1400" b="0" i="0" u="none" strike="noStrike" cap="none">
         <a:solidFill>
           <a:srgbClr val="000000"/>
         </a:solidFill>
@@ -116,7 +116,7 @@
         <a:sym typeface="Arial"/>
       </a:defRPr>
     </a:lvl2pPr>
-    <a:lvl3pPr lvl="2" marR="0" rtl="0" algn="l">
+    <a:lvl3pPr marR="0" lvl="2" algn="l" rtl="0">
       <a:lnSpc>
         <a:spcPct val="100000"/>
       </a:lnSpc>
@@ -130,7 +130,7 @@
         <a:srgbClr val="000000"/>
       </a:buClr>
       <a:buFont typeface="Arial"/>
-      <a:defRPr b="0" i="0" sz="1400" u="none" cap="none" strike="noStrike">
+      <a:defRPr sz="1400" b="0" i="0" u="none" strike="noStrike" cap="none">
         <a:solidFill>
           <a:srgbClr val="000000"/>
         </a:solidFill>
@@ -140,7 +140,7 @@
         <a:sym typeface="Arial"/>
       </a:defRPr>
     </a:lvl3pPr>
-    <a:lvl4pPr lvl="3" marR="0" rtl="0" algn="l">
+    <a:lvl4pPr marR="0" lvl="3" algn="l" rtl="0">
       <a:lnSpc>
         <a:spcPct val="100000"/>
       </a:lnSpc>
@@ -154,7 +154,7 @@
         <a:srgbClr val="000000"/>
       </a:buClr>
       <a:buFont typeface="Arial"/>
-      <a:defRPr b="0" i="0" sz="1400" u="none" cap="none" strike="noStrike">
+      <a:defRPr sz="1400" b="0" i="0" u="none" strike="noStrike" cap="none">
         <a:solidFill>
           <a:srgbClr val="000000"/>
         </a:solidFill>
@@ -164,7 +164,7 @@
         <a:sym typeface="Arial"/>
       </a:defRPr>
     </a:lvl4pPr>
-    <a:lvl5pPr lvl="4" marR="0" rtl="0" algn="l">
+    <a:lvl5pPr marR="0" lvl="4" algn="l" rtl="0">
       <a:lnSpc>
         <a:spcPct val="100000"/>
       </a:lnSpc>
@@ -178,7 +178,7 @@
         <a:srgbClr val="000000"/>
       </a:buClr>
       <a:buFont typeface="Arial"/>
-      <a:defRPr b="0" i="0" sz="1400" u="none" cap="none" strike="noStrike">
+      <a:defRPr sz="1400" b="0" i="0" u="none" strike="noStrike" cap="none">
         <a:solidFill>
           <a:srgbClr val="000000"/>
         </a:solidFill>
@@ -188,7 +188,7 @@
         <a:sym typeface="Arial"/>
       </a:defRPr>
     </a:lvl5pPr>
-    <a:lvl6pPr lvl="5" marR="0" rtl="0" algn="l">
+    <a:lvl6pPr marR="0" lvl="5" algn="l" rtl="0">
       <a:lnSpc>
         <a:spcPct val="100000"/>
       </a:lnSpc>
@@ -202,7 +202,7 @@
         <a:srgbClr val="000000"/>
       </a:buClr>
       <a:buFont typeface="Arial"/>
-      <a:defRPr b="0" i="0" sz="1400" u="none" cap="none" strike="noStrike">
+      <a:defRPr sz="1400" b="0" i="0" u="none" strike="noStrike" cap="none">
         <a:solidFill>
           <a:srgbClr val="000000"/>
         </a:solidFill>
@@ -212,7 +212,7 @@
         <a:sym typeface="Arial"/>
       </a:defRPr>
     </a:lvl6pPr>
-    <a:lvl7pPr lvl="6" marR="0" rtl="0" algn="l">
+    <a:lvl7pPr marR="0" lvl="6" algn="l" rtl="0">
       <a:lnSpc>
         <a:spcPct val="100000"/>
       </a:lnSpc>
@@ -226,7 +226,7 @@
         <a:srgbClr val="000000"/>
       </a:buClr>
       <a:buFont typeface="Arial"/>
-      <a:defRPr b="0" i="0" sz="1400" u="none" cap="none" strike="noStrike">
+      <a:defRPr sz="1400" b="0" i="0" u="none" strike="noStrike" cap="none">
         <a:solidFill>
           <a:srgbClr val="000000"/>
         </a:solidFill>
@@ -236,7 +236,7 @@
         <a:sym typeface="Arial"/>
       </a:defRPr>
     </a:lvl7pPr>
-    <a:lvl8pPr lvl="7" marR="0" rtl="0" algn="l">
+    <a:lvl8pPr marR="0" lvl="7" algn="l" rtl="0">
       <a:lnSpc>
         <a:spcPct val="100000"/>
       </a:lnSpc>
@@ -250,7 +250,7 @@
         <a:srgbClr val="000000"/>
       </a:buClr>
       <a:buFont typeface="Arial"/>
-      <a:defRPr b="0" i="0" sz="1400" u="none" cap="none" strike="noStrike">
+      <a:defRPr sz="1400" b="0" i="0" u="none" strike="noStrike" cap="none">
         <a:solidFill>
           <a:srgbClr val="000000"/>
         </a:solidFill>
@@ -260,7 +260,7 @@
         <a:sym typeface="Arial"/>
       </a:defRPr>
     </a:lvl8pPr>
-    <a:lvl9pPr lvl="8" marR="0" rtl="0" algn="l">
+    <a:lvl9pPr marR="0" lvl="8" algn="l" rtl="0">
       <a:lnSpc>
         <a:spcPct val="100000"/>
       </a:lnSpc>
@@ -274,7 +274,7 @@
         <a:srgbClr val="000000"/>
       </a:buClr>
       <a:buFont typeface="Arial"/>
-      <a:defRPr b="0" i="0" sz="1400" u="none" cap="none" strike="noStrike">
+      <a:defRPr sz="1400" b="0" i="0" u="none" strike="noStrike" cap="none">
         <a:solidFill>
           <a:srgbClr val="000000"/>
         </a:solidFill>
@@ -287,7 +287,7 @@
   </p:defaultTextStyle>
   <p:extLst>
     <p:ext uri="{EFAFB233-063F-42B5-8137-9DF3F51BA10A}">
-      <p15:sldGuideLst>
+      <p15:sldGuideLst xmlns:p15="http://schemas.microsoft.com/office/powerpoint/2012/main">
         <p15:guide id="1" orient="horz" pos="1620">
           <p15:clr>
             <a:srgbClr val="A4A3A4"/>
@@ -304,12 +304,46 @@
 </p:presentation>
 </file>
 
+<file path=ppt/changesInfos/changesInfo1.xml><?xml version="1.0" encoding="utf-8"?>
+<pc:chgInfo xmlns:a="http://schemas.openxmlformats.org/drawingml/2006/main" xmlns:r="http://schemas.openxmlformats.org/officeDocument/2006/relationships" xmlns:ac="http://schemas.microsoft.com/office/drawing/2013/main/command" xmlns:pc="http://schemas.microsoft.com/office/powerpoint/2013/main/command">
+  <pc:docChgLst>
+    <pc:chgData name="luis batelochi" userId="56af692a1e18973b" providerId="LiveId" clId="{06E2F173-98DC-40FD-9CB6-443315B337E4}"/>
+    <pc:docChg chg="modSld">
+      <pc:chgData name="luis batelochi" userId="56af692a1e18973b" providerId="LiveId" clId="{06E2F173-98DC-40FD-9CB6-443315B337E4}" dt="2019-11-07T17:45:37.033" v="0" actId="20577"/>
+      <pc:docMkLst>
+        <pc:docMk/>
+      </pc:docMkLst>
+      <pc:sldChg chg="modSp">
+        <pc:chgData name="luis batelochi" userId="56af692a1e18973b" providerId="LiveId" clId="{06E2F173-98DC-40FD-9CB6-443315B337E4}" dt="2019-11-07T17:45:37.033" v="0" actId="20577"/>
+        <pc:sldMkLst>
+          <pc:docMk/>
+          <pc:sldMk cId="0" sldId="273"/>
+        </pc:sldMkLst>
+        <pc:spChg chg="mod">
+          <ac:chgData name="luis batelochi" userId="56af692a1e18973b" providerId="LiveId" clId="{06E2F173-98DC-40FD-9CB6-443315B337E4}" dt="2019-11-07T17:45:37.033" v="0" actId="20577"/>
+          <ac:spMkLst>
+            <pc:docMk/>
+            <pc:sldMk cId="0" sldId="273"/>
+            <ac:spMk id="194" creationId="{00000000-0000-0000-0000-000000000000}"/>
+          </ac:spMkLst>
+        </pc:spChg>
+      </pc:sldChg>
+    </pc:docChg>
+  </pc:docChgLst>
+</pc:chgInfo>
+</file>
+
 <file path=ppt/notesMasters/notesMaster1.xml><?xml version="1.0" encoding="utf-8"?>
-<p:notesMaster xmlns:a="http://schemas.openxmlformats.org/drawingml/2006/main" xmlns:r="http://schemas.openxmlformats.org/officeDocument/2006/relationships" xmlns:mc="http://schemas.openxmlformats.org/markup-compatibility/2006" xmlns:mv="urn:schemas-microsoft-com:mac:vml" xmlns:p="http://schemas.openxmlformats.org/presentationml/2006/main" xmlns:c="http://schemas.openxmlformats.org/drawingml/2006/chart" xmlns:dgm="http://schemas.openxmlformats.org/drawingml/2006/diagram" xmlns:o="urn:schemas-microsoft-com:office:office" xmlns:v="urn:schemas-microsoft-com:vml" xmlns:pvml="urn:schemas-microsoft-com:office:powerpoint" xmlns:com="http://schemas.openxmlformats.org/drawingml/2006/compatibility" xmlns:p14="http://schemas.microsoft.com/office/powerpoint/2010/main" xmlns:p15="http://schemas.microsoft.com/office/powerpoint/2012/main">
+<p:notesMaster xmlns:a="http://schemas.openxmlformats.org/drawingml/2006/main" xmlns:r="http://schemas.openxmlformats.org/officeDocument/2006/relationships" xmlns:p="http://schemas.openxmlformats.org/presentationml/2006/main">
   <p:cSld>
+    <p:bg>
+      <p:bgRef idx="1001">
+        <a:schemeClr val="bg1"/>
+      </p:bgRef>
+    </p:bg>
     <p:spTree>
       <p:nvGrpSpPr>
-        <p:cNvPr id="2" name="Shape 2"/>
+        <p:cNvPr id="1" name="Shape 2"/>
         <p:cNvGrpSpPr/>
         <p:nvPr/>
       </p:nvGrpSpPr>
@@ -324,9 +358,11 @@
       <p:sp>
         <p:nvSpPr>
           <p:cNvPr id="3" name="Google Shape;3;n"/>
-          <p:cNvSpPr/>
+          <p:cNvSpPr>
+            <a:spLocks noGrp="1" noRot="1" noChangeAspect="1"/>
+          </p:cNvSpPr>
           <p:nvPr>
-            <p:ph idx="2" type="sldImg"/>
+            <p:ph type="sldImg" idx="2"/>
           </p:nvPr>
         </p:nvSpPr>
         <p:spPr>
@@ -335,9 +371,13 @@
             <a:ext cx="6096075" cy="3429000"/>
           </a:xfrm>
           <a:custGeom>
-            <a:rect b="b" l="l" r="r" t="t"/>
+            <a:avLst/>
+            <a:gdLst/>
+            <a:ahLst/>
+            <a:cxnLst/>
+            <a:rect l="l" t="t" r="r" b="b"/>
             <a:pathLst>
-              <a:path extrusionOk="0" h="120000" w="120000">
+              <a:path w="120000" h="120000" extrusionOk="0">
                 <a:moveTo>
                   <a:pt x="0" y="0"/>
                 </a:moveTo>
@@ -355,23 +395,25 @@
             </a:pathLst>
           </a:custGeom>
           <a:noFill/>
-          <a:ln cap="flat" cmpd="sng" w="9525">
+          <a:ln w="9525" cap="flat" cmpd="sng">
             <a:solidFill>
               <a:srgbClr val="000000"/>
             </a:solidFill>
             <a:prstDash val="solid"/>
             <a:round/>
-            <a:headEnd len="sm" w="sm" type="none"/>
-            <a:tailEnd len="sm" w="sm" type="none"/>
+            <a:headEnd type="none" w="sm" len="sm"/>
+            <a:tailEnd type="none" w="sm" len="sm"/>
           </a:ln>
         </p:spPr>
       </p:sp>
       <p:sp>
         <p:nvSpPr>
           <p:cNvPr id="4" name="Google Shape;4;n"/>
-          <p:cNvSpPr txBox="1"/>
+          <p:cNvSpPr txBox="1">
+            <a:spLocks noGrp="1"/>
+          </p:cNvSpPr>
           <p:nvPr>
-            <p:ph idx="1" type="body"/>
+            <p:ph type="body" idx="1"/>
           </p:nvPr>
         </p:nvSpPr>
         <p:spPr>
@@ -388,11 +430,11 @@
           </a:ln>
         </p:spPr>
         <p:txBody>
-          <a:bodyPr anchorCtr="0" anchor="t" bIns="91425" lIns="91425" spcFirstLastPara="1" rIns="91425" wrap="square" tIns="91425">
+          <a:bodyPr spcFirstLastPara="1" wrap="square" lIns="91425" tIns="91425" rIns="91425" bIns="91425" anchor="t" anchorCtr="0">
             <a:noAutofit/>
           </a:bodyPr>
           <a:lstStyle>
-            <a:lvl1pPr indent="-298450" lvl="0" marL="457200">
+            <a:lvl1pPr marL="457200" lvl="0" indent="-298450">
               <a:spcBef>
                 <a:spcPts val="0"/>
               </a:spcBef>
@@ -403,7 +445,7 @@
               <a:buChar char="●"/>
               <a:defRPr sz="1100"/>
             </a:lvl1pPr>
-            <a:lvl2pPr indent="-298450" lvl="1" marL="914400">
+            <a:lvl2pPr marL="914400" lvl="1" indent="-298450">
               <a:spcBef>
                 <a:spcPts val="0"/>
               </a:spcBef>
@@ -414,7 +456,7 @@
               <a:buChar char="○"/>
               <a:defRPr sz="1100"/>
             </a:lvl2pPr>
-            <a:lvl3pPr indent="-298450" lvl="2" marL="1371600">
+            <a:lvl3pPr marL="1371600" lvl="2" indent="-298450">
               <a:spcBef>
                 <a:spcPts val="0"/>
               </a:spcBef>
@@ -425,7 +467,7 @@
               <a:buChar char="■"/>
               <a:defRPr sz="1100"/>
             </a:lvl3pPr>
-            <a:lvl4pPr indent="-298450" lvl="3" marL="1828800">
+            <a:lvl4pPr marL="1828800" lvl="3" indent="-298450">
               <a:spcBef>
                 <a:spcPts val="0"/>
               </a:spcBef>
@@ -436,7 +478,7 @@
               <a:buChar char="●"/>
               <a:defRPr sz="1100"/>
             </a:lvl4pPr>
-            <a:lvl5pPr indent="-298450" lvl="4" marL="2286000">
+            <a:lvl5pPr marL="2286000" lvl="4" indent="-298450">
               <a:spcBef>
                 <a:spcPts val="0"/>
               </a:spcBef>
@@ -447,7 +489,7 @@
               <a:buChar char="○"/>
               <a:defRPr sz="1100"/>
             </a:lvl5pPr>
-            <a:lvl6pPr indent="-298450" lvl="5" marL="2743200">
+            <a:lvl6pPr marL="2743200" lvl="5" indent="-298450">
               <a:spcBef>
                 <a:spcPts val="0"/>
               </a:spcBef>
@@ -458,7 +500,7 @@
               <a:buChar char="■"/>
               <a:defRPr sz="1100"/>
             </a:lvl6pPr>
-            <a:lvl7pPr indent="-298450" lvl="6" marL="3200400">
+            <a:lvl7pPr marL="3200400" lvl="6" indent="-298450">
               <a:spcBef>
                 <a:spcPts val="0"/>
               </a:spcBef>
@@ -469,7 +511,7 @@
               <a:buChar char="●"/>
               <a:defRPr sz="1100"/>
             </a:lvl7pPr>
-            <a:lvl8pPr indent="-298450" lvl="7" marL="3657600">
+            <a:lvl8pPr marL="3657600" lvl="7" indent="-298450">
               <a:spcBef>
                 <a:spcPts val="0"/>
               </a:spcBef>
@@ -480,7 +522,7 @@
               <a:buChar char="○"/>
               <a:defRPr sz="1100"/>
             </a:lvl8pPr>
-            <a:lvl9pPr indent="-298450" lvl="8" marL="4114800">
+            <a:lvl9pPr marL="4114800" lvl="8" indent="-298450">
               <a:spcBef>
                 <a:spcPts val="0"/>
               </a:spcBef>
@@ -492,14 +534,16 @@
               <a:defRPr sz="1100"/>
             </a:lvl9pPr>
           </a:lstStyle>
-          <a:p/>
+          <a:p>
+            <a:endParaRPr/>
+          </a:p>
         </p:txBody>
       </p:sp>
     </p:spTree>
   </p:cSld>
-  <p:clrMap accent1="accent1" accent2="accent2" accent3="accent3" accent4="accent4" accent5="accent5" accent6="accent6" bg1="lt1" bg2="dk2" tx1="dk1" tx2="lt2" folHlink="folHlink" hlink="hlink"/>
+  <p:clrMap bg1="lt1" tx1="dk1" bg2="dk2" tx2="lt2" accent1="accent1" accent2="accent2" accent3="accent3" accent4="accent4" accent5="accent5" accent6="accent6" hlink="hlink" folHlink="folHlink"/>
   <p:notesStyle>
-    <a:defPPr lvl="0" marR="0" rtl="0" algn="l">
+    <a:defPPr marR="0" lvl="0" algn="l" rtl="0">
       <a:lnSpc>
         <a:spcPct val="100000"/>
       </a:lnSpc>
@@ -510,7 +554,7 @@
         <a:spcPts val="0"/>
       </a:spcAft>
     </a:defPPr>
-    <a:lvl1pPr lvl="0" marR="0" rtl="0" algn="l">
+    <a:lvl1pPr marR="0" lvl="0" algn="l" rtl="0">
       <a:lnSpc>
         <a:spcPct val="100000"/>
       </a:lnSpc>
@@ -524,7 +568,7 @@
         <a:srgbClr val="000000"/>
       </a:buClr>
       <a:buFont typeface="Arial"/>
-      <a:defRPr b="0" i="0" sz="1400" u="none" cap="none" strike="noStrike">
+      <a:defRPr sz="1400" b="0" i="0" u="none" strike="noStrike" cap="none">
         <a:solidFill>
           <a:srgbClr val="000000"/>
         </a:solidFill>
@@ -534,7 +578,7 @@
         <a:sym typeface="Arial"/>
       </a:defRPr>
     </a:lvl1pPr>
-    <a:lvl2pPr lvl="1" marR="0" rtl="0" algn="l">
+    <a:lvl2pPr marR="0" lvl="1" algn="l" rtl="0">
       <a:lnSpc>
         <a:spcPct val="100000"/>
       </a:lnSpc>
@@ -548,7 +592,7 @@
         <a:srgbClr val="000000"/>
       </a:buClr>
       <a:buFont typeface="Arial"/>
-      <a:defRPr b="0" i="0" sz="1400" u="none" cap="none" strike="noStrike">
+      <a:defRPr sz="1400" b="0" i="0" u="none" strike="noStrike" cap="none">
         <a:solidFill>
           <a:srgbClr val="000000"/>
         </a:solidFill>
@@ -558,7 +602,7 @@
         <a:sym typeface="Arial"/>
       </a:defRPr>
     </a:lvl2pPr>
-    <a:lvl3pPr lvl="2" marR="0" rtl="0" algn="l">
+    <a:lvl3pPr marR="0" lvl="2" algn="l" rtl="0">
       <a:lnSpc>
         <a:spcPct val="100000"/>
       </a:lnSpc>
@@ -572,7 +616,7 @@
         <a:srgbClr val="000000"/>
       </a:buClr>
       <a:buFont typeface="Arial"/>
-      <a:defRPr b="0" i="0" sz="1400" u="none" cap="none" strike="noStrike">
+      <a:defRPr sz="1400" b="0" i="0" u="none" strike="noStrike" cap="none">
         <a:solidFill>
           <a:srgbClr val="000000"/>
         </a:solidFill>
@@ -582,7 +626,7 @@
         <a:sym typeface="Arial"/>
       </a:defRPr>
     </a:lvl3pPr>
-    <a:lvl4pPr lvl="3" marR="0" rtl="0" algn="l">
+    <a:lvl4pPr marR="0" lvl="3" algn="l" rtl="0">
       <a:lnSpc>
         <a:spcPct val="100000"/>
       </a:lnSpc>
@@ -596,7 +640,7 @@
         <a:srgbClr val="000000"/>
       </a:buClr>
       <a:buFont typeface="Arial"/>
-      <a:defRPr b="0" i="0" sz="1400" u="none" cap="none" strike="noStrike">
+      <a:defRPr sz="1400" b="0" i="0" u="none" strike="noStrike" cap="none">
         <a:solidFill>
           <a:srgbClr val="000000"/>
         </a:solidFill>
@@ -606,7 +650,7 @@
         <a:sym typeface="Arial"/>
       </a:defRPr>
     </a:lvl4pPr>
-    <a:lvl5pPr lvl="4" marR="0" rtl="0" algn="l">
+    <a:lvl5pPr marR="0" lvl="4" algn="l" rtl="0">
       <a:lnSpc>
         <a:spcPct val="100000"/>
       </a:lnSpc>
@@ -620,7 +664,7 @@
         <a:srgbClr val="000000"/>
       </a:buClr>
       <a:buFont typeface="Arial"/>
-      <a:defRPr b="0" i="0" sz="1400" u="none" cap="none" strike="noStrike">
+      <a:defRPr sz="1400" b="0" i="0" u="none" strike="noStrike" cap="none">
         <a:solidFill>
           <a:srgbClr val="000000"/>
         </a:solidFill>
@@ -630,7 +674,7 @@
         <a:sym typeface="Arial"/>
       </a:defRPr>
     </a:lvl5pPr>
-    <a:lvl6pPr lvl="5" marR="0" rtl="0" algn="l">
+    <a:lvl6pPr marR="0" lvl="5" algn="l" rtl="0">
       <a:lnSpc>
         <a:spcPct val="100000"/>
       </a:lnSpc>
@@ -644,7 +688,7 @@
         <a:srgbClr val="000000"/>
       </a:buClr>
       <a:buFont typeface="Arial"/>
-      <a:defRPr b="0" i="0" sz="1400" u="none" cap="none" strike="noStrike">
+      <a:defRPr sz="1400" b="0" i="0" u="none" strike="noStrike" cap="none">
         <a:solidFill>
           <a:srgbClr val="000000"/>
         </a:solidFill>
@@ -654,7 +698,7 @@
         <a:sym typeface="Arial"/>
       </a:defRPr>
     </a:lvl6pPr>
-    <a:lvl7pPr lvl="6" marR="0" rtl="0" algn="l">
+    <a:lvl7pPr marR="0" lvl="6" algn="l" rtl="0">
       <a:lnSpc>
         <a:spcPct val="100000"/>
       </a:lnSpc>
@@ -668,7 +712,7 @@
         <a:srgbClr val="000000"/>
       </a:buClr>
       <a:buFont typeface="Arial"/>
-      <a:defRPr b="0" i="0" sz="1400" u="none" cap="none" strike="noStrike">
+      <a:defRPr sz="1400" b="0" i="0" u="none" strike="noStrike" cap="none">
         <a:solidFill>
           <a:srgbClr val="000000"/>
         </a:solidFill>
@@ -678,7 +722,7 @@
         <a:sym typeface="Arial"/>
       </a:defRPr>
     </a:lvl7pPr>
-    <a:lvl8pPr lvl="7" marR="0" rtl="0" algn="l">
+    <a:lvl8pPr marR="0" lvl="7" algn="l" rtl="0">
       <a:lnSpc>
         <a:spcPct val="100000"/>
       </a:lnSpc>
@@ -692,7 +736,7 @@
         <a:srgbClr val="000000"/>
       </a:buClr>
       <a:buFont typeface="Arial"/>
-      <a:defRPr b="0" i="0" sz="1400" u="none" cap="none" strike="noStrike">
+      <a:defRPr sz="1400" b="0" i="0" u="none" strike="noStrike" cap="none">
         <a:solidFill>
           <a:srgbClr val="000000"/>
         </a:solidFill>
@@ -702,7 +746,7 @@
         <a:sym typeface="Arial"/>
       </a:defRPr>
     </a:lvl8pPr>
-    <a:lvl9pPr lvl="8" marR="0" rtl="0" algn="l">
+    <a:lvl9pPr marR="0" lvl="8" algn="l" rtl="0">
       <a:lnSpc>
         <a:spcPct val="100000"/>
       </a:lnSpc>
@@ -716,7 +760,7 @@
         <a:srgbClr val="000000"/>
       </a:buClr>
       <a:buFont typeface="Arial"/>
-      <a:defRPr b="0" i="0" sz="1400" u="none" cap="none" strike="noStrike">
+      <a:defRPr sz="1400" b="0" i="0" u="none" strike="noStrike" cap="none">
         <a:solidFill>
           <a:srgbClr val="000000"/>
         </a:solidFill>
@@ -731,11 +775,11 @@
 </file>
 
 <file path=ppt/notesSlides/notesSlide1.xml><?xml version="1.0" encoding="utf-8"?>
-<p:notes xmlns:a="http://schemas.openxmlformats.org/drawingml/2006/main" xmlns:r="http://schemas.openxmlformats.org/officeDocument/2006/relationships" xmlns:mc="http://schemas.openxmlformats.org/markup-compatibility/2006" xmlns:mv="urn:schemas-microsoft-com:mac:vml" xmlns:p="http://schemas.openxmlformats.org/presentationml/2006/main" xmlns:c="http://schemas.openxmlformats.org/drawingml/2006/chart" xmlns:dgm="http://schemas.openxmlformats.org/drawingml/2006/diagram" xmlns:o="urn:schemas-microsoft-com:office:office" xmlns:v="urn:schemas-microsoft-com:vml" xmlns:pvml="urn:schemas-microsoft-com:office:powerpoint" xmlns:com="http://schemas.openxmlformats.org/drawingml/2006/compatibility" xmlns:p14="http://schemas.microsoft.com/office/powerpoint/2010/main" xmlns:p15="http://schemas.microsoft.com/office/powerpoint/2012/main" showMasterPhAnim="0" showMasterSp="0">
+<p:notes xmlns:a="http://schemas.openxmlformats.org/drawingml/2006/main" xmlns:r="http://schemas.openxmlformats.org/officeDocument/2006/relationships" xmlns:p="http://schemas.openxmlformats.org/presentationml/2006/main" showMasterSp="0" showMasterPhAnim="0">
   <p:cSld>
     <p:spTree>
       <p:nvGrpSpPr>
-        <p:cNvPr id="82" name="Shape 82"/>
+        <p:cNvPr id="1" name="Shape 82"/>
         <p:cNvGrpSpPr/>
         <p:nvPr/>
       </p:nvGrpSpPr>
@@ -750,9 +794,11 @@
       <p:sp>
         <p:nvSpPr>
           <p:cNvPr id="83" name="Google Shape;83;p:notes"/>
-          <p:cNvSpPr/>
+          <p:cNvSpPr>
+            <a:spLocks noGrp="1" noRot="1" noChangeAspect="1"/>
+          </p:cNvSpPr>
           <p:nvPr>
-            <p:ph idx="2" type="sldImg"/>
+            <p:ph type="sldImg" idx="2"/>
           </p:nvPr>
         </p:nvSpPr>
         <p:spPr>
@@ -761,9 +807,13 @@
             <a:ext cx="6096075" cy="3429000"/>
           </a:xfrm>
           <a:custGeom>
-            <a:rect b="b" l="l" r="r" t="t"/>
+            <a:avLst/>
+            <a:gdLst/>
+            <a:ahLst/>
+            <a:cxnLst/>
+            <a:rect l="l" t="t" r="r" b="b"/>
             <a:pathLst>
-              <a:path extrusionOk="0" h="120000" w="120000">
+              <a:path w="120000" h="120000" extrusionOk="0">
                 <a:moveTo>
                   <a:pt x="0" y="0"/>
                 </a:moveTo>
@@ -785,9 +835,11 @@
       <p:sp>
         <p:nvSpPr>
           <p:cNvPr id="84" name="Google Shape;84;p:notes"/>
-          <p:cNvSpPr txBox="1"/>
+          <p:cNvSpPr txBox="1">
+            <a:spLocks noGrp="1"/>
+          </p:cNvSpPr>
           <p:nvPr>
-            <p:ph idx="1" type="body"/>
+            <p:ph type="body" idx="1"/>
           </p:nvPr>
         </p:nvSpPr>
         <p:spPr>
@@ -800,12 +852,12 @@
           </a:prstGeom>
         </p:spPr>
         <p:txBody>
-          <a:bodyPr anchorCtr="0" anchor="t" bIns="91425" lIns="91425" spcFirstLastPara="1" rIns="91425" wrap="square" tIns="91425">
+          <a:bodyPr spcFirstLastPara="1" wrap="square" lIns="91425" tIns="91425" rIns="91425" bIns="91425" anchor="t" anchorCtr="0">
             <a:noAutofit/>
           </a:bodyPr>
           <a:lstStyle/>
           <a:p>
-            <a:pPr indent="0" lvl="0" marL="0" rtl="0" algn="l">
+            <a:pPr marL="0" lvl="0" indent="0" algn="l" rtl="0">
               <a:spcBef>
                 <a:spcPts val="0"/>
               </a:spcBef>
@@ -814,9 +866,6 @@
               </a:spcAft>
               <a:buNone/>
             </a:pPr>
-            <a:r>
-              <a:t/>
-            </a:r>
             <a:endParaRPr/>
           </a:p>
         </p:txBody>
@@ -830,11 +879,11 @@
 </file>
 
 <file path=ppt/notesSlides/notesSlide10.xml><?xml version="1.0" encoding="utf-8"?>
-<p:notes xmlns:a="http://schemas.openxmlformats.org/drawingml/2006/main" xmlns:r="http://schemas.openxmlformats.org/officeDocument/2006/relationships" xmlns:mc="http://schemas.openxmlformats.org/markup-compatibility/2006" xmlns:mv="urn:schemas-microsoft-com:mac:vml" xmlns:p="http://schemas.openxmlformats.org/presentationml/2006/main" xmlns:c="http://schemas.openxmlformats.org/drawingml/2006/chart" xmlns:dgm="http://schemas.openxmlformats.org/drawingml/2006/diagram" xmlns:o="urn:schemas-microsoft-com:office:office" xmlns:v="urn:schemas-microsoft-com:vml" xmlns:pvml="urn:schemas-microsoft-com:office:powerpoint" xmlns:com="http://schemas.openxmlformats.org/drawingml/2006/compatibility" xmlns:p14="http://schemas.microsoft.com/office/powerpoint/2010/main" xmlns:p15="http://schemas.microsoft.com/office/powerpoint/2012/main" showMasterPhAnim="0" showMasterSp="0">
+<p:notes xmlns:a="http://schemas.openxmlformats.org/drawingml/2006/main" xmlns:r="http://schemas.openxmlformats.org/officeDocument/2006/relationships" xmlns:p="http://schemas.openxmlformats.org/presentationml/2006/main" showMasterSp="0" showMasterPhAnim="0">
   <p:cSld>
     <p:spTree>
       <p:nvGrpSpPr>
-        <p:cNvPr id="137" name="Shape 137"/>
+        <p:cNvPr id="1" name="Shape 137"/>
         <p:cNvGrpSpPr/>
         <p:nvPr/>
       </p:nvGrpSpPr>
@@ -849,9 +898,11 @@
       <p:sp>
         <p:nvSpPr>
           <p:cNvPr id="138" name="Google Shape;138;g65786cab5f_0_121:notes"/>
-          <p:cNvSpPr/>
+          <p:cNvSpPr>
+            <a:spLocks noGrp="1" noRot="1" noChangeAspect="1"/>
+          </p:cNvSpPr>
           <p:nvPr>
-            <p:ph idx="2" type="sldImg"/>
+            <p:ph type="sldImg" idx="2"/>
           </p:nvPr>
         </p:nvSpPr>
         <p:spPr>
@@ -860,9 +911,13 @@
             <a:ext cx="6096000" cy="3429000"/>
           </a:xfrm>
           <a:custGeom>
-            <a:rect b="b" l="l" r="r" t="t"/>
+            <a:avLst/>
+            <a:gdLst/>
+            <a:ahLst/>
+            <a:cxnLst/>
+            <a:rect l="l" t="t" r="r" b="b"/>
             <a:pathLst>
-              <a:path extrusionOk="0" h="120000" w="120000">
+              <a:path w="120000" h="120000" extrusionOk="0">
                 <a:moveTo>
                   <a:pt x="0" y="0"/>
                 </a:moveTo>
@@ -884,9 +939,11 @@
       <p:sp>
         <p:nvSpPr>
           <p:cNvPr id="139" name="Google Shape;139;g65786cab5f_0_121:notes"/>
-          <p:cNvSpPr txBox="1"/>
+          <p:cNvSpPr txBox="1">
+            <a:spLocks noGrp="1"/>
+          </p:cNvSpPr>
           <p:nvPr>
-            <p:ph idx="1" type="body"/>
+            <p:ph type="body" idx="1"/>
           </p:nvPr>
         </p:nvSpPr>
         <p:spPr>
@@ -899,12 +956,12 @@
           </a:prstGeom>
         </p:spPr>
         <p:txBody>
-          <a:bodyPr anchorCtr="0" anchor="t" bIns="91425" lIns="91425" spcFirstLastPara="1" rIns="91425" wrap="square" tIns="91425">
+          <a:bodyPr spcFirstLastPara="1" wrap="square" lIns="91425" tIns="91425" rIns="91425" bIns="91425" anchor="t" anchorCtr="0">
             <a:noAutofit/>
           </a:bodyPr>
           <a:lstStyle/>
           <a:p>
-            <a:pPr indent="0" lvl="0" marL="0" rtl="0" algn="l">
+            <a:pPr marL="0" lvl="0" indent="0" algn="l" rtl="0">
               <a:spcBef>
                 <a:spcPts val="0"/>
               </a:spcBef>
@@ -913,9 +970,6 @@
               </a:spcAft>
               <a:buNone/>
             </a:pPr>
-            <a:r>
-              <a:t/>
-            </a:r>
             <a:endParaRPr/>
           </a:p>
         </p:txBody>
@@ -929,11 +983,11 @@
 </file>
 
 <file path=ppt/notesSlides/notesSlide11.xml><?xml version="1.0" encoding="utf-8"?>
-<p:notes xmlns:a="http://schemas.openxmlformats.org/drawingml/2006/main" xmlns:r="http://schemas.openxmlformats.org/officeDocument/2006/relationships" xmlns:mc="http://schemas.openxmlformats.org/markup-compatibility/2006" xmlns:mv="urn:schemas-microsoft-com:mac:vml" xmlns:p="http://schemas.openxmlformats.org/presentationml/2006/main" xmlns:c="http://schemas.openxmlformats.org/drawingml/2006/chart" xmlns:dgm="http://schemas.openxmlformats.org/drawingml/2006/diagram" xmlns:o="urn:schemas-microsoft-com:office:office" xmlns:v="urn:schemas-microsoft-com:vml" xmlns:pvml="urn:schemas-microsoft-com:office:powerpoint" xmlns:com="http://schemas.openxmlformats.org/drawingml/2006/compatibility" xmlns:p14="http://schemas.microsoft.com/office/powerpoint/2010/main" xmlns:p15="http://schemas.microsoft.com/office/powerpoint/2012/main" showMasterPhAnim="0" showMasterSp="0">
+<p:notes xmlns:a="http://schemas.openxmlformats.org/drawingml/2006/main" xmlns:r="http://schemas.openxmlformats.org/officeDocument/2006/relationships" xmlns:p="http://schemas.openxmlformats.org/presentationml/2006/main" showMasterSp="0" showMasterPhAnim="0">
   <p:cSld>
     <p:spTree>
       <p:nvGrpSpPr>
-        <p:cNvPr id="144" name="Shape 144"/>
+        <p:cNvPr id="1" name="Shape 144"/>
         <p:cNvGrpSpPr/>
         <p:nvPr/>
       </p:nvGrpSpPr>
@@ -948,9 +1002,11 @@
       <p:sp>
         <p:nvSpPr>
           <p:cNvPr id="145" name="Google Shape;145;g65786cab5f_0_128:notes"/>
-          <p:cNvSpPr/>
+          <p:cNvSpPr>
+            <a:spLocks noGrp="1" noRot="1" noChangeAspect="1"/>
+          </p:cNvSpPr>
           <p:nvPr>
-            <p:ph idx="2" type="sldImg"/>
+            <p:ph type="sldImg" idx="2"/>
           </p:nvPr>
         </p:nvSpPr>
         <p:spPr>
@@ -959,9 +1015,13 @@
             <a:ext cx="6096000" cy="3429000"/>
           </a:xfrm>
           <a:custGeom>
-            <a:rect b="b" l="l" r="r" t="t"/>
+            <a:avLst/>
+            <a:gdLst/>
+            <a:ahLst/>
+            <a:cxnLst/>
+            <a:rect l="l" t="t" r="r" b="b"/>
             <a:pathLst>
-              <a:path extrusionOk="0" h="120000" w="120000">
+              <a:path w="120000" h="120000" extrusionOk="0">
                 <a:moveTo>
                   <a:pt x="0" y="0"/>
                 </a:moveTo>
@@ -983,9 +1043,11 @@
       <p:sp>
         <p:nvSpPr>
           <p:cNvPr id="146" name="Google Shape;146;g65786cab5f_0_128:notes"/>
-          <p:cNvSpPr txBox="1"/>
+          <p:cNvSpPr txBox="1">
+            <a:spLocks noGrp="1"/>
+          </p:cNvSpPr>
           <p:nvPr>
-            <p:ph idx="1" type="body"/>
+            <p:ph type="body" idx="1"/>
           </p:nvPr>
         </p:nvSpPr>
         <p:spPr>
@@ -998,12 +1060,12 @@
           </a:prstGeom>
         </p:spPr>
         <p:txBody>
-          <a:bodyPr anchorCtr="0" anchor="t" bIns="91425" lIns="91425" spcFirstLastPara="1" rIns="91425" wrap="square" tIns="91425">
+          <a:bodyPr spcFirstLastPara="1" wrap="square" lIns="91425" tIns="91425" rIns="91425" bIns="91425" anchor="t" anchorCtr="0">
             <a:noAutofit/>
           </a:bodyPr>
           <a:lstStyle/>
           <a:p>
-            <a:pPr indent="0" lvl="0" marL="0" rtl="0" algn="l">
+            <a:pPr marL="0" lvl="0" indent="0" algn="l" rtl="0">
               <a:spcBef>
                 <a:spcPts val="0"/>
               </a:spcBef>
@@ -1012,9 +1074,6 @@
               </a:spcAft>
               <a:buNone/>
             </a:pPr>
-            <a:r>
-              <a:t/>
-            </a:r>
             <a:endParaRPr/>
           </a:p>
         </p:txBody>
@@ -1028,11 +1087,11 @@
 </file>
 
 <file path=ppt/notesSlides/notesSlide12.xml><?xml version="1.0" encoding="utf-8"?>
-<p:notes xmlns:a="http://schemas.openxmlformats.org/drawingml/2006/main" xmlns:r="http://schemas.openxmlformats.org/officeDocument/2006/relationships" xmlns:mc="http://schemas.openxmlformats.org/markup-compatibility/2006" xmlns:mv="urn:schemas-microsoft-com:mac:vml" xmlns:p="http://schemas.openxmlformats.org/presentationml/2006/main" xmlns:c="http://schemas.openxmlformats.org/drawingml/2006/chart" xmlns:dgm="http://schemas.openxmlformats.org/drawingml/2006/diagram" xmlns:o="urn:schemas-microsoft-com:office:office" xmlns:v="urn:schemas-microsoft-com:vml" xmlns:pvml="urn:schemas-microsoft-com:office:powerpoint" xmlns:com="http://schemas.openxmlformats.org/drawingml/2006/compatibility" xmlns:p14="http://schemas.microsoft.com/office/powerpoint/2010/main" xmlns:p15="http://schemas.microsoft.com/office/powerpoint/2012/main" showMasterPhAnim="0" showMasterSp="0">
+<p:notes xmlns:a="http://schemas.openxmlformats.org/drawingml/2006/main" xmlns:r="http://schemas.openxmlformats.org/officeDocument/2006/relationships" xmlns:p="http://schemas.openxmlformats.org/presentationml/2006/main" showMasterSp="0" showMasterPhAnim="0">
   <p:cSld>
     <p:spTree>
       <p:nvGrpSpPr>
-        <p:cNvPr id="151" name="Shape 151"/>
+        <p:cNvPr id="1" name="Shape 151"/>
         <p:cNvGrpSpPr/>
         <p:nvPr/>
       </p:nvGrpSpPr>
@@ -1047,9 +1106,11 @@
       <p:sp>
         <p:nvSpPr>
           <p:cNvPr id="152" name="Google Shape;152;g65786cab5f_0_134:notes"/>
-          <p:cNvSpPr/>
+          <p:cNvSpPr>
+            <a:spLocks noGrp="1" noRot="1" noChangeAspect="1"/>
+          </p:cNvSpPr>
           <p:nvPr>
-            <p:ph idx="2" type="sldImg"/>
+            <p:ph type="sldImg" idx="2"/>
           </p:nvPr>
         </p:nvSpPr>
         <p:spPr>
@@ -1058,9 +1119,13 @@
             <a:ext cx="6096000" cy="3429000"/>
           </a:xfrm>
           <a:custGeom>
-            <a:rect b="b" l="l" r="r" t="t"/>
+            <a:avLst/>
+            <a:gdLst/>
+            <a:ahLst/>
+            <a:cxnLst/>
+            <a:rect l="l" t="t" r="r" b="b"/>
             <a:pathLst>
-              <a:path extrusionOk="0" h="120000" w="120000">
+              <a:path w="120000" h="120000" extrusionOk="0">
                 <a:moveTo>
                   <a:pt x="0" y="0"/>
                 </a:moveTo>
@@ -1082,9 +1147,11 @@
       <p:sp>
         <p:nvSpPr>
           <p:cNvPr id="153" name="Google Shape;153;g65786cab5f_0_134:notes"/>
-          <p:cNvSpPr txBox="1"/>
+          <p:cNvSpPr txBox="1">
+            <a:spLocks noGrp="1"/>
+          </p:cNvSpPr>
           <p:nvPr>
-            <p:ph idx="1" type="body"/>
+            <p:ph type="body" idx="1"/>
           </p:nvPr>
         </p:nvSpPr>
         <p:spPr>
@@ -1097,12 +1164,12 @@
           </a:prstGeom>
         </p:spPr>
         <p:txBody>
-          <a:bodyPr anchorCtr="0" anchor="t" bIns="91425" lIns="91425" spcFirstLastPara="1" rIns="91425" wrap="square" tIns="91425">
+          <a:bodyPr spcFirstLastPara="1" wrap="square" lIns="91425" tIns="91425" rIns="91425" bIns="91425" anchor="t" anchorCtr="0">
             <a:noAutofit/>
           </a:bodyPr>
           <a:lstStyle/>
           <a:p>
-            <a:pPr indent="0" lvl="0" marL="0" rtl="0" algn="l">
+            <a:pPr marL="0" lvl="0" indent="0" algn="l" rtl="0">
               <a:spcBef>
                 <a:spcPts val="0"/>
               </a:spcBef>
@@ -1111,9 +1178,6 @@
               </a:spcAft>
               <a:buNone/>
             </a:pPr>
-            <a:r>
-              <a:t/>
-            </a:r>
             <a:endParaRPr/>
           </a:p>
         </p:txBody>
@@ -1127,11 +1191,11 @@
 </file>
 
 <file path=ppt/notesSlides/notesSlide13.xml><?xml version="1.0" encoding="utf-8"?>
-<p:notes xmlns:a="http://schemas.openxmlformats.org/drawingml/2006/main" xmlns:r="http://schemas.openxmlformats.org/officeDocument/2006/relationships" xmlns:mc="http://schemas.openxmlformats.org/markup-compatibility/2006" xmlns:mv="urn:schemas-microsoft-com:mac:vml" xmlns:p="http://schemas.openxmlformats.org/presentationml/2006/main" xmlns:c="http://schemas.openxmlformats.org/drawingml/2006/chart" xmlns:dgm="http://schemas.openxmlformats.org/drawingml/2006/diagram" xmlns:o="urn:schemas-microsoft-com:office:office" xmlns:v="urn:schemas-microsoft-com:vml" xmlns:pvml="urn:schemas-microsoft-com:office:powerpoint" xmlns:com="http://schemas.openxmlformats.org/drawingml/2006/compatibility" xmlns:p14="http://schemas.microsoft.com/office/powerpoint/2010/main" xmlns:p15="http://schemas.microsoft.com/office/powerpoint/2012/main" showMasterPhAnim="0" showMasterSp="0">
+<p:notes xmlns:a="http://schemas.openxmlformats.org/drawingml/2006/main" xmlns:r="http://schemas.openxmlformats.org/officeDocument/2006/relationships" xmlns:p="http://schemas.openxmlformats.org/presentationml/2006/main" showMasterSp="0" showMasterPhAnim="0">
   <p:cSld>
     <p:spTree>
       <p:nvGrpSpPr>
-        <p:cNvPr id="157" name="Shape 157"/>
+        <p:cNvPr id="1" name="Shape 157"/>
         <p:cNvGrpSpPr/>
         <p:nvPr/>
       </p:nvGrpSpPr>
@@ -1146,9 +1210,11 @@
       <p:sp>
         <p:nvSpPr>
           <p:cNvPr id="158" name="Google Shape;158;g65786cab5f_0_141:notes"/>
-          <p:cNvSpPr/>
+          <p:cNvSpPr>
+            <a:spLocks noGrp="1" noRot="1" noChangeAspect="1"/>
+          </p:cNvSpPr>
           <p:nvPr>
-            <p:ph idx="2" type="sldImg"/>
+            <p:ph type="sldImg" idx="2"/>
           </p:nvPr>
         </p:nvSpPr>
         <p:spPr>
@@ -1157,9 +1223,13 @@
             <a:ext cx="6096000" cy="3429000"/>
           </a:xfrm>
           <a:custGeom>
-            <a:rect b="b" l="l" r="r" t="t"/>
+            <a:avLst/>
+            <a:gdLst/>
+            <a:ahLst/>
+            <a:cxnLst/>
+            <a:rect l="l" t="t" r="r" b="b"/>
             <a:pathLst>
-              <a:path extrusionOk="0" h="120000" w="120000">
+              <a:path w="120000" h="120000" extrusionOk="0">
                 <a:moveTo>
                   <a:pt x="0" y="0"/>
                 </a:moveTo>
@@ -1181,9 +1251,11 @@
       <p:sp>
         <p:nvSpPr>
           <p:cNvPr id="159" name="Google Shape;159;g65786cab5f_0_141:notes"/>
-          <p:cNvSpPr txBox="1"/>
+          <p:cNvSpPr txBox="1">
+            <a:spLocks noGrp="1"/>
+          </p:cNvSpPr>
           <p:nvPr>
-            <p:ph idx="1" type="body"/>
+            <p:ph type="body" idx="1"/>
           </p:nvPr>
         </p:nvSpPr>
         <p:spPr>
@@ -1196,12 +1268,12 @@
           </a:prstGeom>
         </p:spPr>
         <p:txBody>
-          <a:bodyPr anchorCtr="0" anchor="t" bIns="91425" lIns="91425" spcFirstLastPara="1" rIns="91425" wrap="square" tIns="91425">
+          <a:bodyPr spcFirstLastPara="1" wrap="square" lIns="91425" tIns="91425" rIns="91425" bIns="91425" anchor="t" anchorCtr="0">
             <a:noAutofit/>
           </a:bodyPr>
           <a:lstStyle/>
           <a:p>
-            <a:pPr indent="0" lvl="0" marL="0" rtl="0" algn="l">
+            <a:pPr marL="0" lvl="0" indent="0" algn="l" rtl="0">
               <a:spcBef>
                 <a:spcPts val="0"/>
               </a:spcBef>
@@ -1210,9 +1282,6 @@
               </a:spcAft>
               <a:buNone/>
             </a:pPr>
-            <a:r>
-              <a:t/>
-            </a:r>
             <a:endParaRPr/>
           </a:p>
         </p:txBody>
@@ -1226,11 +1295,11 @@
 </file>
 
 <file path=ppt/notesSlides/notesSlide14.xml><?xml version="1.0" encoding="utf-8"?>
-<p:notes xmlns:a="http://schemas.openxmlformats.org/drawingml/2006/main" xmlns:r="http://schemas.openxmlformats.org/officeDocument/2006/relationships" xmlns:mc="http://schemas.openxmlformats.org/markup-compatibility/2006" xmlns:mv="urn:schemas-microsoft-com:mac:vml" xmlns:p="http://schemas.openxmlformats.org/presentationml/2006/main" xmlns:c="http://schemas.openxmlformats.org/drawingml/2006/chart" xmlns:dgm="http://schemas.openxmlformats.org/drawingml/2006/diagram" xmlns:o="urn:schemas-microsoft-com:office:office" xmlns:v="urn:schemas-microsoft-com:vml" xmlns:pvml="urn:schemas-microsoft-com:office:powerpoint" xmlns:com="http://schemas.openxmlformats.org/drawingml/2006/compatibility" xmlns:p14="http://schemas.microsoft.com/office/powerpoint/2010/main" xmlns:p15="http://schemas.microsoft.com/office/powerpoint/2012/main" showMasterPhAnim="0" showMasterSp="0">
+<p:notes xmlns:a="http://schemas.openxmlformats.org/drawingml/2006/main" xmlns:r="http://schemas.openxmlformats.org/officeDocument/2006/relationships" xmlns:p="http://schemas.openxmlformats.org/presentationml/2006/main" showMasterSp="0" showMasterPhAnim="0">
   <p:cSld>
     <p:spTree>
       <p:nvGrpSpPr>
-        <p:cNvPr id="163" name="Shape 163"/>
+        <p:cNvPr id="1" name="Shape 163"/>
         <p:cNvGrpSpPr/>
         <p:nvPr/>
       </p:nvGrpSpPr>
@@ -1245,9 +1314,11 @@
       <p:sp>
         <p:nvSpPr>
           <p:cNvPr id="164" name="Google Shape;164;g65786cab5f_0_146:notes"/>
-          <p:cNvSpPr/>
+          <p:cNvSpPr>
+            <a:spLocks noGrp="1" noRot="1" noChangeAspect="1"/>
+          </p:cNvSpPr>
           <p:nvPr>
-            <p:ph idx="2" type="sldImg"/>
+            <p:ph type="sldImg" idx="2"/>
           </p:nvPr>
         </p:nvSpPr>
         <p:spPr>
@@ -1256,9 +1327,13 @@
             <a:ext cx="6096000" cy="3429000"/>
           </a:xfrm>
           <a:custGeom>
-            <a:rect b="b" l="l" r="r" t="t"/>
+            <a:avLst/>
+            <a:gdLst/>
+            <a:ahLst/>
+            <a:cxnLst/>
+            <a:rect l="l" t="t" r="r" b="b"/>
             <a:pathLst>
-              <a:path extrusionOk="0" h="120000" w="120000">
+              <a:path w="120000" h="120000" extrusionOk="0">
                 <a:moveTo>
                   <a:pt x="0" y="0"/>
                 </a:moveTo>
@@ -1280,9 +1355,11 @@
       <p:sp>
         <p:nvSpPr>
           <p:cNvPr id="165" name="Google Shape;165;g65786cab5f_0_146:notes"/>
-          <p:cNvSpPr txBox="1"/>
+          <p:cNvSpPr txBox="1">
+            <a:spLocks noGrp="1"/>
+          </p:cNvSpPr>
           <p:nvPr>
-            <p:ph idx="1" type="body"/>
+            <p:ph type="body" idx="1"/>
           </p:nvPr>
         </p:nvSpPr>
         <p:spPr>
@@ -1295,12 +1372,12 @@
           </a:prstGeom>
         </p:spPr>
         <p:txBody>
-          <a:bodyPr anchorCtr="0" anchor="t" bIns="91425" lIns="91425" spcFirstLastPara="1" rIns="91425" wrap="square" tIns="91425">
+          <a:bodyPr spcFirstLastPara="1" wrap="square" lIns="91425" tIns="91425" rIns="91425" bIns="91425" anchor="t" anchorCtr="0">
             <a:noAutofit/>
           </a:bodyPr>
           <a:lstStyle/>
           <a:p>
-            <a:pPr indent="0" lvl="0" marL="0" rtl="0" algn="l">
+            <a:pPr marL="0" lvl="0" indent="0" algn="l" rtl="0">
               <a:spcBef>
                 <a:spcPts val="0"/>
               </a:spcBef>
@@ -1309,9 +1386,6 @@
               </a:spcAft>
               <a:buNone/>
             </a:pPr>
-            <a:r>
-              <a:t/>
-            </a:r>
             <a:endParaRPr/>
           </a:p>
         </p:txBody>
@@ -1325,11 +1399,11 @@
 </file>
 
 <file path=ppt/notesSlides/notesSlide15.xml><?xml version="1.0" encoding="utf-8"?>
-<p:notes xmlns:a="http://schemas.openxmlformats.org/drawingml/2006/main" xmlns:r="http://schemas.openxmlformats.org/officeDocument/2006/relationships" xmlns:mc="http://schemas.openxmlformats.org/markup-compatibility/2006" xmlns:mv="urn:schemas-microsoft-com:mac:vml" xmlns:p="http://schemas.openxmlformats.org/presentationml/2006/main" xmlns:c="http://schemas.openxmlformats.org/drawingml/2006/chart" xmlns:dgm="http://schemas.openxmlformats.org/drawingml/2006/diagram" xmlns:o="urn:schemas-microsoft-com:office:office" xmlns:v="urn:schemas-microsoft-com:vml" xmlns:pvml="urn:schemas-microsoft-com:office:powerpoint" xmlns:com="http://schemas.openxmlformats.org/drawingml/2006/compatibility" xmlns:p14="http://schemas.microsoft.com/office/powerpoint/2010/main" xmlns:p15="http://schemas.microsoft.com/office/powerpoint/2012/main" showMasterPhAnim="0" showMasterSp="0">
+<p:notes xmlns:a="http://schemas.openxmlformats.org/drawingml/2006/main" xmlns:r="http://schemas.openxmlformats.org/officeDocument/2006/relationships" xmlns:p="http://schemas.openxmlformats.org/presentationml/2006/main" showMasterSp="0" showMasterPhAnim="0">
   <p:cSld>
     <p:spTree>
       <p:nvGrpSpPr>
-        <p:cNvPr id="169" name="Shape 169"/>
+        <p:cNvPr id="1" name="Shape 169"/>
         <p:cNvGrpSpPr/>
         <p:nvPr/>
       </p:nvGrpSpPr>
@@ -1344,9 +1418,11 @@
       <p:sp>
         <p:nvSpPr>
           <p:cNvPr id="170" name="Google Shape;170;g65786cab5f_0_151:notes"/>
-          <p:cNvSpPr/>
+          <p:cNvSpPr>
+            <a:spLocks noGrp="1" noRot="1" noChangeAspect="1"/>
+          </p:cNvSpPr>
           <p:nvPr>
-            <p:ph idx="2" type="sldImg"/>
+            <p:ph type="sldImg" idx="2"/>
           </p:nvPr>
         </p:nvSpPr>
         <p:spPr>
@@ -1355,9 +1431,13 @@
             <a:ext cx="6096000" cy="3429000"/>
           </a:xfrm>
           <a:custGeom>
-            <a:rect b="b" l="l" r="r" t="t"/>
+            <a:avLst/>
+            <a:gdLst/>
+            <a:ahLst/>
+            <a:cxnLst/>
+            <a:rect l="l" t="t" r="r" b="b"/>
             <a:pathLst>
-              <a:path extrusionOk="0" h="120000" w="120000">
+              <a:path w="120000" h="120000" extrusionOk="0">
                 <a:moveTo>
                   <a:pt x="0" y="0"/>
                 </a:moveTo>
@@ -1379,9 +1459,11 @@
       <p:sp>
         <p:nvSpPr>
           <p:cNvPr id="171" name="Google Shape;171;g65786cab5f_0_151:notes"/>
-          <p:cNvSpPr txBox="1"/>
+          <p:cNvSpPr txBox="1">
+            <a:spLocks noGrp="1"/>
+          </p:cNvSpPr>
           <p:nvPr>
-            <p:ph idx="1" type="body"/>
+            <p:ph type="body" idx="1"/>
           </p:nvPr>
         </p:nvSpPr>
         <p:spPr>
@@ -1394,12 +1476,12 @@
           </a:prstGeom>
         </p:spPr>
         <p:txBody>
-          <a:bodyPr anchorCtr="0" anchor="t" bIns="91425" lIns="91425" spcFirstLastPara="1" rIns="91425" wrap="square" tIns="91425">
+          <a:bodyPr spcFirstLastPara="1" wrap="square" lIns="91425" tIns="91425" rIns="91425" bIns="91425" anchor="t" anchorCtr="0">
             <a:noAutofit/>
           </a:bodyPr>
           <a:lstStyle/>
           <a:p>
-            <a:pPr indent="0" lvl="0" marL="0" rtl="0" algn="l">
+            <a:pPr marL="0" lvl="0" indent="0" algn="l" rtl="0">
               <a:spcBef>
                 <a:spcPts val="0"/>
               </a:spcBef>
@@ -1408,9 +1490,6 @@
               </a:spcAft>
               <a:buNone/>
             </a:pPr>
-            <a:r>
-              <a:t/>
-            </a:r>
             <a:endParaRPr/>
           </a:p>
         </p:txBody>
@@ -1424,11 +1503,11 @@
 </file>
 
 <file path=ppt/notesSlides/notesSlide16.xml><?xml version="1.0" encoding="utf-8"?>
-<p:notes xmlns:a="http://schemas.openxmlformats.org/drawingml/2006/main" xmlns:r="http://schemas.openxmlformats.org/officeDocument/2006/relationships" xmlns:mc="http://schemas.openxmlformats.org/markup-compatibility/2006" xmlns:mv="urn:schemas-microsoft-com:mac:vml" xmlns:p="http://schemas.openxmlformats.org/presentationml/2006/main" xmlns:c="http://schemas.openxmlformats.org/drawingml/2006/chart" xmlns:dgm="http://schemas.openxmlformats.org/drawingml/2006/diagram" xmlns:o="urn:schemas-microsoft-com:office:office" xmlns:v="urn:schemas-microsoft-com:vml" xmlns:pvml="urn:schemas-microsoft-com:office:powerpoint" xmlns:com="http://schemas.openxmlformats.org/drawingml/2006/compatibility" xmlns:p14="http://schemas.microsoft.com/office/powerpoint/2010/main" xmlns:p15="http://schemas.microsoft.com/office/powerpoint/2012/main" showMasterPhAnim="0" showMasterSp="0">
+<p:notes xmlns:a="http://schemas.openxmlformats.org/drawingml/2006/main" xmlns:r="http://schemas.openxmlformats.org/officeDocument/2006/relationships" xmlns:p="http://schemas.openxmlformats.org/presentationml/2006/main" showMasterSp="0" showMasterPhAnim="0">
   <p:cSld>
     <p:spTree>
       <p:nvGrpSpPr>
-        <p:cNvPr id="177" name="Shape 177"/>
+        <p:cNvPr id="1" name="Shape 177"/>
         <p:cNvGrpSpPr/>
         <p:nvPr/>
       </p:nvGrpSpPr>
@@ -1443,9 +1522,11 @@
       <p:sp>
         <p:nvSpPr>
           <p:cNvPr id="178" name="Google Shape;178;g65786cab5f_0_163:notes"/>
-          <p:cNvSpPr/>
+          <p:cNvSpPr>
+            <a:spLocks noGrp="1" noRot="1" noChangeAspect="1"/>
+          </p:cNvSpPr>
           <p:nvPr>
-            <p:ph idx="2" type="sldImg"/>
+            <p:ph type="sldImg" idx="2"/>
           </p:nvPr>
         </p:nvSpPr>
         <p:spPr>
@@ -1454,9 +1535,13 @@
             <a:ext cx="6096000" cy="3429000"/>
           </a:xfrm>
           <a:custGeom>
-            <a:rect b="b" l="l" r="r" t="t"/>
+            <a:avLst/>
+            <a:gdLst/>
+            <a:ahLst/>
+            <a:cxnLst/>
+            <a:rect l="l" t="t" r="r" b="b"/>
             <a:pathLst>
-              <a:path extrusionOk="0" h="120000" w="120000">
+              <a:path w="120000" h="120000" extrusionOk="0">
                 <a:moveTo>
                   <a:pt x="0" y="0"/>
                 </a:moveTo>
@@ -1478,9 +1563,11 @@
       <p:sp>
         <p:nvSpPr>
           <p:cNvPr id="179" name="Google Shape;179;g65786cab5f_0_163:notes"/>
-          <p:cNvSpPr txBox="1"/>
+          <p:cNvSpPr txBox="1">
+            <a:spLocks noGrp="1"/>
+          </p:cNvSpPr>
           <p:nvPr>
-            <p:ph idx="1" type="body"/>
+            <p:ph type="body" idx="1"/>
           </p:nvPr>
         </p:nvSpPr>
         <p:spPr>
@@ -1493,12 +1580,12 @@
           </a:prstGeom>
         </p:spPr>
         <p:txBody>
-          <a:bodyPr anchorCtr="0" anchor="t" bIns="91425" lIns="91425" spcFirstLastPara="1" rIns="91425" wrap="square" tIns="91425">
+          <a:bodyPr spcFirstLastPara="1" wrap="square" lIns="91425" tIns="91425" rIns="91425" bIns="91425" anchor="t" anchorCtr="0">
             <a:noAutofit/>
           </a:bodyPr>
           <a:lstStyle/>
           <a:p>
-            <a:pPr indent="0" lvl="0" marL="0" rtl="0" algn="l">
+            <a:pPr marL="0" lvl="0" indent="0" algn="l" rtl="0">
               <a:spcBef>
                 <a:spcPts val="0"/>
               </a:spcBef>
@@ -1507,9 +1594,6 @@
               </a:spcAft>
               <a:buNone/>
             </a:pPr>
-            <a:r>
-              <a:t/>
-            </a:r>
             <a:endParaRPr/>
           </a:p>
         </p:txBody>
@@ -1523,11 +1607,11 @@
 </file>
 
 <file path=ppt/notesSlides/notesSlide17.xml><?xml version="1.0" encoding="utf-8"?>
-<p:notes xmlns:a="http://schemas.openxmlformats.org/drawingml/2006/main" xmlns:r="http://schemas.openxmlformats.org/officeDocument/2006/relationships" xmlns:mc="http://schemas.openxmlformats.org/markup-compatibility/2006" xmlns:mv="urn:schemas-microsoft-com:mac:vml" xmlns:p="http://schemas.openxmlformats.org/presentationml/2006/main" xmlns:c="http://schemas.openxmlformats.org/drawingml/2006/chart" xmlns:dgm="http://schemas.openxmlformats.org/drawingml/2006/diagram" xmlns:o="urn:schemas-microsoft-com:office:office" xmlns:v="urn:schemas-microsoft-com:vml" xmlns:pvml="urn:schemas-microsoft-com:office:powerpoint" xmlns:com="http://schemas.openxmlformats.org/drawingml/2006/compatibility" xmlns:p14="http://schemas.microsoft.com/office/powerpoint/2010/main" xmlns:p15="http://schemas.microsoft.com/office/powerpoint/2012/main" showMasterPhAnim="0" showMasterSp="0">
+<p:notes xmlns:a="http://schemas.openxmlformats.org/drawingml/2006/main" xmlns:r="http://schemas.openxmlformats.org/officeDocument/2006/relationships" xmlns:p="http://schemas.openxmlformats.org/presentationml/2006/main" showMasterSp="0" showMasterPhAnim="0">
   <p:cSld>
     <p:spTree>
       <p:nvGrpSpPr>
-        <p:cNvPr id="183" name="Shape 183"/>
+        <p:cNvPr id="1" name="Shape 183"/>
         <p:cNvGrpSpPr/>
         <p:nvPr/>
       </p:nvGrpSpPr>
@@ -1542,9 +1626,11 @@
       <p:sp>
         <p:nvSpPr>
           <p:cNvPr id="184" name="Google Shape;184;g65786cab5f_0_168:notes"/>
-          <p:cNvSpPr/>
+          <p:cNvSpPr>
+            <a:spLocks noGrp="1" noRot="1" noChangeAspect="1"/>
+          </p:cNvSpPr>
           <p:nvPr>
-            <p:ph idx="2" type="sldImg"/>
+            <p:ph type="sldImg" idx="2"/>
           </p:nvPr>
         </p:nvSpPr>
         <p:spPr>
@@ -1553,9 +1639,13 @@
             <a:ext cx="6096000" cy="3429000"/>
           </a:xfrm>
           <a:custGeom>
-            <a:rect b="b" l="l" r="r" t="t"/>
+            <a:avLst/>
+            <a:gdLst/>
+            <a:ahLst/>
+            <a:cxnLst/>
+            <a:rect l="l" t="t" r="r" b="b"/>
             <a:pathLst>
-              <a:path extrusionOk="0" h="120000" w="120000">
+              <a:path w="120000" h="120000" extrusionOk="0">
                 <a:moveTo>
                   <a:pt x="0" y="0"/>
                 </a:moveTo>
@@ -1577,9 +1667,11 @@
       <p:sp>
         <p:nvSpPr>
           <p:cNvPr id="185" name="Google Shape;185;g65786cab5f_0_168:notes"/>
-          <p:cNvSpPr txBox="1"/>
+          <p:cNvSpPr txBox="1">
+            <a:spLocks noGrp="1"/>
+          </p:cNvSpPr>
           <p:nvPr>
-            <p:ph idx="1" type="body"/>
+            <p:ph type="body" idx="1"/>
           </p:nvPr>
         </p:nvSpPr>
         <p:spPr>
@@ -1592,12 +1684,12 @@
           </a:prstGeom>
         </p:spPr>
         <p:txBody>
-          <a:bodyPr anchorCtr="0" anchor="t" bIns="91425" lIns="91425" spcFirstLastPara="1" rIns="91425" wrap="square" tIns="91425">
+          <a:bodyPr spcFirstLastPara="1" wrap="square" lIns="91425" tIns="91425" rIns="91425" bIns="91425" anchor="t" anchorCtr="0">
             <a:noAutofit/>
           </a:bodyPr>
           <a:lstStyle/>
           <a:p>
-            <a:pPr indent="0" lvl="0" marL="0" rtl="0" algn="l">
+            <a:pPr marL="0" lvl="0" indent="0" algn="l" rtl="0">
               <a:spcBef>
                 <a:spcPts val="0"/>
               </a:spcBef>
@@ -1606,9 +1698,6 @@
               </a:spcAft>
               <a:buNone/>
             </a:pPr>
-            <a:r>
-              <a:t/>
-            </a:r>
             <a:endParaRPr/>
           </a:p>
         </p:txBody>
@@ -1622,11 +1711,11 @@
 </file>
 
 <file path=ppt/notesSlides/notesSlide18.xml><?xml version="1.0" encoding="utf-8"?>
-<p:notes xmlns:a="http://schemas.openxmlformats.org/drawingml/2006/main" xmlns:r="http://schemas.openxmlformats.org/officeDocument/2006/relationships" xmlns:mc="http://schemas.openxmlformats.org/markup-compatibility/2006" xmlns:mv="urn:schemas-microsoft-com:mac:vml" xmlns:p="http://schemas.openxmlformats.org/presentationml/2006/main" xmlns:c="http://schemas.openxmlformats.org/drawingml/2006/chart" xmlns:dgm="http://schemas.openxmlformats.org/drawingml/2006/diagram" xmlns:o="urn:schemas-microsoft-com:office:office" xmlns:v="urn:schemas-microsoft-com:vml" xmlns:pvml="urn:schemas-microsoft-com:office:powerpoint" xmlns:com="http://schemas.openxmlformats.org/drawingml/2006/compatibility" xmlns:p14="http://schemas.microsoft.com/office/powerpoint/2010/main" xmlns:p15="http://schemas.microsoft.com/office/powerpoint/2012/main" showMasterPhAnim="0" showMasterSp="0">
+<p:notes xmlns:a="http://schemas.openxmlformats.org/drawingml/2006/main" xmlns:r="http://schemas.openxmlformats.org/officeDocument/2006/relationships" xmlns:p="http://schemas.openxmlformats.org/presentationml/2006/main" showMasterSp="0" showMasterPhAnim="0">
   <p:cSld>
     <p:spTree>
       <p:nvGrpSpPr>
-        <p:cNvPr id="189" name="Shape 189"/>
+        <p:cNvPr id="1" name="Shape 189"/>
         <p:cNvGrpSpPr/>
         <p:nvPr/>
       </p:nvGrpSpPr>
@@ -1641,20 +1730,26 @@
       <p:sp>
         <p:nvSpPr>
           <p:cNvPr id="190" name="Google Shape;190;g65786cab5f_0_173:notes"/>
-          <p:cNvSpPr/>
+          <p:cNvSpPr>
+            <a:spLocks noGrp="1" noRot="1" noChangeAspect="1"/>
+          </p:cNvSpPr>
           <p:nvPr>
-            <p:ph idx="2" type="sldImg"/>
+            <p:ph type="sldImg" idx="2"/>
           </p:nvPr>
         </p:nvSpPr>
         <p:spPr>
           <a:xfrm>
-            <a:off x="381300" y="685800"/>
+            <a:off x="381000" y="685800"/>
             <a:ext cx="6096000" cy="3429000"/>
           </a:xfrm>
           <a:custGeom>
-            <a:rect b="b" l="l" r="r" t="t"/>
+            <a:avLst/>
+            <a:gdLst/>
+            <a:ahLst/>
+            <a:cxnLst/>
+            <a:rect l="l" t="t" r="r" b="b"/>
             <a:pathLst>
-              <a:path extrusionOk="0" h="120000" w="120000">
+              <a:path w="120000" h="120000" extrusionOk="0">
                 <a:moveTo>
                   <a:pt x="0" y="0"/>
                 </a:moveTo>
@@ -1676,9 +1771,11 @@
       <p:sp>
         <p:nvSpPr>
           <p:cNvPr id="191" name="Google Shape;191;g65786cab5f_0_173:notes"/>
-          <p:cNvSpPr txBox="1"/>
+          <p:cNvSpPr txBox="1">
+            <a:spLocks noGrp="1"/>
+          </p:cNvSpPr>
           <p:nvPr>
-            <p:ph idx="1" type="body"/>
+            <p:ph type="body" idx="1"/>
           </p:nvPr>
         </p:nvSpPr>
         <p:spPr>
@@ -1691,12 +1788,12 @@
           </a:prstGeom>
         </p:spPr>
         <p:txBody>
-          <a:bodyPr anchorCtr="0" anchor="t" bIns="91425" lIns="91425" spcFirstLastPara="1" rIns="91425" wrap="square" tIns="91425">
+          <a:bodyPr spcFirstLastPara="1" wrap="square" lIns="91425" tIns="91425" rIns="91425" bIns="91425" anchor="t" anchorCtr="0">
             <a:noAutofit/>
           </a:bodyPr>
           <a:lstStyle/>
           <a:p>
-            <a:pPr indent="0" lvl="0" marL="0" rtl="0" algn="l">
+            <a:pPr marL="0" lvl="0" indent="0" algn="l" rtl="0">
               <a:spcBef>
                 <a:spcPts val="0"/>
               </a:spcBef>
@@ -1705,9 +1802,6 @@
               </a:spcAft>
               <a:buNone/>
             </a:pPr>
-            <a:r>
-              <a:t/>
-            </a:r>
             <a:endParaRPr/>
           </a:p>
         </p:txBody>
@@ -1721,11 +1815,11 @@
 </file>
 
 <file path=ppt/notesSlides/notesSlide19.xml><?xml version="1.0" encoding="utf-8"?>
-<p:notes xmlns:a="http://schemas.openxmlformats.org/drawingml/2006/main" xmlns:r="http://schemas.openxmlformats.org/officeDocument/2006/relationships" xmlns:mc="http://schemas.openxmlformats.org/markup-compatibility/2006" xmlns:mv="urn:schemas-microsoft-com:mac:vml" xmlns:p="http://schemas.openxmlformats.org/presentationml/2006/main" xmlns:c="http://schemas.openxmlformats.org/drawingml/2006/chart" xmlns:dgm="http://schemas.openxmlformats.org/drawingml/2006/diagram" xmlns:o="urn:schemas-microsoft-com:office:office" xmlns:v="urn:schemas-microsoft-com:vml" xmlns:pvml="urn:schemas-microsoft-com:office:powerpoint" xmlns:com="http://schemas.openxmlformats.org/drawingml/2006/compatibility" xmlns:p14="http://schemas.microsoft.com/office/powerpoint/2010/main" xmlns:p15="http://schemas.microsoft.com/office/powerpoint/2012/main" showMasterPhAnim="0" showMasterSp="0">
+<p:notes xmlns:a="http://schemas.openxmlformats.org/drawingml/2006/main" xmlns:r="http://schemas.openxmlformats.org/officeDocument/2006/relationships" xmlns:p="http://schemas.openxmlformats.org/presentationml/2006/main" showMasterSp="0" showMasterPhAnim="0">
   <p:cSld>
     <p:spTree>
       <p:nvGrpSpPr>
-        <p:cNvPr id="195" name="Shape 195"/>
+        <p:cNvPr id="1" name="Shape 195"/>
         <p:cNvGrpSpPr/>
         <p:nvPr/>
       </p:nvGrpSpPr>
@@ -1740,9 +1834,11 @@
       <p:sp>
         <p:nvSpPr>
           <p:cNvPr id="196" name="Google Shape;196;g65786cab5f_0_178:notes"/>
-          <p:cNvSpPr/>
+          <p:cNvSpPr>
+            <a:spLocks noGrp="1" noRot="1" noChangeAspect="1"/>
+          </p:cNvSpPr>
           <p:nvPr>
-            <p:ph idx="2" type="sldImg"/>
+            <p:ph type="sldImg" idx="2"/>
           </p:nvPr>
         </p:nvSpPr>
         <p:spPr>
@@ -1751,9 +1847,13 @@
             <a:ext cx="6096000" cy="3429000"/>
           </a:xfrm>
           <a:custGeom>
-            <a:rect b="b" l="l" r="r" t="t"/>
+            <a:avLst/>
+            <a:gdLst/>
+            <a:ahLst/>
+            <a:cxnLst/>
+            <a:rect l="l" t="t" r="r" b="b"/>
             <a:pathLst>
-              <a:path extrusionOk="0" h="120000" w="120000">
+              <a:path w="120000" h="120000" extrusionOk="0">
                 <a:moveTo>
                   <a:pt x="0" y="0"/>
                 </a:moveTo>
@@ -1775,9 +1875,11 @@
       <p:sp>
         <p:nvSpPr>
           <p:cNvPr id="197" name="Google Shape;197;g65786cab5f_0_178:notes"/>
-          <p:cNvSpPr txBox="1"/>
+          <p:cNvSpPr txBox="1">
+            <a:spLocks noGrp="1"/>
+          </p:cNvSpPr>
           <p:nvPr>
-            <p:ph idx="1" type="body"/>
+            <p:ph type="body" idx="1"/>
           </p:nvPr>
         </p:nvSpPr>
         <p:spPr>
@@ -1790,12 +1892,12 @@
           </a:prstGeom>
         </p:spPr>
         <p:txBody>
-          <a:bodyPr anchorCtr="0" anchor="t" bIns="91425" lIns="91425" spcFirstLastPara="1" rIns="91425" wrap="square" tIns="91425">
+          <a:bodyPr spcFirstLastPara="1" wrap="square" lIns="91425" tIns="91425" rIns="91425" bIns="91425" anchor="t" anchorCtr="0">
             <a:noAutofit/>
           </a:bodyPr>
           <a:lstStyle/>
           <a:p>
-            <a:pPr indent="0" lvl="0" marL="0" rtl="0" algn="l">
+            <a:pPr marL="0" lvl="0" indent="0" algn="l" rtl="0">
               <a:spcBef>
                 <a:spcPts val="0"/>
               </a:spcBef>
@@ -1804,9 +1906,6 @@
               </a:spcAft>
               <a:buNone/>
             </a:pPr>
-            <a:r>
-              <a:t/>
-            </a:r>
             <a:endParaRPr/>
           </a:p>
         </p:txBody>
@@ -1820,11 +1919,11 @@
 </file>
 
 <file path=ppt/notesSlides/notesSlide2.xml><?xml version="1.0" encoding="utf-8"?>
-<p:notes xmlns:a="http://schemas.openxmlformats.org/drawingml/2006/main" xmlns:r="http://schemas.openxmlformats.org/officeDocument/2006/relationships" xmlns:mc="http://schemas.openxmlformats.org/markup-compatibility/2006" xmlns:mv="urn:schemas-microsoft-com:mac:vml" xmlns:p="http://schemas.openxmlformats.org/presentationml/2006/main" xmlns:c="http://schemas.openxmlformats.org/drawingml/2006/chart" xmlns:dgm="http://schemas.openxmlformats.org/drawingml/2006/diagram" xmlns:o="urn:schemas-microsoft-com:office:office" xmlns:v="urn:schemas-microsoft-com:vml" xmlns:pvml="urn:schemas-microsoft-com:office:powerpoint" xmlns:com="http://schemas.openxmlformats.org/drawingml/2006/compatibility" xmlns:p14="http://schemas.microsoft.com/office/powerpoint/2010/main" xmlns:p15="http://schemas.microsoft.com/office/powerpoint/2012/main" showMasterPhAnim="0" showMasterSp="0">
+<p:notes xmlns:a="http://schemas.openxmlformats.org/drawingml/2006/main" xmlns:r="http://schemas.openxmlformats.org/officeDocument/2006/relationships" xmlns:p="http://schemas.openxmlformats.org/presentationml/2006/main" showMasterSp="0" showMasterPhAnim="0">
   <p:cSld>
     <p:spTree>
       <p:nvGrpSpPr>
-        <p:cNvPr id="87" name="Shape 87"/>
+        <p:cNvPr id="1" name="Shape 87"/>
         <p:cNvGrpSpPr/>
         <p:nvPr/>
       </p:nvGrpSpPr>
@@ -1839,9 +1938,11 @@
       <p:sp>
         <p:nvSpPr>
           <p:cNvPr id="88" name="Google Shape;88;g65786cab5f_0_77:notes"/>
-          <p:cNvSpPr/>
+          <p:cNvSpPr>
+            <a:spLocks noGrp="1" noRot="1" noChangeAspect="1"/>
+          </p:cNvSpPr>
           <p:nvPr>
-            <p:ph idx="2" type="sldImg"/>
+            <p:ph type="sldImg" idx="2"/>
           </p:nvPr>
         </p:nvSpPr>
         <p:spPr>
@@ -1850,9 +1951,13 @@
             <a:ext cx="6096000" cy="3429000"/>
           </a:xfrm>
           <a:custGeom>
-            <a:rect b="b" l="l" r="r" t="t"/>
+            <a:avLst/>
+            <a:gdLst/>
+            <a:ahLst/>
+            <a:cxnLst/>
+            <a:rect l="l" t="t" r="r" b="b"/>
             <a:pathLst>
-              <a:path extrusionOk="0" h="120000" w="120000">
+              <a:path w="120000" h="120000" extrusionOk="0">
                 <a:moveTo>
                   <a:pt x="0" y="0"/>
                 </a:moveTo>
@@ -1874,9 +1979,11 @@
       <p:sp>
         <p:nvSpPr>
           <p:cNvPr id="89" name="Google Shape;89;g65786cab5f_0_77:notes"/>
-          <p:cNvSpPr txBox="1"/>
+          <p:cNvSpPr txBox="1">
+            <a:spLocks noGrp="1"/>
+          </p:cNvSpPr>
           <p:nvPr>
-            <p:ph idx="1" type="body"/>
+            <p:ph type="body" idx="1"/>
           </p:nvPr>
         </p:nvSpPr>
         <p:spPr>
@@ -1889,12 +1996,12 @@
           </a:prstGeom>
         </p:spPr>
         <p:txBody>
-          <a:bodyPr anchorCtr="0" anchor="t" bIns="91425" lIns="91425" spcFirstLastPara="1" rIns="91425" wrap="square" tIns="91425">
+          <a:bodyPr spcFirstLastPara="1" wrap="square" lIns="91425" tIns="91425" rIns="91425" bIns="91425" anchor="t" anchorCtr="0">
             <a:noAutofit/>
           </a:bodyPr>
           <a:lstStyle/>
           <a:p>
-            <a:pPr indent="0" lvl="0" marL="0" rtl="0" algn="l">
+            <a:pPr marL="0" lvl="0" indent="0" algn="l" rtl="0">
               <a:spcBef>
                 <a:spcPts val="0"/>
               </a:spcBef>
@@ -1903,9 +2010,6 @@
               </a:spcAft>
               <a:buNone/>
             </a:pPr>
-            <a:r>
-              <a:t/>
-            </a:r>
             <a:endParaRPr/>
           </a:p>
         </p:txBody>
@@ -1919,11 +2023,11 @@
 </file>
 
 <file path=ppt/notesSlides/notesSlide20.xml><?xml version="1.0" encoding="utf-8"?>
-<p:notes xmlns:a="http://schemas.openxmlformats.org/drawingml/2006/main" xmlns:r="http://schemas.openxmlformats.org/officeDocument/2006/relationships" xmlns:mc="http://schemas.openxmlformats.org/markup-compatibility/2006" xmlns:mv="urn:schemas-microsoft-com:mac:vml" xmlns:p="http://schemas.openxmlformats.org/presentationml/2006/main" xmlns:c="http://schemas.openxmlformats.org/drawingml/2006/chart" xmlns:dgm="http://schemas.openxmlformats.org/drawingml/2006/diagram" xmlns:o="urn:schemas-microsoft-com:office:office" xmlns:v="urn:schemas-microsoft-com:vml" xmlns:pvml="urn:schemas-microsoft-com:office:powerpoint" xmlns:com="http://schemas.openxmlformats.org/drawingml/2006/compatibility" xmlns:p14="http://schemas.microsoft.com/office/powerpoint/2010/main" xmlns:p15="http://schemas.microsoft.com/office/powerpoint/2012/main" showMasterPhAnim="0" showMasterSp="0">
+<p:notes xmlns:a="http://schemas.openxmlformats.org/drawingml/2006/main" xmlns:r="http://schemas.openxmlformats.org/officeDocument/2006/relationships" xmlns:p="http://schemas.openxmlformats.org/presentationml/2006/main" showMasterSp="0" showMasterPhAnim="0">
   <p:cSld>
     <p:spTree>
       <p:nvGrpSpPr>
-        <p:cNvPr id="201" name="Shape 201"/>
+        <p:cNvPr id="1" name="Shape 201"/>
         <p:cNvGrpSpPr/>
         <p:nvPr/>
       </p:nvGrpSpPr>
@@ -1938,9 +2042,11 @@
       <p:sp>
         <p:nvSpPr>
           <p:cNvPr id="202" name="Google Shape;202;g65786cab5f_0_183:notes"/>
-          <p:cNvSpPr/>
+          <p:cNvSpPr>
+            <a:spLocks noGrp="1" noRot="1" noChangeAspect="1"/>
+          </p:cNvSpPr>
           <p:nvPr>
-            <p:ph idx="2" type="sldImg"/>
+            <p:ph type="sldImg" idx="2"/>
           </p:nvPr>
         </p:nvSpPr>
         <p:spPr>
@@ -1949,9 +2055,13 @@
             <a:ext cx="6096000" cy="3429000"/>
           </a:xfrm>
           <a:custGeom>
-            <a:rect b="b" l="l" r="r" t="t"/>
+            <a:avLst/>
+            <a:gdLst/>
+            <a:ahLst/>
+            <a:cxnLst/>
+            <a:rect l="l" t="t" r="r" b="b"/>
             <a:pathLst>
-              <a:path extrusionOk="0" h="120000" w="120000">
+              <a:path w="120000" h="120000" extrusionOk="0">
                 <a:moveTo>
                   <a:pt x="0" y="0"/>
                 </a:moveTo>
@@ -1973,9 +2083,11 @@
       <p:sp>
         <p:nvSpPr>
           <p:cNvPr id="203" name="Google Shape;203;g65786cab5f_0_183:notes"/>
-          <p:cNvSpPr txBox="1"/>
+          <p:cNvSpPr txBox="1">
+            <a:spLocks noGrp="1"/>
+          </p:cNvSpPr>
           <p:nvPr>
-            <p:ph idx="1" type="body"/>
+            <p:ph type="body" idx="1"/>
           </p:nvPr>
         </p:nvSpPr>
         <p:spPr>
@@ -1988,12 +2100,12 @@
           </a:prstGeom>
         </p:spPr>
         <p:txBody>
-          <a:bodyPr anchorCtr="0" anchor="t" bIns="91425" lIns="91425" spcFirstLastPara="1" rIns="91425" wrap="square" tIns="91425">
+          <a:bodyPr spcFirstLastPara="1" wrap="square" lIns="91425" tIns="91425" rIns="91425" bIns="91425" anchor="t" anchorCtr="0">
             <a:noAutofit/>
           </a:bodyPr>
           <a:lstStyle/>
           <a:p>
-            <a:pPr indent="0" lvl="0" marL="0" rtl="0" algn="l">
+            <a:pPr marL="0" lvl="0" indent="0" algn="l" rtl="0">
               <a:spcBef>
                 <a:spcPts val="0"/>
               </a:spcBef>
@@ -2002,9 +2114,6 @@
               </a:spcAft>
               <a:buNone/>
             </a:pPr>
-            <a:r>
-              <a:t/>
-            </a:r>
             <a:endParaRPr/>
           </a:p>
         </p:txBody>
@@ -2018,11 +2127,11 @@
 </file>
 
 <file path=ppt/notesSlides/notesSlide21.xml><?xml version="1.0" encoding="utf-8"?>
-<p:notes xmlns:a="http://schemas.openxmlformats.org/drawingml/2006/main" xmlns:r="http://schemas.openxmlformats.org/officeDocument/2006/relationships" xmlns:mc="http://schemas.openxmlformats.org/markup-compatibility/2006" xmlns:mv="urn:schemas-microsoft-com:mac:vml" xmlns:p="http://schemas.openxmlformats.org/presentationml/2006/main" xmlns:c="http://schemas.openxmlformats.org/drawingml/2006/chart" xmlns:dgm="http://schemas.openxmlformats.org/drawingml/2006/diagram" xmlns:o="urn:schemas-microsoft-com:office:office" xmlns:v="urn:schemas-microsoft-com:vml" xmlns:pvml="urn:schemas-microsoft-com:office:powerpoint" xmlns:com="http://schemas.openxmlformats.org/drawingml/2006/compatibility" xmlns:p14="http://schemas.microsoft.com/office/powerpoint/2010/main" xmlns:p15="http://schemas.microsoft.com/office/powerpoint/2012/main" showMasterPhAnim="0" showMasterSp="0">
+<p:notes xmlns:a="http://schemas.openxmlformats.org/drawingml/2006/main" xmlns:r="http://schemas.openxmlformats.org/officeDocument/2006/relationships" xmlns:p="http://schemas.openxmlformats.org/presentationml/2006/main" showMasterSp="0" showMasterPhAnim="0">
   <p:cSld>
     <p:spTree>
       <p:nvGrpSpPr>
-        <p:cNvPr id="208" name="Shape 208"/>
+        <p:cNvPr id="1" name="Shape 208"/>
         <p:cNvGrpSpPr/>
         <p:nvPr/>
       </p:nvGrpSpPr>
@@ -2037,9 +2146,11 @@
       <p:sp>
         <p:nvSpPr>
           <p:cNvPr id="209" name="Google Shape;209;g65786cab5f_0_189:notes"/>
-          <p:cNvSpPr/>
+          <p:cNvSpPr>
+            <a:spLocks noGrp="1" noRot="1" noChangeAspect="1"/>
+          </p:cNvSpPr>
           <p:nvPr>
-            <p:ph idx="2" type="sldImg"/>
+            <p:ph type="sldImg" idx="2"/>
           </p:nvPr>
         </p:nvSpPr>
         <p:spPr>
@@ -2048,9 +2159,13 @@
             <a:ext cx="6096000" cy="3429000"/>
           </a:xfrm>
           <a:custGeom>
-            <a:rect b="b" l="l" r="r" t="t"/>
+            <a:avLst/>
+            <a:gdLst/>
+            <a:ahLst/>
+            <a:cxnLst/>
+            <a:rect l="l" t="t" r="r" b="b"/>
             <a:pathLst>
-              <a:path extrusionOk="0" h="120000" w="120000">
+              <a:path w="120000" h="120000" extrusionOk="0">
                 <a:moveTo>
                   <a:pt x="0" y="0"/>
                 </a:moveTo>
@@ -2072,9 +2187,11 @@
       <p:sp>
         <p:nvSpPr>
           <p:cNvPr id="210" name="Google Shape;210;g65786cab5f_0_189:notes"/>
-          <p:cNvSpPr txBox="1"/>
+          <p:cNvSpPr txBox="1">
+            <a:spLocks noGrp="1"/>
+          </p:cNvSpPr>
           <p:nvPr>
-            <p:ph idx="1" type="body"/>
+            <p:ph type="body" idx="1"/>
           </p:nvPr>
         </p:nvSpPr>
         <p:spPr>
@@ -2087,12 +2204,12 @@
           </a:prstGeom>
         </p:spPr>
         <p:txBody>
-          <a:bodyPr anchorCtr="0" anchor="t" bIns="91425" lIns="91425" spcFirstLastPara="1" rIns="91425" wrap="square" tIns="91425">
+          <a:bodyPr spcFirstLastPara="1" wrap="square" lIns="91425" tIns="91425" rIns="91425" bIns="91425" anchor="t" anchorCtr="0">
             <a:noAutofit/>
           </a:bodyPr>
           <a:lstStyle/>
           <a:p>
-            <a:pPr indent="0" lvl="0" marL="0" rtl="0" algn="l">
+            <a:pPr marL="0" lvl="0" indent="0" algn="l" rtl="0">
               <a:spcBef>
                 <a:spcPts val="0"/>
               </a:spcBef>
@@ -2101,9 +2218,6 @@
               </a:spcAft>
               <a:buNone/>
             </a:pPr>
-            <a:r>
-              <a:t/>
-            </a:r>
             <a:endParaRPr/>
           </a:p>
         </p:txBody>
@@ -2117,11 +2231,11 @@
 </file>
 
 <file path=ppt/notesSlides/notesSlide22.xml><?xml version="1.0" encoding="utf-8"?>
-<p:notes xmlns:a="http://schemas.openxmlformats.org/drawingml/2006/main" xmlns:r="http://schemas.openxmlformats.org/officeDocument/2006/relationships" xmlns:mc="http://schemas.openxmlformats.org/markup-compatibility/2006" xmlns:mv="urn:schemas-microsoft-com:mac:vml" xmlns:p="http://schemas.openxmlformats.org/presentationml/2006/main" xmlns:c="http://schemas.openxmlformats.org/drawingml/2006/chart" xmlns:dgm="http://schemas.openxmlformats.org/drawingml/2006/diagram" xmlns:o="urn:schemas-microsoft-com:office:office" xmlns:v="urn:schemas-microsoft-com:vml" xmlns:pvml="urn:schemas-microsoft-com:office:powerpoint" xmlns:com="http://schemas.openxmlformats.org/drawingml/2006/compatibility" xmlns:p14="http://schemas.microsoft.com/office/powerpoint/2010/main" xmlns:p15="http://schemas.microsoft.com/office/powerpoint/2012/main" showMasterPhAnim="0" showMasterSp="0">
+<p:notes xmlns:a="http://schemas.openxmlformats.org/drawingml/2006/main" xmlns:r="http://schemas.openxmlformats.org/officeDocument/2006/relationships" xmlns:p="http://schemas.openxmlformats.org/presentationml/2006/main" showMasterSp="0" showMasterPhAnim="0">
   <p:cSld>
     <p:spTree>
       <p:nvGrpSpPr>
-        <p:cNvPr id="214" name="Shape 214"/>
+        <p:cNvPr id="1" name="Shape 214"/>
         <p:cNvGrpSpPr/>
         <p:nvPr/>
       </p:nvGrpSpPr>
@@ -2136,9 +2250,11 @@
       <p:sp>
         <p:nvSpPr>
           <p:cNvPr id="215" name="Google Shape;215;g65786cab5f_0_194:notes"/>
-          <p:cNvSpPr/>
+          <p:cNvSpPr>
+            <a:spLocks noGrp="1" noRot="1" noChangeAspect="1"/>
+          </p:cNvSpPr>
           <p:nvPr>
-            <p:ph idx="2" type="sldImg"/>
+            <p:ph type="sldImg" idx="2"/>
           </p:nvPr>
         </p:nvSpPr>
         <p:spPr>
@@ -2147,9 +2263,13 @@
             <a:ext cx="6096000" cy="3429000"/>
           </a:xfrm>
           <a:custGeom>
-            <a:rect b="b" l="l" r="r" t="t"/>
+            <a:avLst/>
+            <a:gdLst/>
+            <a:ahLst/>
+            <a:cxnLst/>
+            <a:rect l="l" t="t" r="r" b="b"/>
             <a:pathLst>
-              <a:path extrusionOk="0" h="120000" w="120000">
+              <a:path w="120000" h="120000" extrusionOk="0">
                 <a:moveTo>
                   <a:pt x="0" y="0"/>
                 </a:moveTo>
@@ -2171,9 +2291,11 @@
       <p:sp>
         <p:nvSpPr>
           <p:cNvPr id="216" name="Google Shape;216;g65786cab5f_0_194:notes"/>
-          <p:cNvSpPr txBox="1"/>
+          <p:cNvSpPr txBox="1">
+            <a:spLocks noGrp="1"/>
+          </p:cNvSpPr>
           <p:nvPr>
-            <p:ph idx="1" type="body"/>
+            <p:ph type="body" idx="1"/>
           </p:nvPr>
         </p:nvSpPr>
         <p:spPr>
@@ -2186,12 +2308,12 @@
           </a:prstGeom>
         </p:spPr>
         <p:txBody>
-          <a:bodyPr anchorCtr="0" anchor="t" bIns="91425" lIns="91425" spcFirstLastPara="1" rIns="91425" wrap="square" tIns="91425">
+          <a:bodyPr spcFirstLastPara="1" wrap="square" lIns="91425" tIns="91425" rIns="91425" bIns="91425" anchor="t" anchorCtr="0">
             <a:noAutofit/>
           </a:bodyPr>
           <a:lstStyle/>
           <a:p>
-            <a:pPr indent="0" lvl="0" marL="0" rtl="0" algn="l">
+            <a:pPr marL="0" lvl="0" indent="0" algn="l" rtl="0">
               <a:spcBef>
                 <a:spcPts val="0"/>
               </a:spcBef>
@@ -2200,9 +2322,6 @@
               </a:spcAft>
               <a:buNone/>
             </a:pPr>
-            <a:r>
-              <a:t/>
-            </a:r>
             <a:endParaRPr/>
           </a:p>
         </p:txBody>
@@ -2216,11 +2335,11 @@
 </file>
 
 <file path=ppt/notesSlides/notesSlide3.xml><?xml version="1.0" encoding="utf-8"?>
-<p:notes xmlns:a="http://schemas.openxmlformats.org/drawingml/2006/main" xmlns:r="http://schemas.openxmlformats.org/officeDocument/2006/relationships" xmlns:mc="http://schemas.openxmlformats.org/markup-compatibility/2006" xmlns:mv="urn:schemas-microsoft-com:mac:vml" xmlns:p="http://schemas.openxmlformats.org/presentationml/2006/main" xmlns:c="http://schemas.openxmlformats.org/drawingml/2006/chart" xmlns:dgm="http://schemas.openxmlformats.org/drawingml/2006/diagram" xmlns:o="urn:schemas-microsoft-com:office:office" xmlns:v="urn:schemas-microsoft-com:vml" xmlns:pvml="urn:schemas-microsoft-com:office:powerpoint" xmlns:com="http://schemas.openxmlformats.org/drawingml/2006/compatibility" xmlns:p14="http://schemas.microsoft.com/office/powerpoint/2010/main" xmlns:p15="http://schemas.microsoft.com/office/powerpoint/2012/main" showMasterPhAnim="0" showMasterSp="0">
+<p:notes xmlns:a="http://schemas.openxmlformats.org/drawingml/2006/main" xmlns:r="http://schemas.openxmlformats.org/officeDocument/2006/relationships" xmlns:p="http://schemas.openxmlformats.org/presentationml/2006/main" showMasterSp="0" showMasterPhAnim="0">
   <p:cSld>
     <p:spTree>
       <p:nvGrpSpPr>
-        <p:cNvPr id="94" name="Shape 94"/>
+        <p:cNvPr id="1" name="Shape 94"/>
         <p:cNvGrpSpPr/>
         <p:nvPr/>
       </p:nvGrpSpPr>
@@ -2235,9 +2354,11 @@
       <p:sp>
         <p:nvSpPr>
           <p:cNvPr id="95" name="Google Shape;95;g65786cab5f_0_83:notes"/>
-          <p:cNvSpPr/>
+          <p:cNvSpPr>
+            <a:spLocks noGrp="1" noRot="1" noChangeAspect="1"/>
+          </p:cNvSpPr>
           <p:nvPr>
-            <p:ph idx="2" type="sldImg"/>
+            <p:ph type="sldImg" idx="2"/>
           </p:nvPr>
         </p:nvSpPr>
         <p:spPr>
@@ -2246,9 +2367,13 @@
             <a:ext cx="6096000" cy="3429000"/>
           </a:xfrm>
           <a:custGeom>
-            <a:rect b="b" l="l" r="r" t="t"/>
+            <a:avLst/>
+            <a:gdLst/>
+            <a:ahLst/>
+            <a:cxnLst/>
+            <a:rect l="l" t="t" r="r" b="b"/>
             <a:pathLst>
-              <a:path extrusionOk="0" h="120000" w="120000">
+              <a:path w="120000" h="120000" extrusionOk="0">
                 <a:moveTo>
                   <a:pt x="0" y="0"/>
                 </a:moveTo>
@@ -2270,9 +2395,11 @@
       <p:sp>
         <p:nvSpPr>
           <p:cNvPr id="96" name="Google Shape;96;g65786cab5f_0_83:notes"/>
-          <p:cNvSpPr txBox="1"/>
+          <p:cNvSpPr txBox="1">
+            <a:spLocks noGrp="1"/>
+          </p:cNvSpPr>
           <p:nvPr>
-            <p:ph idx="1" type="body"/>
+            <p:ph type="body" idx="1"/>
           </p:nvPr>
         </p:nvSpPr>
         <p:spPr>
@@ -2285,12 +2412,12 @@
           </a:prstGeom>
         </p:spPr>
         <p:txBody>
-          <a:bodyPr anchorCtr="0" anchor="t" bIns="91425" lIns="91425" spcFirstLastPara="1" rIns="91425" wrap="square" tIns="91425">
+          <a:bodyPr spcFirstLastPara="1" wrap="square" lIns="91425" tIns="91425" rIns="91425" bIns="91425" anchor="t" anchorCtr="0">
             <a:noAutofit/>
           </a:bodyPr>
           <a:lstStyle/>
           <a:p>
-            <a:pPr indent="0" lvl="0" marL="0" rtl="0" algn="l">
+            <a:pPr marL="0" lvl="0" indent="0" algn="l" rtl="0">
               <a:spcBef>
                 <a:spcPts val="0"/>
               </a:spcBef>
@@ -2299,9 +2426,6 @@
               </a:spcAft>
               <a:buNone/>
             </a:pPr>
-            <a:r>
-              <a:t/>
-            </a:r>
             <a:endParaRPr/>
           </a:p>
         </p:txBody>
@@ -2315,11 +2439,11 @@
 </file>
 
 <file path=ppt/notesSlides/notesSlide4.xml><?xml version="1.0" encoding="utf-8"?>
-<p:notes xmlns:a="http://schemas.openxmlformats.org/drawingml/2006/main" xmlns:r="http://schemas.openxmlformats.org/officeDocument/2006/relationships" xmlns:mc="http://schemas.openxmlformats.org/markup-compatibility/2006" xmlns:mv="urn:schemas-microsoft-com:mac:vml" xmlns:p="http://schemas.openxmlformats.org/presentationml/2006/main" xmlns:c="http://schemas.openxmlformats.org/drawingml/2006/chart" xmlns:dgm="http://schemas.openxmlformats.org/drawingml/2006/diagram" xmlns:o="urn:schemas-microsoft-com:office:office" xmlns:v="urn:schemas-microsoft-com:vml" xmlns:pvml="urn:schemas-microsoft-com:office:powerpoint" xmlns:com="http://schemas.openxmlformats.org/drawingml/2006/compatibility" xmlns:p14="http://schemas.microsoft.com/office/powerpoint/2010/main" xmlns:p15="http://schemas.microsoft.com/office/powerpoint/2012/main" showMasterPhAnim="0" showMasterSp="0">
+<p:notes xmlns:a="http://schemas.openxmlformats.org/drawingml/2006/main" xmlns:r="http://schemas.openxmlformats.org/officeDocument/2006/relationships" xmlns:p="http://schemas.openxmlformats.org/presentationml/2006/main" showMasterSp="0" showMasterPhAnim="0">
   <p:cSld>
     <p:spTree>
       <p:nvGrpSpPr>
-        <p:cNvPr id="101" name="Shape 101"/>
+        <p:cNvPr id="1" name="Shape 101"/>
         <p:cNvGrpSpPr/>
         <p:nvPr/>
       </p:nvGrpSpPr>
@@ -2334,9 +2458,11 @@
       <p:sp>
         <p:nvSpPr>
           <p:cNvPr id="102" name="Google Shape;102;g65786cab5f_0_91:notes"/>
-          <p:cNvSpPr/>
+          <p:cNvSpPr>
+            <a:spLocks noGrp="1" noRot="1" noChangeAspect="1"/>
+          </p:cNvSpPr>
           <p:nvPr>
-            <p:ph idx="2" type="sldImg"/>
+            <p:ph type="sldImg" idx="2"/>
           </p:nvPr>
         </p:nvSpPr>
         <p:spPr>
@@ -2345,9 +2471,13 @@
             <a:ext cx="6096000" cy="3429000"/>
           </a:xfrm>
           <a:custGeom>
-            <a:rect b="b" l="l" r="r" t="t"/>
+            <a:avLst/>
+            <a:gdLst/>
+            <a:ahLst/>
+            <a:cxnLst/>
+            <a:rect l="l" t="t" r="r" b="b"/>
             <a:pathLst>
-              <a:path extrusionOk="0" h="120000" w="120000">
+              <a:path w="120000" h="120000" extrusionOk="0">
                 <a:moveTo>
                   <a:pt x="0" y="0"/>
                 </a:moveTo>
@@ -2369,9 +2499,11 @@
       <p:sp>
         <p:nvSpPr>
           <p:cNvPr id="103" name="Google Shape;103;g65786cab5f_0_91:notes"/>
-          <p:cNvSpPr txBox="1"/>
+          <p:cNvSpPr txBox="1">
+            <a:spLocks noGrp="1"/>
+          </p:cNvSpPr>
           <p:nvPr>
-            <p:ph idx="1" type="body"/>
+            <p:ph type="body" idx="1"/>
           </p:nvPr>
         </p:nvSpPr>
         <p:spPr>
@@ -2384,12 +2516,12 @@
           </a:prstGeom>
         </p:spPr>
         <p:txBody>
-          <a:bodyPr anchorCtr="0" anchor="t" bIns="91425" lIns="91425" spcFirstLastPara="1" rIns="91425" wrap="square" tIns="91425">
+          <a:bodyPr spcFirstLastPara="1" wrap="square" lIns="91425" tIns="91425" rIns="91425" bIns="91425" anchor="t" anchorCtr="0">
             <a:noAutofit/>
           </a:bodyPr>
           <a:lstStyle/>
           <a:p>
-            <a:pPr indent="0" lvl="0" marL="0" rtl="0" algn="l">
+            <a:pPr marL="0" lvl="0" indent="0" algn="l" rtl="0">
               <a:spcBef>
                 <a:spcPts val="0"/>
               </a:spcBef>
@@ -2398,9 +2530,6 @@
               </a:spcAft>
               <a:buNone/>
             </a:pPr>
-            <a:r>
-              <a:t/>
-            </a:r>
             <a:endParaRPr/>
           </a:p>
         </p:txBody>
@@ -2414,11 +2543,11 @@
 </file>
 
 <file path=ppt/notesSlides/notesSlide5.xml><?xml version="1.0" encoding="utf-8"?>
-<p:notes xmlns:a="http://schemas.openxmlformats.org/drawingml/2006/main" xmlns:r="http://schemas.openxmlformats.org/officeDocument/2006/relationships" xmlns:mc="http://schemas.openxmlformats.org/markup-compatibility/2006" xmlns:mv="urn:schemas-microsoft-com:mac:vml" xmlns:p="http://schemas.openxmlformats.org/presentationml/2006/main" xmlns:c="http://schemas.openxmlformats.org/drawingml/2006/chart" xmlns:dgm="http://schemas.openxmlformats.org/drawingml/2006/diagram" xmlns:o="urn:schemas-microsoft-com:office:office" xmlns:v="urn:schemas-microsoft-com:vml" xmlns:pvml="urn:schemas-microsoft-com:office:powerpoint" xmlns:com="http://schemas.openxmlformats.org/drawingml/2006/compatibility" xmlns:p14="http://schemas.microsoft.com/office/powerpoint/2010/main" xmlns:p15="http://schemas.microsoft.com/office/powerpoint/2012/main" showMasterPhAnim="0" showMasterSp="0">
+<p:notes xmlns:a="http://schemas.openxmlformats.org/drawingml/2006/main" xmlns:r="http://schemas.openxmlformats.org/officeDocument/2006/relationships" xmlns:p="http://schemas.openxmlformats.org/presentationml/2006/main" showMasterSp="0" showMasterPhAnim="0">
   <p:cSld>
     <p:spTree>
       <p:nvGrpSpPr>
-        <p:cNvPr id="107" name="Shape 107"/>
+        <p:cNvPr id="1" name="Shape 107"/>
         <p:cNvGrpSpPr/>
         <p:nvPr/>
       </p:nvGrpSpPr>
@@ -2433,9 +2562,11 @@
       <p:sp>
         <p:nvSpPr>
           <p:cNvPr id="108" name="Google Shape;108;g65786cab5f_0_96:notes"/>
-          <p:cNvSpPr/>
+          <p:cNvSpPr>
+            <a:spLocks noGrp="1" noRot="1" noChangeAspect="1"/>
+          </p:cNvSpPr>
           <p:nvPr>
-            <p:ph idx="2" type="sldImg"/>
+            <p:ph type="sldImg" idx="2"/>
           </p:nvPr>
         </p:nvSpPr>
         <p:spPr>
@@ -2444,9 +2575,13 @@
             <a:ext cx="6096000" cy="3429000"/>
           </a:xfrm>
           <a:custGeom>
-            <a:rect b="b" l="l" r="r" t="t"/>
+            <a:avLst/>
+            <a:gdLst/>
+            <a:ahLst/>
+            <a:cxnLst/>
+            <a:rect l="l" t="t" r="r" b="b"/>
             <a:pathLst>
-              <a:path extrusionOk="0" h="120000" w="120000">
+              <a:path w="120000" h="120000" extrusionOk="0">
                 <a:moveTo>
                   <a:pt x="0" y="0"/>
                 </a:moveTo>
@@ -2468,9 +2603,11 @@
       <p:sp>
         <p:nvSpPr>
           <p:cNvPr id="109" name="Google Shape;109;g65786cab5f_0_96:notes"/>
-          <p:cNvSpPr txBox="1"/>
+          <p:cNvSpPr txBox="1">
+            <a:spLocks noGrp="1"/>
+          </p:cNvSpPr>
           <p:nvPr>
-            <p:ph idx="1" type="body"/>
+            <p:ph type="body" idx="1"/>
           </p:nvPr>
         </p:nvSpPr>
         <p:spPr>
@@ -2483,12 +2620,12 @@
           </a:prstGeom>
         </p:spPr>
         <p:txBody>
-          <a:bodyPr anchorCtr="0" anchor="t" bIns="91425" lIns="91425" spcFirstLastPara="1" rIns="91425" wrap="square" tIns="91425">
+          <a:bodyPr spcFirstLastPara="1" wrap="square" lIns="91425" tIns="91425" rIns="91425" bIns="91425" anchor="t" anchorCtr="0">
             <a:noAutofit/>
           </a:bodyPr>
           <a:lstStyle/>
           <a:p>
-            <a:pPr indent="0" lvl="0" marL="0" rtl="0" algn="l">
+            <a:pPr marL="0" lvl="0" indent="0" algn="l" rtl="0">
               <a:spcBef>
                 <a:spcPts val="0"/>
               </a:spcBef>
@@ -2497,9 +2634,6 @@
               </a:spcAft>
               <a:buNone/>
             </a:pPr>
-            <a:r>
-              <a:t/>
-            </a:r>
             <a:endParaRPr/>
           </a:p>
         </p:txBody>
@@ -2513,11 +2647,11 @@
 </file>
 
 <file path=ppt/notesSlides/notesSlide6.xml><?xml version="1.0" encoding="utf-8"?>
-<p:notes xmlns:a="http://schemas.openxmlformats.org/drawingml/2006/main" xmlns:r="http://schemas.openxmlformats.org/officeDocument/2006/relationships" xmlns:mc="http://schemas.openxmlformats.org/markup-compatibility/2006" xmlns:mv="urn:schemas-microsoft-com:mac:vml" xmlns:p="http://schemas.openxmlformats.org/presentationml/2006/main" xmlns:c="http://schemas.openxmlformats.org/drawingml/2006/chart" xmlns:dgm="http://schemas.openxmlformats.org/drawingml/2006/diagram" xmlns:o="urn:schemas-microsoft-com:office:office" xmlns:v="urn:schemas-microsoft-com:vml" xmlns:pvml="urn:schemas-microsoft-com:office:powerpoint" xmlns:com="http://schemas.openxmlformats.org/drawingml/2006/compatibility" xmlns:p14="http://schemas.microsoft.com/office/powerpoint/2010/main" xmlns:p15="http://schemas.microsoft.com/office/powerpoint/2012/main" showMasterPhAnim="0" showMasterSp="0">
+<p:notes xmlns:a="http://schemas.openxmlformats.org/drawingml/2006/main" xmlns:r="http://schemas.openxmlformats.org/officeDocument/2006/relationships" xmlns:p="http://schemas.openxmlformats.org/presentationml/2006/main" showMasterSp="0" showMasterPhAnim="0">
   <p:cSld>
     <p:spTree>
       <p:nvGrpSpPr>
-        <p:cNvPr id="113" name="Shape 113"/>
+        <p:cNvPr id="1" name="Shape 113"/>
         <p:cNvGrpSpPr/>
         <p:nvPr/>
       </p:nvGrpSpPr>
@@ -2532,9 +2666,11 @@
       <p:sp>
         <p:nvSpPr>
           <p:cNvPr id="114" name="Google Shape;114;g65786cab5f_0_101:notes"/>
-          <p:cNvSpPr/>
+          <p:cNvSpPr>
+            <a:spLocks noGrp="1" noRot="1" noChangeAspect="1"/>
+          </p:cNvSpPr>
           <p:nvPr>
-            <p:ph idx="2" type="sldImg"/>
+            <p:ph type="sldImg" idx="2"/>
           </p:nvPr>
         </p:nvSpPr>
         <p:spPr>
@@ -2543,9 +2679,13 @@
             <a:ext cx="6096000" cy="3429000"/>
           </a:xfrm>
           <a:custGeom>
-            <a:rect b="b" l="l" r="r" t="t"/>
+            <a:avLst/>
+            <a:gdLst/>
+            <a:ahLst/>
+            <a:cxnLst/>
+            <a:rect l="l" t="t" r="r" b="b"/>
             <a:pathLst>
-              <a:path extrusionOk="0" h="120000" w="120000">
+              <a:path w="120000" h="120000" extrusionOk="0">
                 <a:moveTo>
                   <a:pt x="0" y="0"/>
                 </a:moveTo>
@@ -2567,9 +2707,11 @@
       <p:sp>
         <p:nvSpPr>
           <p:cNvPr id="115" name="Google Shape;115;g65786cab5f_0_101:notes"/>
-          <p:cNvSpPr txBox="1"/>
+          <p:cNvSpPr txBox="1">
+            <a:spLocks noGrp="1"/>
+          </p:cNvSpPr>
           <p:nvPr>
-            <p:ph idx="1" type="body"/>
+            <p:ph type="body" idx="1"/>
           </p:nvPr>
         </p:nvSpPr>
         <p:spPr>
@@ -2582,12 +2724,12 @@
           </a:prstGeom>
         </p:spPr>
         <p:txBody>
-          <a:bodyPr anchorCtr="0" anchor="t" bIns="91425" lIns="91425" spcFirstLastPara="1" rIns="91425" wrap="square" tIns="91425">
+          <a:bodyPr spcFirstLastPara="1" wrap="square" lIns="91425" tIns="91425" rIns="91425" bIns="91425" anchor="t" anchorCtr="0">
             <a:noAutofit/>
           </a:bodyPr>
           <a:lstStyle/>
           <a:p>
-            <a:pPr indent="0" lvl="0" marL="0" rtl="0" algn="l">
+            <a:pPr marL="0" lvl="0" indent="0" algn="l" rtl="0">
               <a:spcBef>
                 <a:spcPts val="0"/>
               </a:spcBef>
@@ -2596,9 +2738,6 @@
               </a:spcAft>
               <a:buNone/>
             </a:pPr>
-            <a:r>
-              <a:t/>
-            </a:r>
             <a:endParaRPr/>
           </a:p>
         </p:txBody>
@@ -2612,11 +2751,11 @@
 </file>
 
 <file path=ppt/notesSlides/notesSlide7.xml><?xml version="1.0" encoding="utf-8"?>
-<p:notes xmlns:a="http://schemas.openxmlformats.org/drawingml/2006/main" xmlns:r="http://schemas.openxmlformats.org/officeDocument/2006/relationships" xmlns:mc="http://schemas.openxmlformats.org/markup-compatibility/2006" xmlns:mv="urn:schemas-microsoft-com:mac:vml" xmlns:p="http://schemas.openxmlformats.org/presentationml/2006/main" xmlns:c="http://schemas.openxmlformats.org/drawingml/2006/chart" xmlns:dgm="http://schemas.openxmlformats.org/drawingml/2006/diagram" xmlns:o="urn:schemas-microsoft-com:office:office" xmlns:v="urn:schemas-microsoft-com:vml" xmlns:pvml="urn:schemas-microsoft-com:office:powerpoint" xmlns:com="http://schemas.openxmlformats.org/drawingml/2006/compatibility" xmlns:p14="http://schemas.microsoft.com/office/powerpoint/2010/main" xmlns:p15="http://schemas.microsoft.com/office/powerpoint/2012/main" showMasterPhAnim="0" showMasterSp="0">
+<p:notes xmlns:a="http://schemas.openxmlformats.org/drawingml/2006/main" xmlns:r="http://schemas.openxmlformats.org/officeDocument/2006/relationships" xmlns:p="http://schemas.openxmlformats.org/presentationml/2006/main" showMasterSp="0" showMasterPhAnim="0">
   <p:cSld>
     <p:spTree>
       <p:nvGrpSpPr>
-        <p:cNvPr id="119" name="Shape 119"/>
+        <p:cNvPr id="1" name="Shape 119"/>
         <p:cNvGrpSpPr/>
         <p:nvPr/>
       </p:nvGrpSpPr>
@@ -2631,9 +2770,11 @@
       <p:sp>
         <p:nvSpPr>
           <p:cNvPr id="120" name="Google Shape;120;g65786cab5f_0_106:notes"/>
-          <p:cNvSpPr/>
+          <p:cNvSpPr>
+            <a:spLocks noGrp="1" noRot="1" noChangeAspect="1"/>
+          </p:cNvSpPr>
           <p:nvPr>
-            <p:ph idx="2" type="sldImg"/>
+            <p:ph type="sldImg" idx="2"/>
           </p:nvPr>
         </p:nvSpPr>
         <p:spPr>
@@ -2642,9 +2783,13 @@
             <a:ext cx="6096000" cy="3429000"/>
           </a:xfrm>
           <a:custGeom>
-            <a:rect b="b" l="l" r="r" t="t"/>
+            <a:avLst/>
+            <a:gdLst/>
+            <a:ahLst/>
+            <a:cxnLst/>
+            <a:rect l="l" t="t" r="r" b="b"/>
             <a:pathLst>
-              <a:path extrusionOk="0" h="120000" w="120000">
+              <a:path w="120000" h="120000" extrusionOk="0">
                 <a:moveTo>
                   <a:pt x="0" y="0"/>
                 </a:moveTo>
@@ -2666,9 +2811,11 @@
       <p:sp>
         <p:nvSpPr>
           <p:cNvPr id="121" name="Google Shape;121;g65786cab5f_0_106:notes"/>
-          <p:cNvSpPr txBox="1"/>
+          <p:cNvSpPr txBox="1">
+            <a:spLocks noGrp="1"/>
+          </p:cNvSpPr>
           <p:nvPr>
-            <p:ph idx="1" type="body"/>
+            <p:ph type="body" idx="1"/>
           </p:nvPr>
         </p:nvSpPr>
         <p:spPr>
@@ -2681,12 +2828,12 @@
           </a:prstGeom>
         </p:spPr>
         <p:txBody>
-          <a:bodyPr anchorCtr="0" anchor="t" bIns="91425" lIns="91425" spcFirstLastPara="1" rIns="91425" wrap="square" tIns="91425">
+          <a:bodyPr spcFirstLastPara="1" wrap="square" lIns="91425" tIns="91425" rIns="91425" bIns="91425" anchor="t" anchorCtr="0">
             <a:noAutofit/>
           </a:bodyPr>
           <a:lstStyle/>
           <a:p>
-            <a:pPr indent="0" lvl="0" marL="0" rtl="0" algn="l">
+            <a:pPr marL="0" lvl="0" indent="0" algn="l" rtl="0">
               <a:spcBef>
                 <a:spcPts val="0"/>
               </a:spcBef>
@@ -2695,9 +2842,6 @@
               </a:spcAft>
               <a:buNone/>
             </a:pPr>
-            <a:r>
-              <a:t/>
-            </a:r>
             <a:endParaRPr/>
           </a:p>
         </p:txBody>
@@ -2711,11 +2855,11 @@
 </file>
 
 <file path=ppt/notesSlides/notesSlide8.xml><?xml version="1.0" encoding="utf-8"?>
-<p:notes xmlns:a="http://schemas.openxmlformats.org/drawingml/2006/main" xmlns:r="http://schemas.openxmlformats.org/officeDocument/2006/relationships" xmlns:mc="http://schemas.openxmlformats.org/markup-compatibility/2006" xmlns:mv="urn:schemas-microsoft-com:mac:vml" xmlns:p="http://schemas.openxmlformats.org/presentationml/2006/main" xmlns:c="http://schemas.openxmlformats.org/drawingml/2006/chart" xmlns:dgm="http://schemas.openxmlformats.org/drawingml/2006/diagram" xmlns:o="urn:schemas-microsoft-com:office:office" xmlns:v="urn:schemas-microsoft-com:vml" xmlns:pvml="urn:schemas-microsoft-com:office:powerpoint" xmlns:com="http://schemas.openxmlformats.org/drawingml/2006/compatibility" xmlns:p14="http://schemas.microsoft.com/office/powerpoint/2010/main" xmlns:p15="http://schemas.microsoft.com/office/powerpoint/2012/main" showMasterPhAnim="0" showMasterSp="0">
+<p:notes xmlns:a="http://schemas.openxmlformats.org/drawingml/2006/main" xmlns:r="http://schemas.openxmlformats.org/officeDocument/2006/relationships" xmlns:p="http://schemas.openxmlformats.org/presentationml/2006/main" showMasterSp="0" showMasterPhAnim="0">
   <p:cSld>
     <p:spTree>
       <p:nvGrpSpPr>
-        <p:cNvPr id="125" name="Shape 125"/>
+        <p:cNvPr id="1" name="Shape 125"/>
         <p:cNvGrpSpPr/>
         <p:nvPr/>
       </p:nvGrpSpPr>
@@ -2730,9 +2874,11 @@
       <p:sp>
         <p:nvSpPr>
           <p:cNvPr id="126" name="Google Shape;126;g65786cab5f_0_111:notes"/>
-          <p:cNvSpPr/>
+          <p:cNvSpPr>
+            <a:spLocks noGrp="1" noRot="1" noChangeAspect="1"/>
+          </p:cNvSpPr>
           <p:nvPr>
-            <p:ph idx="2" type="sldImg"/>
+            <p:ph type="sldImg" idx="2"/>
           </p:nvPr>
         </p:nvSpPr>
         <p:spPr>
@@ -2741,9 +2887,13 @@
             <a:ext cx="6096000" cy="3429000"/>
           </a:xfrm>
           <a:custGeom>
-            <a:rect b="b" l="l" r="r" t="t"/>
+            <a:avLst/>
+            <a:gdLst/>
+            <a:ahLst/>
+            <a:cxnLst/>
+            <a:rect l="l" t="t" r="r" b="b"/>
             <a:pathLst>
-              <a:path extrusionOk="0" h="120000" w="120000">
+              <a:path w="120000" h="120000" extrusionOk="0">
                 <a:moveTo>
                   <a:pt x="0" y="0"/>
                 </a:moveTo>
@@ -2765,9 +2915,11 @@
       <p:sp>
         <p:nvSpPr>
           <p:cNvPr id="127" name="Google Shape;127;g65786cab5f_0_111:notes"/>
-          <p:cNvSpPr txBox="1"/>
+          <p:cNvSpPr txBox="1">
+            <a:spLocks noGrp="1"/>
+          </p:cNvSpPr>
           <p:nvPr>
-            <p:ph idx="1" type="body"/>
+            <p:ph type="body" idx="1"/>
           </p:nvPr>
         </p:nvSpPr>
         <p:spPr>
@@ -2780,12 +2932,12 @@
           </a:prstGeom>
         </p:spPr>
         <p:txBody>
-          <a:bodyPr anchorCtr="0" anchor="t" bIns="91425" lIns="91425" spcFirstLastPara="1" rIns="91425" wrap="square" tIns="91425">
+          <a:bodyPr spcFirstLastPara="1" wrap="square" lIns="91425" tIns="91425" rIns="91425" bIns="91425" anchor="t" anchorCtr="0">
             <a:noAutofit/>
           </a:bodyPr>
           <a:lstStyle/>
           <a:p>
-            <a:pPr indent="0" lvl="0" marL="0" rtl="0" algn="l">
+            <a:pPr marL="0" lvl="0" indent="0" algn="l" rtl="0">
               <a:spcBef>
                 <a:spcPts val="0"/>
               </a:spcBef>
@@ -2794,9 +2946,6 @@
               </a:spcAft>
               <a:buNone/>
             </a:pPr>
-            <a:r>
-              <a:t/>
-            </a:r>
             <a:endParaRPr/>
           </a:p>
         </p:txBody>
@@ -2810,11 +2959,11 @@
 </file>
 
 <file path=ppt/notesSlides/notesSlide9.xml><?xml version="1.0" encoding="utf-8"?>
-<p:notes xmlns:a="http://schemas.openxmlformats.org/drawingml/2006/main" xmlns:r="http://schemas.openxmlformats.org/officeDocument/2006/relationships" xmlns:mc="http://schemas.openxmlformats.org/markup-compatibility/2006" xmlns:mv="urn:schemas-microsoft-com:mac:vml" xmlns:p="http://schemas.openxmlformats.org/presentationml/2006/main" xmlns:c="http://schemas.openxmlformats.org/drawingml/2006/chart" xmlns:dgm="http://schemas.openxmlformats.org/drawingml/2006/diagram" xmlns:o="urn:schemas-microsoft-com:office:office" xmlns:v="urn:schemas-microsoft-com:vml" xmlns:pvml="urn:schemas-microsoft-com:office:powerpoint" xmlns:com="http://schemas.openxmlformats.org/drawingml/2006/compatibility" xmlns:p14="http://schemas.microsoft.com/office/powerpoint/2010/main" xmlns:p15="http://schemas.microsoft.com/office/powerpoint/2012/main" showMasterPhAnim="0" showMasterSp="0">
+<p:notes xmlns:a="http://schemas.openxmlformats.org/drawingml/2006/main" xmlns:r="http://schemas.openxmlformats.org/officeDocument/2006/relationships" xmlns:p="http://schemas.openxmlformats.org/presentationml/2006/main" showMasterSp="0" showMasterPhAnim="0">
   <p:cSld>
     <p:spTree>
       <p:nvGrpSpPr>
-        <p:cNvPr id="131" name="Shape 131"/>
+        <p:cNvPr id="1" name="Shape 131"/>
         <p:cNvGrpSpPr/>
         <p:nvPr/>
       </p:nvGrpSpPr>
@@ -2829,9 +2978,11 @@
       <p:sp>
         <p:nvSpPr>
           <p:cNvPr id="132" name="Google Shape;132;g65786cab5f_0_116:notes"/>
-          <p:cNvSpPr/>
+          <p:cNvSpPr>
+            <a:spLocks noGrp="1" noRot="1" noChangeAspect="1"/>
+          </p:cNvSpPr>
           <p:nvPr>
-            <p:ph idx="2" type="sldImg"/>
+            <p:ph type="sldImg" idx="2"/>
           </p:nvPr>
         </p:nvSpPr>
         <p:spPr>
@@ -2840,9 +2991,13 @@
             <a:ext cx="6096000" cy="3429000"/>
           </a:xfrm>
           <a:custGeom>
-            <a:rect b="b" l="l" r="r" t="t"/>
+            <a:avLst/>
+            <a:gdLst/>
+            <a:ahLst/>
+            <a:cxnLst/>
+            <a:rect l="l" t="t" r="r" b="b"/>
             <a:pathLst>
-              <a:path extrusionOk="0" h="120000" w="120000">
+              <a:path w="120000" h="120000" extrusionOk="0">
                 <a:moveTo>
                   <a:pt x="0" y="0"/>
                 </a:moveTo>
@@ -2864,9 +3019,11 @@
       <p:sp>
         <p:nvSpPr>
           <p:cNvPr id="133" name="Google Shape;133;g65786cab5f_0_116:notes"/>
-          <p:cNvSpPr txBox="1"/>
+          <p:cNvSpPr txBox="1">
+            <a:spLocks noGrp="1"/>
+          </p:cNvSpPr>
           <p:nvPr>
-            <p:ph idx="1" type="body"/>
+            <p:ph type="body" idx="1"/>
           </p:nvPr>
         </p:nvSpPr>
         <p:spPr>
@@ -2879,12 +3036,12 @@
           </a:prstGeom>
         </p:spPr>
         <p:txBody>
-          <a:bodyPr anchorCtr="0" anchor="t" bIns="91425" lIns="91425" spcFirstLastPara="1" rIns="91425" wrap="square" tIns="91425">
+          <a:bodyPr spcFirstLastPara="1" wrap="square" lIns="91425" tIns="91425" rIns="91425" bIns="91425" anchor="t" anchorCtr="0">
             <a:noAutofit/>
           </a:bodyPr>
           <a:lstStyle/>
           <a:p>
-            <a:pPr indent="0" lvl="0" marL="0" rtl="0" algn="l">
+            <a:pPr marL="0" lvl="0" indent="0" algn="l" rtl="0">
               <a:spcBef>
                 <a:spcPts val="0"/>
               </a:spcBef>
@@ -2893,9 +3050,6 @@
               </a:spcAft>
               <a:buNone/>
             </a:pPr>
-            <a:r>
-              <a:t/>
-            </a:r>
             <a:endParaRPr/>
           </a:p>
         </p:txBody>
@@ -2909,18 +3063,19 @@
 </file>
 
 <file path=ppt/slideLayouts/slideLayout1.xml><?xml version="1.0" encoding="utf-8"?>
-<p:sldLayout xmlns:a="http://schemas.openxmlformats.org/drawingml/2006/main" xmlns:r="http://schemas.openxmlformats.org/officeDocument/2006/relationships" xmlns:mc="http://schemas.openxmlformats.org/markup-compatibility/2006" xmlns:mv="urn:schemas-microsoft-com:mac:vml" xmlns:p="http://schemas.openxmlformats.org/presentationml/2006/main" xmlns:c="http://schemas.openxmlformats.org/drawingml/2006/chart" xmlns:dgm="http://schemas.openxmlformats.org/drawingml/2006/diagram" xmlns:o="urn:schemas-microsoft-com:office:office" xmlns:v="urn:schemas-microsoft-com:vml" xmlns:pvml="urn:schemas-microsoft-com:office:powerpoint" xmlns:com="http://schemas.openxmlformats.org/drawingml/2006/compatibility" xmlns:p14="http://schemas.microsoft.com/office/powerpoint/2010/main" xmlns:p15="http://schemas.microsoft.com/office/powerpoint/2012/main" matchingName="Title slide" type="title">
+<p:sldLayout xmlns:a="http://schemas.openxmlformats.org/drawingml/2006/main" xmlns:r="http://schemas.openxmlformats.org/officeDocument/2006/relationships" xmlns:p="http://schemas.openxmlformats.org/presentationml/2006/main" matchingName="Title slide" type="title">
   <p:cSld name="TITLE">
     <p:bg>
       <p:bgPr>
         <a:solidFill>
           <a:schemeClr val="lt2"/>
         </a:solidFill>
+        <a:effectLst/>
       </p:bgPr>
     </p:bg>
     <p:spTree>
       <p:nvGrpSpPr>
-        <p:cNvPr id="9" name="Shape 9"/>
+        <p:cNvPr id="1" name="Shape 9"/>
         <p:cNvGrpSpPr/>
         <p:nvPr/>
       </p:nvGrpSpPr>
@@ -2954,12 +3109,12 @@
           </a:ln>
         </p:spPr>
         <p:txBody>
-          <a:bodyPr anchorCtr="0" anchor="ctr" bIns="91425" lIns="91425" spcFirstLastPara="1" rIns="91425" wrap="square" tIns="91425">
+          <a:bodyPr spcFirstLastPara="1" wrap="square" lIns="91425" tIns="91425" rIns="91425" bIns="91425" anchor="ctr" anchorCtr="0">
             <a:noAutofit/>
           </a:bodyPr>
           <a:lstStyle/>
           <a:p>
-            <a:pPr indent="0" lvl="0" marL="0" rtl="0" algn="l">
+            <a:pPr marL="0" lvl="0" indent="0" algn="l" rtl="0">
               <a:spcBef>
                 <a:spcPts val="0"/>
               </a:spcBef>
@@ -2968,9 +3123,6 @@
               </a:spcAft>
               <a:buNone/>
             </a:pPr>
-            <a:r>
-              <a:t/>
-            </a:r>
             <a:endParaRPr/>
           </a:p>
         </p:txBody>
@@ -3011,12 +3163,12 @@
             </a:ln>
           </p:spPr>
           <p:txBody>
-            <a:bodyPr anchorCtr="0" anchor="ctr" bIns="91425" lIns="91425" spcFirstLastPara="1" rIns="91425" wrap="square" tIns="91425">
+            <a:bodyPr spcFirstLastPara="1" wrap="square" lIns="91425" tIns="91425" rIns="91425" bIns="91425" anchor="ctr" anchorCtr="0">
               <a:noAutofit/>
             </a:bodyPr>
             <a:lstStyle/>
             <a:p>
-              <a:pPr indent="0" lvl="0" marL="0" rtl="0" algn="l">
+              <a:pPr marL="0" lvl="0" indent="0" algn="l" rtl="0">
                 <a:spcBef>
                   <a:spcPts val="0"/>
                 </a:spcBef>
@@ -3025,9 +3177,6 @@
                 </a:spcAft>
                 <a:buNone/>
               </a:pPr>
-              <a:r>
-                <a:t/>
-              </a:r>
               <a:endParaRPr/>
             </a:p>
           </p:txBody>
@@ -3054,12 +3203,12 @@
             </a:ln>
           </p:spPr>
           <p:txBody>
-            <a:bodyPr anchorCtr="0" anchor="ctr" bIns="91425" lIns="91425" spcFirstLastPara="1" rIns="91425" wrap="square" tIns="91425">
+            <a:bodyPr spcFirstLastPara="1" wrap="square" lIns="91425" tIns="91425" rIns="91425" bIns="91425" anchor="ctr" anchorCtr="0">
               <a:noAutofit/>
             </a:bodyPr>
             <a:lstStyle/>
             <a:p>
-              <a:pPr indent="0" lvl="0" marL="0" rtl="0" algn="l">
+              <a:pPr marL="0" lvl="0" indent="0" algn="l" rtl="0">
                 <a:spcBef>
                   <a:spcPts val="0"/>
                 </a:spcBef>
@@ -3068,9 +3217,6 @@
                 </a:spcAft>
                 <a:buNone/>
               </a:pPr>
-              <a:r>
-                <a:t/>
-              </a:r>
               <a:endParaRPr/>
             </a:p>
           </p:txBody>
@@ -3079,7 +3225,9 @@
       <p:sp>
         <p:nvSpPr>
           <p:cNvPr id="14" name="Google Shape;14;p2"/>
-          <p:cNvSpPr txBox="1"/>
+          <p:cNvSpPr txBox="1">
+            <a:spLocks noGrp="1"/>
+          </p:cNvSpPr>
           <p:nvPr>
             <p:ph type="ctrTitle"/>
           </p:nvPr>
@@ -3094,7 +3242,7 @@
           </a:prstGeom>
         </p:spPr>
         <p:txBody>
-          <a:bodyPr anchorCtr="0" anchor="t" bIns="91425" lIns="91425" spcFirstLastPara="1" rIns="91425" wrap="square" tIns="91425">
+          <a:bodyPr spcFirstLastPara="1" wrap="square" lIns="91425" tIns="91425" rIns="91425" bIns="91425" anchor="t" anchorCtr="0">
             <a:noAutofit/>
           </a:bodyPr>
           <a:lstStyle>
@@ -3261,15 +3409,19 @@
               </a:defRPr>
             </a:lvl9pPr>
           </a:lstStyle>
-          <a:p/>
+          <a:p>
+            <a:endParaRPr/>
+          </a:p>
         </p:txBody>
       </p:sp>
       <p:sp>
         <p:nvSpPr>
           <p:cNvPr id="15" name="Google Shape;15;p2"/>
-          <p:cNvSpPr txBox="1"/>
+          <p:cNvSpPr txBox="1">
+            <a:spLocks noGrp="1"/>
+          </p:cNvSpPr>
           <p:nvPr>
-            <p:ph idx="1" type="subTitle"/>
+            <p:ph type="subTitle" idx="1"/>
           </p:nvPr>
         </p:nvSpPr>
         <p:spPr>
@@ -3282,7 +3434,7 @@
           </a:prstGeom>
         </p:spPr>
         <p:txBody>
-          <a:bodyPr anchorCtr="0" anchor="t" bIns="91425" lIns="91425" spcFirstLastPara="1" rIns="91425" wrap="square" tIns="91425">
+          <a:bodyPr spcFirstLastPara="1" wrap="square" lIns="91425" tIns="91425" rIns="91425" bIns="91425" anchor="t" anchorCtr="0">
             <a:noAutofit/>
           </a:bodyPr>
           <a:lstStyle>
@@ -3413,15 +3565,19 @@
               <a:defRPr sz="1600"/>
             </a:lvl9pPr>
           </a:lstStyle>
-          <a:p/>
+          <a:p>
+            <a:endParaRPr/>
+          </a:p>
         </p:txBody>
       </p:sp>
       <p:sp>
         <p:nvSpPr>
           <p:cNvPr id="16" name="Google Shape;16;p2"/>
-          <p:cNvSpPr txBox="1"/>
+          <p:cNvSpPr txBox="1">
+            <a:spLocks noGrp="1"/>
+          </p:cNvSpPr>
           <p:nvPr>
-            <p:ph idx="12" type="sldNum"/>
+            <p:ph type="sldNum" idx="12"/>
           </p:nvPr>
         </p:nvSpPr>
         <p:spPr>
@@ -3434,7 +3590,7 @@
           </a:prstGeom>
         </p:spPr>
         <p:txBody>
-          <a:bodyPr anchorCtr="0" anchor="ctr" bIns="91425" lIns="91425" spcFirstLastPara="1" rIns="91425" wrap="square" tIns="91425">
+          <a:bodyPr spcFirstLastPara="1" wrap="square" lIns="91425" tIns="91425" rIns="91425" bIns="91425" anchor="ctr" anchorCtr="0">
             <a:noAutofit/>
           </a:bodyPr>
           <a:lstStyle>
@@ -3476,7 +3632,7 @@
             </a:lvl9pPr>
           </a:lstStyle>
           <a:p>
-            <a:pPr indent="0" lvl="0" marL="0" rtl="0" algn="r">
+            <a:pPr marL="0" lvl="0" indent="0" algn="r" rtl="0">
               <a:spcBef>
                 <a:spcPts val="0"/>
               </a:spcBef>
@@ -3487,7 +3643,7 @@
             </a:pPr>
             <a:fld id="{00000000-1234-1234-1234-123412341234}" type="slidenum">
               <a:rPr lang="en"/>
-              <a:t>‹#›</a:t>
+              <a:t>‹nº›</a:t>
             </a:fld>
             <a:endParaRPr/>
           </a:p>
@@ -3502,18 +3658,19 @@
 </file>
 
 <file path=ppt/slideLayouts/slideLayout10.xml><?xml version="1.0" encoding="utf-8"?>
-<p:sldLayout xmlns:a="http://schemas.openxmlformats.org/drawingml/2006/main" xmlns:r="http://schemas.openxmlformats.org/officeDocument/2006/relationships" xmlns:mc="http://schemas.openxmlformats.org/markup-compatibility/2006" xmlns:mv="urn:schemas-microsoft-com:mac:vml" xmlns:p="http://schemas.openxmlformats.org/presentationml/2006/main" xmlns:c="http://schemas.openxmlformats.org/drawingml/2006/chart" xmlns:dgm="http://schemas.openxmlformats.org/drawingml/2006/diagram" xmlns:o="urn:schemas-microsoft-com:office:office" xmlns:v="urn:schemas-microsoft-com:vml" xmlns:pvml="urn:schemas-microsoft-com:office:powerpoint" xmlns:com="http://schemas.openxmlformats.org/drawingml/2006/compatibility" xmlns:p14="http://schemas.microsoft.com/office/powerpoint/2010/main" xmlns:p15="http://schemas.microsoft.com/office/powerpoint/2012/main" matchingName="Big number">
+<p:sldLayout xmlns:a="http://schemas.openxmlformats.org/drawingml/2006/main" xmlns:r="http://schemas.openxmlformats.org/officeDocument/2006/relationships" xmlns:p="http://schemas.openxmlformats.org/presentationml/2006/main" matchingName="Big number">
   <p:cSld name="BIG_NUMBER">
     <p:bg>
       <p:bgPr>
         <a:solidFill>
           <a:schemeClr val="dk1"/>
         </a:solidFill>
+        <a:effectLst/>
       </p:bgPr>
     </p:bg>
     <p:spTree>
       <p:nvGrpSpPr>
-        <p:cNvPr id="73" name="Shape 73"/>
+        <p:cNvPr id="1" name="Shape 73"/>
         <p:cNvGrpSpPr/>
         <p:nvPr/>
       </p:nvGrpSpPr>
@@ -3561,12 +3718,12 @@
             </a:ln>
           </p:spPr>
           <p:txBody>
-            <a:bodyPr anchorCtr="0" anchor="ctr" bIns="91425" lIns="91425" spcFirstLastPara="1" rIns="91425" wrap="square" tIns="91425">
+            <a:bodyPr spcFirstLastPara="1" wrap="square" lIns="91425" tIns="91425" rIns="91425" bIns="91425" anchor="ctr" anchorCtr="0">
               <a:noAutofit/>
             </a:bodyPr>
             <a:lstStyle/>
             <a:p>
-              <a:pPr indent="0" lvl="0" marL="0" rtl="0" algn="l">
+              <a:pPr marL="0" lvl="0" indent="0" algn="l" rtl="0">
                 <a:spcBef>
                   <a:spcPts val="0"/>
                 </a:spcBef>
@@ -3575,9 +3732,6 @@
                 </a:spcAft>
                 <a:buNone/>
               </a:pPr>
-              <a:r>
-                <a:t/>
-              </a:r>
               <a:endParaRPr/>
             </a:p>
           </p:txBody>
@@ -3604,12 +3758,12 @@
             </a:ln>
           </p:spPr>
           <p:txBody>
-            <a:bodyPr anchorCtr="0" anchor="ctr" bIns="91425" lIns="91425" spcFirstLastPara="1" rIns="91425" wrap="square" tIns="91425">
+            <a:bodyPr spcFirstLastPara="1" wrap="square" lIns="91425" tIns="91425" rIns="91425" bIns="91425" anchor="ctr" anchorCtr="0">
               <a:noAutofit/>
             </a:bodyPr>
             <a:lstStyle/>
             <a:p>
-              <a:pPr indent="0" lvl="0" marL="0" rtl="0" algn="l">
+              <a:pPr marL="0" lvl="0" indent="0" algn="l" rtl="0">
                 <a:spcBef>
                   <a:spcPts val="0"/>
                 </a:spcBef>
@@ -3618,9 +3772,6 @@
                 </a:spcAft>
                 <a:buNone/>
               </a:pPr>
-              <a:r>
-                <a:t/>
-              </a:r>
               <a:endParaRPr/>
             </a:p>
           </p:txBody>
@@ -3629,9 +3780,11 @@
       <p:sp>
         <p:nvSpPr>
           <p:cNvPr id="77" name="Google Shape;77;p11"/>
-          <p:cNvSpPr txBox="1"/>
+          <p:cNvSpPr txBox="1">
+            <a:spLocks noGrp="1"/>
+          </p:cNvSpPr>
           <p:nvPr>
-            <p:ph hasCustomPrompt="1" type="title"/>
+            <p:ph type="title" hasCustomPrompt="1"/>
           </p:nvPr>
         </p:nvSpPr>
         <p:spPr>
@@ -3644,7 +3797,7 @@
           </a:prstGeom>
         </p:spPr>
         <p:txBody>
-          <a:bodyPr anchorCtr="0" anchor="t" bIns="91425" lIns="91425" spcFirstLastPara="1" rIns="91425" wrap="square" tIns="91425">
+          <a:bodyPr spcFirstLastPara="1" wrap="square" lIns="91425" tIns="91425" rIns="91425" bIns="91425" anchor="t" anchorCtr="0">
             <a:noAutofit/>
           </a:bodyPr>
           <a:lstStyle>
@@ -3821,9 +3974,11 @@
       <p:sp>
         <p:nvSpPr>
           <p:cNvPr id="78" name="Google Shape;78;p11"/>
-          <p:cNvSpPr txBox="1"/>
+          <p:cNvSpPr txBox="1">
+            <a:spLocks noGrp="1"/>
+          </p:cNvSpPr>
           <p:nvPr>
-            <p:ph idx="1" type="body"/>
+            <p:ph type="body" idx="1"/>
           </p:nvPr>
         </p:nvSpPr>
         <p:spPr>
@@ -3836,11 +3991,11 @@
           </a:prstGeom>
         </p:spPr>
         <p:txBody>
-          <a:bodyPr anchorCtr="0" anchor="t" bIns="91425" lIns="91425" spcFirstLastPara="1" rIns="91425" wrap="square" tIns="91425">
+          <a:bodyPr spcFirstLastPara="1" wrap="square" lIns="91425" tIns="91425" rIns="91425" bIns="91425" anchor="t" anchorCtr="0">
             <a:noAutofit/>
           </a:bodyPr>
           <a:lstStyle>
-            <a:lvl1pPr indent="-311150" lvl="0" marL="457200">
+            <a:lvl1pPr marL="457200" lvl="0" indent="-311150">
               <a:spcBef>
                 <a:spcPts val="0"/>
               </a:spcBef>
@@ -3858,7 +4013,7 @@
                 </a:solidFill>
               </a:defRPr>
             </a:lvl1pPr>
-            <a:lvl2pPr indent="-298450" lvl="1" marL="914400">
+            <a:lvl2pPr marL="914400" lvl="1" indent="-298450">
               <a:spcBef>
                 <a:spcPts val="1600"/>
               </a:spcBef>
@@ -3876,7 +4031,7 @@
                 </a:solidFill>
               </a:defRPr>
             </a:lvl2pPr>
-            <a:lvl3pPr indent="-298450" lvl="2" marL="1371600">
+            <a:lvl3pPr marL="1371600" lvl="2" indent="-298450">
               <a:spcBef>
                 <a:spcPts val="1600"/>
               </a:spcBef>
@@ -3894,7 +4049,7 @@
                 </a:solidFill>
               </a:defRPr>
             </a:lvl3pPr>
-            <a:lvl4pPr indent="-298450" lvl="3" marL="1828800">
+            <a:lvl4pPr marL="1828800" lvl="3" indent="-298450">
               <a:spcBef>
                 <a:spcPts val="1600"/>
               </a:spcBef>
@@ -3912,7 +4067,7 @@
                 </a:solidFill>
               </a:defRPr>
             </a:lvl4pPr>
-            <a:lvl5pPr indent="-298450" lvl="4" marL="2286000">
+            <a:lvl5pPr marL="2286000" lvl="4" indent="-298450">
               <a:spcBef>
                 <a:spcPts val="1600"/>
               </a:spcBef>
@@ -3930,7 +4085,7 @@
                 </a:solidFill>
               </a:defRPr>
             </a:lvl5pPr>
-            <a:lvl6pPr indent="-298450" lvl="5" marL="2743200">
+            <a:lvl6pPr marL="2743200" lvl="5" indent="-298450">
               <a:spcBef>
                 <a:spcPts val="1600"/>
               </a:spcBef>
@@ -3948,7 +4103,7 @@
                 </a:solidFill>
               </a:defRPr>
             </a:lvl6pPr>
-            <a:lvl7pPr indent="-298450" lvl="6" marL="3200400">
+            <a:lvl7pPr marL="3200400" lvl="6" indent="-298450">
               <a:spcBef>
                 <a:spcPts val="1600"/>
               </a:spcBef>
@@ -3966,7 +4121,7 @@
                 </a:solidFill>
               </a:defRPr>
             </a:lvl7pPr>
-            <a:lvl8pPr indent="-298450" lvl="7" marL="3657600">
+            <a:lvl8pPr marL="3657600" lvl="7" indent="-298450">
               <a:spcBef>
                 <a:spcPts val="1600"/>
               </a:spcBef>
@@ -3984,7 +4139,7 @@
                 </a:solidFill>
               </a:defRPr>
             </a:lvl8pPr>
-            <a:lvl9pPr indent="-298450" lvl="8" marL="4114800">
+            <a:lvl9pPr marL="4114800" lvl="8" indent="-298450">
               <a:spcBef>
                 <a:spcPts val="1600"/>
               </a:spcBef>
@@ -4003,15 +4158,19 @@
               </a:defRPr>
             </a:lvl9pPr>
           </a:lstStyle>
-          <a:p/>
+          <a:p>
+            <a:endParaRPr/>
+          </a:p>
         </p:txBody>
       </p:sp>
       <p:sp>
         <p:nvSpPr>
           <p:cNvPr id="79" name="Google Shape;79;p11"/>
-          <p:cNvSpPr txBox="1"/>
+          <p:cNvSpPr txBox="1">
+            <a:spLocks noGrp="1"/>
+          </p:cNvSpPr>
           <p:nvPr>
-            <p:ph idx="12" type="sldNum"/>
+            <p:ph type="sldNum" idx="12"/>
           </p:nvPr>
         </p:nvSpPr>
         <p:spPr>
@@ -4024,7 +4183,7 @@
           </a:prstGeom>
         </p:spPr>
         <p:txBody>
-          <a:bodyPr anchorCtr="0" anchor="ctr" bIns="91425" lIns="91425" spcFirstLastPara="1" rIns="91425" wrap="square" tIns="91425">
+          <a:bodyPr spcFirstLastPara="1" wrap="square" lIns="91425" tIns="91425" rIns="91425" bIns="91425" anchor="ctr" anchorCtr="0">
             <a:noAutofit/>
           </a:bodyPr>
           <a:lstStyle>
@@ -4102,7 +4261,7 @@
             </a:lvl9pPr>
           </a:lstStyle>
           <a:p>
-            <a:pPr indent="0" lvl="0" marL="0" rtl="0" algn="r">
+            <a:pPr marL="0" lvl="0" indent="0" algn="r" rtl="0">
               <a:spcBef>
                 <a:spcPts val="0"/>
               </a:spcBef>
@@ -4113,7 +4272,7 @@
             </a:pPr>
             <a:fld id="{00000000-1234-1234-1234-123412341234}" type="slidenum">
               <a:rPr lang="en"/>
-              <a:t>‹#›</a:t>
+              <a:t>‹nº›</a:t>
             </a:fld>
             <a:endParaRPr/>
           </a:p>
@@ -4128,11 +4287,11 @@
 </file>
 
 <file path=ppt/slideLayouts/slideLayout11.xml><?xml version="1.0" encoding="utf-8"?>
-<p:sldLayout xmlns:a="http://schemas.openxmlformats.org/drawingml/2006/main" xmlns:r="http://schemas.openxmlformats.org/officeDocument/2006/relationships" xmlns:mc="http://schemas.openxmlformats.org/markup-compatibility/2006" xmlns:mv="urn:schemas-microsoft-com:mac:vml" xmlns:p="http://schemas.openxmlformats.org/presentationml/2006/main" xmlns:c="http://schemas.openxmlformats.org/drawingml/2006/chart" xmlns:dgm="http://schemas.openxmlformats.org/drawingml/2006/diagram" xmlns:o="urn:schemas-microsoft-com:office:office" xmlns:v="urn:schemas-microsoft-com:vml" xmlns:pvml="urn:schemas-microsoft-com:office:powerpoint" xmlns:com="http://schemas.openxmlformats.org/drawingml/2006/compatibility" xmlns:p14="http://schemas.microsoft.com/office/powerpoint/2010/main" xmlns:p15="http://schemas.microsoft.com/office/powerpoint/2012/main" matchingName="Blank" type="blank">
+<p:sldLayout xmlns:a="http://schemas.openxmlformats.org/drawingml/2006/main" xmlns:r="http://schemas.openxmlformats.org/officeDocument/2006/relationships" xmlns:p="http://schemas.openxmlformats.org/presentationml/2006/main" matchingName="Blank" type="blank">
   <p:cSld name="BLANK">
     <p:spTree>
       <p:nvGrpSpPr>
-        <p:cNvPr id="80" name="Shape 80"/>
+        <p:cNvPr id="1" name="Shape 80"/>
         <p:cNvGrpSpPr/>
         <p:nvPr/>
       </p:nvGrpSpPr>
@@ -4147,9 +4306,11 @@
       <p:sp>
         <p:nvSpPr>
           <p:cNvPr id="81" name="Google Shape;81;p12"/>
-          <p:cNvSpPr txBox="1"/>
+          <p:cNvSpPr txBox="1">
+            <a:spLocks noGrp="1"/>
+          </p:cNvSpPr>
           <p:nvPr>
-            <p:ph idx="12" type="sldNum"/>
+            <p:ph type="sldNum" idx="12"/>
           </p:nvPr>
         </p:nvSpPr>
         <p:spPr>
@@ -4162,7 +4323,7 @@
           </a:prstGeom>
         </p:spPr>
         <p:txBody>
-          <a:bodyPr anchorCtr="0" anchor="ctr" bIns="91425" lIns="91425" spcFirstLastPara="1" rIns="91425" wrap="square" tIns="91425">
+          <a:bodyPr spcFirstLastPara="1" wrap="square" lIns="91425" tIns="91425" rIns="91425" bIns="91425" anchor="ctr" anchorCtr="0">
             <a:noAutofit/>
           </a:bodyPr>
           <a:lstStyle>
@@ -4204,7 +4365,7 @@
             </a:lvl9pPr>
           </a:lstStyle>
           <a:p>
-            <a:pPr indent="0" lvl="0" marL="0" rtl="0" algn="r">
+            <a:pPr marL="0" lvl="0" indent="0" algn="r" rtl="0">
               <a:spcBef>
                 <a:spcPts val="0"/>
               </a:spcBef>
@@ -4215,7 +4376,7 @@
             </a:pPr>
             <a:fld id="{00000000-1234-1234-1234-123412341234}" type="slidenum">
               <a:rPr lang="en"/>
-              <a:t>‹#›</a:t>
+              <a:t>‹nº›</a:t>
             </a:fld>
             <a:endParaRPr/>
           </a:p>
@@ -4230,18 +4391,19 @@
 </file>
 
 <file path=ppt/slideLayouts/slideLayout2.xml><?xml version="1.0" encoding="utf-8"?>
-<p:sldLayout xmlns:a="http://schemas.openxmlformats.org/drawingml/2006/main" xmlns:r="http://schemas.openxmlformats.org/officeDocument/2006/relationships" xmlns:mc="http://schemas.openxmlformats.org/markup-compatibility/2006" xmlns:mv="urn:schemas-microsoft-com:mac:vml" xmlns:p="http://schemas.openxmlformats.org/presentationml/2006/main" xmlns:c="http://schemas.openxmlformats.org/drawingml/2006/chart" xmlns:dgm="http://schemas.openxmlformats.org/drawingml/2006/diagram" xmlns:o="urn:schemas-microsoft-com:office:office" xmlns:v="urn:schemas-microsoft-com:vml" xmlns:pvml="urn:schemas-microsoft-com:office:powerpoint" xmlns:com="http://schemas.openxmlformats.org/drawingml/2006/compatibility" xmlns:p14="http://schemas.microsoft.com/office/powerpoint/2010/main" xmlns:p15="http://schemas.microsoft.com/office/powerpoint/2012/main" matchingName="Section header" type="secHead">
+<p:sldLayout xmlns:a="http://schemas.openxmlformats.org/drawingml/2006/main" xmlns:r="http://schemas.openxmlformats.org/officeDocument/2006/relationships" xmlns:p="http://schemas.openxmlformats.org/presentationml/2006/main" matchingName="Section header" type="secHead">
   <p:cSld name="SECTION_HEADER">
     <p:bg>
       <p:bgPr>
         <a:solidFill>
           <a:schemeClr val="dk1"/>
         </a:solidFill>
+        <a:effectLst/>
       </p:bgPr>
     </p:bg>
     <p:spTree>
       <p:nvGrpSpPr>
-        <p:cNvPr id="17" name="Shape 17"/>
+        <p:cNvPr id="1" name="Shape 17"/>
         <p:cNvGrpSpPr/>
         <p:nvPr/>
       </p:nvGrpSpPr>
@@ -4289,12 +4451,12 @@
             </a:ln>
           </p:spPr>
           <p:txBody>
-            <a:bodyPr anchorCtr="0" anchor="ctr" bIns="91425" lIns="91425" spcFirstLastPara="1" rIns="91425" wrap="square" tIns="91425">
+            <a:bodyPr spcFirstLastPara="1" wrap="square" lIns="91425" tIns="91425" rIns="91425" bIns="91425" anchor="ctr" anchorCtr="0">
               <a:noAutofit/>
             </a:bodyPr>
             <a:lstStyle/>
             <a:p>
-              <a:pPr indent="0" lvl="0" marL="0" rtl="0" algn="l">
+              <a:pPr marL="0" lvl="0" indent="0" algn="l" rtl="0">
                 <a:spcBef>
                   <a:spcPts val="0"/>
                 </a:spcBef>
@@ -4303,9 +4465,6 @@
                 </a:spcAft>
                 <a:buNone/>
               </a:pPr>
-              <a:r>
-                <a:t/>
-              </a:r>
               <a:endParaRPr/>
             </a:p>
           </p:txBody>
@@ -4332,12 +4491,12 @@
             </a:ln>
           </p:spPr>
           <p:txBody>
-            <a:bodyPr anchorCtr="0" anchor="ctr" bIns="91425" lIns="91425" spcFirstLastPara="1" rIns="91425" wrap="square" tIns="91425">
+            <a:bodyPr spcFirstLastPara="1" wrap="square" lIns="91425" tIns="91425" rIns="91425" bIns="91425" anchor="ctr" anchorCtr="0">
               <a:noAutofit/>
             </a:bodyPr>
             <a:lstStyle/>
             <a:p>
-              <a:pPr indent="0" lvl="0" marL="0" rtl="0" algn="l">
+              <a:pPr marL="0" lvl="0" indent="0" algn="l" rtl="0">
                 <a:spcBef>
                   <a:spcPts val="0"/>
                 </a:spcBef>
@@ -4346,9 +4505,6 @@
                 </a:spcAft>
                 <a:buNone/>
               </a:pPr>
-              <a:r>
-                <a:t/>
-              </a:r>
               <a:endParaRPr/>
             </a:p>
           </p:txBody>
@@ -4357,7 +4513,9 @@
       <p:sp>
         <p:nvSpPr>
           <p:cNvPr id="21" name="Google Shape;21;p3"/>
-          <p:cNvSpPr txBox="1"/>
+          <p:cNvSpPr txBox="1">
+            <a:spLocks noGrp="1"/>
+          </p:cNvSpPr>
           <p:nvPr>
             <p:ph type="title"/>
           </p:nvPr>
@@ -4372,7 +4530,7 @@
           </a:prstGeom>
         </p:spPr>
         <p:txBody>
-          <a:bodyPr anchorCtr="0" anchor="t" bIns="91425" lIns="91425" spcFirstLastPara="1" rIns="91425" wrap="square" tIns="91425">
+          <a:bodyPr spcFirstLastPara="1" wrap="square" lIns="91425" tIns="91425" rIns="91425" bIns="91425" anchor="t" anchorCtr="0">
             <a:noAutofit/>
           </a:bodyPr>
           <a:lstStyle>
@@ -4539,15 +4697,19 @@
               </a:defRPr>
             </a:lvl9pPr>
           </a:lstStyle>
-          <a:p/>
+          <a:p>
+            <a:endParaRPr/>
+          </a:p>
         </p:txBody>
       </p:sp>
       <p:sp>
         <p:nvSpPr>
           <p:cNvPr id="22" name="Google Shape;22;p3"/>
-          <p:cNvSpPr txBox="1"/>
+          <p:cNvSpPr txBox="1">
+            <a:spLocks noGrp="1"/>
+          </p:cNvSpPr>
           <p:nvPr>
-            <p:ph idx="12" type="sldNum"/>
+            <p:ph type="sldNum" idx="12"/>
           </p:nvPr>
         </p:nvSpPr>
         <p:spPr>
@@ -4560,7 +4722,7 @@
           </a:prstGeom>
         </p:spPr>
         <p:txBody>
-          <a:bodyPr anchorCtr="0" anchor="ctr" bIns="91425" lIns="91425" spcFirstLastPara="1" rIns="91425" wrap="square" tIns="91425">
+          <a:bodyPr spcFirstLastPara="1" wrap="square" lIns="91425" tIns="91425" rIns="91425" bIns="91425" anchor="ctr" anchorCtr="0">
             <a:noAutofit/>
           </a:bodyPr>
           <a:lstStyle>
@@ -4638,7 +4800,7 @@
             </a:lvl9pPr>
           </a:lstStyle>
           <a:p>
-            <a:pPr indent="0" lvl="0" marL="0" rtl="0" algn="r">
+            <a:pPr marL="0" lvl="0" indent="0" algn="r" rtl="0">
               <a:spcBef>
                 <a:spcPts val="0"/>
               </a:spcBef>
@@ -4649,7 +4811,7 @@
             </a:pPr>
             <a:fld id="{00000000-1234-1234-1234-123412341234}" type="slidenum">
               <a:rPr lang="en"/>
-              <a:t>‹#›</a:t>
+              <a:t>‹nº›</a:t>
             </a:fld>
             <a:endParaRPr/>
           </a:p>
@@ -4664,11 +4826,11 @@
 </file>
 
 <file path=ppt/slideLayouts/slideLayout3.xml><?xml version="1.0" encoding="utf-8"?>
-<p:sldLayout xmlns:a="http://schemas.openxmlformats.org/drawingml/2006/main" xmlns:r="http://schemas.openxmlformats.org/officeDocument/2006/relationships" xmlns:mc="http://schemas.openxmlformats.org/markup-compatibility/2006" xmlns:mv="urn:schemas-microsoft-com:mac:vml" xmlns:p="http://schemas.openxmlformats.org/presentationml/2006/main" xmlns:c="http://schemas.openxmlformats.org/drawingml/2006/chart" xmlns:dgm="http://schemas.openxmlformats.org/drawingml/2006/diagram" xmlns:o="urn:schemas-microsoft-com:office:office" xmlns:v="urn:schemas-microsoft-com:vml" xmlns:pvml="urn:schemas-microsoft-com:office:powerpoint" xmlns:com="http://schemas.openxmlformats.org/drawingml/2006/compatibility" xmlns:p14="http://schemas.microsoft.com/office/powerpoint/2010/main" xmlns:p15="http://schemas.microsoft.com/office/powerpoint/2012/main" matchingName="Title and body" type="tx">
+<p:sldLayout xmlns:a="http://schemas.openxmlformats.org/drawingml/2006/main" xmlns:r="http://schemas.openxmlformats.org/officeDocument/2006/relationships" xmlns:p="http://schemas.openxmlformats.org/presentationml/2006/main" matchingName="Title and body" type="tx">
   <p:cSld name="TITLE_AND_BODY">
     <p:spTree>
       <p:nvGrpSpPr>
-        <p:cNvPr id="23" name="Shape 23"/>
+        <p:cNvPr id="1" name="Shape 23"/>
         <p:cNvGrpSpPr/>
         <p:nvPr/>
       </p:nvGrpSpPr>
@@ -4702,12 +4864,12 @@
           </a:ln>
         </p:spPr>
         <p:txBody>
-          <a:bodyPr anchorCtr="0" anchor="ctr" bIns="91425" lIns="91425" spcFirstLastPara="1" rIns="91425" wrap="square" tIns="91425">
+          <a:bodyPr spcFirstLastPara="1" wrap="square" lIns="91425" tIns="91425" rIns="91425" bIns="91425" anchor="ctr" anchorCtr="0">
             <a:noAutofit/>
           </a:bodyPr>
           <a:lstStyle/>
           <a:p>
-            <a:pPr indent="0" lvl="0" marL="0" rtl="0" algn="l">
+            <a:pPr marL="0" lvl="0" indent="0" algn="l" rtl="0">
               <a:spcBef>
                 <a:spcPts val="0"/>
               </a:spcBef>
@@ -4716,9 +4878,6 @@
               </a:spcAft>
               <a:buNone/>
             </a:pPr>
-            <a:r>
-              <a:t/>
-            </a:r>
             <a:endParaRPr/>
           </a:p>
         </p:txBody>
@@ -4759,12 +4918,12 @@
             </a:ln>
           </p:spPr>
           <p:txBody>
-            <a:bodyPr anchorCtr="0" anchor="ctr" bIns="91425" lIns="91425" spcFirstLastPara="1" rIns="91425" wrap="square" tIns="91425">
+            <a:bodyPr spcFirstLastPara="1" wrap="square" lIns="91425" tIns="91425" rIns="91425" bIns="91425" anchor="ctr" anchorCtr="0">
               <a:noAutofit/>
             </a:bodyPr>
             <a:lstStyle/>
             <a:p>
-              <a:pPr indent="0" lvl="0" marL="0" rtl="0" algn="l">
+              <a:pPr marL="0" lvl="0" indent="0" algn="l" rtl="0">
                 <a:spcBef>
                   <a:spcPts val="0"/>
                 </a:spcBef>
@@ -4773,9 +4932,6 @@
                 </a:spcAft>
                 <a:buNone/>
               </a:pPr>
-              <a:r>
-                <a:t/>
-              </a:r>
               <a:endParaRPr/>
             </a:p>
           </p:txBody>
@@ -4802,12 +4958,12 @@
             </a:ln>
           </p:spPr>
           <p:txBody>
-            <a:bodyPr anchorCtr="0" anchor="ctr" bIns="91425" lIns="91425" spcFirstLastPara="1" rIns="91425" wrap="square" tIns="91425">
+            <a:bodyPr spcFirstLastPara="1" wrap="square" lIns="91425" tIns="91425" rIns="91425" bIns="91425" anchor="ctr" anchorCtr="0">
               <a:noAutofit/>
             </a:bodyPr>
             <a:lstStyle/>
             <a:p>
-              <a:pPr indent="0" lvl="0" marL="0" rtl="0" algn="l">
+              <a:pPr marL="0" lvl="0" indent="0" algn="l" rtl="0">
                 <a:spcBef>
                   <a:spcPts val="0"/>
                 </a:spcBef>
@@ -4816,9 +4972,6 @@
                 </a:spcAft>
                 <a:buNone/>
               </a:pPr>
-              <a:r>
-                <a:t/>
-              </a:r>
               <a:endParaRPr/>
             </a:p>
           </p:txBody>
@@ -4827,7 +4980,9 @@
       <p:sp>
         <p:nvSpPr>
           <p:cNvPr id="28" name="Google Shape;28;p4"/>
-          <p:cNvSpPr txBox="1"/>
+          <p:cNvSpPr txBox="1">
+            <a:spLocks noGrp="1"/>
+          </p:cNvSpPr>
           <p:nvPr>
             <p:ph type="title"/>
           </p:nvPr>
@@ -4842,7 +4997,7 @@
           </a:prstGeom>
         </p:spPr>
         <p:txBody>
-          <a:bodyPr anchorCtr="0" anchor="t" bIns="91425" lIns="91425" spcFirstLastPara="1" rIns="91425" wrap="square" tIns="91425">
+          <a:bodyPr spcFirstLastPara="1" wrap="square" lIns="91425" tIns="91425" rIns="91425" bIns="91425" anchor="t" anchorCtr="0">
             <a:noAutofit/>
           </a:bodyPr>
           <a:lstStyle>
@@ -5009,15 +5164,19 @@
               </a:defRPr>
             </a:lvl9pPr>
           </a:lstStyle>
-          <a:p/>
+          <a:p>
+            <a:endParaRPr/>
+          </a:p>
         </p:txBody>
       </p:sp>
       <p:sp>
         <p:nvSpPr>
           <p:cNvPr id="29" name="Google Shape;29;p4"/>
-          <p:cNvSpPr txBox="1"/>
+          <p:cNvSpPr txBox="1">
+            <a:spLocks noGrp="1"/>
+          </p:cNvSpPr>
           <p:nvPr>
-            <p:ph idx="1" type="body"/>
+            <p:ph type="body" idx="1"/>
           </p:nvPr>
         </p:nvSpPr>
         <p:spPr>
@@ -5030,11 +5189,11 @@
           </a:prstGeom>
         </p:spPr>
         <p:txBody>
-          <a:bodyPr anchorCtr="0" anchor="t" bIns="91425" lIns="91425" spcFirstLastPara="1" rIns="91425" wrap="square" tIns="91425">
+          <a:bodyPr spcFirstLastPara="1" wrap="square" lIns="91425" tIns="91425" rIns="91425" bIns="91425" anchor="t" anchorCtr="0">
             <a:noAutofit/>
           </a:bodyPr>
           <a:lstStyle>
-            <a:lvl1pPr indent="-311150" lvl="0" marL="457200">
+            <a:lvl1pPr marL="457200" lvl="0" indent="-311150">
               <a:spcBef>
                 <a:spcPts val="0"/>
               </a:spcBef>
@@ -5045,7 +5204,7 @@
               <a:buChar char="●"/>
               <a:defRPr/>
             </a:lvl1pPr>
-            <a:lvl2pPr indent="-298450" lvl="1" marL="914400">
+            <a:lvl2pPr marL="914400" lvl="1" indent="-298450">
               <a:spcBef>
                 <a:spcPts val="1600"/>
               </a:spcBef>
@@ -5056,7 +5215,7 @@
               <a:buChar char="○"/>
               <a:defRPr/>
             </a:lvl2pPr>
-            <a:lvl3pPr indent="-298450" lvl="2" marL="1371600">
+            <a:lvl3pPr marL="1371600" lvl="2" indent="-298450">
               <a:spcBef>
                 <a:spcPts val="1600"/>
               </a:spcBef>
@@ -5067,7 +5226,7 @@
               <a:buChar char="■"/>
               <a:defRPr/>
             </a:lvl3pPr>
-            <a:lvl4pPr indent="-298450" lvl="3" marL="1828800">
+            <a:lvl4pPr marL="1828800" lvl="3" indent="-298450">
               <a:spcBef>
                 <a:spcPts val="1600"/>
               </a:spcBef>
@@ -5078,7 +5237,7 @@
               <a:buChar char="●"/>
               <a:defRPr/>
             </a:lvl4pPr>
-            <a:lvl5pPr indent="-298450" lvl="4" marL="2286000">
+            <a:lvl5pPr marL="2286000" lvl="4" indent="-298450">
               <a:spcBef>
                 <a:spcPts val="1600"/>
               </a:spcBef>
@@ -5089,7 +5248,7 @@
               <a:buChar char="○"/>
               <a:defRPr/>
             </a:lvl5pPr>
-            <a:lvl6pPr indent="-298450" lvl="5" marL="2743200">
+            <a:lvl6pPr marL="2743200" lvl="5" indent="-298450">
               <a:spcBef>
                 <a:spcPts val="1600"/>
               </a:spcBef>
@@ -5100,7 +5259,7 @@
               <a:buChar char="■"/>
               <a:defRPr/>
             </a:lvl6pPr>
-            <a:lvl7pPr indent="-298450" lvl="6" marL="3200400">
+            <a:lvl7pPr marL="3200400" lvl="6" indent="-298450">
               <a:spcBef>
                 <a:spcPts val="1600"/>
               </a:spcBef>
@@ -5111,7 +5270,7 @@
               <a:buChar char="●"/>
               <a:defRPr/>
             </a:lvl7pPr>
-            <a:lvl8pPr indent="-298450" lvl="7" marL="3657600">
+            <a:lvl8pPr marL="3657600" lvl="7" indent="-298450">
               <a:spcBef>
                 <a:spcPts val="1600"/>
               </a:spcBef>
@@ -5122,7 +5281,7 @@
               <a:buChar char="○"/>
               <a:defRPr/>
             </a:lvl8pPr>
-            <a:lvl9pPr indent="-298450" lvl="8" marL="4114800">
+            <a:lvl9pPr marL="4114800" lvl="8" indent="-298450">
               <a:spcBef>
                 <a:spcPts val="1600"/>
               </a:spcBef>
@@ -5134,15 +5293,19 @@
               <a:defRPr/>
             </a:lvl9pPr>
           </a:lstStyle>
-          <a:p/>
+          <a:p>
+            <a:endParaRPr/>
+          </a:p>
         </p:txBody>
       </p:sp>
       <p:sp>
         <p:nvSpPr>
           <p:cNvPr id="30" name="Google Shape;30;p4"/>
-          <p:cNvSpPr txBox="1"/>
+          <p:cNvSpPr txBox="1">
+            <a:spLocks noGrp="1"/>
+          </p:cNvSpPr>
           <p:nvPr>
-            <p:ph idx="12" type="sldNum"/>
+            <p:ph type="sldNum" idx="12"/>
           </p:nvPr>
         </p:nvSpPr>
         <p:spPr>
@@ -5155,7 +5318,7 @@
           </a:prstGeom>
         </p:spPr>
         <p:txBody>
-          <a:bodyPr anchorCtr="0" anchor="ctr" bIns="91425" lIns="91425" spcFirstLastPara="1" rIns="91425" wrap="square" tIns="91425">
+          <a:bodyPr spcFirstLastPara="1" wrap="square" lIns="91425" tIns="91425" rIns="91425" bIns="91425" anchor="ctr" anchorCtr="0">
             <a:noAutofit/>
           </a:bodyPr>
           <a:lstStyle>
@@ -5197,7 +5360,7 @@
             </a:lvl9pPr>
           </a:lstStyle>
           <a:p>
-            <a:pPr indent="0" lvl="0" marL="0" rtl="0" algn="r">
+            <a:pPr marL="0" lvl="0" indent="0" algn="r" rtl="0">
               <a:spcBef>
                 <a:spcPts val="0"/>
               </a:spcBef>
@@ -5208,7 +5371,7 @@
             </a:pPr>
             <a:fld id="{00000000-1234-1234-1234-123412341234}" type="slidenum">
               <a:rPr lang="en"/>
-              <a:t>‹#›</a:t>
+              <a:t>‹nº›</a:t>
             </a:fld>
             <a:endParaRPr/>
           </a:p>
@@ -5223,11 +5386,11 @@
 </file>
 
 <file path=ppt/slideLayouts/slideLayout4.xml><?xml version="1.0" encoding="utf-8"?>
-<p:sldLayout xmlns:a="http://schemas.openxmlformats.org/drawingml/2006/main" xmlns:r="http://schemas.openxmlformats.org/officeDocument/2006/relationships" xmlns:mc="http://schemas.openxmlformats.org/markup-compatibility/2006" xmlns:mv="urn:schemas-microsoft-com:mac:vml" xmlns:p="http://schemas.openxmlformats.org/presentationml/2006/main" xmlns:c="http://schemas.openxmlformats.org/drawingml/2006/chart" xmlns:dgm="http://schemas.openxmlformats.org/drawingml/2006/diagram" xmlns:o="urn:schemas-microsoft-com:office:office" xmlns:v="urn:schemas-microsoft-com:vml" xmlns:pvml="urn:schemas-microsoft-com:office:powerpoint" xmlns:com="http://schemas.openxmlformats.org/drawingml/2006/compatibility" xmlns:p14="http://schemas.microsoft.com/office/powerpoint/2010/main" xmlns:p15="http://schemas.microsoft.com/office/powerpoint/2012/main" matchingName="Title and two columns" type="twoColTx">
+<p:sldLayout xmlns:a="http://schemas.openxmlformats.org/drawingml/2006/main" xmlns:r="http://schemas.openxmlformats.org/officeDocument/2006/relationships" xmlns:p="http://schemas.openxmlformats.org/presentationml/2006/main" matchingName="Title and two columns" type="twoColTx">
   <p:cSld name="TITLE_AND_TWO_COLUMNS">
     <p:spTree>
       <p:nvGrpSpPr>
-        <p:cNvPr id="31" name="Shape 31"/>
+        <p:cNvPr id="1" name="Shape 31"/>
         <p:cNvGrpSpPr/>
         <p:nvPr/>
       </p:nvGrpSpPr>
@@ -5261,12 +5424,12 @@
           </a:ln>
         </p:spPr>
         <p:txBody>
-          <a:bodyPr anchorCtr="0" anchor="ctr" bIns="91425" lIns="91425" spcFirstLastPara="1" rIns="91425" wrap="square" tIns="91425">
+          <a:bodyPr spcFirstLastPara="1" wrap="square" lIns="91425" tIns="91425" rIns="91425" bIns="91425" anchor="ctr" anchorCtr="0">
             <a:noAutofit/>
           </a:bodyPr>
           <a:lstStyle/>
           <a:p>
-            <a:pPr indent="0" lvl="0" marL="0" rtl="0" algn="l">
+            <a:pPr marL="0" lvl="0" indent="0" algn="l" rtl="0">
               <a:spcBef>
                 <a:spcPts val="0"/>
               </a:spcBef>
@@ -5275,9 +5438,6 @@
               </a:spcAft>
               <a:buNone/>
             </a:pPr>
-            <a:r>
-              <a:t/>
-            </a:r>
             <a:endParaRPr/>
           </a:p>
         </p:txBody>
@@ -5318,12 +5478,12 @@
             </a:ln>
           </p:spPr>
           <p:txBody>
-            <a:bodyPr anchorCtr="0" anchor="ctr" bIns="91425" lIns="91425" spcFirstLastPara="1" rIns="91425" wrap="square" tIns="91425">
+            <a:bodyPr spcFirstLastPara="1" wrap="square" lIns="91425" tIns="91425" rIns="91425" bIns="91425" anchor="ctr" anchorCtr="0">
               <a:noAutofit/>
             </a:bodyPr>
             <a:lstStyle/>
             <a:p>
-              <a:pPr indent="0" lvl="0" marL="0" rtl="0" algn="l">
+              <a:pPr marL="0" lvl="0" indent="0" algn="l" rtl="0">
                 <a:spcBef>
                   <a:spcPts val="0"/>
                 </a:spcBef>
@@ -5332,9 +5492,6 @@
                 </a:spcAft>
                 <a:buNone/>
               </a:pPr>
-              <a:r>
-                <a:t/>
-              </a:r>
               <a:endParaRPr/>
             </a:p>
           </p:txBody>
@@ -5361,12 +5518,12 @@
             </a:ln>
           </p:spPr>
           <p:txBody>
-            <a:bodyPr anchorCtr="0" anchor="ctr" bIns="91425" lIns="91425" spcFirstLastPara="1" rIns="91425" wrap="square" tIns="91425">
+            <a:bodyPr spcFirstLastPara="1" wrap="square" lIns="91425" tIns="91425" rIns="91425" bIns="91425" anchor="ctr" anchorCtr="0">
               <a:noAutofit/>
             </a:bodyPr>
             <a:lstStyle/>
             <a:p>
-              <a:pPr indent="0" lvl="0" marL="0" rtl="0" algn="l">
+              <a:pPr marL="0" lvl="0" indent="0" algn="l" rtl="0">
                 <a:spcBef>
                   <a:spcPts val="0"/>
                 </a:spcBef>
@@ -5375,9 +5532,6 @@
                 </a:spcAft>
                 <a:buNone/>
               </a:pPr>
-              <a:r>
-                <a:t/>
-              </a:r>
               <a:endParaRPr/>
             </a:p>
           </p:txBody>
@@ -5386,7 +5540,9 @@
       <p:sp>
         <p:nvSpPr>
           <p:cNvPr id="36" name="Google Shape;36;p5"/>
-          <p:cNvSpPr txBox="1"/>
+          <p:cNvSpPr txBox="1">
+            <a:spLocks noGrp="1"/>
+          </p:cNvSpPr>
           <p:nvPr>
             <p:ph type="title"/>
           </p:nvPr>
@@ -5401,7 +5557,7 @@
           </a:prstGeom>
         </p:spPr>
         <p:txBody>
-          <a:bodyPr anchorCtr="0" anchor="t" bIns="91425" lIns="91425" spcFirstLastPara="1" rIns="91425" wrap="square" tIns="91425">
+          <a:bodyPr spcFirstLastPara="1" wrap="square" lIns="91425" tIns="91425" rIns="91425" bIns="91425" anchor="t" anchorCtr="0">
             <a:noAutofit/>
           </a:bodyPr>
           <a:lstStyle>
@@ -5568,15 +5724,19 @@
               </a:defRPr>
             </a:lvl9pPr>
           </a:lstStyle>
-          <a:p/>
+          <a:p>
+            <a:endParaRPr/>
+          </a:p>
         </p:txBody>
       </p:sp>
       <p:sp>
         <p:nvSpPr>
           <p:cNvPr id="37" name="Google Shape;37;p5"/>
-          <p:cNvSpPr txBox="1"/>
+          <p:cNvSpPr txBox="1">
+            <a:spLocks noGrp="1"/>
+          </p:cNvSpPr>
           <p:nvPr>
-            <p:ph idx="1" type="body"/>
+            <p:ph type="body" idx="1"/>
           </p:nvPr>
         </p:nvSpPr>
         <p:spPr>
@@ -5589,11 +5749,11 @@
           </a:prstGeom>
         </p:spPr>
         <p:txBody>
-          <a:bodyPr anchorCtr="0" anchor="t" bIns="91425" lIns="91425" spcFirstLastPara="1" rIns="91425" wrap="square" tIns="91425">
+          <a:bodyPr spcFirstLastPara="1" wrap="square" lIns="91425" tIns="91425" rIns="91425" bIns="91425" anchor="t" anchorCtr="0">
             <a:noAutofit/>
           </a:bodyPr>
           <a:lstStyle>
-            <a:lvl1pPr indent="-311150" lvl="0" marL="457200">
+            <a:lvl1pPr marL="457200" lvl="0" indent="-311150">
               <a:spcBef>
                 <a:spcPts val="0"/>
               </a:spcBef>
@@ -5604,7 +5764,7 @@
               <a:buChar char="●"/>
               <a:defRPr/>
             </a:lvl1pPr>
-            <a:lvl2pPr indent="-298450" lvl="1" marL="914400">
+            <a:lvl2pPr marL="914400" lvl="1" indent="-298450">
               <a:spcBef>
                 <a:spcPts val="1600"/>
               </a:spcBef>
@@ -5615,7 +5775,7 @@
               <a:buChar char="○"/>
               <a:defRPr/>
             </a:lvl2pPr>
-            <a:lvl3pPr indent="-298450" lvl="2" marL="1371600">
+            <a:lvl3pPr marL="1371600" lvl="2" indent="-298450">
               <a:spcBef>
                 <a:spcPts val="1600"/>
               </a:spcBef>
@@ -5626,7 +5786,7 @@
               <a:buChar char="■"/>
               <a:defRPr/>
             </a:lvl3pPr>
-            <a:lvl4pPr indent="-298450" lvl="3" marL="1828800">
+            <a:lvl4pPr marL="1828800" lvl="3" indent="-298450">
               <a:spcBef>
                 <a:spcPts val="1600"/>
               </a:spcBef>
@@ -5637,7 +5797,7 @@
               <a:buChar char="●"/>
               <a:defRPr/>
             </a:lvl4pPr>
-            <a:lvl5pPr indent="-298450" lvl="4" marL="2286000">
+            <a:lvl5pPr marL="2286000" lvl="4" indent="-298450">
               <a:spcBef>
                 <a:spcPts val="1600"/>
               </a:spcBef>
@@ -5648,7 +5808,7 @@
               <a:buChar char="○"/>
               <a:defRPr/>
             </a:lvl5pPr>
-            <a:lvl6pPr indent="-298450" lvl="5" marL="2743200">
+            <a:lvl6pPr marL="2743200" lvl="5" indent="-298450">
               <a:spcBef>
                 <a:spcPts val="1600"/>
               </a:spcBef>
@@ -5659,7 +5819,7 @@
               <a:buChar char="■"/>
               <a:defRPr/>
             </a:lvl6pPr>
-            <a:lvl7pPr indent="-298450" lvl="6" marL="3200400">
+            <a:lvl7pPr marL="3200400" lvl="6" indent="-298450">
               <a:spcBef>
                 <a:spcPts val="1600"/>
               </a:spcBef>
@@ -5670,7 +5830,7 @@
               <a:buChar char="●"/>
               <a:defRPr/>
             </a:lvl7pPr>
-            <a:lvl8pPr indent="-298450" lvl="7" marL="3657600">
+            <a:lvl8pPr marL="3657600" lvl="7" indent="-298450">
               <a:spcBef>
                 <a:spcPts val="1600"/>
               </a:spcBef>
@@ -5681,7 +5841,7 @@
               <a:buChar char="○"/>
               <a:defRPr/>
             </a:lvl8pPr>
-            <a:lvl9pPr indent="-298450" lvl="8" marL="4114800">
+            <a:lvl9pPr marL="4114800" lvl="8" indent="-298450">
               <a:spcBef>
                 <a:spcPts val="1600"/>
               </a:spcBef>
@@ -5693,15 +5853,19 @@
               <a:defRPr/>
             </a:lvl9pPr>
           </a:lstStyle>
-          <a:p/>
+          <a:p>
+            <a:endParaRPr/>
+          </a:p>
         </p:txBody>
       </p:sp>
       <p:sp>
         <p:nvSpPr>
           <p:cNvPr id="38" name="Google Shape;38;p5"/>
-          <p:cNvSpPr txBox="1"/>
+          <p:cNvSpPr txBox="1">
+            <a:spLocks noGrp="1"/>
+          </p:cNvSpPr>
           <p:nvPr>
-            <p:ph idx="2" type="body"/>
+            <p:ph type="body" idx="2"/>
           </p:nvPr>
         </p:nvSpPr>
         <p:spPr>
@@ -5714,11 +5878,11 @@
           </a:prstGeom>
         </p:spPr>
         <p:txBody>
-          <a:bodyPr anchorCtr="0" anchor="t" bIns="91425" lIns="91425" spcFirstLastPara="1" rIns="91425" wrap="square" tIns="91425">
+          <a:bodyPr spcFirstLastPara="1" wrap="square" lIns="91425" tIns="91425" rIns="91425" bIns="91425" anchor="t" anchorCtr="0">
             <a:noAutofit/>
           </a:bodyPr>
           <a:lstStyle>
-            <a:lvl1pPr indent="-311150" lvl="0" marL="457200">
+            <a:lvl1pPr marL="457200" lvl="0" indent="-311150">
               <a:spcBef>
                 <a:spcPts val="0"/>
               </a:spcBef>
@@ -5729,7 +5893,7 @@
               <a:buChar char="●"/>
               <a:defRPr/>
             </a:lvl1pPr>
-            <a:lvl2pPr indent="-298450" lvl="1" marL="914400">
+            <a:lvl2pPr marL="914400" lvl="1" indent="-298450">
               <a:spcBef>
                 <a:spcPts val="1600"/>
               </a:spcBef>
@@ -5740,7 +5904,7 @@
               <a:buChar char="○"/>
               <a:defRPr/>
             </a:lvl2pPr>
-            <a:lvl3pPr indent="-298450" lvl="2" marL="1371600">
+            <a:lvl3pPr marL="1371600" lvl="2" indent="-298450">
               <a:spcBef>
                 <a:spcPts val="1600"/>
               </a:spcBef>
@@ -5751,7 +5915,7 @@
               <a:buChar char="■"/>
               <a:defRPr/>
             </a:lvl3pPr>
-            <a:lvl4pPr indent="-298450" lvl="3" marL="1828800">
+            <a:lvl4pPr marL="1828800" lvl="3" indent="-298450">
               <a:spcBef>
                 <a:spcPts val="1600"/>
               </a:spcBef>
@@ -5762,7 +5926,7 @@
               <a:buChar char="●"/>
               <a:defRPr/>
             </a:lvl4pPr>
-            <a:lvl5pPr indent="-298450" lvl="4" marL="2286000">
+            <a:lvl5pPr marL="2286000" lvl="4" indent="-298450">
               <a:spcBef>
                 <a:spcPts val="1600"/>
               </a:spcBef>
@@ -5773,7 +5937,7 @@
               <a:buChar char="○"/>
               <a:defRPr/>
             </a:lvl5pPr>
-            <a:lvl6pPr indent="-298450" lvl="5" marL="2743200">
+            <a:lvl6pPr marL="2743200" lvl="5" indent="-298450">
               <a:spcBef>
                 <a:spcPts val="1600"/>
               </a:spcBef>
@@ -5784,7 +5948,7 @@
               <a:buChar char="■"/>
               <a:defRPr/>
             </a:lvl6pPr>
-            <a:lvl7pPr indent="-298450" lvl="6" marL="3200400">
+            <a:lvl7pPr marL="3200400" lvl="6" indent="-298450">
               <a:spcBef>
                 <a:spcPts val="1600"/>
               </a:spcBef>
@@ -5795,7 +5959,7 @@
               <a:buChar char="●"/>
               <a:defRPr/>
             </a:lvl7pPr>
-            <a:lvl8pPr indent="-298450" lvl="7" marL="3657600">
+            <a:lvl8pPr marL="3657600" lvl="7" indent="-298450">
               <a:spcBef>
                 <a:spcPts val="1600"/>
               </a:spcBef>
@@ -5806,7 +5970,7 @@
               <a:buChar char="○"/>
               <a:defRPr/>
             </a:lvl8pPr>
-            <a:lvl9pPr indent="-298450" lvl="8" marL="4114800">
+            <a:lvl9pPr marL="4114800" lvl="8" indent="-298450">
               <a:spcBef>
                 <a:spcPts val="1600"/>
               </a:spcBef>
@@ -5818,15 +5982,19 @@
               <a:defRPr/>
             </a:lvl9pPr>
           </a:lstStyle>
-          <a:p/>
+          <a:p>
+            <a:endParaRPr/>
+          </a:p>
         </p:txBody>
       </p:sp>
       <p:sp>
         <p:nvSpPr>
           <p:cNvPr id="39" name="Google Shape;39;p5"/>
-          <p:cNvSpPr txBox="1"/>
+          <p:cNvSpPr txBox="1">
+            <a:spLocks noGrp="1"/>
+          </p:cNvSpPr>
           <p:nvPr>
-            <p:ph idx="12" type="sldNum"/>
+            <p:ph type="sldNum" idx="12"/>
           </p:nvPr>
         </p:nvSpPr>
         <p:spPr>
@@ -5839,7 +6007,7 @@
           </a:prstGeom>
         </p:spPr>
         <p:txBody>
-          <a:bodyPr anchorCtr="0" anchor="ctr" bIns="91425" lIns="91425" spcFirstLastPara="1" rIns="91425" wrap="square" tIns="91425">
+          <a:bodyPr spcFirstLastPara="1" wrap="square" lIns="91425" tIns="91425" rIns="91425" bIns="91425" anchor="ctr" anchorCtr="0">
             <a:noAutofit/>
           </a:bodyPr>
           <a:lstStyle>
@@ -5881,7 +6049,7 @@
             </a:lvl9pPr>
           </a:lstStyle>
           <a:p>
-            <a:pPr indent="0" lvl="0" marL="0" rtl="0" algn="r">
+            <a:pPr marL="0" lvl="0" indent="0" algn="r" rtl="0">
               <a:spcBef>
                 <a:spcPts val="0"/>
               </a:spcBef>
@@ -5892,7 +6060,7 @@
             </a:pPr>
             <a:fld id="{00000000-1234-1234-1234-123412341234}" type="slidenum">
               <a:rPr lang="en"/>
-              <a:t>‹#›</a:t>
+              <a:t>‹nº›</a:t>
             </a:fld>
             <a:endParaRPr/>
           </a:p>
@@ -5907,11 +6075,11 @@
 </file>
 
 <file path=ppt/slideLayouts/slideLayout5.xml><?xml version="1.0" encoding="utf-8"?>
-<p:sldLayout xmlns:a="http://schemas.openxmlformats.org/drawingml/2006/main" xmlns:r="http://schemas.openxmlformats.org/officeDocument/2006/relationships" xmlns:mc="http://schemas.openxmlformats.org/markup-compatibility/2006" xmlns:mv="urn:schemas-microsoft-com:mac:vml" xmlns:p="http://schemas.openxmlformats.org/presentationml/2006/main" xmlns:c="http://schemas.openxmlformats.org/drawingml/2006/chart" xmlns:dgm="http://schemas.openxmlformats.org/drawingml/2006/diagram" xmlns:o="urn:schemas-microsoft-com:office:office" xmlns:v="urn:schemas-microsoft-com:vml" xmlns:pvml="urn:schemas-microsoft-com:office:powerpoint" xmlns:com="http://schemas.openxmlformats.org/drawingml/2006/compatibility" xmlns:p14="http://schemas.microsoft.com/office/powerpoint/2010/main" xmlns:p15="http://schemas.microsoft.com/office/powerpoint/2012/main" matchingName="Title only" type="titleOnly">
+<p:sldLayout xmlns:a="http://schemas.openxmlformats.org/drawingml/2006/main" xmlns:r="http://schemas.openxmlformats.org/officeDocument/2006/relationships" xmlns:p="http://schemas.openxmlformats.org/presentationml/2006/main" matchingName="Title only" type="titleOnly">
   <p:cSld name="TITLE_ONLY">
     <p:spTree>
       <p:nvGrpSpPr>
-        <p:cNvPr id="40" name="Shape 40"/>
+        <p:cNvPr id="1" name="Shape 40"/>
         <p:cNvGrpSpPr/>
         <p:nvPr/>
       </p:nvGrpSpPr>
@@ -5945,12 +6113,12 @@
           </a:ln>
         </p:spPr>
         <p:txBody>
-          <a:bodyPr anchorCtr="0" anchor="ctr" bIns="91425" lIns="91425" spcFirstLastPara="1" rIns="91425" wrap="square" tIns="91425">
+          <a:bodyPr spcFirstLastPara="1" wrap="square" lIns="91425" tIns="91425" rIns="91425" bIns="91425" anchor="ctr" anchorCtr="0">
             <a:noAutofit/>
           </a:bodyPr>
           <a:lstStyle/>
           <a:p>
-            <a:pPr indent="0" lvl="0" marL="0" rtl="0" algn="l">
+            <a:pPr marL="0" lvl="0" indent="0" algn="l" rtl="0">
               <a:spcBef>
                 <a:spcPts val="0"/>
               </a:spcBef>
@@ -5959,9 +6127,6 @@
               </a:spcAft>
               <a:buNone/>
             </a:pPr>
-            <a:r>
-              <a:t/>
-            </a:r>
             <a:endParaRPr/>
           </a:p>
         </p:txBody>
@@ -6002,12 +6167,12 @@
             </a:ln>
           </p:spPr>
           <p:txBody>
-            <a:bodyPr anchorCtr="0" anchor="ctr" bIns="91425" lIns="91425" spcFirstLastPara="1" rIns="91425" wrap="square" tIns="91425">
+            <a:bodyPr spcFirstLastPara="1" wrap="square" lIns="91425" tIns="91425" rIns="91425" bIns="91425" anchor="ctr" anchorCtr="0">
               <a:noAutofit/>
             </a:bodyPr>
             <a:lstStyle/>
             <a:p>
-              <a:pPr indent="0" lvl="0" marL="0" rtl="0" algn="l">
+              <a:pPr marL="0" lvl="0" indent="0" algn="l" rtl="0">
                 <a:spcBef>
                   <a:spcPts val="0"/>
                 </a:spcBef>
@@ -6016,9 +6181,6 @@
                 </a:spcAft>
                 <a:buNone/>
               </a:pPr>
-              <a:r>
-                <a:t/>
-              </a:r>
               <a:endParaRPr/>
             </a:p>
           </p:txBody>
@@ -6045,12 +6207,12 @@
             </a:ln>
           </p:spPr>
           <p:txBody>
-            <a:bodyPr anchorCtr="0" anchor="ctr" bIns="91425" lIns="91425" spcFirstLastPara="1" rIns="91425" wrap="square" tIns="91425">
+            <a:bodyPr spcFirstLastPara="1" wrap="square" lIns="91425" tIns="91425" rIns="91425" bIns="91425" anchor="ctr" anchorCtr="0">
               <a:noAutofit/>
             </a:bodyPr>
             <a:lstStyle/>
             <a:p>
-              <a:pPr indent="0" lvl="0" marL="0" rtl="0" algn="l">
+              <a:pPr marL="0" lvl="0" indent="0" algn="l" rtl="0">
                 <a:spcBef>
                   <a:spcPts val="0"/>
                 </a:spcBef>
@@ -6059,9 +6221,6 @@
                 </a:spcAft>
                 <a:buNone/>
               </a:pPr>
-              <a:r>
-                <a:t/>
-              </a:r>
               <a:endParaRPr/>
             </a:p>
           </p:txBody>
@@ -6070,7 +6229,9 @@
       <p:sp>
         <p:nvSpPr>
           <p:cNvPr id="45" name="Google Shape;45;p6"/>
-          <p:cNvSpPr txBox="1"/>
+          <p:cNvSpPr txBox="1">
+            <a:spLocks noGrp="1"/>
+          </p:cNvSpPr>
           <p:nvPr>
             <p:ph type="title"/>
           </p:nvPr>
@@ -6085,7 +6246,7 @@
           </a:prstGeom>
         </p:spPr>
         <p:txBody>
-          <a:bodyPr anchorCtr="0" anchor="t" bIns="91425" lIns="91425" spcFirstLastPara="1" rIns="91425" wrap="square" tIns="91425">
+          <a:bodyPr spcFirstLastPara="1" wrap="square" lIns="91425" tIns="91425" rIns="91425" bIns="91425" anchor="t" anchorCtr="0">
             <a:noAutofit/>
           </a:bodyPr>
           <a:lstStyle>
@@ -6252,15 +6413,19 @@
               </a:defRPr>
             </a:lvl9pPr>
           </a:lstStyle>
-          <a:p/>
+          <a:p>
+            <a:endParaRPr/>
+          </a:p>
         </p:txBody>
       </p:sp>
       <p:sp>
         <p:nvSpPr>
           <p:cNvPr id="46" name="Google Shape;46;p6"/>
-          <p:cNvSpPr txBox="1"/>
+          <p:cNvSpPr txBox="1">
+            <a:spLocks noGrp="1"/>
+          </p:cNvSpPr>
           <p:nvPr>
-            <p:ph idx="12" type="sldNum"/>
+            <p:ph type="sldNum" idx="12"/>
           </p:nvPr>
         </p:nvSpPr>
         <p:spPr>
@@ -6273,7 +6438,7 @@
           </a:prstGeom>
         </p:spPr>
         <p:txBody>
-          <a:bodyPr anchorCtr="0" anchor="ctr" bIns="91425" lIns="91425" spcFirstLastPara="1" rIns="91425" wrap="square" tIns="91425">
+          <a:bodyPr spcFirstLastPara="1" wrap="square" lIns="91425" tIns="91425" rIns="91425" bIns="91425" anchor="ctr" anchorCtr="0">
             <a:noAutofit/>
           </a:bodyPr>
           <a:lstStyle>
@@ -6315,7 +6480,7 @@
             </a:lvl9pPr>
           </a:lstStyle>
           <a:p>
-            <a:pPr indent="0" lvl="0" marL="0" rtl="0" algn="r">
+            <a:pPr marL="0" lvl="0" indent="0" algn="r" rtl="0">
               <a:spcBef>
                 <a:spcPts val="0"/>
               </a:spcBef>
@@ -6326,7 +6491,7 @@
             </a:pPr>
             <a:fld id="{00000000-1234-1234-1234-123412341234}" type="slidenum">
               <a:rPr lang="en"/>
-              <a:t>‹#›</a:t>
+              <a:t>‹nº›</a:t>
             </a:fld>
             <a:endParaRPr/>
           </a:p>
@@ -6341,11 +6506,11 @@
 </file>
 
 <file path=ppt/slideLayouts/slideLayout6.xml><?xml version="1.0" encoding="utf-8"?>
-<p:sldLayout xmlns:a="http://schemas.openxmlformats.org/drawingml/2006/main" xmlns:r="http://schemas.openxmlformats.org/officeDocument/2006/relationships" xmlns:mc="http://schemas.openxmlformats.org/markup-compatibility/2006" xmlns:mv="urn:schemas-microsoft-com:mac:vml" xmlns:p="http://schemas.openxmlformats.org/presentationml/2006/main" xmlns:c="http://schemas.openxmlformats.org/drawingml/2006/chart" xmlns:dgm="http://schemas.openxmlformats.org/drawingml/2006/diagram" xmlns:o="urn:schemas-microsoft-com:office:office" xmlns:v="urn:schemas-microsoft-com:vml" xmlns:pvml="urn:schemas-microsoft-com:office:powerpoint" xmlns:com="http://schemas.openxmlformats.org/drawingml/2006/compatibility" xmlns:p14="http://schemas.microsoft.com/office/powerpoint/2010/main" xmlns:p15="http://schemas.microsoft.com/office/powerpoint/2012/main" matchingName="One column text">
+<p:sldLayout xmlns:a="http://schemas.openxmlformats.org/drawingml/2006/main" xmlns:r="http://schemas.openxmlformats.org/officeDocument/2006/relationships" xmlns:p="http://schemas.openxmlformats.org/presentationml/2006/main" matchingName="One column text">
   <p:cSld name="ONE_COLUMN_TEXT">
     <p:spTree>
       <p:nvGrpSpPr>
-        <p:cNvPr id="47" name="Shape 47"/>
+        <p:cNvPr id="1" name="Shape 47"/>
         <p:cNvGrpSpPr/>
         <p:nvPr/>
       </p:nvGrpSpPr>
@@ -6379,12 +6544,12 @@
           </a:ln>
         </p:spPr>
         <p:txBody>
-          <a:bodyPr anchorCtr="0" anchor="ctr" bIns="91425" lIns="91425" spcFirstLastPara="1" rIns="91425" wrap="square" tIns="91425">
+          <a:bodyPr spcFirstLastPara="1" wrap="square" lIns="91425" tIns="91425" rIns="91425" bIns="91425" anchor="ctr" anchorCtr="0">
             <a:noAutofit/>
           </a:bodyPr>
           <a:lstStyle/>
           <a:p>
-            <a:pPr indent="0" lvl="0" marL="0" rtl="0" algn="l">
+            <a:pPr marL="0" lvl="0" indent="0" algn="l" rtl="0">
               <a:spcBef>
                 <a:spcPts val="0"/>
               </a:spcBef>
@@ -6393,9 +6558,6 @@
               </a:spcAft>
               <a:buNone/>
             </a:pPr>
-            <a:r>
-              <a:t/>
-            </a:r>
             <a:endParaRPr/>
           </a:p>
         </p:txBody>
@@ -6436,12 +6598,12 @@
             </a:ln>
           </p:spPr>
           <p:txBody>
-            <a:bodyPr anchorCtr="0" anchor="ctr" bIns="91425" lIns="91425" spcFirstLastPara="1" rIns="91425" wrap="square" tIns="91425">
+            <a:bodyPr spcFirstLastPara="1" wrap="square" lIns="91425" tIns="91425" rIns="91425" bIns="91425" anchor="ctr" anchorCtr="0">
               <a:noAutofit/>
             </a:bodyPr>
             <a:lstStyle/>
             <a:p>
-              <a:pPr indent="0" lvl="0" marL="0" rtl="0" algn="l">
+              <a:pPr marL="0" lvl="0" indent="0" algn="l" rtl="0">
                 <a:spcBef>
                   <a:spcPts val="0"/>
                 </a:spcBef>
@@ -6450,9 +6612,6 @@
                 </a:spcAft>
                 <a:buNone/>
               </a:pPr>
-              <a:r>
-                <a:t/>
-              </a:r>
               <a:endParaRPr/>
             </a:p>
           </p:txBody>
@@ -6479,12 +6638,12 @@
             </a:ln>
           </p:spPr>
           <p:txBody>
-            <a:bodyPr anchorCtr="0" anchor="ctr" bIns="91425" lIns="91425" spcFirstLastPara="1" rIns="91425" wrap="square" tIns="91425">
+            <a:bodyPr spcFirstLastPara="1" wrap="square" lIns="91425" tIns="91425" rIns="91425" bIns="91425" anchor="ctr" anchorCtr="0">
               <a:noAutofit/>
             </a:bodyPr>
             <a:lstStyle/>
             <a:p>
-              <a:pPr indent="0" lvl="0" marL="0" rtl="0" algn="l">
+              <a:pPr marL="0" lvl="0" indent="0" algn="l" rtl="0">
                 <a:spcBef>
                   <a:spcPts val="0"/>
                 </a:spcBef>
@@ -6493,9 +6652,6 @@
                 </a:spcAft>
                 <a:buNone/>
               </a:pPr>
-              <a:r>
-                <a:t/>
-              </a:r>
               <a:endParaRPr/>
             </a:p>
           </p:txBody>
@@ -6504,7 +6660,9 @@
       <p:sp>
         <p:nvSpPr>
           <p:cNvPr id="52" name="Google Shape;52;p7"/>
-          <p:cNvSpPr txBox="1"/>
+          <p:cNvSpPr txBox="1">
+            <a:spLocks noGrp="1"/>
+          </p:cNvSpPr>
           <p:nvPr>
             <p:ph type="title"/>
           </p:nvPr>
@@ -6519,7 +6677,7 @@
           </a:prstGeom>
         </p:spPr>
         <p:txBody>
-          <a:bodyPr anchorCtr="0" anchor="t" bIns="91425" lIns="91425" spcFirstLastPara="1" rIns="91425" wrap="square" tIns="91425">
+          <a:bodyPr spcFirstLastPara="1" wrap="square" lIns="91425" tIns="91425" rIns="91425" bIns="91425" anchor="t" anchorCtr="0">
             <a:noAutofit/>
           </a:bodyPr>
           <a:lstStyle>
@@ -6686,15 +6844,19 @@
               </a:defRPr>
             </a:lvl9pPr>
           </a:lstStyle>
-          <a:p/>
+          <a:p>
+            <a:endParaRPr/>
+          </a:p>
         </p:txBody>
       </p:sp>
       <p:sp>
         <p:nvSpPr>
           <p:cNvPr id="53" name="Google Shape;53;p7"/>
-          <p:cNvSpPr txBox="1"/>
+          <p:cNvSpPr txBox="1">
+            <a:spLocks noGrp="1"/>
+          </p:cNvSpPr>
           <p:nvPr>
-            <p:ph idx="1" type="body"/>
+            <p:ph type="body" idx="1"/>
           </p:nvPr>
         </p:nvSpPr>
         <p:spPr>
@@ -6707,11 +6869,11 @@
           </a:prstGeom>
         </p:spPr>
         <p:txBody>
-          <a:bodyPr anchorCtr="0" anchor="t" bIns="91425" lIns="91425" spcFirstLastPara="1" rIns="91425" wrap="square" tIns="91425">
+          <a:bodyPr spcFirstLastPara="1" wrap="square" lIns="91425" tIns="91425" rIns="91425" bIns="91425" anchor="t" anchorCtr="0">
             <a:noAutofit/>
           </a:bodyPr>
           <a:lstStyle>
-            <a:lvl1pPr indent="-311150" lvl="0" marL="457200">
+            <a:lvl1pPr marL="457200" lvl="0" indent="-311150">
               <a:spcBef>
                 <a:spcPts val="0"/>
               </a:spcBef>
@@ -6722,7 +6884,7 @@
               <a:buChar char="●"/>
               <a:defRPr/>
             </a:lvl1pPr>
-            <a:lvl2pPr indent="-298450" lvl="1" marL="914400">
+            <a:lvl2pPr marL="914400" lvl="1" indent="-298450">
               <a:spcBef>
                 <a:spcPts val="1600"/>
               </a:spcBef>
@@ -6733,7 +6895,7 @@
               <a:buChar char="○"/>
               <a:defRPr/>
             </a:lvl2pPr>
-            <a:lvl3pPr indent="-298450" lvl="2" marL="1371600">
+            <a:lvl3pPr marL="1371600" lvl="2" indent="-298450">
               <a:spcBef>
                 <a:spcPts val="1600"/>
               </a:spcBef>
@@ -6744,7 +6906,7 @@
               <a:buChar char="■"/>
               <a:defRPr/>
             </a:lvl3pPr>
-            <a:lvl4pPr indent="-298450" lvl="3" marL="1828800">
+            <a:lvl4pPr marL="1828800" lvl="3" indent="-298450">
               <a:spcBef>
                 <a:spcPts val="1600"/>
               </a:spcBef>
@@ -6755,7 +6917,7 @@
               <a:buChar char="●"/>
               <a:defRPr/>
             </a:lvl4pPr>
-            <a:lvl5pPr indent="-298450" lvl="4" marL="2286000">
+            <a:lvl5pPr marL="2286000" lvl="4" indent="-298450">
               <a:spcBef>
                 <a:spcPts val="1600"/>
               </a:spcBef>
@@ -6766,7 +6928,7 @@
               <a:buChar char="○"/>
               <a:defRPr/>
             </a:lvl5pPr>
-            <a:lvl6pPr indent="-298450" lvl="5" marL="2743200">
+            <a:lvl6pPr marL="2743200" lvl="5" indent="-298450">
               <a:spcBef>
                 <a:spcPts val="1600"/>
               </a:spcBef>
@@ -6777,7 +6939,7 @@
               <a:buChar char="■"/>
               <a:defRPr/>
             </a:lvl6pPr>
-            <a:lvl7pPr indent="-298450" lvl="6" marL="3200400">
+            <a:lvl7pPr marL="3200400" lvl="6" indent="-298450">
               <a:spcBef>
                 <a:spcPts val="1600"/>
               </a:spcBef>
@@ -6788,7 +6950,7 @@
               <a:buChar char="●"/>
               <a:defRPr/>
             </a:lvl7pPr>
-            <a:lvl8pPr indent="-298450" lvl="7" marL="3657600">
+            <a:lvl8pPr marL="3657600" lvl="7" indent="-298450">
               <a:spcBef>
                 <a:spcPts val="1600"/>
               </a:spcBef>
@@ -6799,7 +6961,7 @@
               <a:buChar char="○"/>
               <a:defRPr/>
             </a:lvl8pPr>
-            <a:lvl9pPr indent="-298450" lvl="8" marL="4114800">
+            <a:lvl9pPr marL="4114800" lvl="8" indent="-298450">
               <a:spcBef>
                 <a:spcPts val="1600"/>
               </a:spcBef>
@@ -6811,15 +6973,19 @@
               <a:defRPr/>
             </a:lvl9pPr>
           </a:lstStyle>
-          <a:p/>
+          <a:p>
+            <a:endParaRPr/>
+          </a:p>
         </p:txBody>
       </p:sp>
       <p:sp>
         <p:nvSpPr>
           <p:cNvPr id="54" name="Google Shape;54;p7"/>
-          <p:cNvSpPr txBox="1"/>
+          <p:cNvSpPr txBox="1">
+            <a:spLocks noGrp="1"/>
+          </p:cNvSpPr>
           <p:nvPr>
-            <p:ph idx="12" type="sldNum"/>
+            <p:ph type="sldNum" idx="12"/>
           </p:nvPr>
         </p:nvSpPr>
         <p:spPr>
@@ -6832,7 +6998,7 @@
           </a:prstGeom>
         </p:spPr>
         <p:txBody>
-          <a:bodyPr anchorCtr="0" anchor="ctr" bIns="91425" lIns="91425" spcFirstLastPara="1" rIns="91425" wrap="square" tIns="91425">
+          <a:bodyPr spcFirstLastPara="1" wrap="square" lIns="91425" tIns="91425" rIns="91425" bIns="91425" anchor="ctr" anchorCtr="0">
             <a:noAutofit/>
           </a:bodyPr>
           <a:lstStyle>
@@ -6874,7 +7040,7 @@
             </a:lvl9pPr>
           </a:lstStyle>
           <a:p>
-            <a:pPr indent="0" lvl="0" marL="0" rtl="0" algn="r">
+            <a:pPr marL="0" lvl="0" indent="0" algn="r" rtl="0">
               <a:spcBef>
                 <a:spcPts val="0"/>
               </a:spcBef>
@@ -6885,7 +7051,7 @@
             </a:pPr>
             <a:fld id="{00000000-1234-1234-1234-123412341234}" type="slidenum">
               <a:rPr lang="en"/>
-              <a:t>‹#›</a:t>
+              <a:t>‹nº›</a:t>
             </a:fld>
             <a:endParaRPr/>
           </a:p>
@@ -6900,18 +7066,19 @@
 </file>
 
 <file path=ppt/slideLayouts/slideLayout7.xml><?xml version="1.0" encoding="utf-8"?>
-<p:sldLayout xmlns:a="http://schemas.openxmlformats.org/drawingml/2006/main" xmlns:r="http://schemas.openxmlformats.org/officeDocument/2006/relationships" xmlns:mc="http://schemas.openxmlformats.org/markup-compatibility/2006" xmlns:mv="urn:schemas-microsoft-com:mac:vml" xmlns:p="http://schemas.openxmlformats.org/presentationml/2006/main" xmlns:c="http://schemas.openxmlformats.org/drawingml/2006/chart" xmlns:dgm="http://schemas.openxmlformats.org/drawingml/2006/diagram" xmlns:o="urn:schemas-microsoft-com:office:office" xmlns:v="urn:schemas-microsoft-com:vml" xmlns:pvml="urn:schemas-microsoft-com:office:powerpoint" xmlns:com="http://schemas.openxmlformats.org/drawingml/2006/compatibility" xmlns:p14="http://schemas.microsoft.com/office/powerpoint/2010/main" xmlns:p15="http://schemas.microsoft.com/office/powerpoint/2012/main" matchingName="Main point">
+<p:sldLayout xmlns:a="http://schemas.openxmlformats.org/drawingml/2006/main" xmlns:r="http://schemas.openxmlformats.org/officeDocument/2006/relationships" xmlns:p="http://schemas.openxmlformats.org/presentationml/2006/main" matchingName="Main point">
   <p:cSld name="MAIN_POINT">
     <p:bg>
       <p:bgPr>
         <a:solidFill>
           <a:schemeClr val="accent3"/>
         </a:solidFill>
+        <a:effectLst/>
       </p:bgPr>
     </p:bg>
     <p:spTree>
       <p:nvGrpSpPr>
-        <p:cNvPr id="55" name="Shape 55"/>
+        <p:cNvPr id="1" name="Shape 55"/>
         <p:cNvGrpSpPr/>
         <p:nvPr/>
       </p:nvGrpSpPr>
@@ -6959,12 +7126,12 @@
             </a:ln>
           </p:spPr>
           <p:txBody>
-            <a:bodyPr anchorCtr="0" anchor="ctr" bIns="91425" lIns="91425" spcFirstLastPara="1" rIns="91425" wrap="square" tIns="91425">
+            <a:bodyPr spcFirstLastPara="1" wrap="square" lIns="91425" tIns="91425" rIns="91425" bIns="91425" anchor="ctr" anchorCtr="0">
               <a:noAutofit/>
             </a:bodyPr>
             <a:lstStyle/>
             <a:p>
-              <a:pPr indent="0" lvl="0" marL="0" rtl="0" algn="l">
+              <a:pPr marL="0" lvl="0" indent="0" algn="l" rtl="0">
                 <a:spcBef>
                   <a:spcPts val="0"/>
                 </a:spcBef>
@@ -6973,9 +7140,6 @@
                 </a:spcAft>
                 <a:buNone/>
               </a:pPr>
-              <a:r>
-                <a:t/>
-              </a:r>
               <a:endParaRPr/>
             </a:p>
           </p:txBody>
@@ -7002,12 +7166,12 @@
             </a:ln>
           </p:spPr>
           <p:txBody>
-            <a:bodyPr anchorCtr="0" anchor="ctr" bIns="91425" lIns="91425" spcFirstLastPara="1" rIns="91425" wrap="square" tIns="91425">
+            <a:bodyPr spcFirstLastPara="1" wrap="square" lIns="91425" tIns="91425" rIns="91425" bIns="91425" anchor="ctr" anchorCtr="0">
               <a:noAutofit/>
             </a:bodyPr>
             <a:lstStyle/>
             <a:p>
-              <a:pPr indent="0" lvl="0" marL="0" rtl="0" algn="l">
+              <a:pPr marL="0" lvl="0" indent="0" algn="l" rtl="0">
                 <a:spcBef>
                   <a:spcPts val="0"/>
                 </a:spcBef>
@@ -7016,9 +7180,6 @@
                 </a:spcAft>
                 <a:buNone/>
               </a:pPr>
-              <a:r>
-                <a:t/>
-              </a:r>
               <a:endParaRPr/>
             </a:p>
           </p:txBody>
@@ -7027,7 +7188,9 @@
       <p:sp>
         <p:nvSpPr>
           <p:cNvPr id="59" name="Google Shape;59;p8"/>
-          <p:cNvSpPr txBox="1"/>
+          <p:cNvSpPr txBox="1">
+            <a:spLocks noGrp="1"/>
+          </p:cNvSpPr>
           <p:nvPr>
             <p:ph type="title"/>
           </p:nvPr>
@@ -7042,7 +7205,7 @@
           </a:prstGeom>
         </p:spPr>
         <p:txBody>
-          <a:bodyPr anchorCtr="0" anchor="ctr" bIns="91425" lIns="91425" spcFirstLastPara="1" rIns="91425" wrap="square" tIns="91425">
+          <a:bodyPr spcFirstLastPara="1" wrap="square" lIns="91425" tIns="91425" rIns="91425" bIns="91425" anchor="ctr" anchorCtr="0">
             <a:noAutofit/>
           </a:bodyPr>
           <a:lstStyle>
@@ -7209,15 +7372,19 @@
               </a:defRPr>
             </a:lvl9pPr>
           </a:lstStyle>
-          <a:p/>
+          <a:p>
+            <a:endParaRPr/>
+          </a:p>
         </p:txBody>
       </p:sp>
       <p:sp>
         <p:nvSpPr>
           <p:cNvPr id="60" name="Google Shape;60;p8"/>
-          <p:cNvSpPr txBox="1"/>
+          <p:cNvSpPr txBox="1">
+            <a:spLocks noGrp="1"/>
+          </p:cNvSpPr>
           <p:nvPr>
-            <p:ph idx="12" type="sldNum"/>
+            <p:ph type="sldNum" idx="12"/>
           </p:nvPr>
         </p:nvSpPr>
         <p:spPr>
@@ -7230,7 +7397,7 @@
           </a:prstGeom>
         </p:spPr>
         <p:txBody>
-          <a:bodyPr anchorCtr="0" anchor="ctr" bIns="91425" lIns="91425" spcFirstLastPara="1" rIns="91425" wrap="square" tIns="91425">
+          <a:bodyPr spcFirstLastPara="1" wrap="square" lIns="91425" tIns="91425" rIns="91425" bIns="91425" anchor="ctr" anchorCtr="0">
             <a:noAutofit/>
           </a:bodyPr>
           <a:lstStyle>
@@ -7308,7 +7475,7 @@
             </a:lvl9pPr>
           </a:lstStyle>
           <a:p>
-            <a:pPr indent="0" lvl="0" marL="0" rtl="0" algn="r">
+            <a:pPr marL="0" lvl="0" indent="0" algn="r" rtl="0">
               <a:spcBef>
                 <a:spcPts val="0"/>
               </a:spcBef>
@@ -7319,7 +7486,7 @@
             </a:pPr>
             <a:fld id="{00000000-1234-1234-1234-123412341234}" type="slidenum">
               <a:rPr lang="en"/>
-              <a:t>‹#›</a:t>
+              <a:t>‹nº›</a:t>
             </a:fld>
             <a:endParaRPr/>
           </a:p>
@@ -7334,11 +7501,11 @@
 </file>
 
 <file path=ppt/slideLayouts/slideLayout8.xml><?xml version="1.0" encoding="utf-8"?>
-<p:sldLayout xmlns:a="http://schemas.openxmlformats.org/drawingml/2006/main" xmlns:r="http://schemas.openxmlformats.org/officeDocument/2006/relationships" xmlns:mc="http://schemas.openxmlformats.org/markup-compatibility/2006" xmlns:mv="urn:schemas-microsoft-com:mac:vml" xmlns:p="http://schemas.openxmlformats.org/presentationml/2006/main" xmlns:c="http://schemas.openxmlformats.org/drawingml/2006/chart" xmlns:dgm="http://schemas.openxmlformats.org/drawingml/2006/diagram" xmlns:o="urn:schemas-microsoft-com:office:office" xmlns:v="urn:schemas-microsoft-com:vml" xmlns:pvml="urn:schemas-microsoft-com:office:powerpoint" xmlns:com="http://schemas.openxmlformats.org/drawingml/2006/compatibility" xmlns:p14="http://schemas.microsoft.com/office/powerpoint/2010/main" xmlns:p15="http://schemas.microsoft.com/office/powerpoint/2012/main" matchingName="Section title and description">
+<p:sldLayout xmlns:a="http://schemas.openxmlformats.org/drawingml/2006/main" xmlns:r="http://schemas.openxmlformats.org/officeDocument/2006/relationships" xmlns:p="http://schemas.openxmlformats.org/presentationml/2006/main" matchingName="Section title and description">
   <p:cSld name="SECTION_TITLE_AND_DESCRIPTION">
     <p:spTree>
       <p:nvGrpSpPr>
-        <p:cNvPr id="61" name="Shape 61"/>
+        <p:cNvPr id="1" name="Shape 61"/>
         <p:cNvGrpSpPr/>
         <p:nvPr/>
       </p:nvGrpSpPr>
@@ -7372,12 +7539,12 @@
           </a:ln>
         </p:spPr>
         <p:txBody>
-          <a:bodyPr anchorCtr="0" anchor="ctr" bIns="91425" lIns="91425" spcFirstLastPara="1" rIns="91425" wrap="square" tIns="91425">
+          <a:bodyPr spcFirstLastPara="1" wrap="square" lIns="91425" tIns="91425" rIns="91425" bIns="91425" anchor="ctr" anchorCtr="0">
             <a:noAutofit/>
           </a:bodyPr>
           <a:lstStyle/>
           <a:p>
-            <a:pPr indent="0" lvl="0" marL="0" rtl="0" algn="l">
+            <a:pPr marL="0" lvl="0" indent="0" algn="l" rtl="0">
               <a:spcBef>
                 <a:spcPts val="0"/>
               </a:spcBef>
@@ -7386,9 +7553,6 @@
               </a:spcAft>
               <a:buNone/>
             </a:pPr>
-            <a:r>
-              <a:t/>
-            </a:r>
             <a:endParaRPr/>
           </a:p>
         </p:txBody>
@@ -7429,12 +7593,12 @@
             </a:ln>
           </p:spPr>
           <p:txBody>
-            <a:bodyPr anchorCtr="0" anchor="ctr" bIns="91425" lIns="91425" spcFirstLastPara="1" rIns="91425" wrap="square" tIns="91425">
+            <a:bodyPr spcFirstLastPara="1" wrap="square" lIns="91425" tIns="91425" rIns="91425" bIns="91425" anchor="ctr" anchorCtr="0">
               <a:noAutofit/>
             </a:bodyPr>
             <a:lstStyle/>
             <a:p>
-              <a:pPr indent="0" lvl="0" marL="0" rtl="0" algn="l">
+              <a:pPr marL="0" lvl="0" indent="0" algn="l" rtl="0">
                 <a:spcBef>
                   <a:spcPts val="0"/>
                 </a:spcBef>
@@ -7443,9 +7607,6 @@
                 </a:spcAft>
                 <a:buNone/>
               </a:pPr>
-              <a:r>
-                <a:t/>
-              </a:r>
               <a:endParaRPr/>
             </a:p>
           </p:txBody>
@@ -7472,12 +7633,12 @@
             </a:ln>
           </p:spPr>
           <p:txBody>
-            <a:bodyPr anchorCtr="0" anchor="ctr" bIns="91425" lIns="91425" spcFirstLastPara="1" rIns="91425" wrap="square" tIns="91425">
+            <a:bodyPr spcFirstLastPara="1" wrap="square" lIns="91425" tIns="91425" rIns="91425" bIns="91425" anchor="ctr" anchorCtr="0">
               <a:noAutofit/>
             </a:bodyPr>
             <a:lstStyle/>
             <a:p>
-              <a:pPr indent="0" lvl="0" marL="0" rtl="0" algn="l">
+              <a:pPr marL="0" lvl="0" indent="0" algn="l" rtl="0">
                 <a:spcBef>
                   <a:spcPts val="0"/>
                 </a:spcBef>
@@ -7486,9 +7647,6 @@
                 </a:spcAft>
                 <a:buNone/>
               </a:pPr>
-              <a:r>
-                <a:t/>
-              </a:r>
               <a:endParaRPr/>
             </a:p>
           </p:txBody>
@@ -7497,7 +7655,9 @@
       <p:sp>
         <p:nvSpPr>
           <p:cNvPr id="66" name="Google Shape;66;p9"/>
-          <p:cNvSpPr txBox="1"/>
+          <p:cNvSpPr txBox="1">
+            <a:spLocks noGrp="1"/>
+          </p:cNvSpPr>
           <p:nvPr>
             <p:ph type="title"/>
           </p:nvPr>
@@ -7512,7 +7672,7 @@
           </a:prstGeom>
         </p:spPr>
         <p:txBody>
-          <a:bodyPr anchorCtr="0" anchor="t" bIns="91425" lIns="91425" spcFirstLastPara="1" rIns="91425" wrap="square" tIns="91425">
+          <a:bodyPr spcFirstLastPara="1" wrap="square" lIns="91425" tIns="91425" rIns="91425" bIns="91425" anchor="t" anchorCtr="0">
             <a:noAutofit/>
           </a:bodyPr>
           <a:lstStyle>
@@ -7679,15 +7839,19 @@
               </a:defRPr>
             </a:lvl9pPr>
           </a:lstStyle>
-          <a:p/>
+          <a:p>
+            <a:endParaRPr/>
+          </a:p>
         </p:txBody>
       </p:sp>
       <p:sp>
         <p:nvSpPr>
           <p:cNvPr id="67" name="Google Shape;67;p9"/>
-          <p:cNvSpPr txBox="1"/>
+          <p:cNvSpPr txBox="1">
+            <a:spLocks noGrp="1"/>
+          </p:cNvSpPr>
           <p:nvPr>
-            <p:ph idx="1" type="subTitle"/>
+            <p:ph type="subTitle" idx="1"/>
           </p:nvPr>
         </p:nvSpPr>
         <p:spPr>
@@ -7700,7 +7864,7 @@
           </a:prstGeom>
         </p:spPr>
         <p:txBody>
-          <a:bodyPr anchorCtr="0" anchor="t" bIns="91425" lIns="91425" spcFirstLastPara="1" rIns="91425" wrap="square" tIns="91425">
+          <a:bodyPr spcFirstLastPara="1" wrap="square" lIns="91425" tIns="91425" rIns="91425" bIns="91425" anchor="t" anchorCtr="0">
             <a:noAutofit/>
           </a:bodyPr>
           <a:lstStyle>
@@ -7831,15 +7995,19 @@
               <a:defRPr sz="1600"/>
             </a:lvl9pPr>
           </a:lstStyle>
-          <a:p/>
+          <a:p>
+            <a:endParaRPr/>
+          </a:p>
         </p:txBody>
       </p:sp>
       <p:sp>
         <p:nvSpPr>
           <p:cNvPr id="68" name="Google Shape;68;p9"/>
-          <p:cNvSpPr txBox="1"/>
+          <p:cNvSpPr txBox="1">
+            <a:spLocks noGrp="1"/>
+          </p:cNvSpPr>
           <p:nvPr>
-            <p:ph idx="2" type="body"/>
+            <p:ph type="body" idx="2"/>
           </p:nvPr>
         </p:nvSpPr>
         <p:spPr>
@@ -7852,11 +8020,11 @@
           </a:prstGeom>
         </p:spPr>
         <p:txBody>
-          <a:bodyPr anchorCtr="0" anchor="t" bIns="91425" lIns="91425" spcFirstLastPara="1" rIns="91425" wrap="square" tIns="91425">
+          <a:bodyPr spcFirstLastPara="1" wrap="square" lIns="91425" tIns="91425" rIns="91425" bIns="91425" anchor="t" anchorCtr="0">
             <a:noAutofit/>
           </a:bodyPr>
           <a:lstStyle>
-            <a:lvl1pPr indent="-311150" lvl="0" marL="457200">
+            <a:lvl1pPr marL="457200" lvl="0" indent="-311150">
               <a:spcBef>
                 <a:spcPts val="0"/>
               </a:spcBef>
@@ -7867,7 +8035,7 @@
               <a:buChar char="●"/>
               <a:defRPr/>
             </a:lvl1pPr>
-            <a:lvl2pPr indent="-298450" lvl="1" marL="914400">
+            <a:lvl2pPr marL="914400" lvl="1" indent="-298450">
               <a:spcBef>
                 <a:spcPts val="1600"/>
               </a:spcBef>
@@ -7878,7 +8046,7 @@
               <a:buChar char="○"/>
               <a:defRPr/>
             </a:lvl2pPr>
-            <a:lvl3pPr indent="-298450" lvl="2" marL="1371600">
+            <a:lvl3pPr marL="1371600" lvl="2" indent="-298450">
               <a:spcBef>
                 <a:spcPts val="1600"/>
               </a:spcBef>
@@ -7889,7 +8057,7 @@
               <a:buChar char="■"/>
               <a:defRPr/>
             </a:lvl3pPr>
-            <a:lvl4pPr indent="-298450" lvl="3" marL="1828800">
+            <a:lvl4pPr marL="1828800" lvl="3" indent="-298450">
               <a:spcBef>
                 <a:spcPts val="1600"/>
               </a:spcBef>
@@ -7900,7 +8068,7 @@
               <a:buChar char="●"/>
               <a:defRPr/>
             </a:lvl4pPr>
-            <a:lvl5pPr indent="-298450" lvl="4" marL="2286000">
+            <a:lvl5pPr marL="2286000" lvl="4" indent="-298450">
               <a:spcBef>
                 <a:spcPts val="1600"/>
               </a:spcBef>
@@ -7911,7 +8079,7 @@
               <a:buChar char="○"/>
               <a:defRPr/>
             </a:lvl5pPr>
-            <a:lvl6pPr indent="-298450" lvl="5" marL="2743200">
+            <a:lvl6pPr marL="2743200" lvl="5" indent="-298450">
               <a:spcBef>
                 <a:spcPts val="1600"/>
               </a:spcBef>
@@ -7922,7 +8090,7 @@
               <a:buChar char="■"/>
               <a:defRPr/>
             </a:lvl6pPr>
-            <a:lvl7pPr indent="-298450" lvl="6" marL="3200400">
+            <a:lvl7pPr marL="3200400" lvl="6" indent="-298450">
               <a:spcBef>
                 <a:spcPts val="1600"/>
               </a:spcBef>
@@ -7933,7 +8101,7 @@
               <a:buChar char="●"/>
               <a:defRPr/>
             </a:lvl7pPr>
-            <a:lvl8pPr indent="-298450" lvl="7" marL="3657600">
+            <a:lvl8pPr marL="3657600" lvl="7" indent="-298450">
               <a:spcBef>
                 <a:spcPts val="1600"/>
               </a:spcBef>
@@ -7944,7 +8112,7 @@
               <a:buChar char="○"/>
               <a:defRPr/>
             </a:lvl8pPr>
-            <a:lvl9pPr indent="-298450" lvl="8" marL="4114800">
+            <a:lvl9pPr marL="4114800" lvl="8" indent="-298450">
               <a:spcBef>
                 <a:spcPts val="1600"/>
               </a:spcBef>
@@ -7956,15 +8124,19 @@
               <a:defRPr/>
             </a:lvl9pPr>
           </a:lstStyle>
-          <a:p/>
+          <a:p>
+            <a:endParaRPr/>
+          </a:p>
         </p:txBody>
       </p:sp>
       <p:sp>
         <p:nvSpPr>
           <p:cNvPr id="69" name="Google Shape;69;p9"/>
-          <p:cNvSpPr txBox="1"/>
+          <p:cNvSpPr txBox="1">
+            <a:spLocks noGrp="1"/>
+          </p:cNvSpPr>
           <p:nvPr>
-            <p:ph idx="12" type="sldNum"/>
+            <p:ph type="sldNum" idx="12"/>
           </p:nvPr>
         </p:nvSpPr>
         <p:spPr>
@@ -7977,7 +8149,7 @@
           </a:prstGeom>
         </p:spPr>
         <p:txBody>
-          <a:bodyPr anchorCtr="0" anchor="ctr" bIns="91425" lIns="91425" spcFirstLastPara="1" rIns="91425" wrap="square" tIns="91425">
+          <a:bodyPr spcFirstLastPara="1" wrap="square" lIns="91425" tIns="91425" rIns="91425" bIns="91425" anchor="ctr" anchorCtr="0">
             <a:noAutofit/>
           </a:bodyPr>
           <a:lstStyle>
@@ -8019,7 +8191,7 @@
             </a:lvl9pPr>
           </a:lstStyle>
           <a:p>
-            <a:pPr indent="0" lvl="0" marL="0" rtl="0" algn="r">
+            <a:pPr marL="0" lvl="0" indent="0" algn="r" rtl="0">
               <a:spcBef>
                 <a:spcPts val="0"/>
               </a:spcBef>
@@ -8030,7 +8202,7 @@
             </a:pPr>
             <a:fld id="{00000000-1234-1234-1234-123412341234}" type="slidenum">
               <a:rPr lang="en"/>
-              <a:t>‹#›</a:t>
+              <a:t>‹nº›</a:t>
             </a:fld>
             <a:endParaRPr/>
           </a:p>
@@ -8045,11 +8217,11 @@
 </file>
 
 <file path=ppt/slideLayouts/slideLayout9.xml><?xml version="1.0" encoding="utf-8"?>
-<p:sldLayout xmlns:a="http://schemas.openxmlformats.org/drawingml/2006/main" xmlns:r="http://schemas.openxmlformats.org/officeDocument/2006/relationships" xmlns:mc="http://schemas.openxmlformats.org/markup-compatibility/2006" xmlns:mv="urn:schemas-microsoft-com:mac:vml" xmlns:p="http://schemas.openxmlformats.org/presentationml/2006/main" xmlns:c="http://schemas.openxmlformats.org/drawingml/2006/chart" xmlns:dgm="http://schemas.openxmlformats.org/drawingml/2006/diagram" xmlns:o="urn:schemas-microsoft-com:office:office" xmlns:v="urn:schemas-microsoft-com:vml" xmlns:pvml="urn:schemas-microsoft-com:office:powerpoint" xmlns:com="http://schemas.openxmlformats.org/drawingml/2006/compatibility" xmlns:p14="http://schemas.microsoft.com/office/powerpoint/2010/main" xmlns:p15="http://schemas.microsoft.com/office/powerpoint/2012/main" matchingName="Caption">
+<p:sldLayout xmlns:a="http://schemas.openxmlformats.org/drawingml/2006/main" xmlns:r="http://schemas.openxmlformats.org/officeDocument/2006/relationships" xmlns:p="http://schemas.openxmlformats.org/presentationml/2006/main" matchingName="Caption">
   <p:cSld name="CAPTION_ONLY">
     <p:spTree>
       <p:nvGrpSpPr>
-        <p:cNvPr id="70" name="Shape 70"/>
+        <p:cNvPr id="1" name="Shape 70"/>
         <p:cNvGrpSpPr/>
         <p:nvPr/>
       </p:nvGrpSpPr>
@@ -8064,9 +8236,11 @@
       <p:sp>
         <p:nvSpPr>
           <p:cNvPr id="71" name="Google Shape;71;p10"/>
-          <p:cNvSpPr txBox="1"/>
+          <p:cNvSpPr txBox="1">
+            <a:spLocks noGrp="1"/>
+          </p:cNvSpPr>
           <p:nvPr>
-            <p:ph idx="1" type="body"/>
+            <p:ph type="body" idx="1"/>
           </p:nvPr>
         </p:nvSpPr>
         <p:spPr>
@@ -8079,11 +8253,11 @@
           </a:prstGeom>
         </p:spPr>
         <p:txBody>
-          <a:bodyPr anchorCtr="0" anchor="ctr" bIns="91425" lIns="91425" spcFirstLastPara="1" rIns="91425" wrap="square" tIns="91425">
+          <a:bodyPr spcFirstLastPara="1" wrap="square" lIns="91425" tIns="91425" rIns="91425" bIns="91425" anchor="ctr" anchorCtr="0">
             <a:noAutofit/>
           </a:bodyPr>
           <a:lstStyle>
-            <a:lvl1pPr indent="-228600" lvl="0" marL="457200">
+            <a:lvl1pPr marL="457200" lvl="0" indent="-228600">
               <a:lnSpc>
                 <a:spcPct val="100000"/>
               </a:lnSpc>
@@ -8098,15 +8272,19 @@
               <a:defRPr/>
             </a:lvl1pPr>
           </a:lstStyle>
-          <a:p/>
+          <a:p>
+            <a:endParaRPr/>
+          </a:p>
         </p:txBody>
       </p:sp>
       <p:sp>
         <p:nvSpPr>
           <p:cNvPr id="72" name="Google Shape;72;p10"/>
-          <p:cNvSpPr txBox="1"/>
+          <p:cNvSpPr txBox="1">
+            <a:spLocks noGrp="1"/>
+          </p:cNvSpPr>
           <p:nvPr>
-            <p:ph idx="12" type="sldNum"/>
+            <p:ph type="sldNum" idx="12"/>
           </p:nvPr>
         </p:nvSpPr>
         <p:spPr>
@@ -8119,7 +8297,7 @@
           </a:prstGeom>
         </p:spPr>
         <p:txBody>
-          <a:bodyPr anchorCtr="0" anchor="ctr" bIns="91425" lIns="91425" spcFirstLastPara="1" rIns="91425" wrap="square" tIns="91425">
+          <a:bodyPr spcFirstLastPara="1" wrap="square" lIns="91425" tIns="91425" rIns="91425" bIns="91425" anchor="ctr" anchorCtr="0">
             <a:noAutofit/>
           </a:bodyPr>
           <a:lstStyle>
@@ -8161,7 +8339,7 @@
             </a:lvl9pPr>
           </a:lstStyle>
           <a:p>
-            <a:pPr indent="0" lvl="0" marL="0" rtl="0" algn="r">
+            <a:pPr marL="0" lvl="0" indent="0" algn="r" rtl="0">
               <a:spcBef>
                 <a:spcPts val="0"/>
               </a:spcBef>
@@ -8172,7 +8350,7 @@
             </a:pPr>
             <a:fld id="{00000000-1234-1234-1234-123412341234}" type="slidenum">
               <a:rPr lang="en"/>
-              <a:t>‹#›</a:t>
+              <a:t>‹nº›</a:t>
             </a:fld>
             <a:endParaRPr/>
           </a:p>
@@ -8187,18 +8365,19 @@
 </file>
 
 <file path=ppt/slideMasters/slideMaster1.xml><?xml version="1.0" encoding="utf-8"?>
-<p:sldMaster xmlns:a="http://schemas.openxmlformats.org/drawingml/2006/main" xmlns:r="http://schemas.openxmlformats.org/officeDocument/2006/relationships" xmlns:mc="http://schemas.openxmlformats.org/markup-compatibility/2006" xmlns:mv="urn:schemas-microsoft-com:mac:vml" xmlns:p="http://schemas.openxmlformats.org/presentationml/2006/main" xmlns:c="http://schemas.openxmlformats.org/drawingml/2006/chart" xmlns:dgm="http://schemas.openxmlformats.org/drawingml/2006/diagram" xmlns:o="urn:schemas-microsoft-com:office:office" xmlns:v="urn:schemas-microsoft-com:vml" xmlns:pvml="urn:schemas-microsoft-com:office:powerpoint" xmlns:com="http://schemas.openxmlformats.org/drawingml/2006/compatibility" xmlns:p14="http://schemas.microsoft.com/office/powerpoint/2010/main" xmlns:p15="http://schemas.microsoft.com/office/powerpoint/2012/main">
+<p:sldMaster xmlns:a="http://schemas.openxmlformats.org/drawingml/2006/main" xmlns:r="http://schemas.openxmlformats.org/officeDocument/2006/relationships" xmlns:p="http://schemas.openxmlformats.org/presentationml/2006/main">
   <p:cSld name="streamline">
     <p:bg>
       <p:bgPr>
         <a:solidFill>
           <a:schemeClr val="lt1"/>
         </a:solidFill>
+        <a:effectLst/>
       </p:bgPr>
     </p:bg>
     <p:spTree>
       <p:nvGrpSpPr>
-        <p:cNvPr id="5" name="Shape 5"/>
+        <p:cNvPr id="1" name="Shape 5"/>
         <p:cNvGrpSpPr/>
         <p:nvPr/>
       </p:nvGrpSpPr>
@@ -8213,7 +8392,9 @@
       <p:sp>
         <p:nvSpPr>
           <p:cNvPr id="6" name="Google Shape;6;p1"/>
-          <p:cNvSpPr txBox="1"/>
+          <p:cNvSpPr txBox="1">
+            <a:spLocks noGrp="1"/>
+          </p:cNvSpPr>
           <p:nvPr>
             <p:ph type="title"/>
           </p:nvPr>
@@ -8232,7 +8413,7 @@
           </a:ln>
         </p:spPr>
         <p:txBody>
-          <a:bodyPr anchorCtr="0" anchor="t" bIns="91425" lIns="91425" spcFirstLastPara="1" rIns="91425" wrap="square" tIns="91425">
+          <a:bodyPr spcFirstLastPara="1" wrap="square" lIns="91425" tIns="91425" rIns="91425" bIns="91425" anchor="t" anchorCtr="0">
             <a:noAutofit/>
           </a:bodyPr>
           <a:lstStyle>
@@ -8246,7 +8427,7 @@
               <a:buSzPts val="2800"/>
               <a:buFont typeface="Raleway"/>
               <a:buNone/>
-              <a:defRPr b="1" sz="2800">
+              <a:defRPr sz="2800" b="1">
                 <a:latin typeface="Raleway"/>
                 <a:ea typeface="Raleway"/>
                 <a:cs typeface="Raleway"/>
@@ -8263,7 +8444,7 @@
               <a:buSzPts val="2800"/>
               <a:buFont typeface="Raleway"/>
               <a:buNone/>
-              <a:defRPr b="1" sz="2800">
+              <a:defRPr sz="2800" b="1">
                 <a:latin typeface="Raleway"/>
                 <a:ea typeface="Raleway"/>
                 <a:cs typeface="Raleway"/>
@@ -8280,7 +8461,7 @@
               <a:buSzPts val="2800"/>
               <a:buFont typeface="Raleway"/>
               <a:buNone/>
-              <a:defRPr b="1" sz="2800">
+              <a:defRPr sz="2800" b="1">
                 <a:latin typeface="Raleway"/>
                 <a:ea typeface="Raleway"/>
                 <a:cs typeface="Raleway"/>
@@ -8297,7 +8478,7 @@
               <a:buSzPts val="2800"/>
               <a:buFont typeface="Raleway"/>
               <a:buNone/>
-              <a:defRPr b="1" sz="2800">
+              <a:defRPr sz="2800" b="1">
                 <a:latin typeface="Raleway"/>
                 <a:ea typeface="Raleway"/>
                 <a:cs typeface="Raleway"/>
@@ -8314,7 +8495,7 @@
               <a:buSzPts val="2800"/>
               <a:buFont typeface="Raleway"/>
               <a:buNone/>
-              <a:defRPr b="1" sz="2800">
+              <a:defRPr sz="2800" b="1">
                 <a:latin typeface="Raleway"/>
                 <a:ea typeface="Raleway"/>
                 <a:cs typeface="Raleway"/>
@@ -8331,7 +8512,7 @@
               <a:buSzPts val="2800"/>
               <a:buFont typeface="Raleway"/>
               <a:buNone/>
-              <a:defRPr b="1" sz="2800">
+              <a:defRPr sz="2800" b="1">
                 <a:latin typeface="Raleway"/>
                 <a:ea typeface="Raleway"/>
                 <a:cs typeface="Raleway"/>
@@ -8348,7 +8529,7 @@
               <a:buSzPts val="2800"/>
               <a:buFont typeface="Raleway"/>
               <a:buNone/>
-              <a:defRPr b="1" sz="2800">
+              <a:defRPr sz="2800" b="1">
                 <a:latin typeface="Raleway"/>
                 <a:ea typeface="Raleway"/>
                 <a:cs typeface="Raleway"/>
@@ -8365,7 +8546,7 @@
               <a:buSzPts val="2800"/>
               <a:buFont typeface="Raleway"/>
               <a:buNone/>
-              <a:defRPr b="1" sz="2800">
+              <a:defRPr sz="2800" b="1">
                 <a:latin typeface="Raleway"/>
                 <a:ea typeface="Raleway"/>
                 <a:cs typeface="Raleway"/>
@@ -8382,7 +8563,7 @@
               <a:buSzPts val="2800"/>
               <a:buFont typeface="Raleway"/>
               <a:buNone/>
-              <a:defRPr b="1" sz="2800">
+              <a:defRPr sz="2800" b="1">
                 <a:latin typeface="Raleway"/>
                 <a:ea typeface="Raleway"/>
                 <a:cs typeface="Raleway"/>
@@ -8390,15 +8571,19 @@
               </a:defRPr>
             </a:lvl9pPr>
           </a:lstStyle>
-          <a:p/>
+          <a:p>
+            <a:endParaRPr/>
+          </a:p>
         </p:txBody>
       </p:sp>
       <p:sp>
         <p:nvSpPr>
           <p:cNvPr id="7" name="Google Shape;7;p1"/>
-          <p:cNvSpPr txBox="1"/>
+          <p:cNvSpPr txBox="1">
+            <a:spLocks noGrp="1"/>
+          </p:cNvSpPr>
           <p:nvPr>
-            <p:ph idx="1" type="body"/>
+            <p:ph type="body" idx="1"/>
           </p:nvPr>
         </p:nvSpPr>
         <p:spPr>
@@ -8415,11 +8600,11 @@
           </a:ln>
         </p:spPr>
         <p:txBody>
-          <a:bodyPr anchorCtr="0" anchor="t" bIns="91425" lIns="91425" spcFirstLastPara="1" rIns="91425" wrap="square" tIns="91425">
+          <a:bodyPr spcFirstLastPara="1" wrap="square" lIns="91425" tIns="91425" rIns="91425" bIns="91425" anchor="t" anchorCtr="0">
             <a:noAutofit/>
           </a:bodyPr>
           <a:lstStyle>
-            <a:lvl1pPr indent="-311150" lvl="0" marL="457200">
+            <a:lvl1pPr marL="457200" lvl="0" indent="-311150">
               <a:lnSpc>
                 <a:spcPct val="115000"/>
               </a:lnSpc>
@@ -8445,7 +8630,7 @@
                 <a:sym typeface="Lato"/>
               </a:defRPr>
             </a:lvl1pPr>
-            <a:lvl2pPr indent="-298450" lvl="1" marL="914400">
+            <a:lvl2pPr marL="914400" lvl="1" indent="-298450">
               <a:lnSpc>
                 <a:spcPct val="115000"/>
               </a:lnSpc>
@@ -8471,7 +8656,7 @@
                 <a:sym typeface="Lato"/>
               </a:defRPr>
             </a:lvl2pPr>
-            <a:lvl3pPr indent="-298450" lvl="2" marL="1371600">
+            <a:lvl3pPr marL="1371600" lvl="2" indent="-298450">
               <a:lnSpc>
                 <a:spcPct val="115000"/>
               </a:lnSpc>
@@ -8497,7 +8682,7 @@
                 <a:sym typeface="Lato"/>
               </a:defRPr>
             </a:lvl3pPr>
-            <a:lvl4pPr indent="-298450" lvl="3" marL="1828800">
+            <a:lvl4pPr marL="1828800" lvl="3" indent="-298450">
               <a:lnSpc>
                 <a:spcPct val="115000"/>
               </a:lnSpc>
@@ -8523,7 +8708,7 @@
                 <a:sym typeface="Lato"/>
               </a:defRPr>
             </a:lvl4pPr>
-            <a:lvl5pPr indent="-298450" lvl="4" marL="2286000">
+            <a:lvl5pPr marL="2286000" lvl="4" indent="-298450">
               <a:lnSpc>
                 <a:spcPct val="115000"/>
               </a:lnSpc>
@@ -8549,7 +8734,7 @@
                 <a:sym typeface="Lato"/>
               </a:defRPr>
             </a:lvl5pPr>
-            <a:lvl6pPr indent="-298450" lvl="5" marL="2743200">
+            <a:lvl6pPr marL="2743200" lvl="5" indent="-298450">
               <a:lnSpc>
                 <a:spcPct val="115000"/>
               </a:lnSpc>
@@ -8575,7 +8760,7 @@
                 <a:sym typeface="Lato"/>
               </a:defRPr>
             </a:lvl6pPr>
-            <a:lvl7pPr indent="-298450" lvl="6" marL="3200400">
+            <a:lvl7pPr marL="3200400" lvl="6" indent="-298450">
               <a:lnSpc>
                 <a:spcPct val="115000"/>
               </a:lnSpc>
@@ -8601,7 +8786,7 @@
                 <a:sym typeface="Lato"/>
               </a:defRPr>
             </a:lvl7pPr>
-            <a:lvl8pPr indent="-298450" lvl="7" marL="3657600">
+            <a:lvl8pPr marL="3657600" lvl="7" indent="-298450">
               <a:lnSpc>
                 <a:spcPct val="115000"/>
               </a:lnSpc>
@@ -8627,7 +8812,7 @@
                 <a:sym typeface="Lato"/>
               </a:defRPr>
             </a:lvl8pPr>
-            <a:lvl9pPr indent="-298450" lvl="8" marL="4114800">
+            <a:lvl9pPr marL="4114800" lvl="8" indent="-298450">
               <a:lnSpc>
                 <a:spcPct val="115000"/>
               </a:lnSpc>
@@ -8654,15 +8839,19 @@
               </a:defRPr>
             </a:lvl9pPr>
           </a:lstStyle>
-          <a:p/>
+          <a:p>
+            <a:endParaRPr/>
+          </a:p>
         </p:txBody>
       </p:sp>
       <p:sp>
         <p:nvSpPr>
           <p:cNvPr id="8" name="Google Shape;8;p1"/>
-          <p:cNvSpPr txBox="1"/>
+          <p:cNvSpPr txBox="1">
+            <a:spLocks noGrp="1"/>
+          </p:cNvSpPr>
           <p:nvPr>
-            <p:ph idx="12" type="sldNum"/>
+            <p:ph type="sldNum" idx="12"/>
           </p:nvPr>
         </p:nvSpPr>
         <p:spPr>
@@ -8679,7 +8868,7 @@
           </a:ln>
         </p:spPr>
         <p:txBody>
-          <a:bodyPr anchorCtr="0" anchor="ctr" bIns="91425" lIns="91425" spcFirstLastPara="1" rIns="91425" wrap="square" tIns="91425">
+          <a:bodyPr spcFirstLastPara="1" wrap="square" lIns="91425" tIns="91425" rIns="91425" bIns="91425" anchor="ctr" anchorCtr="0">
             <a:noAutofit/>
           </a:bodyPr>
           <a:lstStyle>
@@ -8793,7 +8982,7 @@
             </a:lvl9pPr>
           </a:lstStyle>
           <a:p>
-            <a:pPr indent="0" lvl="0" marL="0" rtl="0" algn="r">
+            <a:pPr marL="0" lvl="0" indent="0" algn="r" rtl="0">
               <a:spcBef>
                 <a:spcPts val="0"/>
               </a:spcBef>
@@ -8804,7 +8993,7 @@
             </a:pPr>
             <a:fld id="{00000000-1234-1234-1234-123412341234}" type="slidenum">
               <a:rPr lang="en"/>
-              <a:t>‹#›</a:t>
+              <a:t>‹nº›</a:t>
             </a:fld>
             <a:endParaRPr/>
           </a:p>
@@ -8812,7 +9001,7 @@
       </p:sp>
     </p:spTree>
   </p:cSld>
-  <p:clrMap accent1="accent1" accent2="accent2" accent3="accent3" accent4="accent4" accent5="accent5" accent6="accent6" bg1="lt1" bg2="dk2" tx1="dk1" tx2="lt2" folHlink="folHlink" hlink="hlink"/>
+  <p:clrMap bg1="lt1" tx1="dk1" bg2="dk2" tx2="lt2" accent1="accent1" accent2="accent2" accent3="accent3" accent4="accent4" accent5="accent5" accent6="accent6" hlink="hlink" folHlink="folHlink"/>
   <p:sldLayoutIdLst>
     <p:sldLayoutId id="2147483648" r:id="rId1"/>
     <p:sldLayoutId id="2147483649" r:id="rId2"/>
@@ -8826,10 +9015,10 @@
     <p:sldLayoutId id="2147483657" r:id="rId10"/>
     <p:sldLayoutId id="2147483658" r:id="rId11"/>
   </p:sldLayoutIdLst>
-  <p:hf dt="0" ftr="0" hdr="0" sldNum="0"/>
+  <p:hf sldNum="0" hdr="0" ftr="0" dt="0"/>
   <p:txStyles>
     <p:titleStyle>
-      <a:defPPr lvl="0" marR="0" rtl="0" algn="l">
+      <a:defPPr marR="0" lvl="0" algn="l" rtl="0">
         <a:lnSpc>
           <a:spcPct val="100000"/>
         </a:lnSpc>
@@ -8840,7 +9029,7 @@
           <a:spcPts val="0"/>
         </a:spcAft>
       </a:defPPr>
-      <a:lvl1pPr lvl="0" marR="0" rtl="0" algn="l">
+      <a:lvl1pPr marR="0" lvl="0" algn="l" rtl="0">
         <a:lnSpc>
           <a:spcPct val="100000"/>
         </a:lnSpc>
@@ -8854,7 +9043,7 @@
           <a:srgbClr val="000000"/>
         </a:buClr>
         <a:buFont typeface="Arial"/>
-        <a:defRPr b="0" i="0" sz="1400" u="none" cap="none" strike="noStrike">
+        <a:defRPr sz="1400" b="0" i="0" u="none" strike="noStrike" cap="none">
           <a:solidFill>
             <a:srgbClr val="000000"/>
           </a:solidFill>
@@ -8864,7 +9053,7 @@
           <a:sym typeface="Arial"/>
         </a:defRPr>
       </a:lvl1pPr>
-      <a:lvl2pPr lvl="1" marR="0" rtl="0" algn="l">
+      <a:lvl2pPr marR="0" lvl="1" algn="l" rtl="0">
         <a:lnSpc>
           <a:spcPct val="100000"/>
         </a:lnSpc>
@@ -8878,7 +9067,7 @@
           <a:srgbClr val="000000"/>
         </a:buClr>
         <a:buFont typeface="Arial"/>
-        <a:defRPr b="0" i="0" sz="1400" u="none" cap="none" strike="noStrike">
+        <a:defRPr sz="1400" b="0" i="0" u="none" strike="noStrike" cap="none">
           <a:solidFill>
             <a:srgbClr val="000000"/>
           </a:solidFill>
@@ -8888,7 +9077,7 @@
           <a:sym typeface="Arial"/>
         </a:defRPr>
       </a:lvl2pPr>
-      <a:lvl3pPr lvl="2" marR="0" rtl="0" algn="l">
+      <a:lvl3pPr marR="0" lvl="2" algn="l" rtl="0">
         <a:lnSpc>
           <a:spcPct val="100000"/>
         </a:lnSpc>
@@ -8902,7 +9091,7 @@
           <a:srgbClr val="000000"/>
         </a:buClr>
         <a:buFont typeface="Arial"/>
-        <a:defRPr b="0" i="0" sz="1400" u="none" cap="none" strike="noStrike">
+        <a:defRPr sz="1400" b="0" i="0" u="none" strike="noStrike" cap="none">
           <a:solidFill>
             <a:srgbClr val="000000"/>
           </a:solidFill>
@@ -8912,7 +9101,7 @@
           <a:sym typeface="Arial"/>
         </a:defRPr>
       </a:lvl3pPr>
-      <a:lvl4pPr lvl="3" marR="0" rtl="0" algn="l">
+      <a:lvl4pPr marR="0" lvl="3" algn="l" rtl="0">
         <a:lnSpc>
           <a:spcPct val="100000"/>
         </a:lnSpc>
@@ -8926,7 +9115,7 @@
           <a:srgbClr val="000000"/>
         </a:buClr>
         <a:buFont typeface="Arial"/>
-        <a:defRPr b="0" i="0" sz="1400" u="none" cap="none" strike="noStrike">
+        <a:defRPr sz="1400" b="0" i="0" u="none" strike="noStrike" cap="none">
           <a:solidFill>
             <a:srgbClr val="000000"/>
           </a:solidFill>
@@ -8936,7 +9125,7 @@
           <a:sym typeface="Arial"/>
         </a:defRPr>
       </a:lvl4pPr>
-      <a:lvl5pPr lvl="4" marR="0" rtl="0" algn="l">
+      <a:lvl5pPr marR="0" lvl="4" algn="l" rtl="0">
         <a:lnSpc>
           <a:spcPct val="100000"/>
         </a:lnSpc>
@@ -8950,7 +9139,7 @@
           <a:srgbClr val="000000"/>
         </a:buClr>
         <a:buFont typeface="Arial"/>
-        <a:defRPr b="0" i="0" sz="1400" u="none" cap="none" strike="noStrike">
+        <a:defRPr sz="1400" b="0" i="0" u="none" strike="noStrike" cap="none">
           <a:solidFill>
             <a:srgbClr val="000000"/>
           </a:solidFill>
@@ -8960,7 +9149,7 @@
           <a:sym typeface="Arial"/>
         </a:defRPr>
       </a:lvl5pPr>
-      <a:lvl6pPr lvl="5" marR="0" rtl="0" algn="l">
+      <a:lvl6pPr marR="0" lvl="5" algn="l" rtl="0">
         <a:lnSpc>
           <a:spcPct val="100000"/>
         </a:lnSpc>
@@ -8974,7 +9163,7 @@
           <a:srgbClr val="000000"/>
         </a:buClr>
         <a:buFont typeface="Arial"/>
-        <a:defRPr b="0" i="0" sz="1400" u="none" cap="none" strike="noStrike">
+        <a:defRPr sz="1400" b="0" i="0" u="none" strike="noStrike" cap="none">
           <a:solidFill>
             <a:srgbClr val="000000"/>
           </a:solidFill>
@@ -8984,7 +9173,7 @@
           <a:sym typeface="Arial"/>
         </a:defRPr>
       </a:lvl6pPr>
-      <a:lvl7pPr lvl="6" marR="0" rtl="0" algn="l">
+      <a:lvl7pPr marR="0" lvl="6" algn="l" rtl="0">
         <a:lnSpc>
           <a:spcPct val="100000"/>
         </a:lnSpc>
@@ -8998,7 +9187,7 @@
           <a:srgbClr val="000000"/>
         </a:buClr>
         <a:buFont typeface="Arial"/>
-        <a:defRPr b="0" i="0" sz="1400" u="none" cap="none" strike="noStrike">
+        <a:defRPr sz="1400" b="0" i="0" u="none" strike="noStrike" cap="none">
           <a:solidFill>
             <a:srgbClr val="000000"/>
           </a:solidFill>
@@ -9008,7 +9197,7 @@
           <a:sym typeface="Arial"/>
         </a:defRPr>
       </a:lvl7pPr>
-      <a:lvl8pPr lvl="7" marR="0" rtl="0" algn="l">
+      <a:lvl8pPr marR="0" lvl="7" algn="l" rtl="0">
         <a:lnSpc>
           <a:spcPct val="100000"/>
         </a:lnSpc>
@@ -9022,7 +9211,7 @@
           <a:srgbClr val="000000"/>
         </a:buClr>
         <a:buFont typeface="Arial"/>
-        <a:defRPr b="0" i="0" sz="1400" u="none" cap="none" strike="noStrike">
+        <a:defRPr sz="1400" b="0" i="0" u="none" strike="noStrike" cap="none">
           <a:solidFill>
             <a:srgbClr val="000000"/>
           </a:solidFill>
@@ -9032,7 +9221,7 @@
           <a:sym typeface="Arial"/>
         </a:defRPr>
       </a:lvl8pPr>
-      <a:lvl9pPr lvl="8" marR="0" rtl="0" algn="l">
+      <a:lvl9pPr marR="0" lvl="8" algn="l" rtl="0">
         <a:lnSpc>
           <a:spcPct val="100000"/>
         </a:lnSpc>
@@ -9046,7 +9235,7 @@
           <a:srgbClr val="000000"/>
         </a:buClr>
         <a:buFont typeface="Arial"/>
-        <a:defRPr b="0" i="0" sz="1400" u="none" cap="none" strike="noStrike">
+        <a:defRPr sz="1400" b="0" i="0" u="none" strike="noStrike" cap="none">
           <a:solidFill>
             <a:srgbClr val="000000"/>
           </a:solidFill>
@@ -9058,7 +9247,7 @@
       </a:lvl9pPr>
     </p:titleStyle>
     <p:bodyStyle>
-      <a:defPPr lvl="0" marR="0" rtl="0" algn="l">
+      <a:defPPr marR="0" lvl="0" algn="l" rtl="0">
         <a:lnSpc>
           <a:spcPct val="100000"/>
         </a:lnSpc>
@@ -9069,7 +9258,7 @@
           <a:spcPts val="0"/>
         </a:spcAft>
       </a:defPPr>
-      <a:lvl1pPr lvl="0" marR="0" rtl="0" algn="l">
+      <a:lvl1pPr marR="0" lvl="0" algn="l" rtl="0">
         <a:lnSpc>
           <a:spcPct val="100000"/>
         </a:lnSpc>
@@ -9083,7 +9272,7 @@
           <a:srgbClr val="000000"/>
         </a:buClr>
         <a:buFont typeface="Arial"/>
-        <a:defRPr b="0" i="0" sz="1400" u="none" cap="none" strike="noStrike">
+        <a:defRPr sz="1400" b="0" i="0" u="none" strike="noStrike" cap="none">
           <a:solidFill>
             <a:srgbClr val="000000"/>
           </a:solidFill>
@@ -9093,7 +9282,7 @@
           <a:sym typeface="Arial"/>
         </a:defRPr>
       </a:lvl1pPr>
-      <a:lvl2pPr lvl="1" marR="0" rtl="0" algn="l">
+      <a:lvl2pPr marR="0" lvl="1" algn="l" rtl="0">
         <a:lnSpc>
           <a:spcPct val="100000"/>
         </a:lnSpc>
@@ -9107,7 +9296,7 @@
           <a:srgbClr val="000000"/>
         </a:buClr>
         <a:buFont typeface="Arial"/>
-        <a:defRPr b="0" i="0" sz="1400" u="none" cap="none" strike="noStrike">
+        <a:defRPr sz="1400" b="0" i="0" u="none" strike="noStrike" cap="none">
           <a:solidFill>
             <a:srgbClr val="000000"/>
           </a:solidFill>
@@ -9117,7 +9306,7 @@
           <a:sym typeface="Arial"/>
         </a:defRPr>
       </a:lvl2pPr>
-      <a:lvl3pPr lvl="2" marR="0" rtl="0" algn="l">
+      <a:lvl3pPr marR="0" lvl="2" algn="l" rtl="0">
         <a:lnSpc>
           <a:spcPct val="100000"/>
         </a:lnSpc>
@@ -9131,7 +9320,7 @@
           <a:srgbClr val="000000"/>
         </a:buClr>
         <a:buFont typeface="Arial"/>
-        <a:defRPr b="0" i="0" sz="1400" u="none" cap="none" strike="noStrike">
+        <a:defRPr sz="1400" b="0" i="0" u="none" strike="noStrike" cap="none">
           <a:solidFill>
             <a:srgbClr val="000000"/>
           </a:solidFill>
@@ -9141,7 +9330,7 @@
           <a:sym typeface="Arial"/>
         </a:defRPr>
       </a:lvl3pPr>
-      <a:lvl4pPr lvl="3" marR="0" rtl="0" algn="l">
+      <a:lvl4pPr marR="0" lvl="3" algn="l" rtl="0">
         <a:lnSpc>
           <a:spcPct val="100000"/>
         </a:lnSpc>
@@ -9155,7 +9344,7 @@
           <a:srgbClr val="000000"/>
         </a:buClr>
         <a:buFont typeface="Arial"/>
-        <a:defRPr b="0" i="0" sz="1400" u="none" cap="none" strike="noStrike">
+        <a:defRPr sz="1400" b="0" i="0" u="none" strike="noStrike" cap="none">
           <a:solidFill>
             <a:srgbClr val="000000"/>
           </a:solidFill>
@@ -9165,7 +9354,7 @@
           <a:sym typeface="Arial"/>
         </a:defRPr>
       </a:lvl4pPr>
-      <a:lvl5pPr lvl="4" marR="0" rtl="0" algn="l">
+      <a:lvl5pPr marR="0" lvl="4" algn="l" rtl="0">
         <a:lnSpc>
           <a:spcPct val="100000"/>
         </a:lnSpc>
@@ -9179,7 +9368,7 @@
           <a:srgbClr val="000000"/>
         </a:buClr>
         <a:buFont typeface="Arial"/>
-        <a:defRPr b="0" i="0" sz="1400" u="none" cap="none" strike="noStrike">
+        <a:defRPr sz="1400" b="0" i="0" u="none" strike="noStrike" cap="none">
           <a:solidFill>
             <a:srgbClr val="000000"/>
           </a:solidFill>
@@ -9189,7 +9378,7 @@
           <a:sym typeface="Arial"/>
         </a:defRPr>
       </a:lvl5pPr>
-      <a:lvl6pPr lvl="5" marR="0" rtl="0" algn="l">
+      <a:lvl6pPr marR="0" lvl="5" algn="l" rtl="0">
         <a:lnSpc>
           <a:spcPct val="100000"/>
         </a:lnSpc>
@@ -9203,7 +9392,7 @@
           <a:srgbClr val="000000"/>
         </a:buClr>
         <a:buFont typeface="Arial"/>
-        <a:defRPr b="0" i="0" sz="1400" u="none" cap="none" strike="noStrike">
+        <a:defRPr sz="1400" b="0" i="0" u="none" strike="noStrike" cap="none">
           <a:solidFill>
             <a:srgbClr val="000000"/>
           </a:solidFill>
@@ -9213,7 +9402,7 @@
           <a:sym typeface="Arial"/>
         </a:defRPr>
       </a:lvl6pPr>
-      <a:lvl7pPr lvl="6" marR="0" rtl="0" algn="l">
+      <a:lvl7pPr marR="0" lvl="6" algn="l" rtl="0">
         <a:lnSpc>
           <a:spcPct val="100000"/>
         </a:lnSpc>
@@ -9227,7 +9416,7 @@
           <a:srgbClr val="000000"/>
         </a:buClr>
         <a:buFont typeface="Arial"/>
-        <a:defRPr b="0" i="0" sz="1400" u="none" cap="none" strike="noStrike">
+        <a:defRPr sz="1400" b="0" i="0" u="none" strike="noStrike" cap="none">
           <a:solidFill>
             <a:srgbClr val="000000"/>
           </a:solidFill>
@@ -9237,7 +9426,7 @@
           <a:sym typeface="Arial"/>
         </a:defRPr>
       </a:lvl7pPr>
-      <a:lvl8pPr lvl="7" marR="0" rtl="0" algn="l">
+      <a:lvl8pPr marR="0" lvl="7" algn="l" rtl="0">
         <a:lnSpc>
           <a:spcPct val="100000"/>
         </a:lnSpc>
@@ -9251,7 +9440,7 @@
           <a:srgbClr val="000000"/>
         </a:buClr>
         <a:buFont typeface="Arial"/>
-        <a:defRPr b="0" i="0" sz="1400" u="none" cap="none" strike="noStrike">
+        <a:defRPr sz="1400" b="0" i="0" u="none" strike="noStrike" cap="none">
           <a:solidFill>
             <a:srgbClr val="000000"/>
           </a:solidFill>
@@ -9261,7 +9450,7 @@
           <a:sym typeface="Arial"/>
         </a:defRPr>
       </a:lvl8pPr>
-      <a:lvl9pPr lvl="8" marR="0" rtl="0" algn="l">
+      <a:lvl9pPr marR="0" lvl="8" algn="l" rtl="0">
         <a:lnSpc>
           <a:spcPct val="100000"/>
         </a:lnSpc>
@@ -9275,7 +9464,7 @@
           <a:srgbClr val="000000"/>
         </a:buClr>
         <a:buFont typeface="Arial"/>
-        <a:defRPr b="0" i="0" sz="1400" u="none" cap="none" strike="noStrike">
+        <a:defRPr sz="1400" b="0" i="0" u="none" strike="noStrike" cap="none">
           <a:solidFill>
             <a:srgbClr val="000000"/>
           </a:solidFill>
@@ -9287,7 +9476,7 @@
       </a:lvl9pPr>
     </p:bodyStyle>
     <p:otherStyle>
-      <a:defPPr lvl="0" marR="0" rtl="0" algn="l">
+      <a:defPPr marR="0" lvl="0" algn="l" rtl="0">
         <a:lnSpc>
           <a:spcPct val="100000"/>
         </a:lnSpc>
@@ -9298,7 +9487,7 @@
           <a:spcPts val="0"/>
         </a:spcAft>
       </a:defPPr>
-      <a:lvl1pPr lvl="0" marR="0" rtl="0" algn="l">
+      <a:lvl1pPr marR="0" lvl="0" algn="l" rtl="0">
         <a:lnSpc>
           <a:spcPct val="100000"/>
         </a:lnSpc>
@@ -9312,7 +9501,7 @@
           <a:srgbClr val="000000"/>
         </a:buClr>
         <a:buFont typeface="Arial"/>
-        <a:defRPr b="0" i="0" sz="1400" u="none" cap="none" strike="noStrike">
+        <a:defRPr sz="1400" b="0" i="0" u="none" strike="noStrike" cap="none">
           <a:solidFill>
             <a:srgbClr val="000000"/>
           </a:solidFill>
@@ -9322,7 +9511,7 @@
           <a:sym typeface="Arial"/>
         </a:defRPr>
       </a:lvl1pPr>
-      <a:lvl2pPr lvl="1" marR="0" rtl="0" algn="l">
+      <a:lvl2pPr marR="0" lvl="1" algn="l" rtl="0">
         <a:lnSpc>
           <a:spcPct val="100000"/>
         </a:lnSpc>
@@ -9336,7 +9525,7 @@
           <a:srgbClr val="000000"/>
         </a:buClr>
         <a:buFont typeface="Arial"/>
-        <a:defRPr b="0" i="0" sz="1400" u="none" cap="none" strike="noStrike">
+        <a:defRPr sz="1400" b="0" i="0" u="none" strike="noStrike" cap="none">
           <a:solidFill>
             <a:srgbClr val="000000"/>
           </a:solidFill>
@@ -9346,7 +9535,7 @@
           <a:sym typeface="Arial"/>
         </a:defRPr>
       </a:lvl2pPr>
-      <a:lvl3pPr lvl="2" marR="0" rtl="0" algn="l">
+      <a:lvl3pPr marR="0" lvl="2" algn="l" rtl="0">
         <a:lnSpc>
           <a:spcPct val="100000"/>
         </a:lnSpc>
@@ -9360,7 +9549,7 @@
           <a:srgbClr val="000000"/>
         </a:buClr>
         <a:buFont typeface="Arial"/>
-        <a:defRPr b="0" i="0" sz="1400" u="none" cap="none" strike="noStrike">
+        <a:defRPr sz="1400" b="0" i="0" u="none" strike="noStrike" cap="none">
           <a:solidFill>
             <a:srgbClr val="000000"/>
           </a:solidFill>
@@ -9370,7 +9559,7 @@
           <a:sym typeface="Arial"/>
         </a:defRPr>
       </a:lvl3pPr>
-      <a:lvl4pPr lvl="3" marR="0" rtl="0" algn="l">
+      <a:lvl4pPr marR="0" lvl="3" algn="l" rtl="0">
         <a:lnSpc>
           <a:spcPct val="100000"/>
         </a:lnSpc>
@@ -9384,7 +9573,7 @@
           <a:srgbClr val="000000"/>
         </a:buClr>
         <a:buFont typeface="Arial"/>
-        <a:defRPr b="0" i="0" sz="1400" u="none" cap="none" strike="noStrike">
+        <a:defRPr sz="1400" b="0" i="0" u="none" strike="noStrike" cap="none">
           <a:solidFill>
             <a:srgbClr val="000000"/>
           </a:solidFill>
@@ -9394,7 +9583,7 @@
           <a:sym typeface="Arial"/>
         </a:defRPr>
       </a:lvl4pPr>
-      <a:lvl5pPr lvl="4" marR="0" rtl="0" algn="l">
+      <a:lvl5pPr marR="0" lvl="4" algn="l" rtl="0">
         <a:lnSpc>
           <a:spcPct val="100000"/>
         </a:lnSpc>
@@ -9408,7 +9597,7 @@
           <a:srgbClr val="000000"/>
         </a:buClr>
         <a:buFont typeface="Arial"/>
-        <a:defRPr b="0" i="0" sz="1400" u="none" cap="none" strike="noStrike">
+        <a:defRPr sz="1400" b="0" i="0" u="none" strike="noStrike" cap="none">
           <a:solidFill>
             <a:srgbClr val="000000"/>
           </a:solidFill>
@@ -9418,7 +9607,7 @@
           <a:sym typeface="Arial"/>
         </a:defRPr>
       </a:lvl5pPr>
-      <a:lvl6pPr lvl="5" marR="0" rtl="0" algn="l">
+      <a:lvl6pPr marR="0" lvl="5" algn="l" rtl="0">
         <a:lnSpc>
           <a:spcPct val="100000"/>
         </a:lnSpc>
@@ -9432,7 +9621,7 @@
           <a:srgbClr val="000000"/>
         </a:buClr>
         <a:buFont typeface="Arial"/>
-        <a:defRPr b="0" i="0" sz="1400" u="none" cap="none" strike="noStrike">
+        <a:defRPr sz="1400" b="0" i="0" u="none" strike="noStrike" cap="none">
           <a:solidFill>
             <a:srgbClr val="000000"/>
           </a:solidFill>
@@ -9442,7 +9631,7 @@
           <a:sym typeface="Arial"/>
         </a:defRPr>
       </a:lvl6pPr>
-      <a:lvl7pPr lvl="6" marR="0" rtl="0" algn="l">
+      <a:lvl7pPr marR="0" lvl="6" algn="l" rtl="0">
         <a:lnSpc>
           <a:spcPct val="100000"/>
         </a:lnSpc>
@@ -9456,7 +9645,7 @@
           <a:srgbClr val="000000"/>
         </a:buClr>
         <a:buFont typeface="Arial"/>
-        <a:defRPr b="0" i="0" sz="1400" u="none" cap="none" strike="noStrike">
+        <a:defRPr sz="1400" b="0" i="0" u="none" strike="noStrike" cap="none">
           <a:solidFill>
             <a:srgbClr val="000000"/>
           </a:solidFill>
@@ -9466,7 +9655,7 @@
           <a:sym typeface="Arial"/>
         </a:defRPr>
       </a:lvl7pPr>
-      <a:lvl8pPr lvl="7" marR="0" rtl="0" algn="l">
+      <a:lvl8pPr marR="0" lvl="7" algn="l" rtl="0">
         <a:lnSpc>
           <a:spcPct val="100000"/>
         </a:lnSpc>
@@ -9480,7 +9669,7 @@
           <a:srgbClr val="000000"/>
         </a:buClr>
         <a:buFont typeface="Arial"/>
-        <a:defRPr b="0" i="0" sz="1400" u="none" cap="none" strike="noStrike">
+        <a:defRPr sz="1400" b="0" i="0" u="none" strike="noStrike" cap="none">
           <a:solidFill>
             <a:srgbClr val="000000"/>
           </a:solidFill>
@@ -9490,7 +9679,7 @@
           <a:sym typeface="Arial"/>
         </a:defRPr>
       </a:lvl8pPr>
-      <a:lvl9pPr lvl="8" marR="0" rtl="0" algn="l">
+      <a:lvl9pPr marR="0" lvl="8" algn="l" rtl="0">
         <a:lnSpc>
           <a:spcPct val="100000"/>
         </a:lnSpc>
@@ -9504,7 +9693,7 @@
           <a:srgbClr val="000000"/>
         </a:buClr>
         <a:buFont typeface="Arial"/>
-        <a:defRPr b="0" i="0" sz="1400" u="none" cap="none" strike="noStrike">
+        <a:defRPr sz="1400" b="0" i="0" u="none" strike="noStrike" cap="none">
           <a:solidFill>
             <a:srgbClr val="000000"/>
           </a:solidFill>
@@ -9520,11 +9709,11 @@
 </file>
 
 <file path=ppt/slides/slide1.xml><?xml version="1.0" encoding="utf-8"?>
-<p:sld xmlns:a="http://schemas.openxmlformats.org/drawingml/2006/main" xmlns:r="http://schemas.openxmlformats.org/officeDocument/2006/relationships" xmlns:mc="http://schemas.openxmlformats.org/markup-compatibility/2006" xmlns:mv="urn:schemas-microsoft-com:mac:vml" xmlns:p="http://schemas.openxmlformats.org/presentationml/2006/main" xmlns:c="http://schemas.openxmlformats.org/drawingml/2006/chart" xmlns:dgm="http://schemas.openxmlformats.org/drawingml/2006/diagram" xmlns:o="urn:schemas-microsoft-com:office:office" xmlns:v="urn:schemas-microsoft-com:vml" xmlns:pvml="urn:schemas-microsoft-com:office:powerpoint" xmlns:com="http://schemas.openxmlformats.org/drawingml/2006/compatibility" xmlns:p14="http://schemas.microsoft.com/office/powerpoint/2010/main" xmlns:p15="http://schemas.microsoft.com/office/powerpoint/2012/main">
+<p:sld xmlns:a="http://schemas.openxmlformats.org/drawingml/2006/main" xmlns:r="http://schemas.openxmlformats.org/officeDocument/2006/relationships" xmlns:p="http://schemas.openxmlformats.org/presentationml/2006/main">
   <p:cSld>
     <p:spTree>
       <p:nvGrpSpPr>
-        <p:cNvPr id="85" name="Shape 85"/>
+        <p:cNvPr id="1" name="Shape 85"/>
         <p:cNvGrpSpPr/>
         <p:nvPr/>
       </p:nvGrpSpPr>
@@ -9539,7 +9728,9 @@
       <p:sp>
         <p:nvSpPr>
           <p:cNvPr id="86" name="Google Shape;86;p13"/>
-          <p:cNvSpPr txBox="1"/>
+          <p:cNvSpPr txBox="1">
+            <a:spLocks noGrp="1"/>
+          </p:cNvSpPr>
           <p:nvPr>
             <p:ph type="ctrTitle"/>
           </p:nvPr>
@@ -9554,12 +9745,12 @@
           </a:prstGeom>
         </p:spPr>
         <p:txBody>
-          <a:bodyPr anchorCtr="0" anchor="t" bIns="91425" lIns="91425" spcFirstLastPara="1" rIns="91425" wrap="square" tIns="91425">
+          <a:bodyPr spcFirstLastPara="1" wrap="square" lIns="91425" tIns="91425" rIns="91425" bIns="91425" anchor="t" anchorCtr="0">
             <a:noAutofit/>
           </a:bodyPr>
           <a:lstStyle/>
           <a:p>
-            <a:pPr indent="0" lvl="0" marL="0" rtl="0" algn="l">
+            <a:pPr marL="0" lvl="0" indent="0" algn="l" rtl="0">
               <a:spcBef>
                 <a:spcPts val="0"/>
               </a:spcBef>
@@ -9570,11 +9761,7 @@
             </a:pPr>
             <a:r>
               <a:rPr lang="en"/>
-              <a:t>S</a:t>
-            </a:r>
-            <a:r>
-              <a:rPr lang="en"/>
-              <a:t>cikit-learn</a:t>
+              <a:t>Scikit-learn</a:t>
             </a:r>
             <a:endParaRPr/>
           </a:p>
@@ -9589,11 +9776,11 @@
 </file>
 
 <file path=ppt/slides/slide10.xml><?xml version="1.0" encoding="utf-8"?>
-<p:sld xmlns:a="http://schemas.openxmlformats.org/drawingml/2006/main" xmlns:r="http://schemas.openxmlformats.org/officeDocument/2006/relationships" xmlns:mc="http://schemas.openxmlformats.org/markup-compatibility/2006" xmlns:mv="urn:schemas-microsoft-com:mac:vml" xmlns:p="http://schemas.openxmlformats.org/presentationml/2006/main" xmlns:c="http://schemas.openxmlformats.org/drawingml/2006/chart" xmlns:dgm="http://schemas.openxmlformats.org/drawingml/2006/diagram" xmlns:o="urn:schemas-microsoft-com:office:office" xmlns:v="urn:schemas-microsoft-com:vml" xmlns:pvml="urn:schemas-microsoft-com:office:powerpoint" xmlns:com="http://schemas.openxmlformats.org/drawingml/2006/compatibility" xmlns:p14="http://schemas.microsoft.com/office/powerpoint/2010/main" xmlns:p15="http://schemas.microsoft.com/office/powerpoint/2012/main">
+<p:sld xmlns:a="http://schemas.openxmlformats.org/drawingml/2006/main" xmlns:r="http://schemas.openxmlformats.org/officeDocument/2006/relationships" xmlns:p="http://schemas.openxmlformats.org/presentationml/2006/main">
   <p:cSld>
     <p:spTree>
       <p:nvGrpSpPr>
-        <p:cNvPr id="140" name="Shape 140"/>
+        <p:cNvPr id="1" name="Shape 140"/>
         <p:cNvGrpSpPr/>
         <p:nvPr/>
       </p:nvGrpSpPr>
@@ -9608,7 +9795,9 @@
       <p:sp>
         <p:nvSpPr>
           <p:cNvPr id="141" name="Google Shape;141;p22"/>
-          <p:cNvSpPr txBox="1"/>
+          <p:cNvSpPr txBox="1">
+            <a:spLocks noGrp="1"/>
+          </p:cNvSpPr>
           <p:nvPr>
             <p:ph type="title"/>
           </p:nvPr>
@@ -9623,12 +9812,12 @@
           </a:prstGeom>
         </p:spPr>
         <p:txBody>
-          <a:bodyPr anchorCtr="0" anchor="t" bIns="91425" lIns="91425" spcFirstLastPara="1" rIns="91425" wrap="square" tIns="91425">
+          <a:bodyPr spcFirstLastPara="1" wrap="square" lIns="91425" tIns="91425" rIns="91425" bIns="91425" anchor="t" anchorCtr="0">
             <a:noAutofit/>
           </a:bodyPr>
           <a:lstStyle/>
           <a:p>
-            <a:pPr indent="0" lvl="0" marL="0" rtl="0" algn="l">
+            <a:pPr marL="0" lvl="0" indent="0" algn="l" rtl="0">
               <a:spcBef>
                 <a:spcPts val="0"/>
               </a:spcBef>
@@ -9648,9 +9837,11 @@
       <p:sp>
         <p:nvSpPr>
           <p:cNvPr id="142" name="Google Shape;142;p22"/>
-          <p:cNvSpPr txBox="1"/>
+          <p:cNvSpPr txBox="1">
+            <a:spLocks noGrp="1"/>
+          </p:cNvSpPr>
           <p:nvPr>
-            <p:ph idx="1" type="body"/>
+            <p:ph type="body" idx="1"/>
           </p:nvPr>
         </p:nvSpPr>
         <p:spPr>
@@ -9663,12 +9854,12 @@
           </a:prstGeom>
         </p:spPr>
         <p:txBody>
-          <a:bodyPr anchorCtr="0" anchor="t" bIns="91425" lIns="91425" spcFirstLastPara="1" rIns="91425" wrap="square" tIns="91425">
+          <a:bodyPr spcFirstLastPara="1" wrap="square" lIns="91425" tIns="91425" rIns="91425" bIns="91425" anchor="t" anchorCtr="0">
             <a:noAutofit/>
           </a:bodyPr>
           <a:lstStyle/>
           <a:p>
-            <a:pPr indent="-311150" lvl="0" marL="457200" rtl="0" algn="l">
+            <a:pPr marL="457200" lvl="0" indent="-311150" algn="l" rtl="0">
               <a:spcBef>
                 <a:spcPts val="0"/>
               </a:spcBef>
@@ -9685,7 +9876,7 @@
             <a:endParaRPr/>
           </a:p>
           <a:p>
-            <a:pPr indent="-311150" lvl="0" marL="457200" rtl="0" algn="l">
+            <a:pPr marL="457200" lvl="0" indent="-311150" algn="l" rtl="0">
               <a:spcBef>
                 <a:spcPts val="0"/>
               </a:spcBef>
@@ -9740,11 +9931,11 @@
 </file>
 
 <file path=ppt/slides/slide11.xml><?xml version="1.0" encoding="utf-8"?>
-<p:sld xmlns:a="http://schemas.openxmlformats.org/drawingml/2006/main" xmlns:r="http://schemas.openxmlformats.org/officeDocument/2006/relationships" xmlns:mc="http://schemas.openxmlformats.org/markup-compatibility/2006" xmlns:mv="urn:schemas-microsoft-com:mac:vml" xmlns:p="http://schemas.openxmlformats.org/presentationml/2006/main" xmlns:c="http://schemas.openxmlformats.org/drawingml/2006/chart" xmlns:dgm="http://schemas.openxmlformats.org/drawingml/2006/diagram" xmlns:o="urn:schemas-microsoft-com:office:office" xmlns:v="urn:schemas-microsoft-com:vml" xmlns:pvml="urn:schemas-microsoft-com:office:powerpoint" xmlns:com="http://schemas.openxmlformats.org/drawingml/2006/compatibility" xmlns:p14="http://schemas.microsoft.com/office/powerpoint/2010/main" xmlns:p15="http://schemas.microsoft.com/office/powerpoint/2012/main">
+<p:sld xmlns:a="http://schemas.openxmlformats.org/drawingml/2006/main" xmlns:r="http://schemas.openxmlformats.org/officeDocument/2006/relationships" xmlns:p="http://schemas.openxmlformats.org/presentationml/2006/main">
   <p:cSld>
     <p:spTree>
       <p:nvGrpSpPr>
-        <p:cNvPr id="147" name="Shape 147"/>
+        <p:cNvPr id="1" name="Shape 147"/>
         <p:cNvGrpSpPr/>
         <p:nvPr/>
       </p:nvGrpSpPr>
@@ -9759,7 +9950,9 @@
       <p:sp>
         <p:nvSpPr>
           <p:cNvPr id="148" name="Google Shape;148;p23"/>
-          <p:cNvSpPr txBox="1"/>
+          <p:cNvSpPr txBox="1">
+            <a:spLocks noGrp="1"/>
+          </p:cNvSpPr>
           <p:nvPr>
             <p:ph type="title"/>
           </p:nvPr>
@@ -9774,12 +9967,12 @@
           </a:prstGeom>
         </p:spPr>
         <p:txBody>
-          <a:bodyPr anchorCtr="0" anchor="t" bIns="91425" lIns="91425" spcFirstLastPara="1" rIns="91425" wrap="square" tIns="91425">
+          <a:bodyPr spcFirstLastPara="1" wrap="square" lIns="91425" tIns="91425" rIns="91425" bIns="91425" anchor="t" anchorCtr="0">
             <a:noAutofit/>
           </a:bodyPr>
           <a:lstStyle/>
           <a:p>
-            <a:pPr indent="0" lvl="0" marL="0" rtl="0" algn="l">
+            <a:pPr marL="0" lvl="0" indent="0" algn="l" rtl="0">
               <a:spcBef>
                 <a:spcPts val="0"/>
               </a:spcBef>
@@ -9799,9 +9992,11 @@
       <p:sp>
         <p:nvSpPr>
           <p:cNvPr id="149" name="Google Shape;149;p23"/>
-          <p:cNvSpPr txBox="1"/>
+          <p:cNvSpPr txBox="1">
+            <a:spLocks noGrp="1"/>
+          </p:cNvSpPr>
           <p:nvPr>
-            <p:ph idx="1" type="body"/>
+            <p:ph type="body" idx="1"/>
           </p:nvPr>
         </p:nvSpPr>
         <p:spPr>
@@ -9814,12 +10009,12 @@
           </a:prstGeom>
         </p:spPr>
         <p:txBody>
-          <a:bodyPr anchorCtr="0" anchor="t" bIns="91425" lIns="91425" spcFirstLastPara="1" rIns="91425" wrap="square" tIns="91425">
+          <a:bodyPr spcFirstLastPara="1" wrap="square" lIns="91425" tIns="91425" rIns="91425" bIns="91425" anchor="t" anchorCtr="0">
             <a:noAutofit/>
           </a:bodyPr>
           <a:lstStyle/>
           <a:p>
-            <a:pPr indent="0" lvl="0" marL="0" rtl="0" algn="l">
+            <a:pPr marL="0" lvl="0" indent="0" algn="l" rtl="0">
               <a:spcBef>
                 <a:spcPts val="0"/>
               </a:spcBef>
@@ -9830,15 +10025,7 @@
             </a:pPr>
             <a:r>
               <a:rPr lang="en"/>
-              <a:t>Removendo 10% das amostras de Rock </a:t>
-            </a:r>
-            <a:r>
-              <a:rPr lang="en"/>
-              <a:t>aleatoriamente</a:t>
-            </a:r>
-            <a:r>
-              <a:rPr lang="en"/>
-              <a:t>.</a:t>
+              <a:t>Removendo 10% das amostras de Rock aleatoriamente.</a:t>
             </a:r>
             <a:endParaRPr/>
           </a:p>
@@ -9881,11 +10068,11 @@
 </file>
 
 <file path=ppt/slides/slide12.xml><?xml version="1.0" encoding="utf-8"?>
-<p:sld xmlns:a="http://schemas.openxmlformats.org/drawingml/2006/main" xmlns:r="http://schemas.openxmlformats.org/officeDocument/2006/relationships" xmlns:mc="http://schemas.openxmlformats.org/markup-compatibility/2006" xmlns:mv="urn:schemas-microsoft-com:mac:vml" xmlns:p="http://schemas.openxmlformats.org/presentationml/2006/main" xmlns:c="http://schemas.openxmlformats.org/drawingml/2006/chart" xmlns:dgm="http://schemas.openxmlformats.org/drawingml/2006/diagram" xmlns:o="urn:schemas-microsoft-com:office:office" xmlns:v="urn:schemas-microsoft-com:vml" xmlns:pvml="urn:schemas-microsoft-com:office:powerpoint" xmlns:com="http://schemas.openxmlformats.org/drawingml/2006/compatibility" xmlns:p14="http://schemas.microsoft.com/office/powerpoint/2010/main" xmlns:p15="http://schemas.microsoft.com/office/powerpoint/2012/main">
+<p:sld xmlns:a="http://schemas.openxmlformats.org/drawingml/2006/main" xmlns:r="http://schemas.openxmlformats.org/officeDocument/2006/relationships" xmlns:p="http://schemas.openxmlformats.org/presentationml/2006/main">
   <p:cSld>
     <p:spTree>
       <p:nvGrpSpPr>
-        <p:cNvPr id="154" name="Shape 154"/>
+        <p:cNvPr id="1" name="Shape 154"/>
         <p:cNvGrpSpPr/>
         <p:nvPr/>
       </p:nvGrpSpPr>
@@ -9900,7 +10087,9 @@
       <p:sp>
         <p:nvSpPr>
           <p:cNvPr id="155" name="Google Shape;155;p24"/>
-          <p:cNvSpPr txBox="1"/>
+          <p:cNvSpPr txBox="1">
+            <a:spLocks noGrp="1"/>
+          </p:cNvSpPr>
           <p:nvPr>
             <p:ph type="title"/>
           </p:nvPr>
@@ -9915,12 +10104,12 @@
           </a:prstGeom>
         </p:spPr>
         <p:txBody>
-          <a:bodyPr anchorCtr="0" anchor="t" bIns="91425" lIns="91425" spcFirstLastPara="1" rIns="91425" wrap="square" tIns="91425">
+          <a:bodyPr spcFirstLastPara="1" wrap="square" lIns="91425" tIns="91425" rIns="91425" bIns="91425" anchor="t" anchorCtr="0">
             <a:noAutofit/>
           </a:bodyPr>
           <a:lstStyle/>
           <a:p>
-            <a:pPr indent="0" lvl="0" marL="0" rtl="0" algn="l">
+            <a:pPr marL="0" lvl="0" indent="0" algn="l" rtl="0">
               <a:spcBef>
                 <a:spcPts val="0"/>
               </a:spcBef>
@@ -9974,11 +10163,11 @@
 </file>
 
 <file path=ppt/slides/slide13.xml><?xml version="1.0" encoding="utf-8"?>
-<p:sld xmlns:a="http://schemas.openxmlformats.org/drawingml/2006/main" xmlns:r="http://schemas.openxmlformats.org/officeDocument/2006/relationships" xmlns:mc="http://schemas.openxmlformats.org/markup-compatibility/2006" xmlns:mv="urn:schemas-microsoft-com:mac:vml" xmlns:p="http://schemas.openxmlformats.org/presentationml/2006/main" xmlns:c="http://schemas.openxmlformats.org/drawingml/2006/chart" xmlns:dgm="http://schemas.openxmlformats.org/drawingml/2006/diagram" xmlns:o="urn:schemas-microsoft-com:office:office" xmlns:v="urn:schemas-microsoft-com:vml" xmlns:pvml="urn:schemas-microsoft-com:office:powerpoint" xmlns:com="http://schemas.openxmlformats.org/drawingml/2006/compatibility" xmlns:p14="http://schemas.microsoft.com/office/powerpoint/2010/main" xmlns:p15="http://schemas.microsoft.com/office/powerpoint/2012/main">
+<p:sld xmlns:a="http://schemas.openxmlformats.org/drawingml/2006/main" xmlns:r="http://schemas.openxmlformats.org/officeDocument/2006/relationships" xmlns:p="http://schemas.openxmlformats.org/presentationml/2006/main">
   <p:cSld>
     <p:spTree>
       <p:nvGrpSpPr>
-        <p:cNvPr id="160" name="Shape 160"/>
+        <p:cNvPr id="1" name="Shape 160"/>
         <p:cNvGrpSpPr/>
         <p:nvPr/>
       </p:nvGrpSpPr>
@@ -9993,7 +10182,9 @@
       <p:sp>
         <p:nvSpPr>
           <p:cNvPr id="161" name="Google Shape;161;p25"/>
-          <p:cNvSpPr txBox="1"/>
+          <p:cNvSpPr txBox="1">
+            <a:spLocks noGrp="1"/>
+          </p:cNvSpPr>
           <p:nvPr>
             <p:ph type="title"/>
           </p:nvPr>
@@ -10008,12 +10199,12 @@
           </a:prstGeom>
         </p:spPr>
         <p:txBody>
-          <a:bodyPr anchorCtr="0" anchor="t" bIns="91425" lIns="91425" spcFirstLastPara="1" rIns="91425" wrap="square" tIns="91425">
+          <a:bodyPr spcFirstLastPara="1" wrap="square" lIns="91425" tIns="91425" rIns="91425" bIns="91425" anchor="t" anchorCtr="0">
             <a:noAutofit/>
           </a:bodyPr>
           <a:lstStyle/>
           <a:p>
-            <a:pPr indent="0" lvl="0" marL="0" rtl="0" algn="l">
+            <a:pPr marL="0" lvl="0" indent="0" algn="l" rtl="0">
               <a:spcBef>
                 <a:spcPts val="0"/>
               </a:spcBef>
@@ -10033,9 +10224,11 @@
       <p:sp>
         <p:nvSpPr>
           <p:cNvPr id="162" name="Google Shape;162;p25"/>
-          <p:cNvSpPr txBox="1"/>
+          <p:cNvSpPr txBox="1">
+            <a:spLocks noGrp="1"/>
+          </p:cNvSpPr>
           <p:nvPr>
-            <p:ph idx="1" type="body"/>
+            <p:ph type="body" idx="1"/>
           </p:nvPr>
         </p:nvSpPr>
         <p:spPr>
@@ -10048,12 +10241,12 @@
           </a:prstGeom>
         </p:spPr>
         <p:txBody>
-          <a:bodyPr anchorCtr="0" anchor="t" bIns="91425" lIns="91425" spcFirstLastPara="1" rIns="91425" wrap="square" tIns="91425">
+          <a:bodyPr spcFirstLastPara="1" wrap="square" lIns="91425" tIns="91425" rIns="91425" bIns="91425" anchor="t" anchorCtr="0">
             <a:noAutofit/>
           </a:bodyPr>
           <a:lstStyle/>
           <a:p>
-            <a:pPr indent="0" lvl="0" marL="0" rtl="0" algn="l">
+            <a:pPr marL="0" lvl="0" indent="0" algn="l" rtl="0">
               <a:spcBef>
                 <a:spcPts val="0"/>
               </a:spcBef>
@@ -10079,7 +10272,7 @@
             </a:endParaRPr>
           </a:p>
           <a:p>
-            <a:pPr indent="0" lvl="0" marL="0" rtl="0" algn="l">
+            <a:pPr marL="0" lvl="0" indent="0" algn="l" rtl="0">
               <a:spcBef>
                 <a:spcPts val="1600"/>
               </a:spcBef>
@@ -10105,7 +10298,7 @@
             </a:endParaRPr>
           </a:p>
           <a:p>
-            <a:pPr indent="0" lvl="0" marL="0" rtl="0" algn="l">
+            <a:pPr marL="0" lvl="0" indent="0" algn="l" rtl="0">
               <a:spcBef>
                 <a:spcPts val="1600"/>
               </a:spcBef>
@@ -10131,7 +10324,7 @@
             </a:endParaRPr>
           </a:p>
           <a:p>
-            <a:pPr indent="0" lvl="0" marL="0" rtl="0" algn="l">
+            <a:pPr marL="0" lvl="0" indent="0" algn="l" rtl="0">
               <a:spcBef>
                 <a:spcPts val="1600"/>
               </a:spcBef>
@@ -10167,11 +10360,11 @@
 </file>
 
 <file path=ppt/slides/slide14.xml><?xml version="1.0" encoding="utf-8"?>
-<p:sld xmlns:a="http://schemas.openxmlformats.org/drawingml/2006/main" xmlns:r="http://schemas.openxmlformats.org/officeDocument/2006/relationships" xmlns:mc="http://schemas.openxmlformats.org/markup-compatibility/2006" xmlns:mv="urn:schemas-microsoft-com:mac:vml" xmlns:p="http://schemas.openxmlformats.org/presentationml/2006/main" xmlns:c="http://schemas.openxmlformats.org/drawingml/2006/chart" xmlns:dgm="http://schemas.openxmlformats.org/drawingml/2006/diagram" xmlns:o="urn:schemas-microsoft-com:office:office" xmlns:v="urn:schemas-microsoft-com:vml" xmlns:pvml="urn:schemas-microsoft-com:office:powerpoint" xmlns:com="http://schemas.openxmlformats.org/drawingml/2006/compatibility" xmlns:p14="http://schemas.microsoft.com/office/powerpoint/2010/main" xmlns:p15="http://schemas.microsoft.com/office/powerpoint/2012/main">
+<p:sld xmlns:a="http://schemas.openxmlformats.org/drawingml/2006/main" xmlns:r="http://schemas.openxmlformats.org/officeDocument/2006/relationships" xmlns:p="http://schemas.openxmlformats.org/presentationml/2006/main">
   <p:cSld>
     <p:spTree>
       <p:nvGrpSpPr>
-        <p:cNvPr id="166" name="Shape 166"/>
+        <p:cNvPr id="1" name="Shape 166"/>
         <p:cNvGrpSpPr/>
         <p:nvPr/>
       </p:nvGrpSpPr>
@@ -10186,7 +10379,9 @@
       <p:sp>
         <p:nvSpPr>
           <p:cNvPr id="167" name="Google Shape;167;p26"/>
-          <p:cNvSpPr txBox="1"/>
+          <p:cNvSpPr txBox="1">
+            <a:spLocks noGrp="1"/>
+          </p:cNvSpPr>
           <p:nvPr>
             <p:ph type="title"/>
           </p:nvPr>
@@ -10201,12 +10396,12 @@
           </a:prstGeom>
         </p:spPr>
         <p:txBody>
-          <a:bodyPr anchorCtr="0" anchor="t" bIns="91425" lIns="91425" spcFirstLastPara="1" rIns="91425" wrap="square" tIns="91425">
+          <a:bodyPr spcFirstLastPara="1" wrap="square" lIns="91425" tIns="91425" rIns="91425" bIns="91425" anchor="t" anchorCtr="0">
             <a:noAutofit/>
           </a:bodyPr>
           <a:lstStyle/>
           <a:p>
-            <a:pPr indent="0" lvl="0" marL="0" rtl="0" algn="l">
+            <a:pPr marL="0" lvl="0" indent="0" algn="l" rtl="0">
               <a:spcBef>
                 <a:spcPts val="0"/>
               </a:spcBef>
@@ -10226,9 +10421,11 @@
       <p:sp>
         <p:nvSpPr>
           <p:cNvPr id="168" name="Google Shape;168;p26"/>
-          <p:cNvSpPr txBox="1"/>
+          <p:cNvSpPr txBox="1">
+            <a:spLocks noGrp="1"/>
+          </p:cNvSpPr>
           <p:nvPr>
-            <p:ph idx="1" type="body"/>
+            <p:ph type="body" idx="1"/>
           </p:nvPr>
         </p:nvSpPr>
         <p:spPr>
@@ -10241,12 +10438,12 @@
           </a:prstGeom>
         </p:spPr>
         <p:txBody>
-          <a:bodyPr anchorCtr="0" anchor="t" bIns="91425" lIns="91425" spcFirstLastPara="1" rIns="91425" wrap="square" tIns="91425">
+          <a:bodyPr spcFirstLastPara="1" wrap="square" lIns="91425" tIns="91425" rIns="91425" bIns="91425" anchor="t" anchorCtr="0">
             <a:noAutofit/>
           </a:bodyPr>
           <a:lstStyle/>
           <a:p>
-            <a:pPr indent="-311150" lvl="0" marL="457200" rtl="0" algn="l">
+            <a:pPr marL="457200" lvl="0" indent="-311150" algn="l" rtl="0">
               <a:spcBef>
                 <a:spcPts val="0"/>
               </a:spcBef>
@@ -10263,7 +10460,7 @@
             <a:endParaRPr/>
           </a:p>
           <a:p>
-            <a:pPr indent="-311150" lvl="0" marL="457200" rtl="0" algn="l">
+            <a:pPr marL="457200" lvl="0" indent="-311150" algn="l" rtl="0">
               <a:spcBef>
                 <a:spcPts val="0"/>
               </a:spcBef>
@@ -10290,11 +10487,11 @@
 </file>
 
 <file path=ppt/slides/slide15.xml><?xml version="1.0" encoding="utf-8"?>
-<p:sld xmlns:a="http://schemas.openxmlformats.org/drawingml/2006/main" xmlns:r="http://schemas.openxmlformats.org/officeDocument/2006/relationships" xmlns:mc="http://schemas.openxmlformats.org/markup-compatibility/2006" xmlns:mv="urn:schemas-microsoft-com:mac:vml" xmlns:p="http://schemas.openxmlformats.org/presentationml/2006/main" xmlns:c="http://schemas.openxmlformats.org/drawingml/2006/chart" xmlns:dgm="http://schemas.openxmlformats.org/drawingml/2006/diagram" xmlns:o="urn:schemas-microsoft-com:office:office" xmlns:v="urn:schemas-microsoft-com:vml" xmlns:pvml="urn:schemas-microsoft-com:office:powerpoint" xmlns:com="http://schemas.openxmlformats.org/drawingml/2006/compatibility" xmlns:p14="http://schemas.microsoft.com/office/powerpoint/2010/main" xmlns:p15="http://schemas.microsoft.com/office/powerpoint/2012/main">
+<p:sld xmlns:a="http://schemas.openxmlformats.org/drawingml/2006/main" xmlns:r="http://schemas.openxmlformats.org/officeDocument/2006/relationships" xmlns:p="http://schemas.openxmlformats.org/presentationml/2006/main">
   <p:cSld>
     <p:spTree>
       <p:nvGrpSpPr>
-        <p:cNvPr id="172" name="Shape 172"/>
+        <p:cNvPr id="1" name="Shape 172"/>
         <p:cNvGrpSpPr/>
         <p:nvPr/>
       </p:nvGrpSpPr>
@@ -10309,7 +10506,9 @@
       <p:sp>
         <p:nvSpPr>
           <p:cNvPr id="173" name="Google Shape;173;p27"/>
-          <p:cNvSpPr txBox="1"/>
+          <p:cNvSpPr txBox="1">
+            <a:spLocks noGrp="1"/>
+          </p:cNvSpPr>
           <p:nvPr>
             <p:ph type="title"/>
           </p:nvPr>
@@ -10324,12 +10523,12 @@
           </a:prstGeom>
         </p:spPr>
         <p:txBody>
-          <a:bodyPr anchorCtr="0" anchor="t" bIns="91425" lIns="91425" spcFirstLastPara="1" rIns="91425" wrap="square" tIns="91425">
+          <a:bodyPr spcFirstLastPara="1" wrap="square" lIns="91425" tIns="91425" rIns="91425" bIns="91425" anchor="t" anchorCtr="0">
             <a:noAutofit/>
           </a:bodyPr>
           <a:lstStyle/>
           <a:p>
-            <a:pPr indent="0" lvl="0" marL="0" rtl="0" algn="l">
+            <a:pPr marL="0" lvl="0" indent="0" algn="l" rtl="0">
               <a:spcBef>
                 <a:spcPts val="0"/>
               </a:spcBef>
@@ -10349,9 +10548,11 @@
       <p:sp>
         <p:nvSpPr>
           <p:cNvPr id="174" name="Google Shape;174;p27"/>
-          <p:cNvSpPr txBox="1"/>
+          <p:cNvSpPr txBox="1">
+            <a:spLocks noGrp="1"/>
+          </p:cNvSpPr>
           <p:nvPr>
-            <p:ph idx="1" type="body"/>
+            <p:ph type="body" idx="1"/>
           </p:nvPr>
         </p:nvSpPr>
         <p:spPr>
@@ -10364,12 +10565,12 @@
           </a:prstGeom>
         </p:spPr>
         <p:txBody>
-          <a:bodyPr anchorCtr="0" anchor="t" bIns="91425" lIns="91425" spcFirstLastPara="1" rIns="91425" wrap="square" tIns="91425">
+          <a:bodyPr spcFirstLastPara="1" wrap="square" lIns="91425" tIns="91425" rIns="91425" bIns="91425" anchor="t" anchorCtr="0">
             <a:noAutofit/>
           </a:bodyPr>
           <a:lstStyle/>
           <a:p>
-            <a:pPr indent="0" lvl="0" marL="0" rtl="0" algn="l">
+            <a:pPr marL="0" lvl="0" indent="0" algn="l" rtl="0">
               <a:spcBef>
                 <a:spcPts val="0"/>
               </a:spcBef>
@@ -10395,7 +10596,7 @@
             </a:endParaRPr>
           </a:p>
           <a:p>
-            <a:pPr indent="0" lvl="0" marL="0" rtl="0" algn="l">
+            <a:pPr marL="0" lvl="0" indent="0" algn="l" rtl="0">
               <a:spcBef>
                 <a:spcPts val="1600"/>
               </a:spcBef>
@@ -10421,7 +10622,7 @@
             </a:endParaRPr>
           </a:p>
           <a:p>
-            <a:pPr indent="0" lvl="0" marL="0" rtl="0" algn="l">
+            <a:pPr marL="0" lvl="0" indent="0" algn="l" rtl="0">
               <a:spcBef>
                 <a:spcPts val="1600"/>
               </a:spcBef>
@@ -10513,11 +10714,11 @@
 </file>
 
 <file path=ppt/slides/slide16.xml><?xml version="1.0" encoding="utf-8"?>
-<p:sld xmlns:a="http://schemas.openxmlformats.org/drawingml/2006/main" xmlns:r="http://schemas.openxmlformats.org/officeDocument/2006/relationships" xmlns:mc="http://schemas.openxmlformats.org/markup-compatibility/2006" xmlns:mv="urn:schemas-microsoft-com:mac:vml" xmlns:p="http://schemas.openxmlformats.org/presentationml/2006/main" xmlns:c="http://schemas.openxmlformats.org/drawingml/2006/chart" xmlns:dgm="http://schemas.openxmlformats.org/drawingml/2006/diagram" xmlns:o="urn:schemas-microsoft-com:office:office" xmlns:v="urn:schemas-microsoft-com:vml" xmlns:pvml="urn:schemas-microsoft-com:office:powerpoint" xmlns:com="http://schemas.openxmlformats.org/drawingml/2006/compatibility" xmlns:p14="http://schemas.microsoft.com/office/powerpoint/2010/main" xmlns:p15="http://schemas.microsoft.com/office/powerpoint/2012/main">
+<p:sld xmlns:a="http://schemas.openxmlformats.org/drawingml/2006/main" xmlns:r="http://schemas.openxmlformats.org/officeDocument/2006/relationships" xmlns:p="http://schemas.openxmlformats.org/presentationml/2006/main">
   <p:cSld>
     <p:spTree>
       <p:nvGrpSpPr>
-        <p:cNvPr id="180" name="Shape 180"/>
+        <p:cNvPr id="1" name="Shape 180"/>
         <p:cNvGrpSpPr/>
         <p:nvPr/>
       </p:nvGrpSpPr>
@@ -10532,7 +10733,9 @@
       <p:sp>
         <p:nvSpPr>
           <p:cNvPr id="181" name="Google Shape;181;p28"/>
-          <p:cNvSpPr txBox="1"/>
+          <p:cNvSpPr txBox="1">
+            <a:spLocks noGrp="1"/>
+          </p:cNvSpPr>
           <p:nvPr>
             <p:ph type="title"/>
           </p:nvPr>
@@ -10547,12 +10750,12 @@
           </a:prstGeom>
         </p:spPr>
         <p:txBody>
-          <a:bodyPr anchorCtr="0" anchor="t" bIns="91425" lIns="91425" spcFirstLastPara="1" rIns="91425" wrap="square" tIns="91425">
+          <a:bodyPr spcFirstLastPara="1" wrap="square" lIns="91425" tIns="91425" rIns="91425" bIns="91425" anchor="t" anchorCtr="0">
             <a:noAutofit/>
           </a:bodyPr>
           <a:lstStyle/>
           <a:p>
-            <a:pPr indent="0" lvl="0" marL="0" rtl="0" algn="l">
+            <a:pPr marL="0" lvl="0" indent="0" algn="l" rtl="0">
               <a:spcBef>
                 <a:spcPts val="0"/>
               </a:spcBef>
@@ -10572,9 +10775,11 @@
       <p:sp>
         <p:nvSpPr>
           <p:cNvPr id="182" name="Google Shape;182;p28"/>
-          <p:cNvSpPr txBox="1"/>
+          <p:cNvSpPr txBox="1">
+            <a:spLocks noGrp="1"/>
+          </p:cNvSpPr>
           <p:nvPr>
-            <p:ph idx="1" type="body"/>
+            <p:ph type="body" idx="1"/>
           </p:nvPr>
         </p:nvSpPr>
         <p:spPr>
@@ -10587,12 +10792,12 @@
           </a:prstGeom>
         </p:spPr>
         <p:txBody>
-          <a:bodyPr anchorCtr="0" anchor="t" bIns="91425" lIns="91425" spcFirstLastPara="1" rIns="91425" wrap="square" tIns="91425">
+          <a:bodyPr spcFirstLastPara="1" wrap="square" lIns="91425" tIns="91425" rIns="91425" bIns="91425" anchor="t" anchorCtr="0">
             <a:noAutofit/>
           </a:bodyPr>
           <a:lstStyle/>
           <a:p>
-            <a:pPr indent="-311150" lvl="0" marL="457200" rtl="0" algn="l">
+            <a:pPr marL="457200" lvl="0" indent="-311150" algn="l" rtl="0">
               <a:spcBef>
                 <a:spcPts val="0"/>
               </a:spcBef>
@@ -10609,7 +10814,7 @@
             <a:endParaRPr/>
           </a:p>
           <a:p>
-            <a:pPr indent="-311150" lvl="0" marL="457200" rtl="0" algn="l">
+            <a:pPr marL="457200" lvl="0" indent="-311150" algn="l" rtl="0">
               <a:spcBef>
                 <a:spcPts val="0"/>
               </a:spcBef>
@@ -10636,11 +10841,11 @@
 </file>
 
 <file path=ppt/slides/slide17.xml><?xml version="1.0" encoding="utf-8"?>
-<p:sld xmlns:a="http://schemas.openxmlformats.org/drawingml/2006/main" xmlns:r="http://schemas.openxmlformats.org/officeDocument/2006/relationships" xmlns:mc="http://schemas.openxmlformats.org/markup-compatibility/2006" xmlns:mv="urn:schemas-microsoft-com:mac:vml" xmlns:p="http://schemas.openxmlformats.org/presentationml/2006/main" xmlns:c="http://schemas.openxmlformats.org/drawingml/2006/chart" xmlns:dgm="http://schemas.openxmlformats.org/drawingml/2006/diagram" xmlns:o="urn:schemas-microsoft-com:office:office" xmlns:v="urn:schemas-microsoft-com:vml" xmlns:pvml="urn:schemas-microsoft-com:office:powerpoint" xmlns:com="http://schemas.openxmlformats.org/drawingml/2006/compatibility" xmlns:p14="http://schemas.microsoft.com/office/powerpoint/2010/main" xmlns:p15="http://schemas.microsoft.com/office/powerpoint/2012/main">
+<p:sld xmlns:a="http://schemas.openxmlformats.org/drawingml/2006/main" xmlns:r="http://schemas.openxmlformats.org/officeDocument/2006/relationships" xmlns:p="http://schemas.openxmlformats.org/presentationml/2006/main">
   <p:cSld>
     <p:spTree>
       <p:nvGrpSpPr>
-        <p:cNvPr id="186" name="Shape 186"/>
+        <p:cNvPr id="1" name="Shape 186"/>
         <p:cNvGrpSpPr/>
         <p:nvPr/>
       </p:nvGrpSpPr>
@@ -10655,7 +10860,9 @@
       <p:sp>
         <p:nvSpPr>
           <p:cNvPr id="187" name="Google Shape;187;p29"/>
-          <p:cNvSpPr txBox="1"/>
+          <p:cNvSpPr txBox="1">
+            <a:spLocks noGrp="1"/>
+          </p:cNvSpPr>
           <p:nvPr>
             <p:ph type="title"/>
           </p:nvPr>
@@ -10670,12 +10877,12 @@
           </a:prstGeom>
         </p:spPr>
         <p:txBody>
-          <a:bodyPr anchorCtr="0" anchor="t" bIns="91425" lIns="91425" spcFirstLastPara="1" rIns="91425" wrap="square" tIns="91425">
+          <a:bodyPr spcFirstLastPara="1" wrap="square" lIns="91425" tIns="91425" rIns="91425" bIns="91425" anchor="t" anchorCtr="0">
             <a:noAutofit/>
           </a:bodyPr>
           <a:lstStyle/>
           <a:p>
-            <a:pPr indent="0" lvl="0" marL="0" rtl="0" algn="l">
+            <a:pPr marL="0" lvl="0" indent="0" algn="l" rtl="0">
               <a:spcBef>
                 <a:spcPts val="0"/>
               </a:spcBef>
@@ -10695,9 +10902,11 @@
       <p:sp>
         <p:nvSpPr>
           <p:cNvPr id="188" name="Google Shape;188;p29"/>
-          <p:cNvSpPr txBox="1"/>
+          <p:cNvSpPr txBox="1">
+            <a:spLocks noGrp="1"/>
+          </p:cNvSpPr>
           <p:nvPr>
-            <p:ph idx="1" type="body"/>
+            <p:ph type="body" idx="1"/>
           </p:nvPr>
         </p:nvSpPr>
         <p:spPr>
@@ -10710,12 +10919,12 @@
           </a:prstGeom>
         </p:spPr>
         <p:txBody>
-          <a:bodyPr anchorCtr="0" anchor="t" bIns="91425" lIns="91425" spcFirstLastPara="1" rIns="91425" wrap="square" tIns="91425">
+          <a:bodyPr spcFirstLastPara="1" wrap="square" lIns="91425" tIns="91425" rIns="91425" bIns="91425" anchor="t" anchorCtr="0">
             <a:noAutofit/>
           </a:bodyPr>
           <a:lstStyle/>
           <a:p>
-            <a:pPr indent="0" lvl="0" marL="0" rtl="0" algn="l">
+            <a:pPr marL="0" lvl="0" indent="0" algn="l" rtl="0">
               <a:spcBef>
                 <a:spcPts val="0"/>
               </a:spcBef>
@@ -10741,7 +10950,7 @@
             </a:endParaRPr>
           </a:p>
           <a:p>
-            <a:pPr indent="0" lvl="0" marL="0" rtl="0" algn="l">
+            <a:pPr marL="0" lvl="0" indent="0" algn="l" rtl="0">
               <a:spcBef>
                 <a:spcPts val="1600"/>
               </a:spcBef>
@@ -10767,7 +10976,7 @@
             </a:endParaRPr>
           </a:p>
           <a:p>
-            <a:pPr indent="0" lvl="0" marL="0" rtl="0" algn="l">
+            <a:pPr marL="0" lvl="0" indent="0" algn="l" rtl="0">
               <a:spcBef>
                 <a:spcPts val="1600"/>
               </a:spcBef>
@@ -10793,7 +11002,7 @@
             </a:endParaRPr>
           </a:p>
           <a:p>
-            <a:pPr indent="0" lvl="0" marL="0" rtl="0" algn="l">
+            <a:pPr marL="0" lvl="0" indent="0" algn="l" rtl="0">
               <a:spcBef>
                 <a:spcPts val="1600"/>
               </a:spcBef>
@@ -10819,7 +11028,7 @@
             </a:endParaRPr>
           </a:p>
           <a:p>
-            <a:pPr indent="0" lvl="0" marL="0" rtl="0" algn="l">
+            <a:pPr marL="0" lvl="0" indent="0" algn="l" rtl="0">
               <a:spcBef>
                 <a:spcPts val="1600"/>
               </a:spcBef>
@@ -10845,7 +11054,7 @@
             </a:endParaRPr>
           </a:p>
           <a:p>
-            <a:pPr indent="0" lvl="0" marL="0" rtl="0" algn="l">
+            <a:pPr marL="0" lvl="0" indent="0" algn="l" rtl="0">
               <a:spcBef>
                 <a:spcPts val="1600"/>
               </a:spcBef>
@@ -10854,9 +11063,6 @@
               </a:spcAft>
               <a:buNone/>
             </a:pPr>
-            <a:r>
-              <a:t/>
-            </a:r>
             <a:endParaRPr>
               <a:latin typeface="Roboto Mono"/>
               <a:ea typeface="Roboto Mono"/>
@@ -10875,11 +11081,11 @@
 </file>
 
 <file path=ppt/slides/slide18.xml><?xml version="1.0" encoding="utf-8"?>
-<p:sld xmlns:a="http://schemas.openxmlformats.org/drawingml/2006/main" xmlns:r="http://schemas.openxmlformats.org/officeDocument/2006/relationships" xmlns:mc="http://schemas.openxmlformats.org/markup-compatibility/2006" xmlns:mv="urn:schemas-microsoft-com:mac:vml" xmlns:p="http://schemas.openxmlformats.org/presentationml/2006/main" xmlns:c="http://schemas.openxmlformats.org/drawingml/2006/chart" xmlns:dgm="http://schemas.openxmlformats.org/drawingml/2006/diagram" xmlns:o="urn:schemas-microsoft-com:office:office" xmlns:v="urn:schemas-microsoft-com:vml" xmlns:pvml="urn:schemas-microsoft-com:office:powerpoint" xmlns:com="http://schemas.openxmlformats.org/drawingml/2006/compatibility" xmlns:p14="http://schemas.microsoft.com/office/powerpoint/2010/main" xmlns:p15="http://schemas.microsoft.com/office/powerpoint/2012/main">
+<p:sld xmlns:a="http://schemas.openxmlformats.org/drawingml/2006/main" xmlns:r="http://schemas.openxmlformats.org/officeDocument/2006/relationships" xmlns:p="http://schemas.openxmlformats.org/presentationml/2006/main">
   <p:cSld>
     <p:spTree>
       <p:nvGrpSpPr>
-        <p:cNvPr id="192" name="Shape 192"/>
+        <p:cNvPr id="1" name="Shape 192"/>
         <p:cNvGrpSpPr/>
         <p:nvPr/>
       </p:nvGrpSpPr>
@@ -10894,7 +11100,9 @@
       <p:sp>
         <p:nvSpPr>
           <p:cNvPr id="193" name="Google Shape;193;p30"/>
-          <p:cNvSpPr txBox="1"/>
+          <p:cNvSpPr txBox="1">
+            <a:spLocks noGrp="1"/>
+          </p:cNvSpPr>
           <p:nvPr>
             <p:ph type="title"/>
           </p:nvPr>
@@ -10909,12 +11117,12 @@
           </a:prstGeom>
         </p:spPr>
         <p:txBody>
-          <a:bodyPr anchorCtr="0" anchor="t" bIns="91425" lIns="91425" spcFirstLastPara="1" rIns="91425" wrap="square" tIns="91425">
+          <a:bodyPr spcFirstLastPara="1" wrap="square" lIns="91425" tIns="91425" rIns="91425" bIns="91425" anchor="t" anchorCtr="0">
             <a:noAutofit/>
           </a:bodyPr>
           <a:lstStyle/>
           <a:p>
-            <a:pPr indent="0" lvl="0" marL="0" rtl="0" algn="l">
+            <a:pPr marL="0" lvl="0" indent="0" algn="l" rtl="0">
               <a:spcBef>
                 <a:spcPts val="0"/>
               </a:spcBef>
@@ -10934,9 +11142,11 @@
       <p:sp>
         <p:nvSpPr>
           <p:cNvPr id="194" name="Google Shape;194;p30"/>
-          <p:cNvSpPr txBox="1"/>
+          <p:cNvSpPr txBox="1">
+            <a:spLocks noGrp="1"/>
+          </p:cNvSpPr>
           <p:nvPr>
-            <p:ph idx="1" type="body"/>
+            <p:ph type="body" idx="1"/>
           </p:nvPr>
         </p:nvSpPr>
         <p:spPr>
@@ -10949,12 +11159,12 @@
           </a:prstGeom>
         </p:spPr>
         <p:txBody>
-          <a:bodyPr anchorCtr="0" anchor="t" bIns="91425" lIns="91425" spcFirstLastPara="1" rIns="91425" wrap="square" tIns="91425">
+          <a:bodyPr spcFirstLastPara="1" wrap="square" lIns="91425" tIns="91425" rIns="91425" bIns="91425" anchor="t" anchorCtr="0">
             <a:noAutofit/>
           </a:bodyPr>
           <a:lstStyle/>
           <a:p>
-            <a:pPr indent="0" lvl="0" marL="0" rtl="0" algn="l">
+            <a:pPr marL="0" lvl="0" indent="0" algn="l" rtl="0">
               <a:spcBef>
                 <a:spcPts val="0"/>
               </a:spcBef>
@@ -10964,10 +11174,18 @@
               <a:buNone/>
             </a:pPr>
             <a:r>
-              <a:rPr lang="en"/>
-              <a:t>Gere os bancos de dados de trino e teste para as variáveis contínuas do jura. </a:t>
+              <a:rPr lang="en" dirty="0"/>
+              <a:t>Gere os bancos de dados de tr</a:t>
             </a:r>
-            <a:endParaRPr/>
+            <a:r>
+              <a:rPr lang="en-US" dirty="0"/>
+              <a:t>e</a:t>
+            </a:r>
+            <a:r>
+              <a:rPr lang="en" dirty="0"/>
+              <a:t>ino e teste para as variáveis contínuas do jura. </a:t>
+            </a:r>
+            <a:endParaRPr dirty="0"/>
           </a:p>
         </p:txBody>
       </p:sp>
@@ -10980,11 +11198,11 @@
 </file>
 
 <file path=ppt/slides/slide19.xml><?xml version="1.0" encoding="utf-8"?>
-<p:sld xmlns:a="http://schemas.openxmlformats.org/drawingml/2006/main" xmlns:r="http://schemas.openxmlformats.org/officeDocument/2006/relationships" xmlns:mc="http://schemas.openxmlformats.org/markup-compatibility/2006" xmlns:mv="urn:schemas-microsoft-com:mac:vml" xmlns:p="http://schemas.openxmlformats.org/presentationml/2006/main" xmlns:c="http://schemas.openxmlformats.org/drawingml/2006/chart" xmlns:dgm="http://schemas.openxmlformats.org/drawingml/2006/diagram" xmlns:o="urn:schemas-microsoft-com:office:office" xmlns:v="urn:schemas-microsoft-com:vml" xmlns:pvml="urn:schemas-microsoft-com:office:powerpoint" xmlns:com="http://schemas.openxmlformats.org/drawingml/2006/compatibility" xmlns:p14="http://schemas.microsoft.com/office/powerpoint/2010/main" xmlns:p15="http://schemas.microsoft.com/office/powerpoint/2012/main">
+<p:sld xmlns:a="http://schemas.openxmlformats.org/drawingml/2006/main" xmlns:r="http://schemas.openxmlformats.org/officeDocument/2006/relationships" xmlns:p="http://schemas.openxmlformats.org/presentationml/2006/main">
   <p:cSld>
     <p:spTree>
       <p:nvGrpSpPr>
-        <p:cNvPr id="198" name="Shape 198"/>
+        <p:cNvPr id="1" name="Shape 198"/>
         <p:cNvGrpSpPr/>
         <p:nvPr/>
       </p:nvGrpSpPr>
@@ -10999,7 +11217,9 @@
       <p:sp>
         <p:nvSpPr>
           <p:cNvPr id="199" name="Google Shape;199;p31"/>
-          <p:cNvSpPr txBox="1"/>
+          <p:cNvSpPr txBox="1">
+            <a:spLocks noGrp="1"/>
+          </p:cNvSpPr>
           <p:nvPr>
             <p:ph type="title"/>
           </p:nvPr>
@@ -11014,12 +11234,12 @@
           </a:prstGeom>
         </p:spPr>
         <p:txBody>
-          <a:bodyPr anchorCtr="0" anchor="t" bIns="91425" lIns="91425" spcFirstLastPara="1" rIns="91425" wrap="square" tIns="91425">
+          <a:bodyPr spcFirstLastPara="1" wrap="square" lIns="91425" tIns="91425" rIns="91425" bIns="91425" anchor="t" anchorCtr="0">
             <a:noAutofit/>
           </a:bodyPr>
           <a:lstStyle/>
           <a:p>
-            <a:pPr indent="0" lvl="0" marL="0" rtl="0" algn="l">
+            <a:pPr marL="0" lvl="0" indent="0" algn="l" rtl="0">
               <a:spcBef>
                 <a:spcPts val="0"/>
               </a:spcBef>
@@ -11039,9 +11259,11 @@
       <p:sp>
         <p:nvSpPr>
           <p:cNvPr id="200" name="Google Shape;200;p31"/>
-          <p:cNvSpPr txBox="1"/>
+          <p:cNvSpPr txBox="1">
+            <a:spLocks noGrp="1"/>
+          </p:cNvSpPr>
           <p:nvPr>
-            <p:ph idx="1" type="body"/>
+            <p:ph type="body" idx="1"/>
           </p:nvPr>
         </p:nvSpPr>
         <p:spPr>
@@ -11054,12 +11276,12 @@
           </a:prstGeom>
         </p:spPr>
         <p:txBody>
-          <a:bodyPr anchorCtr="0" anchor="t" bIns="91425" lIns="91425" spcFirstLastPara="1" rIns="91425" wrap="square" tIns="91425">
+          <a:bodyPr spcFirstLastPara="1" wrap="square" lIns="91425" tIns="91425" rIns="91425" bIns="91425" anchor="t" anchorCtr="0">
             <a:noAutofit/>
           </a:bodyPr>
           <a:lstStyle/>
           <a:p>
-            <a:pPr indent="0" lvl="0" marL="0" rtl="0" algn="l">
+            <a:pPr marL="0" lvl="0" indent="0" algn="l" rtl="0">
               <a:spcBef>
                 <a:spcPts val="0"/>
               </a:spcBef>
@@ -11085,7 +11307,7 @@
             </a:endParaRPr>
           </a:p>
           <a:p>
-            <a:pPr indent="0" lvl="0" marL="0" rtl="0" algn="l">
+            <a:pPr marL="0" lvl="0" indent="0" algn="l" rtl="0">
               <a:spcBef>
                 <a:spcPts val="1600"/>
               </a:spcBef>
@@ -11111,7 +11333,7 @@
             </a:endParaRPr>
           </a:p>
           <a:p>
-            <a:pPr indent="0" lvl="0" marL="0" rtl="0" algn="l">
+            <a:pPr marL="0" lvl="0" indent="0" algn="l" rtl="0">
               <a:spcBef>
                 <a:spcPts val="1600"/>
               </a:spcBef>
@@ -11137,7 +11359,7 @@
             </a:endParaRPr>
           </a:p>
           <a:p>
-            <a:pPr indent="0" lvl="0" marL="0" rtl="0" algn="l">
+            <a:pPr marL="0" lvl="0" indent="0" algn="l" rtl="0">
               <a:spcBef>
                 <a:spcPts val="1600"/>
               </a:spcBef>
@@ -11163,7 +11385,7 @@
             </a:endParaRPr>
           </a:p>
           <a:p>
-            <a:pPr indent="0" lvl="0" marL="0" rtl="0" algn="l">
+            <a:pPr marL="0" lvl="0" indent="0" algn="l" rtl="0">
               <a:spcBef>
                 <a:spcPts val="1600"/>
               </a:spcBef>
@@ -11199,11 +11421,11 @@
 </file>
 
 <file path=ppt/slides/slide2.xml><?xml version="1.0" encoding="utf-8"?>
-<p:sld xmlns:a="http://schemas.openxmlformats.org/drawingml/2006/main" xmlns:r="http://schemas.openxmlformats.org/officeDocument/2006/relationships" xmlns:mc="http://schemas.openxmlformats.org/markup-compatibility/2006" xmlns:mv="urn:schemas-microsoft-com:mac:vml" xmlns:p="http://schemas.openxmlformats.org/presentationml/2006/main" xmlns:c="http://schemas.openxmlformats.org/drawingml/2006/chart" xmlns:dgm="http://schemas.openxmlformats.org/drawingml/2006/diagram" xmlns:o="urn:schemas-microsoft-com:office:office" xmlns:v="urn:schemas-microsoft-com:vml" xmlns:pvml="urn:schemas-microsoft-com:office:powerpoint" xmlns:com="http://schemas.openxmlformats.org/drawingml/2006/compatibility" xmlns:p14="http://schemas.microsoft.com/office/powerpoint/2010/main" xmlns:p15="http://schemas.microsoft.com/office/powerpoint/2012/main">
+<p:sld xmlns:a="http://schemas.openxmlformats.org/drawingml/2006/main" xmlns:r="http://schemas.openxmlformats.org/officeDocument/2006/relationships" xmlns:p="http://schemas.openxmlformats.org/presentationml/2006/main">
   <p:cSld>
     <p:spTree>
       <p:nvGrpSpPr>
-        <p:cNvPr id="90" name="Shape 90"/>
+        <p:cNvPr id="1" name="Shape 90"/>
         <p:cNvGrpSpPr/>
         <p:nvPr/>
       </p:nvGrpSpPr>
@@ -11218,7 +11440,9 @@
       <p:sp>
         <p:nvSpPr>
           <p:cNvPr id="91" name="Google Shape;91;p14"/>
-          <p:cNvSpPr txBox="1"/>
+          <p:cNvSpPr txBox="1">
+            <a:spLocks noGrp="1"/>
+          </p:cNvSpPr>
           <p:nvPr>
             <p:ph type="title"/>
           </p:nvPr>
@@ -11233,12 +11457,12 @@
           </a:prstGeom>
         </p:spPr>
         <p:txBody>
-          <a:bodyPr anchorCtr="0" anchor="t" bIns="91425" lIns="91425" spcFirstLastPara="1" rIns="91425" wrap="square" tIns="91425">
+          <a:bodyPr spcFirstLastPara="1" wrap="square" lIns="91425" tIns="91425" rIns="91425" bIns="91425" anchor="t" anchorCtr="0">
             <a:noAutofit/>
           </a:bodyPr>
           <a:lstStyle/>
           <a:p>
-            <a:pPr indent="0" lvl="0" marL="0" rtl="0" algn="l">
+            <a:pPr marL="0" lvl="0" indent="0" algn="l" rtl="0">
               <a:spcBef>
                 <a:spcPts val="0"/>
               </a:spcBef>
@@ -11258,9 +11482,11 @@
       <p:sp>
         <p:nvSpPr>
           <p:cNvPr id="92" name="Google Shape;92;p14"/>
-          <p:cNvSpPr txBox="1"/>
+          <p:cNvSpPr txBox="1">
+            <a:spLocks noGrp="1"/>
+          </p:cNvSpPr>
           <p:nvPr>
-            <p:ph idx="1" type="body"/>
+            <p:ph type="body" idx="1"/>
           </p:nvPr>
         </p:nvSpPr>
         <p:spPr>
@@ -11273,12 +11499,12 @@
           </a:prstGeom>
         </p:spPr>
         <p:txBody>
-          <a:bodyPr anchorCtr="0" anchor="t" bIns="91425" lIns="91425" spcFirstLastPara="1" rIns="91425" wrap="square" tIns="91425">
+          <a:bodyPr spcFirstLastPara="1" wrap="square" lIns="91425" tIns="91425" rIns="91425" bIns="91425" anchor="t" anchorCtr="0">
             <a:noAutofit/>
           </a:bodyPr>
           <a:lstStyle/>
           <a:p>
-            <a:pPr indent="0" lvl="0" marL="0" rtl="0" algn="just">
+            <a:pPr marL="0" lvl="0" indent="0" algn="just" rtl="0">
               <a:spcBef>
                 <a:spcPts val="0"/>
               </a:spcBef>
@@ -11294,7 +11520,7 @@
             <a:endParaRPr/>
           </a:p>
           <a:p>
-            <a:pPr indent="0" lvl="0" marL="0" rtl="0" algn="just">
+            <a:pPr marL="0" lvl="0" indent="0" algn="just" rtl="0">
               <a:spcBef>
                 <a:spcPts val="1600"/>
               </a:spcBef>
@@ -11348,11 +11574,11 @@
 </file>
 
 <file path=ppt/slides/slide20.xml><?xml version="1.0" encoding="utf-8"?>
-<p:sld xmlns:a="http://schemas.openxmlformats.org/drawingml/2006/main" xmlns:r="http://schemas.openxmlformats.org/officeDocument/2006/relationships" xmlns:mc="http://schemas.openxmlformats.org/markup-compatibility/2006" xmlns:mv="urn:schemas-microsoft-com:mac:vml" xmlns:p="http://schemas.openxmlformats.org/presentationml/2006/main" xmlns:c="http://schemas.openxmlformats.org/drawingml/2006/chart" xmlns:dgm="http://schemas.openxmlformats.org/drawingml/2006/diagram" xmlns:o="urn:schemas-microsoft-com:office:office" xmlns:v="urn:schemas-microsoft-com:vml" xmlns:pvml="urn:schemas-microsoft-com:office:powerpoint" xmlns:com="http://schemas.openxmlformats.org/drawingml/2006/compatibility" xmlns:p14="http://schemas.microsoft.com/office/powerpoint/2010/main" xmlns:p15="http://schemas.microsoft.com/office/powerpoint/2012/main">
+<p:sld xmlns:a="http://schemas.openxmlformats.org/drawingml/2006/main" xmlns:r="http://schemas.openxmlformats.org/officeDocument/2006/relationships" xmlns:p="http://schemas.openxmlformats.org/presentationml/2006/main">
   <p:cSld>
     <p:spTree>
       <p:nvGrpSpPr>
-        <p:cNvPr id="204" name="Shape 204"/>
+        <p:cNvPr id="1" name="Shape 204"/>
         <p:cNvGrpSpPr/>
         <p:nvPr/>
       </p:nvGrpSpPr>
@@ -11367,7 +11593,9 @@
       <p:sp>
         <p:nvSpPr>
           <p:cNvPr id="205" name="Google Shape;205;p32"/>
-          <p:cNvSpPr txBox="1"/>
+          <p:cNvSpPr txBox="1">
+            <a:spLocks noGrp="1"/>
+          </p:cNvSpPr>
           <p:nvPr>
             <p:ph type="title"/>
           </p:nvPr>
@@ -11382,12 +11610,12 @@
           </a:prstGeom>
         </p:spPr>
         <p:txBody>
-          <a:bodyPr anchorCtr="0" anchor="t" bIns="91425" lIns="91425" spcFirstLastPara="1" rIns="91425" wrap="square" tIns="91425">
+          <a:bodyPr spcFirstLastPara="1" wrap="square" lIns="91425" tIns="91425" rIns="91425" bIns="91425" anchor="t" anchorCtr="0">
             <a:noAutofit/>
           </a:bodyPr>
           <a:lstStyle/>
           <a:p>
-            <a:pPr indent="0" lvl="0" marL="0" rtl="0" algn="l">
+            <a:pPr marL="0" lvl="0" indent="0" algn="l" rtl="0">
               <a:spcBef>
                 <a:spcPts val="0"/>
               </a:spcBef>
@@ -11407,9 +11635,11 @@
       <p:sp>
         <p:nvSpPr>
           <p:cNvPr id="206" name="Google Shape;206;p32"/>
-          <p:cNvSpPr txBox="1"/>
+          <p:cNvSpPr txBox="1">
+            <a:spLocks noGrp="1"/>
+          </p:cNvSpPr>
           <p:nvPr>
-            <p:ph idx="1" type="body"/>
+            <p:ph type="body" idx="1"/>
           </p:nvPr>
         </p:nvSpPr>
         <p:spPr>
@@ -11422,12 +11652,12 @@
           </a:prstGeom>
         </p:spPr>
         <p:txBody>
-          <a:bodyPr anchorCtr="0" anchor="t" bIns="91425" lIns="91425" spcFirstLastPara="1" rIns="91425" wrap="square" tIns="91425">
+          <a:bodyPr spcFirstLastPara="1" wrap="square" lIns="91425" tIns="91425" rIns="91425" bIns="91425" anchor="t" anchorCtr="0">
             <a:noAutofit/>
           </a:bodyPr>
           <a:lstStyle/>
           <a:p>
-            <a:pPr indent="0" lvl="0" marL="0" rtl="0" algn="l">
+            <a:pPr marL="0" lvl="0" indent="0" algn="l" rtl="0">
               <a:spcBef>
                 <a:spcPts val="0"/>
               </a:spcBef>
@@ -11453,7 +11683,7 @@
             </a:endParaRPr>
           </a:p>
           <a:p>
-            <a:pPr indent="0" lvl="0" marL="0" rtl="0" algn="l">
+            <a:pPr marL="0" lvl="0" indent="0" algn="l" rtl="0">
               <a:spcBef>
                 <a:spcPts val="1600"/>
               </a:spcBef>
@@ -11479,7 +11709,7 @@
             </a:endParaRPr>
           </a:p>
           <a:p>
-            <a:pPr indent="0" lvl="0" marL="0" rtl="0" algn="l">
+            <a:pPr marL="0" lvl="0" indent="0" algn="l" rtl="0">
               <a:spcBef>
                 <a:spcPts val="1600"/>
               </a:spcBef>
@@ -11505,7 +11735,7 @@
             </a:endParaRPr>
           </a:p>
           <a:p>
-            <a:pPr indent="0" lvl="0" marL="0" rtl="0" algn="l">
+            <a:pPr marL="0" lvl="0" indent="0" algn="l" rtl="0">
               <a:spcBef>
                 <a:spcPts val="1600"/>
               </a:spcBef>
@@ -11531,7 +11761,7 @@
             </a:endParaRPr>
           </a:p>
           <a:p>
-            <a:pPr indent="0" lvl="0" marL="0" rtl="0" algn="l">
+            <a:pPr marL="0" lvl="0" indent="0" algn="l" rtl="0">
               <a:spcBef>
                 <a:spcPts val="1600"/>
               </a:spcBef>
@@ -11557,7 +11787,7 @@
             </a:endParaRPr>
           </a:p>
           <a:p>
-            <a:pPr indent="0" lvl="0" marL="0" rtl="0" algn="l">
+            <a:pPr marL="0" lvl="0" indent="0" algn="l" rtl="0">
               <a:spcBef>
                 <a:spcPts val="1600"/>
               </a:spcBef>
@@ -11566,9 +11796,6 @@
               </a:spcAft>
               <a:buNone/>
             </a:pPr>
-            <a:r>
-              <a:t/>
-            </a:r>
             <a:endParaRPr>
               <a:latin typeface="Roboto Mono"/>
               <a:ea typeface="Roboto Mono"/>
@@ -11577,7 +11804,7 @@
             </a:endParaRPr>
           </a:p>
           <a:p>
-            <a:pPr indent="0" lvl="0" marL="0" rtl="0" algn="l">
+            <a:pPr marL="0" lvl="0" indent="0" algn="l" rtl="0">
               <a:spcBef>
                 <a:spcPts val="1600"/>
               </a:spcBef>
@@ -11586,9 +11813,6 @@
               </a:spcAft>
               <a:buNone/>
             </a:pPr>
-            <a:r>
-              <a:t/>
-            </a:r>
             <a:endParaRPr/>
           </a:p>
         </p:txBody>
@@ -11630,11 +11854,11 @@
 </file>
 
 <file path=ppt/slides/slide21.xml><?xml version="1.0" encoding="utf-8"?>
-<p:sld xmlns:a="http://schemas.openxmlformats.org/drawingml/2006/main" xmlns:r="http://schemas.openxmlformats.org/officeDocument/2006/relationships" xmlns:mc="http://schemas.openxmlformats.org/markup-compatibility/2006" xmlns:mv="urn:schemas-microsoft-com:mac:vml" xmlns:p="http://schemas.openxmlformats.org/presentationml/2006/main" xmlns:c="http://schemas.openxmlformats.org/drawingml/2006/chart" xmlns:dgm="http://schemas.openxmlformats.org/drawingml/2006/diagram" xmlns:o="urn:schemas-microsoft-com:office:office" xmlns:v="urn:schemas-microsoft-com:vml" xmlns:pvml="urn:schemas-microsoft-com:office:powerpoint" xmlns:com="http://schemas.openxmlformats.org/drawingml/2006/compatibility" xmlns:p14="http://schemas.microsoft.com/office/powerpoint/2010/main" xmlns:p15="http://schemas.microsoft.com/office/powerpoint/2012/main">
+<p:sld xmlns:a="http://schemas.openxmlformats.org/drawingml/2006/main" xmlns:r="http://schemas.openxmlformats.org/officeDocument/2006/relationships" xmlns:p="http://schemas.openxmlformats.org/presentationml/2006/main">
   <p:cSld>
     <p:spTree>
       <p:nvGrpSpPr>
-        <p:cNvPr id="211" name="Shape 211"/>
+        <p:cNvPr id="1" name="Shape 211"/>
         <p:cNvGrpSpPr/>
         <p:nvPr/>
       </p:nvGrpSpPr>
@@ -11649,7 +11873,9 @@
       <p:sp>
         <p:nvSpPr>
           <p:cNvPr id="212" name="Google Shape;212;p33"/>
-          <p:cNvSpPr txBox="1"/>
+          <p:cNvSpPr txBox="1">
+            <a:spLocks noGrp="1"/>
+          </p:cNvSpPr>
           <p:nvPr>
             <p:ph type="title"/>
           </p:nvPr>
@@ -11664,12 +11890,12 @@
           </a:prstGeom>
         </p:spPr>
         <p:txBody>
-          <a:bodyPr anchorCtr="0" anchor="t" bIns="91425" lIns="91425" spcFirstLastPara="1" rIns="91425" wrap="square" tIns="91425">
+          <a:bodyPr spcFirstLastPara="1" wrap="square" lIns="91425" tIns="91425" rIns="91425" bIns="91425" anchor="t" anchorCtr="0">
             <a:noAutofit/>
           </a:bodyPr>
           <a:lstStyle/>
           <a:p>
-            <a:pPr indent="0" lvl="0" marL="0" rtl="0" algn="l">
+            <a:pPr marL="0" lvl="0" indent="0" algn="l" rtl="0">
               <a:spcBef>
                 <a:spcPts val="0"/>
               </a:spcBef>
@@ -11689,9 +11915,11 @@
       <p:sp>
         <p:nvSpPr>
           <p:cNvPr id="213" name="Google Shape;213;p33"/>
-          <p:cNvSpPr txBox="1"/>
+          <p:cNvSpPr txBox="1">
+            <a:spLocks noGrp="1"/>
+          </p:cNvSpPr>
           <p:nvPr>
-            <p:ph idx="1" type="body"/>
+            <p:ph type="body" idx="1"/>
           </p:nvPr>
         </p:nvSpPr>
         <p:spPr>
@@ -11704,12 +11932,12 @@
           </a:prstGeom>
         </p:spPr>
         <p:txBody>
-          <a:bodyPr anchorCtr="0" anchor="t" bIns="91425" lIns="91425" spcFirstLastPara="1" rIns="91425" wrap="square" tIns="91425">
+          <a:bodyPr spcFirstLastPara="1" wrap="square" lIns="91425" tIns="91425" rIns="91425" bIns="91425" anchor="t" anchorCtr="0">
             <a:noAutofit/>
           </a:bodyPr>
           <a:lstStyle/>
           <a:p>
-            <a:pPr indent="0" lvl="0" marL="0" rtl="0" algn="l">
+            <a:pPr marL="0" lvl="0" indent="0" algn="l" rtl="0">
               <a:spcBef>
                 <a:spcPts val="0"/>
               </a:spcBef>
@@ -11735,11 +11963,11 @@
 </file>
 
 <file path=ppt/slides/slide22.xml><?xml version="1.0" encoding="utf-8"?>
-<p:sld xmlns:a="http://schemas.openxmlformats.org/drawingml/2006/main" xmlns:r="http://schemas.openxmlformats.org/officeDocument/2006/relationships" xmlns:mc="http://schemas.openxmlformats.org/markup-compatibility/2006" xmlns:mv="urn:schemas-microsoft-com:mac:vml" xmlns:p="http://schemas.openxmlformats.org/presentationml/2006/main" xmlns:c="http://schemas.openxmlformats.org/drawingml/2006/chart" xmlns:dgm="http://schemas.openxmlformats.org/drawingml/2006/diagram" xmlns:o="urn:schemas-microsoft-com:office:office" xmlns:v="urn:schemas-microsoft-com:vml" xmlns:pvml="urn:schemas-microsoft-com:office:powerpoint" xmlns:com="http://schemas.openxmlformats.org/drawingml/2006/compatibility" xmlns:p14="http://schemas.microsoft.com/office/powerpoint/2010/main" xmlns:p15="http://schemas.microsoft.com/office/powerpoint/2012/main">
+<p:sld xmlns:a="http://schemas.openxmlformats.org/drawingml/2006/main" xmlns:r="http://schemas.openxmlformats.org/officeDocument/2006/relationships" xmlns:p="http://schemas.openxmlformats.org/presentationml/2006/main">
   <p:cSld>
     <p:spTree>
       <p:nvGrpSpPr>
-        <p:cNvPr id="217" name="Shape 217"/>
+        <p:cNvPr id="1" name="Shape 217"/>
         <p:cNvGrpSpPr/>
         <p:nvPr/>
       </p:nvGrpSpPr>
@@ -11754,7 +11982,9 @@
       <p:sp>
         <p:nvSpPr>
           <p:cNvPr id="218" name="Google Shape;218;p34"/>
-          <p:cNvSpPr txBox="1"/>
+          <p:cNvSpPr txBox="1">
+            <a:spLocks noGrp="1"/>
+          </p:cNvSpPr>
           <p:nvPr>
             <p:ph type="title"/>
           </p:nvPr>
@@ -11769,12 +11999,12 @@
           </a:prstGeom>
         </p:spPr>
         <p:txBody>
-          <a:bodyPr anchorCtr="0" anchor="t" bIns="91425" lIns="91425" spcFirstLastPara="1" rIns="91425" wrap="square" tIns="91425">
+          <a:bodyPr spcFirstLastPara="1" wrap="square" lIns="91425" tIns="91425" rIns="91425" bIns="91425" anchor="t" anchorCtr="0">
             <a:noAutofit/>
           </a:bodyPr>
           <a:lstStyle/>
           <a:p>
-            <a:pPr indent="0" lvl="0" marL="0" rtl="0" algn="l">
+            <a:pPr marL="0" lvl="0" indent="0" algn="l" rtl="0">
               <a:spcBef>
                 <a:spcPts val="0"/>
               </a:spcBef>
@@ -11794,9 +12024,11 @@
       <p:sp>
         <p:nvSpPr>
           <p:cNvPr id="219" name="Google Shape;219;p34"/>
-          <p:cNvSpPr txBox="1"/>
+          <p:cNvSpPr txBox="1">
+            <a:spLocks noGrp="1"/>
+          </p:cNvSpPr>
           <p:nvPr>
-            <p:ph idx="1" type="body"/>
+            <p:ph type="body" idx="1"/>
           </p:nvPr>
         </p:nvSpPr>
         <p:spPr>
@@ -11809,12 +12041,12 @@
           </a:prstGeom>
         </p:spPr>
         <p:txBody>
-          <a:bodyPr anchorCtr="0" anchor="t" bIns="91425" lIns="91425" spcFirstLastPara="1" rIns="91425" wrap="square" tIns="91425">
+          <a:bodyPr spcFirstLastPara="1" wrap="square" lIns="91425" tIns="91425" rIns="91425" bIns="91425" anchor="t" anchorCtr="0">
             <a:noAutofit/>
           </a:bodyPr>
           <a:lstStyle/>
           <a:p>
-            <a:pPr indent="0" lvl="0" marL="0" rtl="0" algn="l">
+            <a:pPr marL="0" lvl="0" indent="0" algn="l" rtl="0">
               <a:spcBef>
                 <a:spcPts val="0"/>
               </a:spcBef>
@@ -11840,7 +12072,7 @@
             </a:endParaRPr>
           </a:p>
           <a:p>
-            <a:pPr indent="0" lvl="0" marL="0" rtl="0" algn="l">
+            <a:pPr marL="0" lvl="0" indent="0" algn="l" rtl="0">
               <a:spcBef>
                 <a:spcPts val="1600"/>
               </a:spcBef>
@@ -11866,7 +12098,7 @@
             </a:endParaRPr>
           </a:p>
           <a:p>
-            <a:pPr indent="0" lvl="0" marL="0" rtl="0" algn="l">
+            <a:pPr marL="0" lvl="0" indent="0" algn="l" rtl="0">
               <a:spcBef>
                 <a:spcPts val="1600"/>
               </a:spcBef>
@@ -11892,7 +12124,7 @@
             </a:endParaRPr>
           </a:p>
           <a:p>
-            <a:pPr indent="0" lvl="0" marL="0" rtl="0" algn="l">
+            <a:pPr marL="0" lvl="0" indent="0" algn="l" rtl="0">
               <a:spcBef>
                 <a:spcPts val="1600"/>
               </a:spcBef>
@@ -11918,7 +12150,7 @@
             </a:endParaRPr>
           </a:p>
           <a:p>
-            <a:pPr indent="0" lvl="0" marL="0" rtl="0" algn="l">
+            <a:pPr marL="0" lvl="0" indent="0" algn="l" rtl="0">
               <a:spcBef>
                 <a:spcPts val="1600"/>
               </a:spcBef>
@@ -11944,7 +12176,7 @@
             </a:endParaRPr>
           </a:p>
           <a:p>
-            <a:pPr indent="0" lvl="0" marL="0" rtl="0" algn="l">
+            <a:pPr marL="0" lvl="0" indent="0" algn="l" rtl="0">
               <a:spcBef>
                 <a:spcPts val="1600"/>
               </a:spcBef>
@@ -11970,7 +12202,7 @@
             </a:endParaRPr>
           </a:p>
           <a:p>
-            <a:pPr indent="0" lvl="0" marL="0" rtl="0" algn="l">
+            <a:pPr marL="0" lvl="0" indent="0" algn="l" rtl="0">
               <a:spcBef>
                 <a:spcPts val="1600"/>
               </a:spcBef>
@@ -12006,11 +12238,11 @@
 </file>
 
 <file path=ppt/slides/slide3.xml><?xml version="1.0" encoding="utf-8"?>
-<p:sld xmlns:a="http://schemas.openxmlformats.org/drawingml/2006/main" xmlns:r="http://schemas.openxmlformats.org/officeDocument/2006/relationships" xmlns:mc="http://schemas.openxmlformats.org/markup-compatibility/2006" xmlns:mv="urn:schemas-microsoft-com:mac:vml" xmlns:p="http://schemas.openxmlformats.org/presentationml/2006/main" xmlns:c="http://schemas.openxmlformats.org/drawingml/2006/chart" xmlns:dgm="http://schemas.openxmlformats.org/drawingml/2006/diagram" xmlns:o="urn:schemas-microsoft-com:office:office" xmlns:v="urn:schemas-microsoft-com:vml" xmlns:pvml="urn:schemas-microsoft-com:office:powerpoint" xmlns:com="http://schemas.openxmlformats.org/drawingml/2006/compatibility" xmlns:p14="http://schemas.microsoft.com/office/powerpoint/2010/main" xmlns:p15="http://schemas.microsoft.com/office/powerpoint/2012/main">
+<p:sld xmlns:a="http://schemas.openxmlformats.org/drawingml/2006/main" xmlns:r="http://schemas.openxmlformats.org/officeDocument/2006/relationships" xmlns:p="http://schemas.openxmlformats.org/presentationml/2006/main">
   <p:cSld>
     <p:spTree>
       <p:nvGrpSpPr>
-        <p:cNvPr id="97" name="Shape 97"/>
+        <p:cNvPr id="1" name="Shape 97"/>
         <p:cNvGrpSpPr/>
         <p:nvPr/>
       </p:nvGrpSpPr>
@@ -12025,7 +12257,9 @@
       <p:sp>
         <p:nvSpPr>
           <p:cNvPr id="98" name="Google Shape;98;p15"/>
-          <p:cNvSpPr txBox="1"/>
+          <p:cNvSpPr txBox="1">
+            <a:spLocks noGrp="1"/>
+          </p:cNvSpPr>
           <p:nvPr>
             <p:ph type="title"/>
           </p:nvPr>
@@ -12040,12 +12274,12 @@
           </a:prstGeom>
         </p:spPr>
         <p:txBody>
-          <a:bodyPr anchorCtr="0" anchor="t" bIns="91425" lIns="91425" spcFirstLastPara="1" rIns="91425" wrap="square" tIns="91425">
+          <a:bodyPr spcFirstLastPara="1" wrap="square" lIns="91425" tIns="91425" rIns="91425" bIns="91425" anchor="t" anchorCtr="0">
             <a:noAutofit/>
           </a:bodyPr>
           <a:lstStyle/>
           <a:p>
-            <a:pPr indent="0" lvl="0" marL="0" rtl="0" algn="l">
+            <a:pPr marL="0" lvl="0" indent="0" algn="l" rtl="0">
               <a:spcBef>
                 <a:spcPts val="0"/>
               </a:spcBef>
@@ -12065,9 +12299,11 @@
       <p:sp>
         <p:nvSpPr>
           <p:cNvPr id="99" name="Google Shape;99;p15"/>
-          <p:cNvSpPr txBox="1"/>
+          <p:cNvSpPr txBox="1">
+            <a:spLocks noGrp="1"/>
+          </p:cNvSpPr>
           <p:nvPr>
-            <p:ph idx="1" type="body"/>
+            <p:ph type="body" idx="1"/>
           </p:nvPr>
         </p:nvSpPr>
         <p:spPr>
@@ -12080,12 +12316,12 @@
           </a:prstGeom>
         </p:spPr>
         <p:txBody>
-          <a:bodyPr anchorCtr="0" anchor="t" bIns="91425" lIns="91425" spcFirstLastPara="1" rIns="91425" wrap="square" tIns="91425">
+          <a:bodyPr spcFirstLastPara="1" wrap="square" lIns="91425" tIns="91425" rIns="91425" bIns="91425" anchor="t" anchorCtr="0">
             <a:noAutofit/>
           </a:bodyPr>
           <a:lstStyle/>
           <a:p>
-            <a:pPr indent="0" lvl="0" marL="0" rtl="0" algn="l">
+            <a:pPr marL="0" lvl="0" indent="0" algn="l" rtl="0">
               <a:spcBef>
                 <a:spcPts val="0"/>
               </a:spcBef>
@@ -12111,7 +12347,7 @@
             </a:endParaRPr>
           </a:p>
           <a:p>
-            <a:pPr indent="0" lvl="0" marL="0" rtl="0" algn="l">
+            <a:pPr marL="0" lvl="0" indent="0" algn="l" rtl="0">
               <a:spcBef>
                 <a:spcPts val="1600"/>
               </a:spcBef>
@@ -12120,9 +12356,6 @@
               </a:spcAft>
               <a:buNone/>
             </a:pPr>
-            <a:r>
-              <a:t/>
-            </a:r>
             <a:endParaRPr>
               <a:latin typeface="Roboto Mono"/>
               <a:ea typeface="Roboto Mono"/>
@@ -12131,7 +12364,7 @@
             </a:endParaRPr>
           </a:p>
           <a:p>
-            <a:pPr indent="0" lvl="0" marL="0" rtl="0" algn="l">
+            <a:pPr marL="0" lvl="0" indent="0" algn="l" rtl="0">
               <a:spcBef>
                 <a:spcPts val="1600"/>
               </a:spcBef>
@@ -12157,7 +12390,7 @@
             </a:endParaRPr>
           </a:p>
           <a:p>
-            <a:pPr indent="0" lvl="0" marL="0" rtl="0" algn="l">
+            <a:pPr marL="0" lvl="0" indent="0" algn="l" rtl="0">
               <a:spcBef>
                 <a:spcPts val="1600"/>
               </a:spcBef>
@@ -12166,9 +12399,6 @@
               </a:spcAft>
               <a:buNone/>
             </a:pPr>
-            <a:r>
-              <a:t/>
-            </a:r>
             <a:endParaRPr>
               <a:latin typeface="Roboto Mono"/>
               <a:ea typeface="Roboto Mono"/>
@@ -12177,7 +12407,7 @@
             </a:endParaRPr>
           </a:p>
           <a:p>
-            <a:pPr indent="0" lvl="0" marL="0" rtl="0" algn="l">
+            <a:pPr marL="0" lvl="0" indent="0" algn="l" rtl="0">
               <a:spcBef>
                 <a:spcPts val="1600"/>
               </a:spcBef>
@@ -12203,7 +12433,7 @@
             </a:endParaRPr>
           </a:p>
           <a:p>
-            <a:pPr indent="0" lvl="0" marL="0" rtl="0" algn="l">
+            <a:pPr marL="0" lvl="0" indent="0" algn="l" rtl="0">
               <a:spcBef>
                 <a:spcPts val="1600"/>
               </a:spcBef>
@@ -12229,7 +12459,7 @@
             </a:endParaRPr>
           </a:p>
           <a:p>
-            <a:pPr indent="0" lvl="0" marL="0" rtl="0" algn="l">
+            <a:pPr marL="0" lvl="0" indent="0" algn="l" rtl="0">
               <a:spcBef>
                 <a:spcPts val="1600"/>
               </a:spcBef>
@@ -12255,7 +12485,7 @@
             </a:endParaRPr>
           </a:p>
           <a:p>
-            <a:pPr indent="0" lvl="0" marL="0" rtl="0" algn="l">
+            <a:pPr marL="0" lvl="0" indent="0" algn="l" rtl="0">
               <a:spcBef>
                 <a:spcPts val="1600"/>
               </a:spcBef>
@@ -12264,9 +12494,6 @@
               </a:spcAft>
               <a:buNone/>
             </a:pPr>
-            <a:r>
-              <a:t/>
-            </a:r>
             <a:endParaRPr>
               <a:latin typeface="Roboto Mono"/>
               <a:ea typeface="Roboto Mono"/>
@@ -12275,7 +12502,7 @@
             </a:endParaRPr>
           </a:p>
           <a:p>
-            <a:pPr indent="0" lvl="0" marL="0" rtl="0" algn="l">
+            <a:pPr marL="0" lvl="0" indent="0" algn="l" rtl="0">
               <a:spcBef>
                 <a:spcPts val="1600"/>
               </a:spcBef>
@@ -12284,9 +12511,6 @@
               </a:spcAft>
               <a:buNone/>
             </a:pPr>
-            <a:r>
-              <a:t/>
-            </a:r>
             <a:endParaRPr>
               <a:latin typeface="Roboto Mono"/>
               <a:ea typeface="Roboto Mono"/>
@@ -12316,12 +12540,12 @@
           </a:ln>
         </p:spPr>
         <p:txBody>
-          <a:bodyPr anchorCtr="0" anchor="t" bIns="91425" lIns="91425" spcFirstLastPara="1" rIns="91425" wrap="square" tIns="91425">
+          <a:bodyPr spcFirstLastPara="1" wrap="square" lIns="91425" tIns="91425" rIns="91425" bIns="91425" anchor="t" anchorCtr="0">
             <a:noAutofit/>
           </a:bodyPr>
           <a:lstStyle/>
           <a:p>
-            <a:pPr indent="0" lvl="0" marL="0" rtl="0" algn="l">
+            <a:pPr marL="0" lvl="0" indent="0" algn="l" rtl="0">
               <a:spcBef>
                 <a:spcPts val="0"/>
               </a:spcBef>
@@ -12347,7 +12571,7 @@
             </a:endParaRPr>
           </a:p>
           <a:p>
-            <a:pPr indent="0" lvl="0" marL="0" rtl="0" algn="l">
+            <a:pPr marL="0" lvl="0" indent="0" algn="l" rtl="0">
               <a:spcBef>
                 <a:spcPts val="0"/>
               </a:spcBef>
@@ -12373,7 +12597,7 @@
             </a:endParaRPr>
           </a:p>
           <a:p>
-            <a:pPr indent="0" lvl="0" marL="0" rtl="0" algn="l">
+            <a:pPr marL="0" lvl="0" indent="0" algn="l" rtl="0">
               <a:spcBef>
                 <a:spcPts val="0"/>
               </a:spcBef>
@@ -12399,7 +12623,7 @@
             </a:endParaRPr>
           </a:p>
           <a:p>
-            <a:pPr indent="0" lvl="0" marL="0" rtl="0" algn="l">
+            <a:pPr marL="0" lvl="0" indent="0" algn="l" rtl="0">
               <a:spcBef>
                 <a:spcPts val="0"/>
               </a:spcBef>
@@ -12408,9 +12632,6 @@
               </a:spcAft>
               <a:buNone/>
             </a:pPr>
-            <a:r>
-              <a:t/>
-            </a:r>
             <a:endParaRPr>
               <a:latin typeface="Roboto Mono"/>
               <a:ea typeface="Roboto Mono"/>
@@ -12429,11 +12650,11 @@
 </file>
 
 <file path=ppt/slides/slide4.xml><?xml version="1.0" encoding="utf-8"?>
-<p:sld xmlns:a="http://schemas.openxmlformats.org/drawingml/2006/main" xmlns:r="http://schemas.openxmlformats.org/officeDocument/2006/relationships" xmlns:mc="http://schemas.openxmlformats.org/markup-compatibility/2006" xmlns:mv="urn:schemas-microsoft-com:mac:vml" xmlns:p="http://schemas.openxmlformats.org/presentationml/2006/main" xmlns:c="http://schemas.openxmlformats.org/drawingml/2006/chart" xmlns:dgm="http://schemas.openxmlformats.org/drawingml/2006/diagram" xmlns:o="urn:schemas-microsoft-com:office:office" xmlns:v="urn:schemas-microsoft-com:vml" xmlns:pvml="urn:schemas-microsoft-com:office:powerpoint" xmlns:com="http://schemas.openxmlformats.org/drawingml/2006/compatibility" xmlns:p14="http://schemas.microsoft.com/office/powerpoint/2010/main" xmlns:p15="http://schemas.microsoft.com/office/powerpoint/2012/main">
+<p:sld xmlns:a="http://schemas.openxmlformats.org/drawingml/2006/main" xmlns:r="http://schemas.openxmlformats.org/officeDocument/2006/relationships" xmlns:p="http://schemas.openxmlformats.org/presentationml/2006/main">
   <p:cSld>
     <p:spTree>
       <p:nvGrpSpPr>
-        <p:cNvPr id="104" name="Shape 104"/>
+        <p:cNvPr id="1" name="Shape 104"/>
         <p:cNvGrpSpPr/>
         <p:nvPr/>
       </p:nvGrpSpPr>
@@ -12448,7 +12669,9 @@
       <p:sp>
         <p:nvSpPr>
           <p:cNvPr id="105" name="Google Shape;105;p16"/>
-          <p:cNvSpPr txBox="1"/>
+          <p:cNvSpPr txBox="1">
+            <a:spLocks noGrp="1"/>
+          </p:cNvSpPr>
           <p:nvPr>
             <p:ph type="title"/>
           </p:nvPr>
@@ -12463,12 +12686,12 @@
           </a:prstGeom>
         </p:spPr>
         <p:txBody>
-          <a:bodyPr anchorCtr="0" anchor="t" bIns="91425" lIns="91425" spcFirstLastPara="1" rIns="91425" wrap="square" tIns="91425">
+          <a:bodyPr spcFirstLastPara="1" wrap="square" lIns="91425" tIns="91425" rIns="91425" bIns="91425" anchor="t" anchorCtr="0">
             <a:noAutofit/>
           </a:bodyPr>
           <a:lstStyle/>
           <a:p>
-            <a:pPr indent="0" lvl="0" marL="0" rtl="0" algn="l">
+            <a:pPr marL="0" lvl="0" indent="0" algn="l" rtl="0">
               <a:spcBef>
                 <a:spcPts val="0"/>
               </a:spcBef>
@@ -12488,9 +12711,11 @@
       <p:sp>
         <p:nvSpPr>
           <p:cNvPr id="106" name="Google Shape;106;p16"/>
-          <p:cNvSpPr txBox="1"/>
+          <p:cNvSpPr txBox="1">
+            <a:spLocks noGrp="1"/>
+          </p:cNvSpPr>
           <p:nvPr>
-            <p:ph idx="1" type="body"/>
+            <p:ph type="body" idx="1"/>
           </p:nvPr>
         </p:nvSpPr>
         <p:spPr>
@@ -12503,12 +12728,12 @@
           </a:prstGeom>
         </p:spPr>
         <p:txBody>
-          <a:bodyPr anchorCtr="0" anchor="t" bIns="91425" lIns="91425" spcFirstLastPara="1" rIns="91425" wrap="square" tIns="91425">
+          <a:bodyPr spcFirstLastPara="1" wrap="square" lIns="91425" tIns="91425" rIns="91425" bIns="91425" anchor="t" anchorCtr="0">
             <a:noAutofit/>
           </a:bodyPr>
           <a:lstStyle/>
           <a:p>
-            <a:pPr indent="0" lvl="0" marL="0" rtl="0" algn="l">
+            <a:pPr marL="0" lvl="0" indent="0" algn="l" rtl="0">
               <a:spcBef>
                 <a:spcPts val="0"/>
               </a:spcBef>
@@ -12534,7 +12759,7 @@
             </a:endParaRPr>
           </a:p>
           <a:p>
-            <a:pPr indent="0" lvl="0" marL="0" rtl="0" algn="l">
+            <a:pPr marL="0" lvl="0" indent="0" algn="l" rtl="0">
               <a:spcBef>
                 <a:spcPts val="1600"/>
               </a:spcBef>
@@ -12570,11 +12795,11 @@
 </file>
 
 <file path=ppt/slides/slide5.xml><?xml version="1.0" encoding="utf-8"?>
-<p:sld xmlns:a="http://schemas.openxmlformats.org/drawingml/2006/main" xmlns:r="http://schemas.openxmlformats.org/officeDocument/2006/relationships" xmlns:mc="http://schemas.openxmlformats.org/markup-compatibility/2006" xmlns:mv="urn:schemas-microsoft-com:mac:vml" xmlns:p="http://schemas.openxmlformats.org/presentationml/2006/main" xmlns:c="http://schemas.openxmlformats.org/drawingml/2006/chart" xmlns:dgm="http://schemas.openxmlformats.org/drawingml/2006/diagram" xmlns:o="urn:schemas-microsoft-com:office:office" xmlns:v="urn:schemas-microsoft-com:vml" xmlns:pvml="urn:schemas-microsoft-com:office:powerpoint" xmlns:com="http://schemas.openxmlformats.org/drawingml/2006/compatibility" xmlns:p14="http://schemas.microsoft.com/office/powerpoint/2010/main" xmlns:p15="http://schemas.microsoft.com/office/powerpoint/2012/main">
+<p:sld xmlns:a="http://schemas.openxmlformats.org/drawingml/2006/main" xmlns:r="http://schemas.openxmlformats.org/officeDocument/2006/relationships" xmlns:p="http://schemas.openxmlformats.org/presentationml/2006/main">
   <p:cSld>
     <p:spTree>
       <p:nvGrpSpPr>
-        <p:cNvPr id="110" name="Shape 110"/>
+        <p:cNvPr id="1" name="Shape 110"/>
         <p:cNvGrpSpPr/>
         <p:nvPr/>
       </p:nvGrpSpPr>
@@ -12589,7 +12814,9 @@
       <p:sp>
         <p:nvSpPr>
           <p:cNvPr id="111" name="Google Shape;111;p17"/>
-          <p:cNvSpPr txBox="1"/>
+          <p:cNvSpPr txBox="1">
+            <a:spLocks noGrp="1"/>
+          </p:cNvSpPr>
           <p:nvPr>
             <p:ph type="title"/>
           </p:nvPr>
@@ -12604,12 +12831,12 @@
           </a:prstGeom>
         </p:spPr>
         <p:txBody>
-          <a:bodyPr anchorCtr="0" anchor="t" bIns="91425" lIns="91425" spcFirstLastPara="1" rIns="91425" wrap="square" tIns="91425">
+          <a:bodyPr spcFirstLastPara="1" wrap="square" lIns="91425" tIns="91425" rIns="91425" bIns="91425" anchor="t" anchorCtr="0">
             <a:noAutofit/>
           </a:bodyPr>
           <a:lstStyle/>
           <a:p>
-            <a:pPr indent="0" lvl="0" marL="0" rtl="0" algn="l">
+            <a:pPr marL="0" lvl="0" indent="0" algn="l" rtl="0">
               <a:spcBef>
                 <a:spcPts val="0"/>
               </a:spcBef>
@@ -12629,9 +12856,11 @@
       <p:sp>
         <p:nvSpPr>
           <p:cNvPr id="112" name="Google Shape;112;p17"/>
-          <p:cNvSpPr txBox="1"/>
+          <p:cNvSpPr txBox="1">
+            <a:spLocks noGrp="1"/>
+          </p:cNvSpPr>
           <p:nvPr>
-            <p:ph idx="1" type="body"/>
+            <p:ph type="body" idx="1"/>
           </p:nvPr>
         </p:nvSpPr>
         <p:spPr>
@@ -12644,12 +12873,12 @@
           </a:prstGeom>
         </p:spPr>
         <p:txBody>
-          <a:bodyPr anchorCtr="0" anchor="t" bIns="91425" lIns="91425" spcFirstLastPara="1" rIns="91425" wrap="square" tIns="91425">
+          <a:bodyPr spcFirstLastPara="1" wrap="square" lIns="91425" tIns="91425" rIns="91425" bIns="91425" anchor="t" anchorCtr="0">
             <a:noAutofit/>
           </a:bodyPr>
           <a:lstStyle/>
           <a:p>
-            <a:pPr indent="0" lvl="0" marL="0" rtl="0" algn="l">
+            <a:pPr marL="0" lvl="0" indent="0" algn="l" rtl="0">
               <a:spcBef>
                 <a:spcPts val="0"/>
               </a:spcBef>
@@ -12675,7 +12904,7 @@
             </a:endParaRPr>
           </a:p>
           <a:p>
-            <a:pPr indent="0" lvl="0" marL="0" rtl="0" algn="l">
+            <a:pPr marL="0" lvl="0" indent="0" algn="l" rtl="0">
               <a:spcBef>
                 <a:spcPts val="1600"/>
               </a:spcBef>
@@ -12701,7 +12930,7 @@
             </a:endParaRPr>
           </a:p>
           <a:p>
-            <a:pPr indent="0" lvl="0" marL="0" rtl="0" algn="l">
+            <a:pPr marL="0" lvl="0" indent="0" algn="l" rtl="0">
               <a:spcBef>
                 <a:spcPts val="1600"/>
               </a:spcBef>
@@ -12727,7 +12956,7 @@
             </a:endParaRPr>
           </a:p>
           <a:p>
-            <a:pPr indent="0" lvl="0" marL="0" rtl="0" algn="l">
+            <a:pPr marL="0" lvl="0" indent="0" algn="l" rtl="0">
               <a:spcBef>
                 <a:spcPts val="1600"/>
               </a:spcBef>
@@ -12763,11 +12992,11 @@
 </file>
 
 <file path=ppt/slides/slide6.xml><?xml version="1.0" encoding="utf-8"?>
-<p:sld xmlns:a="http://schemas.openxmlformats.org/drawingml/2006/main" xmlns:r="http://schemas.openxmlformats.org/officeDocument/2006/relationships" xmlns:mc="http://schemas.openxmlformats.org/markup-compatibility/2006" xmlns:mv="urn:schemas-microsoft-com:mac:vml" xmlns:p="http://schemas.openxmlformats.org/presentationml/2006/main" xmlns:c="http://schemas.openxmlformats.org/drawingml/2006/chart" xmlns:dgm="http://schemas.openxmlformats.org/drawingml/2006/diagram" xmlns:o="urn:schemas-microsoft-com:office:office" xmlns:v="urn:schemas-microsoft-com:vml" xmlns:pvml="urn:schemas-microsoft-com:office:powerpoint" xmlns:com="http://schemas.openxmlformats.org/drawingml/2006/compatibility" xmlns:p14="http://schemas.microsoft.com/office/powerpoint/2010/main" xmlns:p15="http://schemas.microsoft.com/office/powerpoint/2012/main">
+<p:sld xmlns:a="http://schemas.openxmlformats.org/drawingml/2006/main" xmlns:r="http://schemas.openxmlformats.org/officeDocument/2006/relationships" xmlns:p="http://schemas.openxmlformats.org/presentationml/2006/main">
   <p:cSld>
     <p:spTree>
       <p:nvGrpSpPr>
-        <p:cNvPr id="116" name="Shape 116"/>
+        <p:cNvPr id="1" name="Shape 116"/>
         <p:cNvGrpSpPr/>
         <p:nvPr/>
       </p:nvGrpSpPr>
@@ -12782,7 +13011,9 @@
       <p:sp>
         <p:nvSpPr>
           <p:cNvPr id="117" name="Google Shape;117;p18"/>
-          <p:cNvSpPr txBox="1"/>
+          <p:cNvSpPr txBox="1">
+            <a:spLocks noGrp="1"/>
+          </p:cNvSpPr>
           <p:nvPr>
             <p:ph type="title"/>
           </p:nvPr>
@@ -12797,12 +13028,12 @@
           </a:prstGeom>
         </p:spPr>
         <p:txBody>
-          <a:bodyPr anchorCtr="0" anchor="t" bIns="91425" lIns="91425" spcFirstLastPara="1" rIns="91425" wrap="square" tIns="91425">
+          <a:bodyPr spcFirstLastPara="1" wrap="square" lIns="91425" tIns="91425" rIns="91425" bIns="91425" anchor="t" anchorCtr="0">
             <a:noAutofit/>
           </a:bodyPr>
           <a:lstStyle/>
           <a:p>
-            <a:pPr indent="0" lvl="0" marL="0" rtl="0" algn="l">
+            <a:pPr marL="0" lvl="0" indent="0" algn="l" rtl="0">
               <a:spcBef>
                 <a:spcPts val="0"/>
               </a:spcBef>
@@ -12822,9 +13053,11 @@
       <p:sp>
         <p:nvSpPr>
           <p:cNvPr id="118" name="Google Shape;118;p18"/>
-          <p:cNvSpPr txBox="1"/>
+          <p:cNvSpPr txBox="1">
+            <a:spLocks noGrp="1"/>
+          </p:cNvSpPr>
           <p:nvPr>
-            <p:ph idx="1" type="body"/>
+            <p:ph type="body" idx="1"/>
           </p:nvPr>
         </p:nvSpPr>
         <p:spPr>
@@ -12837,12 +13070,12 @@
           </a:prstGeom>
         </p:spPr>
         <p:txBody>
-          <a:bodyPr anchorCtr="0" anchor="t" bIns="91425" lIns="91425" spcFirstLastPara="1" rIns="91425" wrap="square" tIns="91425">
+          <a:bodyPr spcFirstLastPara="1" wrap="square" lIns="91425" tIns="91425" rIns="91425" bIns="91425" anchor="t" anchorCtr="0">
             <a:noAutofit/>
           </a:bodyPr>
           <a:lstStyle/>
           <a:p>
-            <a:pPr indent="-311150" lvl="0" marL="457200" rtl="0" algn="l">
+            <a:pPr marL="457200" lvl="0" indent="-311150" algn="l" rtl="0">
               <a:spcBef>
                 <a:spcPts val="0"/>
               </a:spcBef>
@@ -12859,7 +13092,7 @@
             <a:endParaRPr/>
           </a:p>
           <a:p>
-            <a:pPr indent="-311150" lvl="0" marL="457200" rtl="0" algn="l">
+            <a:pPr marL="457200" lvl="0" indent="-311150" algn="l" rtl="0">
               <a:spcBef>
                 <a:spcPts val="0"/>
               </a:spcBef>
@@ -12876,7 +13109,7 @@
             <a:endParaRPr/>
           </a:p>
           <a:p>
-            <a:pPr indent="-311150" lvl="0" marL="457200" rtl="0" algn="l">
+            <a:pPr marL="457200" lvl="0" indent="-311150" algn="l" rtl="0">
               <a:spcBef>
                 <a:spcPts val="0"/>
               </a:spcBef>
@@ -12903,11 +13136,11 @@
 </file>
 
 <file path=ppt/slides/slide7.xml><?xml version="1.0" encoding="utf-8"?>
-<p:sld xmlns:a="http://schemas.openxmlformats.org/drawingml/2006/main" xmlns:r="http://schemas.openxmlformats.org/officeDocument/2006/relationships" xmlns:mc="http://schemas.openxmlformats.org/markup-compatibility/2006" xmlns:mv="urn:schemas-microsoft-com:mac:vml" xmlns:p="http://schemas.openxmlformats.org/presentationml/2006/main" xmlns:c="http://schemas.openxmlformats.org/drawingml/2006/chart" xmlns:dgm="http://schemas.openxmlformats.org/drawingml/2006/diagram" xmlns:o="urn:schemas-microsoft-com:office:office" xmlns:v="urn:schemas-microsoft-com:vml" xmlns:pvml="urn:schemas-microsoft-com:office:powerpoint" xmlns:com="http://schemas.openxmlformats.org/drawingml/2006/compatibility" xmlns:p14="http://schemas.microsoft.com/office/powerpoint/2010/main" xmlns:p15="http://schemas.microsoft.com/office/powerpoint/2012/main">
+<p:sld xmlns:a="http://schemas.openxmlformats.org/drawingml/2006/main" xmlns:r="http://schemas.openxmlformats.org/officeDocument/2006/relationships" xmlns:p="http://schemas.openxmlformats.org/presentationml/2006/main">
   <p:cSld>
     <p:spTree>
       <p:nvGrpSpPr>
-        <p:cNvPr id="122" name="Shape 122"/>
+        <p:cNvPr id="1" name="Shape 122"/>
         <p:cNvGrpSpPr/>
         <p:nvPr/>
       </p:nvGrpSpPr>
@@ -12922,7 +13155,9 @@
       <p:sp>
         <p:nvSpPr>
           <p:cNvPr id="123" name="Google Shape;123;p19"/>
-          <p:cNvSpPr txBox="1"/>
+          <p:cNvSpPr txBox="1">
+            <a:spLocks noGrp="1"/>
+          </p:cNvSpPr>
           <p:nvPr>
             <p:ph type="title"/>
           </p:nvPr>
@@ -12937,12 +13172,12 @@
           </a:prstGeom>
         </p:spPr>
         <p:txBody>
-          <a:bodyPr anchorCtr="0" anchor="t" bIns="91425" lIns="91425" spcFirstLastPara="1" rIns="91425" wrap="square" tIns="91425">
+          <a:bodyPr spcFirstLastPara="1" wrap="square" lIns="91425" tIns="91425" rIns="91425" bIns="91425" anchor="t" anchorCtr="0">
             <a:noAutofit/>
           </a:bodyPr>
           <a:lstStyle/>
           <a:p>
-            <a:pPr indent="0" lvl="0" marL="0" rtl="0" algn="l">
+            <a:pPr marL="0" lvl="0" indent="0" algn="l" rtl="0">
               <a:spcBef>
                 <a:spcPts val="0"/>
               </a:spcBef>
@@ -12962,9 +13197,11 @@
       <p:sp>
         <p:nvSpPr>
           <p:cNvPr id="124" name="Google Shape;124;p19"/>
-          <p:cNvSpPr txBox="1"/>
+          <p:cNvSpPr txBox="1">
+            <a:spLocks noGrp="1"/>
+          </p:cNvSpPr>
           <p:nvPr>
-            <p:ph idx="1" type="body"/>
+            <p:ph type="body" idx="1"/>
           </p:nvPr>
         </p:nvSpPr>
         <p:spPr>
@@ -12977,12 +13214,12 @@
           </a:prstGeom>
         </p:spPr>
         <p:txBody>
-          <a:bodyPr anchorCtr="0" anchor="t" bIns="91425" lIns="91425" spcFirstLastPara="1" rIns="91425" wrap="square" tIns="91425">
+          <a:bodyPr spcFirstLastPara="1" wrap="square" lIns="91425" tIns="91425" rIns="91425" bIns="91425" anchor="t" anchorCtr="0">
             <a:noAutofit/>
           </a:bodyPr>
           <a:lstStyle/>
           <a:p>
-            <a:pPr indent="0" lvl="0" marL="0" rtl="0" algn="l">
+            <a:pPr marL="0" lvl="0" indent="0" algn="l" rtl="0">
               <a:spcBef>
                 <a:spcPts val="0"/>
               </a:spcBef>
@@ -13008,7 +13245,7 @@
             </a:endParaRPr>
           </a:p>
           <a:p>
-            <a:pPr indent="0" lvl="0" marL="0" rtl="0" algn="l">
+            <a:pPr marL="0" lvl="0" indent="0" algn="l" rtl="0">
               <a:spcBef>
                 <a:spcPts val="1600"/>
               </a:spcBef>
@@ -13034,7 +13271,7 @@
             </a:endParaRPr>
           </a:p>
           <a:p>
-            <a:pPr indent="0" lvl="0" marL="0" rtl="0" algn="l">
+            <a:pPr marL="0" lvl="0" indent="0" algn="l" rtl="0">
               <a:spcBef>
                 <a:spcPts val="1600"/>
               </a:spcBef>
@@ -13070,11 +13307,11 @@
 </file>
 
 <file path=ppt/slides/slide8.xml><?xml version="1.0" encoding="utf-8"?>
-<p:sld xmlns:a="http://schemas.openxmlformats.org/drawingml/2006/main" xmlns:r="http://schemas.openxmlformats.org/officeDocument/2006/relationships" xmlns:mc="http://schemas.openxmlformats.org/markup-compatibility/2006" xmlns:mv="urn:schemas-microsoft-com:mac:vml" xmlns:p="http://schemas.openxmlformats.org/presentationml/2006/main" xmlns:c="http://schemas.openxmlformats.org/drawingml/2006/chart" xmlns:dgm="http://schemas.openxmlformats.org/drawingml/2006/diagram" xmlns:o="urn:schemas-microsoft-com:office:office" xmlns:v="urn:schemas-microsoft-com:vml" xmlns:pvml="urn:schemas-microsoft-com:office:powerpoint" xmlns:com="http://schemas.openxmlformats.org/drawingml/2006/compatibility" xmlns:p14="http://schemas.microsoft.com/office/powerpoint/2010/main" xmlns:p15="http://schemas.microsoft.com/office/powerpoint/2012/main">
+<p:sld xmlns:a="http://schemas.openxmlformats.org/drawingml/2006/main" xmlns:r="http://schemas.openxmlformats.org/officeDocument/2006/relationships" xmlns:p="http://schemas.openxmlformats.org/presentationml/2006/main">
   <p:cSld>
     <p:spTree>
       <p:nvGrpSpPr>
-        <p:cNvPr id="128" name="Shape 128"/>
+        <p:cNvPr id="1" name="Shape 128"/>
         <p:cNvGrpSpPr/>
         <p:nvPr/>
       </p:nvGrpSpPr>
@@ -13089,7 +13326,9 @@
       <p:sp>
         <p:nvSpPr>
           <p:cNvPr id="129" name="Google Shape;129;p20"/>
-          <p:cNvSpPr txBox="1"/>
+          <p:cNvSpPr txBox="1">
+            <a:spLocks noGrp="1"/>
+          </p:cNvSpPr>
           <p:nvPr>
             <p:ph type="title"/>
           </p:nvPr>
@@ -13104,12 +13343,12 @@
           </a:prstGeom>
         </p:spPr>
         <p:txBody>
-          <a:bodyPr anchorCtr="0" anchor="t" bIns="91425" lIns="91425" spcFirstLastPara="1" rIns="91425" wrap="square" tIns="91425">
+          <a:bodyPr spcFirstLastPara="1" wrap="square" lIns="91425" tIns="91425" rIns="91425" bIns="91425" anchor="t" anchorCtr="0">
             <a:noAutofit/>
           </a:bodyPr>
           <a:lstStyle/>
           <a:p>
-            <a:pPr indent="0" lvl="0" marL="0" rtl="0" algn="l">
+            <a:pPr marL="0" lvl="0" indent="0" algn="l" rtl="0">
               <a:spcBef>
                 <a:spcPts val="0"/>
               </a:spcBef>
@@ -13129,9 +13368,11 @@
       <p:sp>
         <p:nvSpPr>
           <p:cNvPr id="130" name="Google Shape;130;p20"/>
-          <p:cNvSpPr txBox="1"/>
+          <p:cNvSpPr txBox="1">
+            <a:spLocks noGrp="1"/>
+          </p:cNvSpPr>
           <p:nvPr>
-            <p:ph idx="1" type="body"/>
+            <p:ph type="body" idx="1"/>
           </p:nvPr>
         </p:nvSpPr>
         <p:spPr>
@@ -13144,12 +13385,12 @@
           </a:prstGeom>
         </p:spPr>
         <p:txBody>
-          <a:bodyPr anchorCtr="0" anchor="t" bIns="91425" lIns="91425" spcFirstLastPara="1" rIns="91425" wrap="square" tIns="91425">
+          <a:bodyPr spcFirstLastPara="1" wrap="square" lIns="91425" tIns="91425" rIns="91425" bIns="91425" anchor="t" anchorCtr="0">
             <a:noAutofit/>
           </a:bodyPr>
           <a:lstStyle/>
           <a:p>
-            <a:pPr indent="0" lvl="0" marL="0" rtl="0" algn="l">
+            <a:pPr marL="0" lvl="0" indent="0" algn="l" rtl="0">
               <a:spcBef>
                 <a:spcPts val="0"/>
               </a:spcBef>
@@ -13175,11 +13416,11 @@
 </file>
 
 <file path=ppt/slides/slide9.xml><?xml version="1.0" encoding="utf-8"?>
-<p:sld xmlns:a="http://schemas.openxmlformats.org/drawingml/2006/main" xmlns:r="http://schemas.openxmlformats.org/officeDocument/2006/relationships" xmlns:mc="http://schemas.openxmlformats.org/markup-compatibility/2006" xmlns:mv="urn:schemas-microsoft-com:mac:vml" xmlns:p="http://schemas.openxmlformats.org/presentationml/2006/main" xmlns:c="http://schemas.openxmlformats.org/drawingml/2006/chart" xmlns:dgm="http://schemas.openxmlformats.org/drawingml/2006/diagram" xmlns:o="urn:schemas-microsoft-com:office:office" xmlns:v="urn:schemas-microsoft-com:vml" xmlns:pvml="urn:schemas-microsoft-com:office:powerpoint" xmlns:com="http://schemas.openxmlformats.org/drawingml/2006/compatibility" xmlns:p14="http://schemas.microsoft.com/office/powerpoint/2010/main" xmlns:p15="http://schemas.microsoft.com/office/powerpoint/2012/main">
+<p:sld xmlns:a="http://schemas.openxmlformats.org/drawingml/2006/main" xmlns:r="http://schemas.openxmlformats.org/officeDocument/2006/relationships" xmlns:p="http://schemas.openxmlformats.org/presentationml/2006/main">
   <p:cSld>
     <p:spTree>
       <p:nvGrpSpPr>
-        <p:cNvPr id="134" name="Shape 134"/>
+        <p:cNvPr id="1" name="Shape 134"/>
         <p:cNvGrpSpPr/>
         <p:nvPr/>
       </p:nvGrpSpPr>
@@ -13194,7 +13435,9 @@
       <p:sp>
         <p:nvSpPr>
           <p:cNvPr id="135" name="Google Shape;135;p21"/>
-          <p:cNvSpPr txBox="1"/>
+          <p:cNvSpPr txBox="1">
+            <a:spLocks noGrp="1"/>
+          </p:cNvSpPr>
           <p:nvPr>
             <p:ph type="title"/>
           </p:nvPr>
@@ -13209,12 +13452,12 @@
           </a:prstGeom>
         </p:spPr>
         <p:txBody>
-          <a:bodyPr anchorCtr="0" anchor="t" bIns="91425" lIns="91425" spcFirstLastPara="1" rIns="91425" wrap="square" tIns="91425">
+          <a:bodyPr spcFirstLastPara="1" wrap="square" lIns="91425" tIns="91425" rIns="91425" bIns="91425" anchor="t" anchorCtr="0">
             <a:noAutofit/>
           </a:bodyPr>
           <a:lstStyle/>
           <a:p>
-            <a:pPr indent="0" lvl="0" marL="0" rtl="0" algn="l">
+            <a:pPr marL="0" lvl="0" indent="0" algn="l" rtl="0">
               <a:spcBef>
                 <a:spcPts val="0"/>
               </a:spcBef>
@@ -13234,9 +13477,11 @@
       <p:sp>
         <p:nvSpPr>
           <p:cNvPr id="136" name="Google Shape;136;p21"/>
-          <p:cNvSpPr txBox="1"/>
+          <p:cNvSpPr txBox="1">
+            <a:spLocks noGrp="1"/>
+          </p:cNvSpPr>
           <p:nvPr>
-            <p:ph idx="1" type="body"/>
+            <p:ph type="body" idx="1"/>
           </p:nvPr>
         </p:nvSpPr>
         <p:spPr>
@@ -13249,12 +13494,12 @@
           </a:prstGeom>
         </p:spPr>
         <p:txBody>
-          <a:bodyPr anchorCtr="0" anchor="t" bIns="91425" lIns="91425" spcFirstLastPara="1" rIns="91425" wrap="square" tIns="91425">
+          <a:bodyPr spcFirstLastPara="1" wrap="square" lIns="91425" tIns="91425" rIns="91425" bIns="91425" anchor="t" anchorCtr="0">
             <a:noAutofit/>
           </a:bodyPr>
           <a:lstStyle/>
           <a:p>
-            <a:pPr indent="0" lvl="0" marL="0" rtl="0" algn="l">
+            <a:pPr marL="0" lvl="0" indent="0" algn="l" rtl="0">
               <a:spcBef>
                 <a:spcPts val="0"/>
               </a:spcBef>
@@ -13280,7 +13525,7 @@
             </a:endParaRPr>
           </a:p>
           <a:p>
-            <a:pPr indent="0" lvl="0" marL="0" rtl="0" algn="l">
+            <a:pPr marL="0" lvl="0" indent="0" algn="l" rtl="0">
               <a:spcBef>
                 <a:spcPts val="1600"/>
               </a:spcBef>
@@ -13306,7 +13551,7 @@
             </a:endParaRPr>
           </a:p>
           <a:p>
-            <a:pPr indent="0" lvl="0" marL="0" rtl="0" algn="l">
+            <a:pPr marL="0" lvl="0" indent="0" algn="l" rtl="0">
               <a:spcBef>
                 <a:spcPts val="1600"/>
               </a:spcBef>
@@ -13332,7 +13577,7 @@
             </a:endParaRPr>
           </a:p>
           <a:p>
-            <a:pPr indent="0" lvl="0" marL="0" rtl="0" algn="l">
+            <a:pPr marL="0" lvl="0" indent="0" algn="l" rtl="0">
               <a:spcBef>
                 <a:spcPts val="1600"/>
               </a:spcBef>
@@ -13358,7 +13603,7 @@
             </a:endParaRPr>
           </a:p>
           <a:p>
-            <a:pPr indent="0" lvl="0" marL="0" rtl="0" algn="l">
+            <a:pPr marL="0" lvl="0" indent="0" algn="l" rtl="0">
               <a:spcBef>
                 <a:spcPts val="1600"/>
               </a:spcBef>
@@ -13367,13 +13612,10 @@
               </a:spcAft>
               <a:buNone/>
             </a:pPr>
-            <a:r>
-              <a:t/>
-            </a:r>
             <a:endParaRPr/>
           </a:p>
           <a:p>
-            <a:pPr indent="0" lvl="0" marL="0" rtl="0" algn="l">
+            <a:pPr marL="0" lvl="0" indent="0" algn="l" rtl="0">
               <a:spcBef>
                 <a:spcPts val="1600"/>
               </a:spcBef>
@@ -13399,7 +13641,288 @@
 </file>
 
 <file path=ppt/theme/theme1.xml><?xml version="1.0" encoding="utf-8"?>
-<a:theme xmlns:a="http://schemas.openxmlformats.org/drawingml/2006/main" xmlns:r="http://schemas.openxmlformats.org/officeDocument/2006/relationships">
+<a:theme xmlns:a="http://schemas.openxmlformats.org/drawingml/2006/main" name="Streamline">
+  <a:themeElements>
+    <a:clrScheme name="Streamline">
+      <a:dk1>
+        <a:srgbClr val="1A9988"/>
+      </a:dk1>
+      <a:lt1>
+        <a:srgbClr val="FFFFFF"/>
+      </a:lt1>
+      <a:dk2>
+        <a:srgbClr val="1A1A1A"/>
+      </a:dk2>
+      <a:lt2>
+        <a:srgbClr val="E9EDEE"/>
+      </a:lt2>
+      <a:accent1>
+        <a:srgbClr val="595959"/>
+      </a:accent1>
+      <a:accent2>
+        <a:srgbClr val="6AA4C8"/>
+      </a:accent2>
+      <a:accent3>
+        <a:srgbClr val="EB5600"/>
+      </a:accent3>
+      <a:accent4>
+        <a:srgbClr val="A2FFE8"/>
+      </a:accent4>
+      <a:accent5>
+        <a:srgbClr val="1C3678"/>
+      </a:accent5>
+      <a:accent6>
+        <a:srgbClr val="FFB8A2"/>
+      </a:accent6>
+      <a:hlink>
+        <a:srgbClr val="1C3678"/>
+      </a:hlink>
+      <a:folHlink>
+        <a:srgbClr val="1C3678"/>
+      </a:folHlink>
+    </a:clrScheme>
+    <a:fontScheme name="Office">
+      <a:majorFont>
+        <a:latin typeface="Arial"/>
+        <a:ea typeface=""/>
+        <a:cs typeface=""/>
+        <a:font script="Jpan" typeface="ＭＳ Ｐゴシック"/>
+        <a:font script="Hang" typeface="맑은 고딕"/>
+        <a:font script="Hans" typeface="宋体"/>
+        <a:font script="Hant" typeface="新細明體"/>
+        <a:font script="Arab" typeface="Times New Roman"/>
+        <a:font script="Hebr" typeface="Times New Roman"/>
+        <a:font script="Thai" typeface="Angsana New"/>
+        <a:font script="Ethi" typeface="Nyala"/>
+        <a:font script="Beng" typeface="Vrinda"/>
+        <a:font script="Gujr" typeface="Shruti"/>
+        <a:font script="Khmr" typeface="MoolBoran"/>
+        <a:font script="Knda" typeface="Tunga"/>
+        <a:font script="Guru" typeface="Raavi"/>
+        <a:font script="Cans" typeface="Euphemia"/>
+        <a:font script="Cher" typeface="Plantagenet Cherokee"/>
+        <a:font script="Yiii" typeface="Microsoft Yi Baiti"/>
+        <a:font script="Tibt" typeface="Microsoft Himalaya"/>
+        <a:font script="Thaa" typeface="MV Boli"/>
+        <a:font script="Deva" typeface="Mangal"/>
+        <a:font script="Telu" typeface="Gautami"/>
+        <a:font script="Taml" typeface="Latha"/>
+        <a:font script="Syrc" typeface="Estrangelo Edessa"/>
+        <a:font script="Orya" typeface="Kalinga"/>
+        <a:font script="Mlym" typeface="Kartika"/>
+        <a:font script="Laoo" typeface="DokChampa"/>
+        <a:font script="Sinh" typeface="Iskoola Pota"/>
+        <a:font script="Mong" typeface="Mongolian Baiti"/>
+        <a:font script="Viet" typeface="Times New Roman"/>
+        <a:font script="Uigh" typeface="Microsoft Uighur"/>
+        <a:font script="Geor" typeface="Sylfaen"/>
+      </a:majorFont>
+      <a:minorFont>
+        <a:latin typeface="Arial"/>
+        <a:ea typeface=""/>
+        <a:cs typeface=""/>
+        <a:font script="Jpan" typeface="ＭＳ Ｐゴシック"/>
+        <a:font script="Hang" typeface="맑은 고딕"/>
+        <a:font script="Hans" typeface="宋体"/>
+        <a:font script="Hant" typeface="新細明體"/>
+        <a:font script="Arab" typeface="Arial"/>
+        <a:font script="Hebr" typeface="Arial"/>
+        <a:font script="Thai" typeface="Cordia New"/>
+        <a:font script="Ethi" typeface="Nyala"/>
+        <a:font script="Beng" typeface="Vrinda"/>
+        <a:font script="Gujr" typeface="Shruti"/>
+        <a:font script="Khmr" typeface="DaunPenh"/>
+        <a:font script="Knda" typeface="Tunga"/>
+        <a:font script="Guru" typeface="Raavi"/>
+        <a:font script="Cans" typeface="Euphemia"/>
+        <a:font script="Cher" typeface="Plantagenet Cherokee"/>
+        <a:font script="Yiii" typeface="Microsoft Yi Baiti"/>
+        <a:font script="Tibt" typeface="Microsoft Himalaya"/>
+        <a:font script="Thaa" typeface="MV Boli"/>
+        <a:font script="Deva" typeface="Mangal"/>
+        <a:font script="Telu" typeface="Gautami"/>
+        <a:font script="Taml" typeface="Latha"/>
+        <a:font script="Syrc" typeface="Estrangelo Edessa"/>
+        <a:font script="Orya" typeface="Kalinga"/>
+        <a:font script="Mlym" typeface="Kartika"/>
+        <a:font script="Laoo" typeface="DokChampa"/>
+        <a:font script="Sinh" typeface="Iskoola Pota"/>
+        <a:font script="Mong" typeface="Mongolian Baiti"/>
+        <a:font script="Viet" typeface="Arial"/>
+        <a:font script="Uigh" typeface="Microsoft Uighur"/>
+        <a:font script="Geor" typeface="Sylfaen"/>
+      </a:minorFont>
+    </a:fontScheme>
+    <a:fmtScheme name="Office">
+      <a:fillStyleLst>
+        <a:solidFill>
+          <a:schemeClr val="phClr"/>
+        </a:solidFill>
+        <a:gradFill rotWithShape="1">
+          <a:gsLst>
+            <a:gs pos="0">
+              <a:schemeClr val="phClr">
+                <a:tint val="50000"/>
+                <a:satMod val="300000"/>
+              </a:schemeClr>
+            </a:gs>
+            <a:gs pos="35000">
+              <a:schemeClr val="phClr">
+                <a:tint val="37000"/>
+                <a:satMod val="300000"/>
+              </a:schemeClr>
+            </a:gs>
+            <a:gs pos="100000">
+              <a:schemeClr val="phClr">
+                <a:tint val="15000"/>
+                <a:satMod val="350000"/>
+              </a:schemeClr>
+            </a:gs>
+          </a:gsLst>
+          <a:lin ang="16200000" scaled="1"/>
+        </a:gradFill>
+        <a:gradFill rotWithShape="1">
+          <a:gsLst>
+            <a:gs pos="0">
+              <a:schemeClr val="phClr">
+                <a:tint val="100000"/>
+                <a:shade val="100000"/>
+                <a:satMod val="130000"/>
+              </a:schemeClr>
+            </a:gs>
+            <a:gs pos="100000">
+              <a:schemeClr val="phClr">
+                <a:tint val="50000"/>
+                <a:shade val="100000"/>
+                <a:satMod val="350000"/>
+              </a:schemeClr>
+            </a:gs>
+          </a:gsLst>
+          <a:lin ang="16200000" scaled="0"/>
+        </a:gradFill>
+      </a:fillStyleLst>
+      <a:lnStyleLst>
+        <a:ln w="9525" cap="flat" cmpd="sng" algn="ctr">
+          <a:solidFill>
+            <a:schemeClr val="phClr">
+              <a:shade val="95000"/>
+              <a:satMod val="105000"/>
+            </a:schemeClr>
+          </a:solidFill>
+          <a:prstDash val="solid"/>
+        </a:ln>
+        <a:ln w="25400" cap="flat" cmpd="sng" algn="ctr">
+          <a:solidFill>
+            <a:schemeClr val="phClr"/>
+          </a:solidFill>
+          <a:prstDash val="solid"/>
+        </a:ln>
+        <a:ln w="38100" cap="flat" cmpd="sng" algn="ctr">
+          <a:solidFill>
+            <a:schemeClr val="phClr"/>
+          </a:solidFill>
+          <a:prstDash val="solid"/>
+        </a:ln>
+      </a:lnStyleLst>
+      <a:effectStyleLst>
+        <a:effectStyle>
+          <a:effectLst>
+            <a:outerShdw blurRad="40000" dist="20000" dir="5400000" rotWithShape="0">
+              <a:srgbClr val="000000">
+                <a:alpha val="38000"/>
+              </a:srgbClr>
+            </a:outerShdw>
+          </a:effectLst>
+        </a:effectStyle>
+        <a:effectStyle>
+          <a:effectLst>
+            <a:outerShdw blurRad="40000" dist="23000" dir="5400000" rotWithShape="0">
+              <a:srgbClr val="000000">
+                <a:alpha val="35000"/>
+              </a:srgbClr>
+            </a:outerShdw>
+          </a:effectLst>
+        </a:effectStyle>
+        <a:effectStyle>
+          <a:effectLst>
+            <a:outerShdw blurRad="40000" dist="23000" dir="5400000" rotWithShape="0">
+              <a:srgbClr val="000000">
+                <a:alpha val="35000"/>
+              </a:srgbClr>
+            </a:outerShdw>
+          </a:effectLst>
+          <a:scene3d>
+            <a:camera prst="orthographicFront">
+              <a:rot lat="0" lon="0" rev="0"/>
+            </a:camera>
+            <a:lightRig rig="threePt" dir="t">
+              <a:rot lat="0" lon="0" rev="1200000"/>
+            </a:lightRig>
+          </a:scene3d>
+          <a:sp3d>
+            <a:bevelT w="63500" h="25400"/>
+          </a:sp3d>
+        </a:effectStyle>
+      </a:effectStyleLst>
+      <a:bgFillStyleLst>
+        <a:solidFill>
+          <a:schemeClr val="phClr"/>
+        </a:solidFill>
+        <a:gradFill rotWithShape="1">
+          <a:gsLst>
+            <a:gs pos="0">
+              <a:schemeClr val="phClr">
+                <a:tint val="40000"/>
+                <a:satMod val="350000"/>
+              </a:schemeClr>
+            </a:gs>
+            <a:gs pos="40000">
+              <a:schemeClr val="phClr">
+                <a:tint val="45000"/>
+                <a:shade val="99000"/>
+                <a:satMod val="350000"/>
+              </a:schemeClr>
+            </a:gs>
+            <a:gs pos="100000">
+              <a:schemeClr val="phClr">
+                <a:shade val="20000"/>
+                <a:satMod val="255000"/>
+              </a:schemeClr>
+            </a:gs>
+          </a:gsLst>
+          <a:path path="circle">
+            <a:fillToRect l="50000" t="-80000" r="50000" b="180000"/>
+          </a:path>
+        </a:gradFill>
+        <a:gradFill rotWithShape="1">
+          <a:gsLst>
+            <a:gs pos="0">
+              <a:schemeClr val="phClr">
+                <a:tint val="80000"/>
+                <a:satMod val="300000"/>
+              </a:schemeClr>
+            </a:gs>
+            <a:gs pos="100000">
+              <a:schemeClr val="phClr">
+                <a:shade val="30000"/>
+                <a:satMod val="200000"/>
+              </a:schemeClr>
+            </a:gs>
+          </a:gsLst>
+          <a:path path="circle">
+            <a:fillToRect l="50000" t="50000" r="50000" b="50000"/>
+          </a:path>
+        </a:gradFill>
+      </a:bgFillStyleLst>
+    </a:fmtScheme>
+  </a:themeElements>
+  <a:objectDefaults/>
+  <a:extraClrSchemeLst/>
+</a:theme>
+</file>
+
+<file path=ppt/theme/theme2.xml><?xml version="1.0" encoding="utf-8"?>
+<a:theme xmlns:a="http://schemas.openxmlformats.org/drawingml/2006/main">
   <a:themeElements>
     <a:clrScheme name="Default">
       <a:dk1>
@@ -13674,284 +14197,7 @@
       </a:bgFillStyleLst>
     </a:fmtScheme>
   </a:themeElements>
-</a:theme>
-</file>
-
-<file path=ppt/theme/theme2.xml><?xml version="1.0" encoding="utf-8"?>
-<a:theme xmlns:a="http://schemas.openxmlformats.org/drawingml/2006/main" xmlns:r="http://schemas.openxmlformats.org/officeDocument/2006/relationships" name="Streamline">
-  <a:themeElements>
-    <a:clrScheme name="Streamline">
-      <a:dk1>
-        <a:srgbClr val="1A9988"/>
-      </a:dk1>
-      <a:lt1>
-        <a:srgbClr val="FFFFFF"/>
-      </a:lt1>
-      <a:dk2>
-        <a:srgbClr val="1A1A1A"/>
-      </a:dk2>
-      <a:lt2>
-        <a:srgbClr val="E9EDEE"/>
-      </a:lt2>
-      <a:accent1>
-        <a:srgbClr val="595959"/>
-      </a:accent1>
-      <a:accent2>
-        <a:srgbClr val="6AA4C8"/>
-      </a:accent2>
-      <a:accent3>
-        <a:srgbClr val="EB5600"/>
-      </a:accent3>
-      <a:accent4>
-        <a:srgbClr val="A2FFE8"/>
-      </a:accent4>
-      <a:accent5>
-        <a:srgbClr val="1C3678"/>
-      </a:accent5>
-      <a:accent6>
-        <a:srgbClr val="FFB8A2"/>
-      </a:accent6>
-      <a:hlink>
-        <a:srgbClr val="1C3678"/>
-      </a:hlink>
-      <a:folHlink>
-        <a:srgbClr val="1C3678"/>
-      </a:folHlink>
-    </a:clrScheme>
-    <a:fontScheme name="Office">
-      <a:majorFont>
-        <a:latin typeface="Arial"/>
-        <a:ea typeface=""/>
-        <a:cs typeface=""/>
-        <a:font script="Jpan" typeface="ＭＳ Ｐゴシック"/>
-        <a:font script="Hang" typeface="맑은 고딕"/>
-        <a:font script="Hans" typeface="宋体"/>
-        <a:font script="Hant" typeface="新細明體"/>
-        <a:font script="Arab" typeface="Times New Roman"/>
-        <a:font script="Hebr" typeface="Times New Roman"/>
-        <a:font script="Thai" typeface="Angsana New"/>
-        <a:font script="Ethi" typeface="Nyala"/>
-        <a:font script="Beng" typeface="Vrinda"/>
-        <a:font script="Gujr" typeface="Shruti"/>
-        <a:font script="Khmr" typeface="MoolBoran"/>
-        <a:font script="Knda" typeface="Tunga"/>
-        <a:font script="Guru" typeface="Raavi"/>
-        <a:font script="Cans" typeface="Euphemia"/>
-        <a:font script="Cher" typeface="Plantagenet Cherokee"/>
-        <a:font script="Yiii" typeface="Microsoft Yi Baiti"/>
-        <a:font script="Tibt" typeface="Microsoft Himalaya"/>
-        <a:font script="Thaa" typeface="MV Boli"/>
-        <a:font script="Deva" typeface="Mangal"/>
-        <a:font script="Telu" typeface="Gautami"/>
-        <a:font script="Taml" typeface="Latha"/>
-        <a:font script="Syrc" typeface="Estrangelo Edessa"/>
-        <a:font script="Orya" typeface="Kalinga"/>
-        <a:font script="Mlym" typeface="Kartika"/>
-        <a:font script="Laoo" typeface="DokChampa"/>
-        <a:font script="Sinh" typeface="Iskoola Pota"/>
-        <a:font script="Mong" typeface="Mongolian Baiti"/>
-        <a:font script="Viet" typeface="Times New Roman"/>
-        <a:font script="Uigh" typeface="Microsoft Uighur"/>
-        <a:font script="Geor" typeface="Sylfaen"/>
-      </a:majorFont>
-      <a:minorFont>
-        <a:latin typeface="Arial"/>
-        <a:ea typeface=""/>
-        <a:cs typeface=""/>
-        <a:font script="Jpan" typeface="ＭＳ Ｐゴシック"/>
-        <a:font script="Hang" typeface="맑은 고딕"/>
-        <a:font script="Hans" typeface="宋体"/>
-        <a:font script="Hant" typeface="新細明體"/>
-        <a:font script="Arab" typeface="Arial"/>
-        <a:font script="Hebr" typeface="Arial"/>
-        <a:font script="Thai" typeface="Cordia New"/>
-        <a:font script="Ethi" typeface="Nyala"/>
-        <a:font script="Beng" typeface="Vrinda"/>
-        <a:font script="Gujr" typeface="Shruti"/>
-        <a:font script="Khmr" typeface="DaunPenh"/>
-        <a:font script="Knda" typeface="Tunga"/>
-        <a:font script="Guru" typeface="Raavi"/>
-        <a:font script="Cans" typeface="Euphemia"/>
-        <a:font script="Cher" typeface="Plantagenet Cherokee"/>
-        <a:font script="Yiii" typeface="Microsoft Yi Baiti"/>
-        <a:font script="Tibt" typeface="Microsoft Himalaya"/>
-        <a:font script="Thaa" typeface="MV Boli"/>
-        <a:font script="Deva" typeface="Mangal"/>
-        <a:font script="Telu" typeface="Gautami"/>
-        <a:font script="Taml" typeface="Latha"/>
-        <a:font script="Syrc" typeface="Estrangelo Edessa"/>
-        <a:font script="Orya" typeface="Kalinga"/>
-        <a:font script="Mlym" typeface="Kartika"/>
-        <a:font script="Laoo" typeface="DokChampa"/>
-        <a:font script="Sinh" typeface="Iskoola Pota"/>
-        <a:font script="Mong" typeface="Mongolian Baiti"/>
-        <a:font script="Viet" typeface="Arial"/>
-        <a:font script="Uigh" typeface="Microsoft Uighur"/>
-        <a:font script="Geor" typeface="Sylfaen"/>
-      </a:minorFont>
-    </a:fontScheme>
-    <a:fmtScheme name="Office">
-      <a:fillStyleLst>
-        <a:solidFill>
-          <a:schemeClr val="phClr"/>
-        </a:solidFill>
-        <a:gradFill rotWithShape="1">
-          <a:gsLst>
-            <a:gs pos="0">
-              <a:schemeClr val="phClr">
-                <a:tint val="50000"/>
-                <a:satMod val="300000"/>
-              </a:schemeClr>
-            </a:gs>
-            <a:gs pos="35000">
-              <a:schemeClr val="phClr">
-                <a:tint val="37000"/>
-                <a:satMod val="300000"/>
-              </a:schemeClr>
-            </a:gs>
-            <a:gs pos="100000">
-              <a:schemeClr val="phClr">
-                <a:tint val="15000"/>
-                <a:satMod val="350000"/>
-              </a:schemeClr>
-            </a:gs>
-          </a:gsLst>
-          <a:lin ang="16200000" scaled="1"/>
-        </a:gradFill>
-        <a:gradFill rotWithShape="1">
-          <a:gsLst>
-            <a:gs pos="0">
-              <a:schemeClr val="phClr">
-                <a:tint val="100000"/>
-                <a:shade val="100000"/>
-                <a:satMod val="130000"/>
-              </a:schemeClr>
-            </a:gs>
-            <a:gs pos="100000">
-              <a:schemeClr val="phClr">
-                <a:tint val="50000"/>
-                <a:shade val="100000"/>
-                <a:satMod val="350000"/>
-              </a:schemeClr>
-            </a:gs>
-          </a:gsLst>
-          <a:lin ang="16200000" scaled="0"/>
-        </a:gradFill>
-      </a:fillStyleLst>
-      <a:lnStyleLst>
-        <a:ln w="9525" cap="flat" cmpd="sng" algn="ctr">
-          <a:solidFill>
-            <a:schemeClr val="phClr">
-              <a:shade val="95000"/>
-              <a:satMod val="105000"/>
-            </a:schemeClr>
-          </a:solidFill>
-          <a:prstDash val="solid"/>
-        </a:ln>
-        <a:ln w="25400" cap="flat" cmpd="sng" algn="ctr">
-          <a:solidFill>
-            <a:schemeClr val="phClr"/>
-          </a:solidFill>
-          <a:prstDash val="solid"/>
-        </a:ln>
-        <a:ln w="38100" cap="flat" cmpd="sng" algn="ctr">
-          <a:solidFill>
-            <a:schemeClr val="phClr"/>
-          </a:solidFill>
-          <a:prstDash val="solid"/>
-        </a:ln>
-      </a:lnStyleLst>
-      <a:effectStyleLst>
-        <a:effectStyle>
-          <a:effectLst>
-            <a:outerShdw blurRad="40000" dist="20000" dir="5400000" rotWithShape="0">
-              <a:srgbClr val="000000">
-                <a:alpha val="38000"/>
-              </a:srgbClr>
-            </a:outerShdw>
-          </a:effectLst>
-        </a:effectStyle>
-        <a:effectStyle>
-          <a:effectLst>
-            <a:outerShdw blurRad="40000" dist="23000" dir="5400000" rotWithShape="0">
-              <a:srgbClr val="000000">
-                <a:alpha val="35000"/>
-              </a:srgbClr>
-            </a:outerShdw>
-          </a:effectLst>
-        </a:effectStyle>
-        <a:effectStyle>
-          <a:effectLst>
-            <a:outerShdw blurRad="40000" dist="23000" dir="5400000" rotWithShape="0">
-              <a:srgbClr val="000000">
-                <a:alpha val="35000"/>
-              </a:srgbClr>
-            </a:outerShdw>
-          </a:effectLst>
-          <a:scene3d>
-            <a:camera prst="orthographicFront">
-              <a:rot lat="0" lon="0" rev="0"/>
-            </a:camera>
-            <a:lightRig rig="threePt" dir="t">
-              <a:rot lat="0" lon="0" rev="1200000"/>
-            </a:lightRig>
-          </a:scene3d>
-          <a:sp3d>
-            <a:bevelT w="63500" h="25400"/>
-          </a:sp3d>
-        </a:effectStyle>
-      </a:effectStyleLst>
-      <a:bgFillStyleLst>
-        <a:solidFill>
-          <a:schemeClr val="phClr"/>
-        </a:solidFill>
-        <a:gradFill rotWithShape="1">
-          <a:gsLst>
-            <a:gs pos="0">
-              <a:schemeClr val="phClr">
-                <a:tint val="40000"/>
-                <a:satMod val="350000"/>
-              </a:schemeClr>
-            </a:gs>
-            <a:gs pos="40000">
-              <a:schemeClr val="phClr">
-                <a:tint val="45000"/>
-                <a:shade val="99000"/>
-                <a:satMod val="350000"/>
-              </a:schemeClr>
-            </a:gs>
-            <a:gs pos="100000">
-              <a:schemeClr val="phClr">
-                <a:shade val="20000"/>
-                <a:satMod val="255000"/>
-              </a:schemeClr>
-            </a:gs>
-          </a:gsLst>
-          <a:path path="circle">
-            <a:fillToRect l="50000" t="-80000" r="50000" b="180000"/>
-          </a:path>
-        </a:gradFill>
-        <a:gradFill rotWithShape="1">
-          <a:gsLst>
-            <a:gs pos="0">
-              <a:schemeClr val="phClr">
-                <a:tint val="80000"/>
-                <a:satMod val="300000"/>
-              </a:schemeClr>
-            </a:gs>
-            <a:gs pos="100000">
-              <a:schemeClr val="phClr">
-                <a:shade val="30000"/>
-                <a:satMod val="200000"/>
-              </a:schemeClr>
-            </a:gs>
-          </a:gsLst>
-          <a:path path="circle">
-            <a:fillToRect l="50000" t="50000" r="50000" b="50000"/>
-          </a:path>
-        </a:gradFill>
-      </a:bgFillStyleLst>
-    </a:fmtScheme>
-  </a:themeElements>
+  <a:objectDefaults/>
+  <a:extraClrSchemeLst/>
 </a:theme>
 </file>